--- a/talks/imaging_applied_optics_2016/images/figures_ppt.pptx
+++ b/talks/imaging_applied_optics_2016/images/figures_ppt.pptx
@@ -306,7 +306,7 @@
           <a:p>
             <a:fld id="{9D9501FF-ABFD-4A20-9D6D-E502A59752B5}" type="datetimeFigureOut">
               <a:rPr lang="en-US" smtClean="0"/>
-              <a:t>3/3/2016</a:t>
+              <a:t>3/4/2016</a:t>
             </a:fld>
             <a:endParaRPr lang="en-US"/>
           </a:p>
@@ -474,7 +474,7 @@
           <a:p>
             <a:fld id="{9D9501FF-ABFD-4A20-9D6D-E502A59752B5}" type="datetimeFigureOut">
               <a:rPr lang="en-US" smtClean="0"/>
-              <a:t>3/3/2016</a:t>
+              <a:t>3/4/2016</a:t>
             </a:fld>
             <a:endParaRPr lang="en-US"/>
           </a:p>
@@ -652,7 +652,7 @@
           <a:p>
             <a:fld id="{9D9501FF-ABFD-4A20-9D6D-E502A59752B5}" type="datetimeFigureOut">
               <a:rPr lang="en-US" smtClean="0"/>
-              <a:t>3/3/2016</a:t>
+              <a:t>3/4/2016</a:t>
             </a:fld>
             <a:endParaRPr lang="en-US"/>
           </a:p>
@@ -820,7 +820,7 @@
           <a:p>
             <a:fld id="{9D9501FF-ABFD-4A20-9D6D-E502A59752B5}" type="datetimeFigureOut">
               <a:rPr lang="en-US" smtClean="0"/>
-              <a:t>3/3/2016</a:t>
+              <a:t>3/4/2016</a:t>
             </a:fld>
             <a:endParaRPr lang="en-US"/>
           </a:p>
@@ -1065,7 +1065,7 @@
           <a:p>
             <a:fld id="{9D9501FF-ABFD-4A20-9D6D-E502A59752B5}" type="datetimeFigureOut">
               <a:rPr lang="en-US" smtClean="0"/>
-              <a:t>3/3/2016</a:t>
+              <a:t>3/4/2016</a:t>
             </a:fld>
             <a:endParaRPr lang="en-US"/>
           </a:p>
@@ -1294,7 +1294,7 @@
           <a:p>
             <a:fld id="{9D9501FF-ABFD-4A20-9D6D-E502A59752B5}" type="datetimeFigureOut">
               <a:rPr lang="en-US" smtClean="0"/>
-              <a:t>3/3/2016</a:t>
+              <a:t>3/4/2016</a:t>
             </a:fld>
             <a:endParaRPr lang="en-US"/>
           </a:p>
@@ -1658,7 +1658,7 @@
           <a:p>
             <a:fld id="{9D9501FF-ABFD-4A20-9D6D-E502A59752B5}" type="datetimeFigureOut">
               <a:rPr lang="en-US" smtClean="0"/>
-              <a:t>3/3/2016</a:t>
+              <a:t>3/4/2016</a:t>
             </a:fld>
             <a:endParaRPr lang="en-US"/>
           </a:p>
@@ -1775,7 +1775,7 @@
           <a:p>
             <a:fld id="{9D9501FF-ABFD-4A20-9D6D-E502A59752B5}" type="datetimeFigureOut">
               <a:rPr lang="en-US" smtClean="0"/>
-              <a:t>3/3/2016</a:t>
+              <a:t>3/4/2016</a:t>
             </a:fld>
             <a:endParaRPr lang="en-US"/>
           </a:p>
@@ -1870,7 +1870,7 @@
           <a:p>
             <a:fld id="{9D9501FF-ABFD-4A20-9D6D-E502A59752B5}" type="datetimeFigureOut">
               <a:rPr lang="en-US" smtClean="0"/>
-              <a:t>3/3/2016</a:t>
+              <a:t>3/4/2016</a:t>
             </a:fld>
             <a:endParaRPr lang="en-US"/>
           </a:p>
@@ -2145,7 +2145,7 @@
           <a:p>
             <a:fld id="{9D9501FF-ABFD-4A20-9D6D-E502A59752B5}" type="datetimeFigureOut">
               <a:rPr lang="en-US" smtClean="0"/>
-              <a:t>3/3/2016</a:t>
+              <a:t>3/4/2016</a:t>
             </a:fld>
             <a:endParaRPr lang="en-US"/>
           </a:p>
@@ -2400,7 +2400,7 @@
           <a:p>
             <a:fld id="{9D9501FF-ABFD-4A20-9D6D-E502A59752B5}" type="datetimeFigureOut">
               <a:rPr lang="en-US" smtClean="0"/>
-              <a:t>3/3/2016</a:t>
+              <a:t>3/4/2016</a:t>
             </a:fld>
             <a:endParaRPr lang="en-US"/>
           </a:p>
@@ -2611,7 +2611,7 @@
           <a:p>
             <a:fld id="{9D9501FF-ABFD-4A20-9D6D-E502A59752B5}" type="datetimeFigureOut">
               <a:rPr lang="en-US" smtClean="0"/>
-              <a:t>3/3/2016</a:t>
+              <a:t>3/4/2016</a:t>
             </a:fld>
             <a:endParaRPr lang="en-US"/>
           </a:p>
@@ -3706,577 +3706,272 @@
       </p:grpSpPr>
       <p:grpSp>
         <p:nvGrpSpPr>
-          <p:cNvPr id="71" name="Group 70"/>
+          <p:cNvPr id="81" name="Group 80"/>
           <p:cNvGrpSpPr/>
           <p:nvPr/>
         </p:nvGrpSpPr>
         <p:grpSpPr>
           <a:xfrm>
             <a:off x="-76204" y="343989"/>
-            <a:ext cx="5459180" cy="4304258"/>
+            <a:ext cx="5575295" cy="4304258"/>
             <a:chOff x="-76204" y="343989"/>
-            <a:chExt cx="5459180" cy="4304258"/>
+            <a:chExt cx="5575295" cy="4304258"/>
           </a:xfrm>
         </p:grpSpPr>
-        <p:pic>
-          <p:nvPicPr>
-            <p:cNvPr id="2" name="Picture 1"/>
-            <p:cNvPicPr>
-              <a:picLocks noChangeAspect="1"/>
-            </p:cNvPicPr>
-            <p:nvPr/>
-          </p:nvPicPr>
-          <p:blipFill rotWithShape="1">
-            <a:blip r:embed="rId2" cstate="print">
-              <a:extLst>
-                <a:ext uri="{28A0092B-C50C-407E-A947-70E740481C1C}">
-                  <a14:useLocalDpi xmlns:a14="http://schemas.microsoft.com/office/drawing/2010/main" val="0"/>
-                </a:ext>
-              </a:extLst>
-            </a:blip>
-            <a:srcRect l="14329" t="10002" r="11198" b="10253"/>
-            <a:stretch/>
-          </p:blipFill>
-          <p:spPr>
-            <a:xfrm>
-              <a:off x="2724150" y="2679708"/>
-              <a:ext cx="2651941" cy="1965960"/>
-            </a:xfrm>
-            <a:prstGeom prst="rect">
-              <a:avLst/>
-            </a:prstGeom>
-          </p:spPr>
-        </p:pic>
-        <p:pic>
-          <p:nvPicPr>
-            <p:cNvPr id="64" name="Picture 63"/>
-            <p:cNvPicPr>
-              <a:picLocks noChangeAspect="1"/>
-            </p:cNvPicPr>
-            <p:nvPr/>
-          </p:nvPicPr>
-          <p:blipFill rotWithShape="1">
-            <a:blip r:embed="rId3" cstate="print">
-              <a:extLst>
-                <a:ext uri="{28A0092B-C50C-407E-A947-70E740481C1C}">
-                  <a14:useLocalDpi xmlns:a14="http://schemas.microsoft.com/office/drawing/2010/main" val="0"/>
-                </a:ext>
-              </a:extLst>
-            </a:blip>
-            <a:srcRect l="13596" t="9819" r="11091" b="9561"/>
-            <a:stretch/>
-          </p:blipFill>
-          <p:spPr>
-            <a:xfrm>
-              <a:off x="3890987" y="1533689"/>
-              <a:ext cx="1489374" cy="1103766"/>
-            </a:xfrm>
-            <a:prstGeom prst="rect">
-              <a:avLst/>
-            </a:prstGeom>
-          </p:spPr>
-        </p:pic>
-        <p:pic>
-          <p:nvPicPr>
-            <p:cNvPr id="65" name="Picture 64"/>
-            <p:cNvPicPr>
-              <a:picLocks noChangeAspect="1"/>
-            </p:cNvPicPr>
-            <p:nvPr/>
-          </p:nvPicPr>
-          <p:blipFill>
-            <a:blip r:embed="rId4" cstate="print">
-              <a:extLst>
-                <a:ext uri="{28A0092B-C50C-407E-A947-70E740481C1C}">
-                  <a14:useLocalDpi xmlns:a14="http://schemas.microsoft.com/office/drawing/2010/main" val="0"/>
-                </a:ext>
-              </a:extLst>
-            </a:blip>
-            <a:stretch>
-              <a:fillRect/>
-            </a:stretch>
-          </p:blipFill>
-          <p:spPr>
-            <a:xfrm>
-              <a:off x="3890987" y="355426"/>
-              <a:ext cx="1491989" cy="1104737"/>
-            </a:xfrm>
-            <a:prstGeom prst="rect">
-              <a:avLst/>
-            </a:prstGeom>
-          </p:spPr>
-        </p:pic>
-        <p:sp>
-          <p:nvSpPr>
-            <p:cNvPr id="68" name="Rectangle 67"/>
-            <p:cNvSpPr/>
-            <p:nvPr/>
-          </p:nvSpPr>
-          <p:spPr>
-            <a:xfrm>
-              <a:off x="3900576" y="343989"/>
-              <a:ext cx="1316386" cy="369332"/>
-            </a:xfrm>
-            <a:prstGeom prst="rect">
-              <a:avLst/>
-            </a:prstGeom>
-          </p:spPr>
-          <p:txBody>
-            <a:bodyPr wrap="none">
-              <a:spAutoFit/>
-            </a:bodyPr>
-            <a:lstStyle/>
-            <a:p>
-              <a:r>
-                <a:rPr lang="en-US" sz="900" dirty="0">
-                  <a:solidFill>
-                    <a:schemeClr val="bg2">
-                      <a:lumMod val="75000"/>
-                    </a:schemeClr>
-                  </a:solidFill>
-                  <a:latin typeface="Times New Roman" panose="02020603050405020304" pitchFamily="18" charset="0"/>
-                  <a:cs typeface="Times New Roman" panose="02020603050405020304" pitchFamily="18" charset="0"/>
-                </a:rPr>
-                <a:t>Simulated sensor image </a:t>
-              </a:r>
-            </a:p>
-            <a:p>
-              <a:r>
-                <a:rPr lang="en-US" sz="900" dirty="0">
-                  <a:solidFill>
-                    <a:schemeClr val="bg2">
-                      <a:lumMod val="75000"/>
-                    </a:schemeClr>
-                  </a:solidFill>
-                  <a:latin typeface="Times New Roman" panose="02020603050405020304" pitchFamily="18" charset="0"/>
-                  <a:cs typeface="Times New Roman" panose="02020603050405020304" pitchFamily="18" charset="0"/>
-                </a:rPr>
-                <a:t>(lens tilt = -6°)</a:t>
-              </a:r>
-            </a:p>
-          </p:txBody>
-        </p:sp>
-        <p:sp>
-          <p:nvSpPr>
-            <p:cNvPr id="69" name="Rectangle 68"/>
-            <p:cNvSpPr/>
-            <p:nvPr/>
-          </p:nvSpPr>
-          <p:spPr>
-            <a:xfrm>
-              <a:off x="3905251" y="1536044"/>
-              <a:ext cx="1466850" cy="369332"/>
-            </a:xfrm>
-            <a:prstGeom prst="rect">
-              <a:avLst/>
-            </a:prstGeom>
-          </p:spPr>
-          <p:txBody>
-            <a:bodyPr wrap="square">
-              <a:spAutoFit/>
-            </a:bodyPr>
-            <a:lstStyle/>
-            <a:p>
-              <a:r>
-                <a:rPr lang="en-US" sz="900" dirty="0">
-                  <a:solidFill>
-                    <a:schemeClr val="bg2">
-                      <a:lumMod val="75000"/>
-                    </a:schemeClr>
-                  </a:solidFill>
-                  <a:latin typeface="Times New Roman" panose="02020603050405020304" pitchFamily="18" charset="0"/>
-                  <a:cs typeface="Times New Roman" panose="02020603050405020304" pitchFamily="18" charset="0"/>
-                </a:rPr>
-                <a:t>Focus measure </a:t>
-              </a:r>
-            </a:p>
-            <a:p>
-              <a:r>
-                <a:rPr lang="en-US" sz="900" dirty="0">
-                  <a:solidFill>
-                    <a:schemeClr val="bg2">
-                      <a:lumMod val="75000"/>
-                    </a:schemeClr>
-                  </a:solidFill>
-                  <a:latin typeface="Times New Roman" panose="02020603050405020304" pitchFamily="18" charset="0"/>
-                  <a:cs typeface="Times New Roman" panose="02020603050405020304" pitchFamily="18" charset="0"/>
-                </a:rPr>
-                <a:t>(Laplacian of Gaussian)</a:t>
-              </a:r>
-            </a:p>
-          </p:txBody>
-        </p:sp>
-        <p:pic>
-          <p:nvPicPr>
-            <p:cNvPr id="80" name="Picture 79"/>
-            <p:cNvPicPr>
-              <a:picLocks noChangeAspect="1"/>
-            </p:cNvPicPr>
-            <p:nvPr/>
-          </p:nvPicPr>
-          <p:blipFill rotWithShape="1">
-            <a:blip r:embed="rId5" cstate="print">
-              <a:extLst>
-                <a:ext uri="{BEBA8EAE-BF5A-486C-A8C5-ECC9F3942E4B}">
-                  <a14:imgProps xmlns:a14="http://schemas.microsoft.com/office/drawing/2010/main">
-                    <a14:imgLayer r:embed="rId6">
-                      <a14:imgEffect>
-                        <a14:sharpenSoften amount="20000"/>
-                      </a14:imgEffect>
-                    </a14:imgLayer>
-                  </a14:imgProps>
-                </a:ext>
-                <a:ext uri="{28A0092B-C50C-407E-A947-70E740481C1C}">
-                  <a14:useLocalDpi xmlns:a14="http://schemas.microsoft.com/office/drawing/2010/main" val="0"/>
-                </a:ext>
-              </a:extLst>
-            </a:blip>
-            <a:srcRect l="13859" t="10051" r="11173" b="9816"/>
-            <a:stretch/>
-          </p:blipFill>
-          <p:spPr>
-            <a:xfrm>
-              <a:off x="0" y="2679708"/>
-              <a:ext cx="2651760" cy="1962316"/>
-            </a:xfrm>
-            <a:prstGeom prst="rect">
-              <a:avLst/>
-            </a:prstGeom>
-            <a:effectLst/>
-          </p:spPr>
-        </p:pic>
-        <p:cxnSp>
-          <p:nvCxnSpPr>
-            <p:cNvPr id="89" name="Straight Connector 88"/>
-            <p:cNvCxnSpPr>
-              <a:stCxn id="65" idx="1"/>
-              <a:endCxn id="65" idx="3"/>
-            </p:cNvCxnSpPr>
-            <p:nvPr/>
-          </p:nvCxnSpPr>
-          <p:spPr>
-            <a:xfrm>
-              <a:off x="3890987" y="907795"/>
-              <a:ext cx="1491989" cy="0"/>
-            </a:xfrm>
-            <a:prstGeom prst="line">
-              <a:avLst/>
-            </a:prstGeom>
-            <a:ln>
-              <a:solidFill>
-                <a:schemeClr val="accent2">
-                  <a:lumMod val="20000"/>
-                  <a:lumOff val="80000"/>
-                </a:schemeClr>
-              </a:solidFill>
-              <a:prstDash val="dash"/>
-            </a:ln>
-          </p:spPr>
-          <p:style>
-            <a:lnRef idx="1">
-              <a:schemeClr val="accent1"/>
-            </a:lnRef>
-            <a:fillRef idx="0">
-              <a:schemeClr val="accent1"/>
-            </a:fillRef>
-            <a:effectRef idx="0">
-              <a:schemeClr val="accent1"/>
-            </a:effectRef>
-            <a:fontRef idx="minor">
-              <a:schemeClr val="tx1"/>
-            </a:fontRef>
-          </p:style>
-        </p:cxnSp>
-        <p:cxnSp>
-          <p:nvCxnSpPr>
-            <p:cNvPr id="91" name="Straight Connector 90"/>
-            <p:cNvCxnSpPr>
-              <a:stCxn id="64" idx="1"/>
-              <a:endCxn id="64" idx="3"/>
-            </p:cNvCxnSpPr>
-            <p:nvPr/>
-          </p:nvCxnSpPr>
-          <p:spPr>
-            <a:xfrm>
-              <a:off x="3890987" y="2085572"/>
-              <a:ext cx="1489374" cy="0"/>
-            </a:xfrm>
-            <a:prstGeom prst="line">
-              <a:avLst/>
-            </a:prstGeom>
-            <a:ln>
-              <a:solidFill>
-                <a:schemeClr val="accent2">
-                  <a:lumMod val="20000"/>
-                  <a:lumOff val="80000"/>
-                </a:schemeClr>
-              </a:solidFill>
-              <a:prstDash val="dash"/>
-            </a:ln>
-          </p:spPr>
-          <p:style>
-            <a:lnRef idx="1">
-              <a:schemeClr val="accent1"/>
-            </a:lnRef>
-            <a:fillRef idx="0">
-              <a:schemeClr val="accent1"/>
-            </a:fillRef>
-            <a:effectRef idx="0">
-              <a:schemeClr val="accent1"/>
-            </a:effectRef>
-            <a:fontRef idx="minor">
-              <a:schemeClr val="tx1"/>
-            </a:fontRef>
-          </p:style>
-        </p:cxnSp>
-        <p:cxnSp>
-          <p:nvCxnSpPr>
-            <p:cNvPr id="93" name="Straight Connector 92"/>
-            <p:cNvCxnSpPr>
-              <a:stCxn id="80" idx="1"/>
-              <a:endCxn id="80" idx="3"/>
-            </p:cNvCxnSpPr>
-            <p:nvPr/>
-          </p:nvCxnSpPr>
-          <p:spPr>
-            <a:xfrm>
-              <a:off x="0" y="3660866"/>
-              <a:ext cx="2651760" cy="0"/>
-            </a:xfrm>
-            <a:prstGeom prst="line">
-              <a:avLst/>
-            </a:prstGeom>
-            <a:ln>
-              <a:solidFill>
-                <a:schemeClr val="accent2">
-                  <a:lumMod val="20000"/>
-                  <a:lumOff val="80000"/>
-                </a:schemeClr>
-              </a:solidFill>
-              <a:prstDash val="dash"/>
-            </a:ln>
-          </p:spPr>
-          <p:style>
-            <a:lnRef idx="1">
-              <a:schemeClr val="accent1"/>
-            </a:lnRef>
-            <a:fillRef idx="0">
-              <a:schemeClr val="accent1"/>
-            </a:fillRef>
-            <a:effectRef idx="0">
-              <a:schemeClr val="accent1"/>
-            </a:effectRef>
-            <a:fontRef idx="minor">
-              <a:schemeClr val="tx1"/>
-            </a:fontRef>
-          </p:style>
-        </p:cxnSp>
-        <p:cxnSp>
-          <p:nvCxnSpPr>
-            <p:cNvPr id="95" name="Straight Connector 94"/>
-            <p:cNvCxnSpPr/>
-            <p:nvPr/>
-          </p:nvCxnSpPr>
-          <p:spPr>
-            <a:xfrm>
-              <a:off x="2724331" y="3660866"/>
-              <a:ext cx="2651760" cy="0"/>
-            </a:xfrm>
-            <a:prstGeom prst="line">
-              <a:avLst/>
-            </a:prstGeom>
-            <a:ln>
-              <a:solidFill>
-                <a:schemeClr val="accent2">
-                  <a:lumMod val="20000"/>
-                  <a:lumOff val="80000"/>
-                </a:schemeClr>
-              </a:solidFill>
-              <a:prstDash val="dash"/>
-            </a:ln>
-          </p:spPr>
-          <p:style>
-            <a:lnRef idx="1">
-              <a:schemeClr val="accent1"/>
-            </a:lnRef>
-            <a:fillRef idx="0">
-              <a:schemeClr val="accent1"/>
-            </a:fillRef>
-            <a:effectRef idx="0">
-              <a:schemeClr val="accent1"/>
-            </a:effectRef>
-            <a:fontRef idx="minor">
-              <a:schemeClr val="tx1"/>
-            </a:fontRef>
-          </p:style>
-        </p:cxnSp>
-        <p:sp>
-          <p:nvSpPr>
-            <p:cNvPr id="96" name="Rectangle 95"/>
-            <p:cNvSpPr/>
-            <p:nvPr/>
-          </p:nvSpPr>
-          <p:spPr>
-            <a:xfrm>
-              <a:off x="6351" y="2685394"/>
-              <a:ext cx="1466850" cy="230832"/>
-            </a:xfrm>
-            <a:prstGeom prst="rect">
-              <a:avLst/>
-            </a:prstGeom>
-          </p:spPr>
-          <p:txBody>
-            <a:bodyPr wrap="square">
-              <a:spAutoFit/>
-            </a:bodyPr>
-            <a:lstStyle/>
-            <a:p>
-              <a:r>
-                <a:rPr lang="en-US" sz="900" dirty="0">
-                  <a:solidFill>
-                    <a:schemeClr val="bg2">
-                      <a:lumMod val="75000"/>
-                    </a:schemeClr>
-                  </a:solidFill>
-                  <a:latin typeface="Times New Roman" panose="02020603050405020304" pitchFamily="18" charset="0"/>
-                  <a:cs typeface="Times New Roman" panose="02020603050405020304" pitchFamily="18" charset="0"/>
-                </a:rPr>
-                <a:t>Composite image</a:t>
-              </a:r>
-            </a:p>
-          </p:txBody>
-        </p:sp>
-        <p:sp>
-          <p:nvSpPr>
-            <p:cNvPr id="97" name="Rectangle 96"/>
-            <p:cNvSpPr/>
-            <p:nvPr/>
-          </p:nvSpPr>
-          <p:spPr>
-            <a:xfrm>
-              <a:off x="2730500" y="2685394"/>
-              <a:ext cx="1797049" cy="369332"/>
-            </a:xfrm>
-            <a:prstGeom prst="rect">
-              <a:avLst/>
-            </a:prstGeom>
-          </p:spPr>
-          <p:txBody>
-            <a:bodyPr wrap="square">
-              <a:spAutoFit/>
-            </a:bodyPr>
-            <a:lstStyle/>
-            <a:p>
-              <a:r>
-                <a:rPr lang="en-US" sz="900" dirty="0">
-                  <a:solidFill>
-                    <a:schemeClr val="bg2">
-                      <a:lumMod val="75000"/>
-                    </a:schemeClr>
-                  </a:solidFill>
-                  <a:latin typeface="Times New Roman" panose="02020603050405020304" pitchFamily="18" charset="0"/>
-                  <a:cs typeface="Times New Roman" panose="02020603050405020304" pitchFamily="18" charset="0"/>
-                </a:rPr>
-                <a:t>Focus measure of composite image </a:t>
-              </a:r>
-            </a:p>
-            <a:p>
-              <a:r>
-                <a:rPr lang="en-US" sz="900" dirty="0">
-                  <a:solidFill>
-                    <a:schemeClr val="bg2">
-                      <a:lumMod val="75000"/>
-                    </a:schemeClr>
-                  </a:solidFill>
-                  <a:latin typeface="Times New Roman" panose="02020603050405020304" pitchFamily="18" charset="0"/>
-                  <a:cs typeface="Times New Roman" panose="02020603050405020304" pitchFamily="18" charset="0"/>
-                </a:rPr>
-                <a:t>(Laplacian of Gaussian)</a:t>
-              </a:r>
-            </a:p>
-          </p:txBody>
-        </p:sp>
         <p:grpSp>
           <p:nvGrpSpPr>
-            <p:cNvPr id="103" name="Group 102"/>
+            <p:cNvPr id="79" name="Group 78"/>
             <p:cNvGrpSpPr/>
             <p:nvPr/>
           </p:nvGrpSpPr>
           <p:grpSpPr>
             <a:xfrm>
-              <a:off x="3836388" y="1236065"/>
-              <a:ext cx="319318" cy="230832"/>
-              <a:chOff x="2001238" y="4855565"/>
-              <a:chExt cx="319318" cy="230832"/>
+              <a:off x="3805238" y="343989"/>
+              <a:ext cx="1693853" cy="1122908"/>
+              <a:chOff x="3805238" y="343989"/>
+              <a:chExt cx="1693853" cy="1122908"/>
             </a:xfrm>
           </p:grpSpPr>
+          <p:pic>
+            <p:nvPicPr>
+              <p:cNvPr id="65" name="Picture 64"/>
+              <p:cNvPicPr>
+                <a:picLocks noChangeAspect="1"/>
+              </p:cNvPicPr>
+              <p:nvPr/>
+            </p:nvPicPr>
+            <p:blipFill>
+              <a:blip r:embed="rId2" cstate="print">
+                <a:extLst>
+                  <a:ext uri="{28A0092B-C50C-407E-A947-70E740481C1C}">
+                    <a14:useLocalDpi xmlns:a14="http://schemas.microsoft.com/office/drawing/2010/main" val="0"/>
+                  </a:ext>
+                </a:extLst>
+              </a:blip>
+              <a:stretch>
+                <a:fillRect/>
+              </a:stretch>
+            </p:blipFill>
+            <p:spPr>
+              <a:xfrm>
+                <a:off x="3890987" y="355426"/>
+                <a:ext cx="1491989" cy="1104737"/>
+              </a:xfrm>
+              <a:prstGeom prst="rect">
+                <a:avLst/>
+              </a:prstGeom>
+            </p:spPr>
+          </p:pic>
           <p:sp>
             <p:nvSpPr>
-              <p:cNvPr id="104" name="Rounded Rectangle 103"/>
+              <p:cNvPr id="68" name="Rectangle 67"/>
               <p:cNvSpPr/>
               <p:nvPr/>
             </p:nvSpPr>
             <p:spPr>
               <a:xfrm>
-                <a:off x="2082370" y="4908726"/>
-                <a:ext cx="146304" cy="141883"/>
+                <a:off x="3900576" y="343989"/>
+                <a:ext cx="1598515" cy="369332"/>
               </a:xfrm>
-              <a:prstGeom prst="roundRect">
+              <a:prstGeom prst="rect">
                 <a:avLst/>
               </a:prstGeom>
-              <a:solidFill>
-                <a:schemeClr val="bg1"/>
-              </a:solidFill>
-              <a:ln w="6350">
+            </p:spPr>
+            <p:txBody>
+              <a:bodyPr wrap="none">
+                <a:spAutoFit/>
+              </a:bodyPr>
+              <a:lstStyle/>
+              <a:p>
+                <a:r>
+                  <a:rPr lang="en-US" sz="900" dirty="0">
+                    <a:solidFill>
+                      <a:schemeClr val="bg2">
+                        <a:lumMod val="75000"/>
+                      </a:schemeClr>
+                    </a:solidFill>
+                    <a:latin typeface="Times New Roman" panose="02020603050405020304" pitchFamily="18" charset="0"/>
+                    <a:cs typeface="Times New Roman" panose="02020603050405020304" pitchFamily="18" charset="0"/>
+                  </a:rPr>
+                  <a:t>Sensor image 1/9  (simulated) </a:t>
+                </a:r>
+              </a:p>
+              <a:p>
+                <a:r>
+                  <a:rPr lang="en-US" sz="900" dirty="0">
+                    <a:solidFill>
+                      <a:schemeClr val="bg2">
+                        <a:lumMod val="75000"/>
+                      </a:schemeClr>
+                    </a:solidFill>
+                    <a:latin typeface="Times New Roman" panose="02020603050405020304" pitchFamily="18" charset="0"/>
+                    <a:cs typeface="Times New Roman" panose="02020603050405020304" pitchFamily="18" charset="0"/>
+                  </a:rPr>
+                  <a:t>lens tilt = -6°</a:t>
+                </a:r>
+              </a:p>
+            </p:txBody>
+          </p:sp>
+          <p:cxnSp>
+            <p:nvCxnSpPr>
+              <p:cNvPr id="89" name="Straight Connector 88"/>
+              <p:cNvCxnSpPr>
+                <a:stCxn id="65" idx="1"/>
+                <a:endCxn id="65" idx="3"/>
+              </p:cNvCxnSpPr>
+              <p:nvPr/>
+            </p:nvCxnSpPr>
+            <p:spPr>
+              <a:xfrm>
+                <a:off x="3890987" y="907795"/>
+                <a:ext cx="1491989" cy="0"/>
+              </a:xfrm>
+              <a:prstGeom prst="line">
+                <a:avLst/>
+              </a:prstGeom>
+              <a:ln>
                 <a:solidFill>
-                  <a:schemeClr val="bg1">
-                    <a:lumMod val="75000"/>
+                  <a:schemeClr val="accent2">
+                    <a:lumMod val="20000"/>
+                    <a:lumOff val="80000"/>
                   </a:schemeClr>
                 </a:solidFill>
+                <a:prstDash val="dash"/>
               </a:ln>
-              <a:effectLst>
-                <a:outerShdw blurRad="25400" dist="25400" dir="2700000" algn="tl" rotWithShape="0">
-                  <a:prstClr val="black">
-                    <a:alpha val="40000"/>
-                  </a:prstClr>
-                </a:outerShdw>
-              </a:effectLst>
             </p:spPr>
             <p:style>
-              <a:lnRef idx="2">
-                <a:schemeClr val="accent1">
-                  <a:shade val="50000"/>
-                </a:schemeClr>
+              <a:lnRef idx="1">
+                <a:schemeClr val="accent1"/>
               </a:lnRef>
-              <a:fillRef idx="1">
+              <a:fillRef idx="0">
                 <a:schemeClr val="accent1"/>
               </a:fillRef>
               <a:effectRef idx="0">
                 <a:schemeClr val="accent1"/>
               </a:effectRef>
               <a:fontRef idx="minor">
-                <a:schemeClr val="lt1"/>
+                <a:schemeClr val="tx1"/>
               </a:fontRef>
             </p:style>
-            <p:txBody>
-              <a:bodyPr rtlCol="0" anchor="ctr"/>
-              <a:lstStyle/>
-              <a:p>
-                <a:pPr algn="ctr"/>
-                <a:endParaRPr lang="en-US"/>
-              </a:p>
-            </p:txBody>
-          </p:sp>
+          </p:cxnSp>
+          <p:grpSp>
+            <p:nvGrpSpPr>
+              <p:cNvPr id="103" name="Group 102"/>
+              <p:cNvGrpSpPr/>
+              <p:nvPr/>
+            </p:nvGrpSpPr>
+            <p:grpSpPr>
+              <a:xfrm>
+                <a:off x="3836388" y="1236065"/>
+                <a:ext cx="319318" cy="230832"/>
+                <a:chOff x="2001238" y="4855565"/>
+                <a:chExt cx="319318" cy="230832"/>
+              </a:xfrm>
+            </p:grpSpPr>
+            <p:sp>
+              <p:nvSpPr>
+                <p:cNvPr id="104" name="Rounded Rectangle 103"/>
+                <p:cNvSpPr/>
+                <p:nvPr/>
+              </p:nvSpPr>
+              <p:spPr>
+                <a:xfrm>
+                  <a:off x="2082370" y="4908726"/>
+                  <a:ext cx="146304" cy="141883"/>
+                </a:xfrm>
+                <a:prstGeom prst="roundRect">
+                  <a:avLst/>
+                </a:prstGeom>
+                <a:solidFill>
+                  <a:schemeClr val="bg1"/>
+                </a:solidFill>
+                <a:ln w="6350">
+                  <a:solidFill>
+                    <a:schemeClr val="bg1">
+                      <a:lumMod val="75000"/>
+                    </a:schemeClr>
+                  </a:solidFill>
+                </a:ln>
+                <a:effectLst>
+                  <a:outerShdw blurRad="25400" dist="25400" dir="2700000" algn="tl" rotWithShape="0">
+                    <a:prstClr val="black">
+                      <a:alpha val="40000"/>
+                    </a:prstClr>
+                  </a:outerShdw>
+                </a:effectLst>
+              </p:spPr>
+              <p:style>
+                <a:lnRef idx="2">
+                  <a:schemeClr val="accent1">
+                    <a:shade val="50000"/>
+                  </a:schemeClr>
+                </a:lnRef>
+                <a:fillRef idx="1">
+                  <a:schemeClr val="accent1"/>
+                </a:fillRef>
+                <a:effectRef idx="0">
+                  <a:schemeClr val="accent1"/>
+                </a:effectRef>
+                <a:fontRef idx="minor">
+                  <a:schemeClr val="lt1"/>
+                </a:fontRef>
+              </p:style>
+              <p:txBody>
+                <a:bodyPr rtlCol="0" anchor="ctr"/>
+                <a:lstStyle/>
+                <a:p>
+                  <a:pPr algn="ctr"/>
+                  <a:endParaRPr lang="en-US"/>
+                </a:p>
+              </p:txBody>
+            </p:sp>
+            <p:sp>
+              <p:nvSpPr>
+                <p:cNvPr id="105" name="TextBox 104"/>
+                <p:cNvSpPr txBox="1"/>
+                <p:nvPr/>
+              </p:nvSpPr>
+              <p:spPr>
+                <a:xfrm>
+                  <a:off x="2001238" y="4855565"/>
+                  <a:ext cx="319318" cy="230832"/>
+                </a:xfrm>
+                <a:prstGeom prst="rect">
+                  <a:avLst/>
+                </a:prstGeom>
+                <a:noFill/>
+              </p:spPr>
+              <p:txBody>
+                <a:bodyPr wrap="none" rtlCol="0">
+                  <a:spAutoFit/>
+                </a:bodyPr>
+                <a:lstStyle/>
+                <a:p>
+                  <a:r>
+                    <a:rPr lang="en-US" sz="900" dirty="0">
+                      <a:latin typeface="Times New Roman" panose="02020603050405020304" pitchFamily="18" charset="0"/>
+                      <a:cs typeface="Times New Roman" panose="02020603050405020304" pitchFamily="18" charset="0"/>
+                    </a:rPr>
+                    <a:t>(b)</a:t>
+                  </a:r>
+                  <a:endParaRPr lang="en-US" sz="1100" dirty="0">
+                    <a:latin typeface="Times New Roman" panose="02020603050405020304" pitchFamily="18" charset="0"/>
+                    <a:cs typeface="Times New Roman" panose="02020603050405020304" pitchFamily="18" charset="0"/>
+                  </a:endParaRPr>
+                </a:p>
+              </p:txBody>
+            </p:sp>
+          </p:grpSp>
           <p:sp>
             <p:nvSpPr>
-              <p:cNvPr id="105" name="TextBox 104"/>
+              <p:cNvPr id="66" name="TextBox 65"/>
               <p:cNvSpPr txBox="1"/>
               <p:nvPr/>
             </p:nvSpPr>
             <p:spPr>
               <a:xfrm>
-                <a:off x="2001238" y="4855565"/>
-                <a:ext cx="319318" cy="230832"/>
+                <a:off x="3805238" y="776289"/>
+                <a:ext cx="292068" cy="184666"/>
               </a:xfrm>
               <a:prstGeom prst="rect">
                 <a:avLst/>
@@ -4290,101 +3985,273 @@
               <a:lstStyle/>
               <a:p>
                 <a:r>
-                  <a:rPr lang="en-US" sz="900" dirty="0">
-                    <a:latin typeface="Times New Roman" panose="02020603050405020304" pitchFamily="18" charset="0"/>
-                    <a:cs typeface="Times New Roman" panose="02020603050405020304" pitchFamily="18" charset="0"/>
+                  <a:rPr lang="en-US" sz="600" dirty="0">
+                    <a:solidFill>
+                      <a:schemeClr val="accent2">
+                        <a:lumMod val="20000"/>
+                        <a:lumOff val="80000"/>
+                      </a:schemeClr>
+                    </a:solidFill>
                   </a:rPr>
-                  <a:t>(b)</a:t>
+                  <a:t>1/2</a:t>
                 </a:r>
-                <a:endParaRPr lang="en-US" sz="1100" dirty="0">
-                  <a:latin typeface="Times New Roman" panose="02020603050405020304" pitchFamily="18" charset="0"/>
-                  <a:cs typeface="Times New Roman" panose="02020603050405020304" pitchFamily="18" charset="0"/>
-                </a:endParaRPr>
               </a:p>
             </p:txBody>
           </p:sp>
         </p:grpSp>
         <p:grpSp>
           <p:nvGrpSpPr>
-            <p:cNvPr id="106" name="Group 105"/>
+            <p:cNvPr id="78" name="Group 77"/>
             <p:cNvGrpSpPr/>
             <p:nvPr/>
           </p:nvGrpSpPr>
           <p:grpSpPr>
             <a:xfrm>
-              <a:off x="3836388" y="2404465"/>
-              <a:ext cx="312906" cy="230832"/>
-              <a:chOff x="2001238" y="4855565"/>
-              <a:chExt cx="312906" cy="230832"/>
+              <a:off x="3814756" y="1533689"/>
+              <a:ext cx="1565605" cy="1103766"/>
+              <a:chOff x="3814756" y="1533689"/>
+              <a:chExt cx="1565605" cy="1103766"/>
             </a:xfrm>
           </p:grpSpPr>
+          <p:pic>
+            <p:nvPicPr>
+              <p:cNvPr id="64" name="Picture 63"/>
+              <p:cNvPicPr>
+                <a:picLocks noChangeAspect="1"/>
+              </p:cNvPicPr>
+              <p:nvPr/>
+            </p:nvPicPr>
+            <p:blipFill rotWithShape="1">
+              <a:blip r:embed="rId3" cstate="print">
+                <a:extLst>
+                  <a:ext uri="{28A0092B-C50C-407E-A947-70E740481C1C}">
+                    <a14:useLocalDpi xmlns:a14="http://schemas.microsoft.com/office/drawing/2010/main" val="0"/>
+                  </a:ext>
+                </a:extLst>
+              </a:blip>
+              <a:srcRect l="13596" t="9819" r="11091" b="9561"/>
+              <a:stretch/>
+            </p:blipFill>
+            <p:spPr>
+              <a:xfrm>
+                <a:off x="3890987" y="1533689"/>
+                <a:ext cx="1489374" cy="1103766"/>
+              </a:xfrm>
+              <a:prstGeom prst="rect">
+                <a:avLst/>
+              </a:prstGeom>
+            </p:spPr>
+          </p:pic>
           <p:sp>
             <p:nvSpPr>
-              <p:cNvPr id="107" name="Rounded Rectangle 106"/>
+              <p:cNvPr id="69" name="Rectangle 68"/>
               <p:cNvSpPr/>
               <p:nvPr/>
             </p:nvSpPr>
             <p:spPr>
               <a:xfrm>
-                <a:off x="2082370" y="4908726"/>
-                <a:ext cx="146304" cy="141883"/>
+                <a:off x="3905251" y="1536044"/>
+                <a:ext cx="1466850" cy="369332"/>
               </a:xfrm>
-              <a:prstGeom prst="roundRect">
+              <a:prstGeom prst="rect">
                 <a:avLst/>
               </a:prstGeom>
-              <a:solidFill>
-                <a:schemeClr val="bg1"/>
-              </a:solidFill>
-              <a:ln w="6350">
+            </p:spPr>
+            <p:txBody>
+              <a:bodyPr wrap="square">
+                <a:spAutoFit/>
+              </a:bodyPr>
+              <a:lstStyle/>
+              <a:p>
+                <a:r>
+                  <a:rPr lang="en-US" sz="900" dirty="0">
+                    <a:solidFill>
+                      <a:schemeClr val="bg2">
+                        <a:lumMod val="75000"/>
+                      </a:schemeClr>
+                    </a:solidFill>
+                    <a:latin typeface="Times New Roman" panose="02020603050405020304" pitchFamily="18" charset="0"/>
+                    <a:cs typeface="Times New Roman" panose="02020603050405020304" pitchFamily="18" charset="0"/>
+                  </a:rPr>
+                  <a:t>Focus measure </a:t>
+                </a:r>
+              </a:p>
+              <a:p>
+                <a:r>
+                  <a:rPr lang="en-US" sz="900" dirty="0">
+                    <a:solidFill>
+                      <a:schemeClr val="bg2">
+                        <a:lumMod val="75000"/>
+                      </a:schemeClr>
+                    </a:solidFill>
+                    <a:latin typeface="Times New Roman" panose="02020603050405020304" pitchFamily="18" charset="0"/>
+                    <a:cs typeface="Times New Roman" panose="02020603050405020304" pitchFamily="18" charset="0"/>
+                  </a:rPr>
+                  <a:t>(Laplacian of Gaussian)</a:t>
+                </a:r>
+              </a:p>
+            </p:txBody>
+          </p:sp>
+          <p:cxnSp>
+            <p:nvCxnSpPr>
+              <p:cNvPr id="91" name="Straight Connector 90"/>
+              <p:cNvCxnSpPr>
+                <a:stCxn id="64" idx="1"/>
+                <a:endCxn id="64" idx="3"/>
+              </p:cNvCxnSpPr>
+              <p:nvPr/>
+            </p:nvCxnSpPr>
+            <p:spPr>
+              <a:xfrm>
+                <a:off x="3890987" y="2085572"/>
+                <a:ext cx="1489374" cy="0"/>
+              </a:xfrm>
+              <a:prstGeom prst="line">
+                <a:avLst/>
+              </a:prstGeom>
+              <a:ln>
                 <a:solidFill>
-                  <a:schemeClr val="bg1">
-                    <a:lumMod val="75000"/>
+                  <a:schemeClr val="accent2">
+                    <a:lumMod val="20000"/>
+                    <a:lumOff val="80000"/>
                   </a:schemeClr>
                 </a:solidFill>
+                <a:prstDash val="dash"/>
               </a:ln>
-              <a:effectLst>
-                <a:outerShdw blurRad="25400" dist="25400" dir="2700000" algn="tl" rotWithShape="0">
-                  <a:prstClr val="black">
-                    <a:alpha val="40000"/>
-                  </a:prstClr>
-                </a:outerShdw>
-              </a:effectLst>
             </p:spPr>
             <p:style>
-              <a:lnRef idx="2">
-                <a:schemeClr val="accent1">
-                  <a:shade val="50000"/>
-                </a:schemeClr>
+              <a:lnRef idx="1">
+                <a:schemeClr val="accent1"/>
               </a:lnRef>
-              <a:fillRef idx="1">
+              <a:fillRef idx="0">
                 <a:schemeClr val="accent1"/>
               </a:fillRef>
               <a:effectRef idx="0">
                 <a:schemeClr val="accent1"/>
               </a:effectRef>
               <a:fontRef idx="minor">
-                <a:schemeClr val="lt1"/>
+                <a:schemeClr val="tx1"/>
               </a:fontRef>
             </p:style>
-            <p:txBody>
-              <a:bodyPr rtlCol="0" anchor="ctr"/>
-              <a:lstStyle/>
-              <a:p>
-                <a:pPr algn="ctr"/>
-                <a:endParaRPr lang="en-US"/>
-              </a:p>
-            </p:txBody>
-          </p:sp>
+          </p:cxnSp>
+          <p:grpSp>
+            <p:nvGrpSpPr>
+              <p:cNvPr id="106" name="Group 105"/>
+              <p:cNvGrpSpPr/>
+              <p:nvPr/>
+            </p:nvGrpSpPr>
+            <p:grpSpPr>
+              <a:xfrm>
+                <a:off x="3836388" y="2404465"/>
+                <a:ext cx="312906" cy="230832"/>
+                <a:chOff x="2001238" y="4855565"/>
+                <a:chExt cx="312906" cy="230832"/>
+              </a:xfrm>
+            </p:grpSpPr>
+            <p:sp>
+              <p:nvSpPr>
+                <p:cNvPr id="107" name="Rounded Rectangle 106"/>
+                <p:cNvSpPr/>
+                <p:nvPr/>
+              </p:nvSpPr>
+              <p:spPr>
+                <a:xfrm>
+                  <a:off x="2082370" y="4908726"/>
+                  <a:ext cx="146304" cy="141883"/>
+                </a:xfrm>
+                <a:prstGeom prst="roundRect">
+                  <a:avLst/>
+                </a:prstGeom>
+                <a:solidFill>
+                  <a:schemeClr val="bg1"/>
+                </a:solidFill>
+                <a:ln w="6350">
+                  <a:solidFill>
+                    <a:schemeClr val="bg1">
+                      <a:lumMod val="75000"/>
+                    </a:schemeClr>
+                  </a:solidFill>
+                </a:ln>
+                <a:effectLst>
+                  <a:outerShdw blurRad="25400" dist="25400" dir="2700000" algn="tl" rotWithShape="0">
+                    <a:prstClr val="black">
+                      <a:alpha val="40000"/>
+                    </a:prstClr>
+                  </a:outerShdw>
+                </a:effectLst>
+              </p:spPr>
+              <p:style>
+                <a:lnRef idx="2">
+                  <a:schemeClr val="accent1">
+                    <a:shade val="50000"/>
+                  </a:schemeClr>
+                </a:lnRef>
+                <a:fillRef idx="1">
+                  <a:schemeClr val="accent1"/>
+                </a:fillRef>
+                <a:effectRef idx="0">
+                  <a:schemeClr val="accent1"/>
+                </a:effectRef>
+                <a:fontRef idx="minor">
+                  <a:schemeClr val="lt1"/>
+                </a:fontRef>
+              </p:style>
+              <p:txBody>
+                <a:bodyPr rtlCol="0" anchor="ctr"/>
+                <a:lstStyle/>
+                <a:p>
+                  <a:pPr algn="ctr"/>
+                  <a:endParaRPr lang="en-US"/>
+                </a:p>
+              </p:txBody>
+            </p:sp>
+            <p:sp>
+              <p:nvSpPr>
+                <p:cNvPr id="108" name="TextBox 107"/>
+                <p:cNvSpPr txBox="1"/>
+                <p:nvPr/>
+              </p:nvSpPr>
+              <p:spPr>
+                <a:xfrm>
+                  <a:off x="2001238" y="4855565"/>
+                  <a:ext cx="312906" cy="230832"/>
+                </a:xfrm>
+                <a:prstGeom prst="rect">
+                  <a:avLst/>
+                </a:prstGeom>
+                <a:noFill/>
+              </p:spPr>
+              <p:txBody>
+                <a:bodyPr wrap="none" rtlCol="0">
+                  <a:spAutoFit/>
+                </a:bodyPr>
+                <a:lstStyle/>
+                <a:p>
+                  <a:r>
+                    <a:rPr lang="en-US" sz="900" dirty="0">
+                      <a:latin typeface="Times New Roman" panose="02020603050405020304" pitchFamily="18" charset="0"/>
+                      <a:cs typeface="Times New Roman" panose="02020603050405020304" pitchFamily="18" charset="0"/>
+                    </a:rPr>
+                    <a:t>(c)</a:t>
+                  </a:r>
+                  <a:endParaRPr lang="en-US" sz="1100" dirty="0">
+                    <a:latin typeface="Times New Roman" panose="02020603050405020304" pitchFamily="18" charset="0"/>
+                    <a:cs typeface="Times New Roman" panose="02020603050405020304" pitchFamily="18" charset="0"/>
+                  </a:endParaRPr>
+                </a:p>
+              </p:txBody>
+            </p:sp>
+          </p:grpSp>
           <p:sp>
             <p:nvSpPr>
-              <p:cNvPr id="108" name="TextBox 107"/>
+              <p:cNvPr id="116" name="TextBox 115"/>
               <p:cNvSpPr txBox="1"/>
               <p:nvPr/>
             </p:nvSpPr>
             <p:spPr>
               <a:xfrm>
-                <a:off x="2001238" y="4855565"/>
-                <a:ext cx="312906" cy="230832"/>
+                <a:off x="3814756" y="1952639"/>
+                <a:ext cx="292068" cy="184666"/>
               </a:xfrm>
               <a:prstGeom prst="rect">
                 <a:avLst/>
@@ -4398,101 +4265,269 @@
               <a:lstStyle/>
               <a:p>
                 <a:r>
-                  <a:rPr lang="en-US" sz="900" dirty="0">
-                    <a:latin typeface="Times New Roman" panose="02020603050405020304" pitchFamily="18" charset="0"/>
-                    <a:cs typeface="Times New Roman" panose="02020603050405020304" pitchFamily="18" charset="0"/>
+                  <a:rPr lang="en-US" sz="600" dirty="0">
+                    <a:solidFill>
+                      <a:schemeClr val="accent2">
+                        <a:lumMod val="20000"/>
+                        <a:lumOff val="80000"/>
+                      </a:schemeClr>
+                    </a:solidFill>
                   </a:rPr>
-                  <a:t>(c)</a:t>
+                  <a:t>1/2</a:t>
                 </a:r>
-                <a:endParaRPr lang="en-US" sz="1100" dirty="0">
-                  <a:latin typeface="Times New Roman" panose="02020603050405020304" pitchFamily="18" charset="0"/>
-                  <a:cs typeface="Times New Roman" panose="02020603050405020304" pitchFamily="18" charset="0"/>
-                </a:endParaRPr>
               </a:p>
             </p:txBody>
           </p:sp>
         </p:grpSp>
         <p:grpSp>
           <p:nvGrpSpPr>
-            <p:cNvPr id="109" name="Group 108"/>
+            <p:cNvPr id="77" name="Group 76"/>
             <p:cNvGrpSpPr/>
             <p:nvPr/>
           </p:nvGrpSpPr>
           <p:grpSpPr>
             <a:xfrm>
-              <a:off x="-49812" y="4411065"/>
-              <a:ext cx="319318" cy="230832"/>
-              <a:chOff x="2001238" y="4855565"/>
-              <a:chExt cx="319318" cy="230832"/>
+              <a:off x="-76204" y="2679708"/>
+              <a:ext cx="2727964" cy="1962316"/>
+              <a:chOff x="-76204" y="2679708"/>
+              <a:chExt cx="2727964" cy="1962316"/>
             </a:xfrm>
           </p:grpSpPr>
-          <p:sp>
-            <p:nvSpPr>
-              <p:cNvPr id="110" name="Rounded Rectangle 109"/>
-              <p:cNvSpPr/>
+          <p:pic>
+            <p:nvPicPr>
+              <p:cNvPr id="80" name="Picture 79"/>
+              <p:cNvPicPr>
+                <a:picLocks noChangeAspect="1"/>
+              </p:cNvPicPr>
               <p:nvPr/>
-            </p:nvSpPr>
+            </p:nvPicPr>
+            <p:blipFill rotWithShape="1">
+              <a:blip r:embed="rId4" cstate="print">
+                <a:extLst>
+                  <a:ext uri="{BEBA8EAE-BF5A-486C-A8C5-ECC9F3942E4B}">
+                    <a14:imgProps xmlns:a14="http://schemas.microsoft.com/office/drawing/2010/main">
+                      <a14:imgLayer r:embed="rId5">
+                        <a14:imgEffect>
+                          <a14:sharpenSoften amount="20000"/>
+                        </a14:imgEffect>
+                      </a14:imgLayer>
+                    </a14:imgProps>
+                  </a:ext>
+                  <a:ext uri="{28A0092B-C50C-407E-A947-70E740481C1C}">
+                    <a14:useLocalDpi xmlns:a14="http://schemas.microsoft.com/office/drawing/2010/main" val="0"/>
+                  </a:ext>
+                </a:extLst>
+              </a:blip>
+              <a:srcRect l="13859" t="10051" r="11173" b="9816"/>
+              <a:stretch/>
+            </p:blipFill>
             <p:spPr>
               <a:xfrm>
-                <a:off x="2082370" y="4908726"/>
-                <a:ext cx="146304" cy="141883"/>
+                <a:off x="0" y="2679708"/>
+                <a:ext cx="2651760" cy="1962316"/>
               </a:xfrm>
-              <a:prstGeom prst="roundRect">
+              <a:prstGeom prst="rect">
                 <a:avLst/>
               </a:prstGeom>
-              <a:solidFill>
-                <a:schemeClr val="bg1"/>
-              </a:solidFill>
-              <a:ln w="6350">
+              <a:effectLst/>
+            </p:spPr>
+          </p:pic>
+          <p:cxnSp>
+            <p:nvCxnSpPr>
+              <p:cNvPr id="93" name="Straight Connector 92"/>
+              <p:cNvCxnSpPr>
+                <a:stCxn id="80" idx="1"/>
+                <a:endCxn id="80" idx="3"/>
+              </p:cNvCxnSpPr>
+              <p:nvPr/>
+            </p:nvCxnSpPr>
+            <p:spPr>
+              <a:xfrm>
+                <a:off x="0" y="3660866"/>
+                <a:ext cx="2651760" cy="0"/>
+              </a:xfrm>
+              <a:prstGeom prst="line">
+                <a:avLst/>
+              </a:prstGeom>
+              <a:ln>
                 <a:solidFill>
-                  <a:schemeClr val="bg1">
-                    <a:lumMod val="75000"/>
+                  <a:schemeClr val="accent2">
+                    <a:lumMod val="20000"/>
+                    <a:lumOff val="80000"/>
                   </a:schemeClr>
                 </a:solidFill>
+                <a:prstDash val="dash"/>
               </a:ln>
-              <a:effectLst>
-                <a:outerShdw blurRad="25400" dist="25400" dir="2700000" algn="tl" rotWithShape="0">
-                  <a:prstClr val="black">
-                    <a:alpha val="40000"/>
-                  </a:prstClr>
-                </a:outerShdw>
-              </a:effectLst>
             </p:spPr>
             <p:style>
-              <a:lnRef idx="2">
-                <a:schemeClr val="accent1">
-                  <a:shade val="50000"/>
-                </a:schemeClr>
+              <a:lnRef idx="1">
+                <a:schemeClr val="accent1"/>
               </a:lnRef>
-              <a:fillRef idx="1">
+              <a:fillRef idx="0">
                 <a:schemeClr val="accent1"/>
               </a:fillRef>
               <a:effectRef idx="0">
                 <a:schemeClr val="accent1"/>
               </a:effectRef>
               <a:fontRef idx="minor">
-                <a:schemeClr val="lt1"/>
+                <a:schemeClr val="tx1"/>
               </a:fontRef>
             </p:style>
+          </p:cxnSp>
+          <p:sp>
+            <p:nvSpPr>
+              <p:cNvPr id="96" name="Rectangle 95"/>
+              <p:cNvSpPr/>
+              <p:nvPr/>
+            </p:nvSpPr>
+            <p:spPr>
+              <a:xfrm>
+                <a:off x="6351" y="2685394"/>
+                <a:ext cx="1466850" cy="230832"/>
+              </a:xfrm>
+              <a:prstGeom prst="rect">
+                <a:avLst/>
+              </a:prstGeom>
+            </p:spPr>
             <p:txBody>
-              <a:bodyPr rtlCol="0" anchor="ctr"/>
+              <a:bodyPr wrap="square">
+                <a:spAutoFit/>
+              </a:bodyPr>
               <a:lstStyle/>
               <a:p>
-                <a:pPr algn="ctr"/>
-                <a:endParaRPr lang="en-US"/>
+                <a:r>
+                  <a:rPr lang="en-US" sz="900" dirty="0">
+                    <a:solidFill>
+                      <a:schemeClr val="bg2">
+                        <a:lumMod val="75000"/>
+                      </a:schemeClr>
+                    </a:solidFill>
+                    <a:latin typeface="Times New Roman" panose="02020603050405020304" pitchFamily="18" charset="0"/>
+                    <a:cs typeface="Times New Roman" panose="02020603050405020304" pitchFamily="18" charset="0"/>
+                  </a:rPr>
+                  <a:t>Composite image</a:t>
+                </a:r>
               </a:p>
             </p:txBody>
           </p:sp>
+          <p:grpSp>
+            <p:nvGrpSpPr>
+              <p:cNvPr id="109" name="Group 108"/>
+              <p:cNvGrpSpPr/>
+              <p:nvPr/>
+            </p:nvGrpSpPr>
+            <p:grpSpPr>
+              <a:xfrm>
+                <a:off x="-49812" y="4411065"/>
+                <a:ext cx="319318" cy="230832"/>
+                <a:chOff x="2001238" y="4855565"/>
+                <a:chExt cx="319318" cy="230832"/>
+              </a:xfrm>
+            </p:grpSpPr>
+            <p:sp>
+              <p:nvSpPr>
+                <p:cNvPr id="110" name="Rounded Rectangle 109"/>
+                <p:cNvSpPr/>
+                <p:nvPr/>
+              </p:nvSpPr>
+              <p:spPr>
+                <a:xfrm>
+                  <a:off x="2082370" y="4908726"/>
+                  <a:ext cx="146304" cy="141883"/>
+                </a:xfrm>
+                <a:prstGeom prst="roundRect">
+                  <a:avLst/>
+                </a:prstGeom>
+                <a:solidFill>
+                  <a:schemeClr val="bg1"/>
+                </a:solidFill>
+                <a:ln w="6350">
+                  <a:solidFill>
+                    <a:schemeClr val="bg1">
+                      <a:lumMod val="75000"/>
+                    </a:schemeClr>
+                  </a:solidFill>
+                </a:ln>
+                <a:effectLst>
+                  <a:outerShdw blurRad="25400" dist="25400" dir="2700000" algn="tl" rotWithShape="0">
+                    <a:prstClr val="black">
+                      <a:alpha val="40000"/>
+                    </a:prstClr>
+                  </a:outerShdw>
+                </a:effectLst>
+              </p:spPr>
+              <p:style>
+                <a:lnRef idx="2">
+                  <a:schemeClr val="accent1">
+                    <a:shade val="50000"/>
+                  </a:schemeClr>
+                </a:lnRef>
+                <a:fillRef idx="1">
+                  <a:schemeClr val="accent1"/>
+                </a:fillRef>
+                <a:effectRef idx="0">
+                  <a:schemeClr val="accent1"/>
+                </a:effectRef>
+                <a:fontRef idx="minor">
+                  <a:schemeClr val="lt1"/>
+                </a:fontRef>
+              </p:style>
+              <p:txBody>
+                <a:bodyPr rtlCol="0" anchor="ctr"/>
+                <a:lstStyle/>
+                <a:p>
+                  <a:pPr algn="ctr"/>
+                  <a:endParaRPr lang="en-US"/>
+                </a:p>
+              </p:txBody>
+            </p:sp>
+            <p:sp>
+              <p:nvSpPr>
+                <p:cNvPr id="111" name="TextBox 110"/>
+                <p:cNvSpPr txBox="1"/>
+                <p:nvPr/>
+              </p:nvSpPr>
+              <p:spPr>
+                <a:xfrm>
+                  <a:off x="2001238" y="4855565"/>
+                  <a:ext cx="319318" cy="230832"/>
+                </a:xfrm>
+                <a:prstGeom prst="rect">
+                  <a:avLst/>
+                </a:prstGeom>
+                <a:noFill/>
+              </p:spPr>
+              <p:txBody>
+                <a:bodyPr wrap="none" rtlCol="0">
+                  <a:spAutoFit/>
+                </a:bodyPr>
+                <a:lstStyle/>
+                <a:p>
+                  <a:r>
+                    <a:rPr lang="en-US" sz="900" dirty="0">
+                      <a:latin typeface="Times New Roman" panose="02020603050405020304" pitchFamily="18" charset="0"/>
+                      <a:cs typeface="Times New Roman" panose="02020603050405020304" pitchFamily="18" charset="0"/>
+                    </a:rPr>
+                    <a:t>(d)</a:t>
+                  </a:r>
+                  <a:endParaRPr lang="en-US" sz="1100" dirty="0">
+                    <a:latin typeface="Times New Roman" panose="02020603050405020304" pitchFamily="18" charset="0"/>
+                    <a:cs typeface="Times New Roman" panose="02020603050405020304" pitchFamily="18" charset="0"/>
+                  </a:endParaRPr>
+                </a:p>
+              </p:txBody>
+            </p:sp>
+          </p:grpSp>
           <p:sp>
             <p:nvSpPr>
-              <p:cNvPr id="111" name="TextBox 110"/>
+              <p:cNvPr id="117" name="TextBox 116"/>
               <p:cNvSpPr txBox="1"/>
               <p:nvPr/>
             </p:nvSpPr>
             <p:spPr>
               <a:xfrm>
-                <a:off x="2001238" y="4855565"/>
-                <a:ext cx="319318" cy="230832"/>
+                <a:off x="-76204" y="3514744"/>
+                <a:ext cx="292068" cy="184666"/>
               </a:xfrm>
               <a:prstGeom prst="rect">
                 <a:avLst/>
@@ -4506,101 +4541,270 @@
               <a:lstStyle/>
               <a:p>
                 <a:r>
-                  <a:rPr lang="en-US" sz="900" dirty="0">
-                    <a:latin typeface="Times New Roman" panose="02020603050405020304" pitchFamily="18" charset="0"/>
-                    <a:cs typeface="Times New Roman" panose="02020603050405020304" pitchFamily="18" charset="0"/>
+                  <a:rPr lang="en-US" sz="600" dirty="0">
+                    <a:solidFill>
+                      <a:schemeClr val="accent2">
+                        <a:lumMod val="20000"/>
+                        <a:lumOff val="80000"/>
+                      </a:schemeClr>
+                    </a:solidFill>
                   </a:rPr>
-                  <a:t>(d)</a:t>
+                  <a:t>1/2</a:t>
                 </a:r>
-                <a:endParaRPr lang="en-US" sz="1100" dirty="0">
-                  <a:latin typeface="Times New Roman" panose="02020603050405020304" pitchFamily="18" charset="0"/>
-                  <a:cs typeface="Times New Roman" panose="02020603050405020304" pitchFamily="18" charset="0"/>
-                </a:endParaRPr>
               </a:p>
             </p:txBody>
           </p:sp>
         </p:grpSp>
         <p:grpSp>
           <p:nvGrpSpPr>
-            <p:cNvPr id="112" name="Group 111"/>
+            <p:cNvPr id="76" name="Group 75"/>
             <p:cNvGrpSpPr/>
             <p:nvPr/>
           </p:nvGrpSpPr>
           <p:grpSpPr>
             <a:xfrm>
-              <a:off x="2667988" y="4417415"/>
-              <a:ext cx="312906" cy="230832"/>
-              <a:chOff x="2001238" y="4855565"/>
-              <a:chExt cx="312906" cy="230832"/>
+              <a:off x="2647945" y="2679708"/>
+              <a:ext cx="2728146" cy="1968539"/>
+              <a:chOff x="2647945" y="2679708"/>
+              <a:chExt cx="2728146" cy="1968539"/>
             </a:xfrm>
           </p:grpSpPr>
-          <p:sp>
-            <p:nvSpPr>
-              <p:cNvPr id="113" name="Rounded Rectangle 112"/>
-              <p:cNvSpPr/>
+          <p:pic>
+            <p:nvPicPr>
+              <p:cNvPr id="2" name="Picture 1"/>
+              <p:cNvPicPr>
+                <a:picLocks noChangeAspect="1"/>
+              </p:cNvPicPr>
               <p:nvPr/>
-            </p:nvSpPr>
+            </p:nvPicPr>
+            <p:blipFill rotWithShape="1">
+              <a:blip r:embed="rId6" cstate="print">
+                <a:extLst>
+                  <a:ext uri="{28A0092B-C50C-407E-A947-70E740481C1C}">
+                    <a14:useLocalDpi xmlns:a14="http://schemas.microsoft.com/office/drawing/2010/main" val="0"/>
+                  </a:ext>
+                </a:extLst>
+              </a:blip>
+              <a:srcRect l="14329" t="10002" r="11198" b="10253"/>
+              <a:stretch/>
+            </p:blipFill>
             <p:spPr>
               <a:xfrm>
-                <a:off x="2082370" y="4908726"/>
-                <a:ext cx="146304" cy="141883"/>
+                <a:off x="2724150" y="2679708"/>
+                <a:ext cx="2651941" cy="1965960"/>
               </a:xfrm>
-              <a:prstGeom prst="roundRect">
+              <a:prstGeom prst="rect">
                 <a:avLst/>
               </a:prstGeom>
-              <a:solidFill>
-                <a:schemeClr val="bg1"/>
-              </a:solidFill>
-              <a:ln w="6350">
+            </p:spPr>
+          </p:pic>
+          <p:cxnSp>
+            <p:nvCxnSpPr>
+              <p:cNvPr id="95" name="Straight Connector 94"/>
+              <p:cNvCxnSpPr/>
+              <p:nvPr/>
+            </p:nvCxnSpPr>
+            <p:spPr>
+              <a:xfrm>
+                <a:off x="2724331" y="3660866"/>
+                <a:ext cx="2651760" cy="0"/>
+              </a:xfrm>
+              <a:prstGeom prst="line">
+                <a:avLst/>
+              </a:prstGeom>
+              <a:ln>
                 <a:solidFill>
-                  <a:schemeClr val="bg1">
-                    <a:lumMod val="75000"/>
+                  <a:schemeClr val="accent2">
+                    <a:lumMod val="20000"/>
+                    <a:lumOff val="80000"/>
                   </a:schemeClr>
                 </a:solidFill>
+                <a:prstDash val="dash"/>
               </a:ln>
-              <a:effectLst>
-                <a:outerShdw blurRad="25400" dist="25400" dir="2700000" algn="tl" rotWithShape="0">
-                  <a:prstClr val="black">
-                    <a:alpha val="40000"/>
-                  </a:prstClr>
-                </a:outerShdw>
-              </a:effectLst>
             </p:spPr>
             <p:style>
-              <a:lnRef idx="2">
-                <a:schemeClr val="accent1">
-                  <a:shade val="50000"/>
-                </a:schemeClr>
+              <a:lnRef idx="1">
+                <a:schemeClr val="accent1"/>
               </a:lnRef>
-              <a:fillRef idx="1">
+              <a:fillRef idx="0">
                 <a:schemeClr val="accent1"/>
               </a:fillRef>
               <a:effectRef idx="0">
                 <a:schemeClr val="accent1"/>
               </a:effectRef>
               <a:fontRef idx="minor">
-                <a:schemeClr val="lt1"/>
+                <a:schemeClr val="tx1"/>
               </a:fontRef>
             </p:style>
+          </p:cxnSp>
+          <p:sp>
+            <p:nvSpPr>
+              <p:cNvPr id="97" name="Rectangle 96"/>
+              <p:cNvSpPr/>
+              <p:nvPr/>
+            </p:nvSpPr>
+            <p:spPr>
+              <a:xfrm>
+                <a:off x="2730500" y="2685394"/>
+                <a:ext cx="2028825" cy="369332"/>
+              </a:xfrm>
+              <a:prstGeom prst="rect">
+                <a:avLst/>
+              </a:prstGeom>
+            </p:spPr>
             <p:txBody>
-              <a:bodyPr rtlCol="0" anchor="ctr"/>
+              <a:bodyPr wrap="square">
+                <a:spAutoFit/>
+              </a:bodyPr>
               <a:lstStyle/>
               <a:p>
-                <a:pPr algn="ctr"/>
-                <a:endParaRPr lang="en-US"/>
+                <a:r>
+                  <a:rPr lang="en-US" sz="900" dirty="0">
+                    <a:solidFill>
+                      <a:schemeClr val="bg2">
+                        <a:lumMod val="75000"/>
+                      </a:schemeClr>
+                    </a:solidFill>
+                    <a:latin typeface="Times New Roman" panose="02020603050405020304" pitchFamily="18" charset="0"/>
+                    <a:cs typeface="Times New Roman" panose="02020603050405020304" pitchFamily="18" charset="0"/>
+                  </a:rPr>
+                  <a:t>Focus measure of the composite image </a:t>
+                </a:r>
+              </a:p>
+              <a:p>
+                <a:r>
+                  <a:rPr lang="en-US" sz="900" dirty="0">
+                    <a:solidFill>
+                      <a:schemeClr val="bg2">
+                        <a:lumMod val="75000"/>
+                      </a:schemeClr>
+                    </a:solidFill>
+                    <a:latin typeface="Times New Roman" panose="02020603050405020304" pitchFamily="18" charset="0"/>
+                    <a:cs typeface="Times New Roman" panose="02020603050405020304" pitchFamily="18" charset="0"/>
+                  </a:rPr>
+                  <a:t>(using Laplacian of Gaussian)</a:t>
+                </a:r>
               </a:p>
             </p:txBody>
           </p:sp>
+          <p:grpSp>
+            <p:nvGrpSpPr>
+              <p:cNvPr id="112" name="Group 111"/>
+              <p:cNvGrpSpPr/>
+              <p:nvPr/>
+            </p:nvGrpSpPr>
+            <p:grpSpPr>
+              <a:xfrm>
+                <a:off x="2667988" y="4417415"/>
+                <a:ext cx="312906" cy="230832"/>
+                <a:chOff x="2001238" y="4855565"/>
+                <a:chExt cx="312906" cy="230832"/>
+              </a:xfrm>
+            </p:grpSpPr>
+            <p:sp>
+              <p:nvSpPr>
+                <p:cNvPr id="113" name="Rounded Rectangle 112"/>
+                <p:cNvSpPr/>
+                <p:nvPr/>
+              </p:nvSpPr>
+              <p:spPr>
+                <a:xfrm>
+                  <a:off x="2082370" y="4908726"/>
+                  <a:ext cx="146304" cy="141883"/>
+                </a:xfrm>
+                <a:prstGeom prst="roundRect">
+                  <a:avLst/>
+                </a:prstGeom>
+                <a:solidFill>
+                  <a:schemeClr val="bg1"/>
+                </a:solidFill>
+                <a:ln w="6350">
+                  <a:solidFill>
+                    <a:schemeClr val="bg1">
+                      <a:lumMod val="75000"/>
+                    </a:schemeClr>
+                  </a:solidFill>
+                </a:ln>
+                <a:effectLst>
+                  <a:outerShdw blurRad="25400" dist="25400" dir="2700000" algn="tl" rotWithShape="0">
+                    <a:prstClr val="black">
+                      <a:alpha val="40000"/>
+                    </a:prstClr>
+                  </a:outerShdw>
+                </a:effectLst>
+              </p:spPr>
+              <p:style>
+                <a:lnRef idx="2">
+                  <a:schemeClr val="accent1">
+                    <a:shade val="50000"/>
+                  </a:schemeClr>
+                </a:lnRef>
+                <a:fillRef idx="1">
+                  <a:schemeClr val="accent1"/>
+                </a:fillRef>
+                <a:effectRef idx="0">
+                  <a:schemeClr val="accent1"/>
+                </a:effectRef>
+                <a:fontRef idx="minor">
+                  <a:schemeClr val="lt1"/>
+                </a:fontRef>
+              </p:style>
+              <p:txBody>
+                <a:bodyPr rtlCol="0" anchor="ctr"/>
+                <a:lstStyle/>
+                <a:p>
+                  <a:pPr algn="ctr"/>
+                  <a:endParaRPr lang="en-US"/>
+                </a:p>
+              </p:txBody>
+            </p:sp>
+            <p:sp>
+              <p:nvSpPr>
+                <p:cNvPr id="114" name="TextBox 113"/>
+                <p:cNvSpPr txBox="1"/>
+                <p:nvPr/>
+              </p:nvSpPr>
+              <p:spPr>
+                <a:xfrm>
+                  <a:off x="2001238" y="4855565"/>
+                  <a:ext cx="312906" cy="230832"/>
+                </a:xfrm>
+                <a:prstGeom prst="rect">
+                  <a:avLst/>
+                </a:prstGeom>
+                <a:noFill/>
+              </p:spPr>
+              <p:txBody>
+                <a:bodyPr wrap="none" rtlCol="0">
+                  <a:spAutoFit/>
+                </a:bodyPr>
+                <a:lstStyle/>
+                <a:p>
+                  <a:r>
+                    <a:rPr lang="en-US" sz="900" dirty="0">
+                      <a:latin typeface="Times New Roman" panose="02020603050405020304" pitchFamily="18" charset="0"/>
+                      <a:cs typeface="Times New Roman" panose="02020603050405020304" pitchFamily="18" charset="0"/>
+                    </a:rPr>
+                    <a:t>(e)</a:t>
+                  </a:r>
+                  <a:endParaRPr lang="en-US" sz="1100" dirty="0">
+                    <a:latin typeface="Times New Roman" panose="02020603050405020304" pitchFamily="18" charset="0"/>
+                    <a:cs typeface="Times New Roman" panose="02020603050405020304" pitchFamily="18" charset="0"/>
+                  </a:endParaRPr>
+                </a:p>
+              </p:txBody>
+            </p:sp>
+          </p:grpSp>
           <p:sp>
             <p:nvSpPr>
-              <p:cNvPr id="114" name="TextBox 113"/>
+              <p:cNvPr id="118" name="TextBox 117"/>
               <p:cNvSpPr txBox="1"/>
               <p:nvPr/>
             </p:nvSpPr>
             <p:spPr>
               <a:xfrm>
-                <a:off x="2001238" y="4855565"/>
-                <a:ext cx="312906" cy="230832"/>
+                <a:off x="2647945" y="3514744"/>
+                <a:ext cx="292068" cy="184666"/>
               </a:xfrm>
               <a:prstGeom prst="rect">
                 <a:avLst/>
@@ -4614,167 +4818,23 @@
               <a:lstStyle/>
               <a:p>
                 <a:r>
-                  <a:rPr lang="en-US" sz="900" dirty="0">
-                    <a:latin typeface="Times New Roman" panose="02020603050405020304" pitchFamily="18" charset="0"/>
-                    <a:cs typeface="Times New Roman" panose="02020603050405020304" pitchFamily="18" charset="0"/>
+                  <a:rPr lang="en-US" sz="600" dirty="0">
+                    <a:solidFill>
+                      <a:schemeClr val="accent2">
+                        <a:lumMod val="20000"/>
+                        <a:lumOff val="80000"/>
+                      </a:schemeClr>
+                    </a:solidFill>
                   </a:rPr>
-                  <a:t>(e)</a:t>
+                  <a:t>1/2</a:t>
                 </a:r>
-                <a:endParaRPr lang="en-US" sz="1100" dirty="0">
-                  <a:latin typeface="Times New Roman" panose="02020603050405020304" pitchFamily="18" charset="0"/>
-                  <a:cs typeface="Times New Roman" panose="02020603050405020304" pitchFamily="18" charset="0"/>
-                </a:endParaRPr>
               </a:p>
             </p:txBody>
           </p:sp>
         </p:grpSp>
-        <p:sp>
-          <p:nvSpPr>
-            <p:cNvPr id="66" name="TextBox 65"/>
-            <p:cNvSpPr txBox="1"/>
-            <p:nvPr/>
-          </p:nvSpPr>
-          <p:spPr>
-            <a:xfrm>
-              <a:off x="3805238" y="776289"/>
-              <a:ext cx="292068" cy="184666"/>
-            </a:xfrm>
-            <a:prstGeom prst="rect">
-              <a:avLst/>
-            </a:prstGeom>
-            <a:noFill/>
-          </p:spPr>
-          <p:txBody>
-            <a:bodyPr wrap="none" rtlCol="0">
-              <a:spAutoFit/>
-            </a:bodyPr>
-            <a:lstStyle/>
-            <a:p>
-              <a:r>
-                <a:rPr lang="en-US" sz="600" dirty="0">
-                  <a:solidFill>
-                    <a:schemeClr val="accent2">
-                      <a:lumMod val="20000"/>
-                      <a:lumOff val="80000"/>
-                    </a:schemeClr>
-                  </a:solidFill>
-                </a:rPr>
-                <a:t>1/2</a:t>
-              </a:r>
-            </a:p>
-          </p:txBody>
-        </p:sp>
-        <p:sp>
-          <p:nvSpPr>
-            <p:cNvPr id="116" name="TextBox 115"/>
-            <p:cNvSpPr txBox="1"/>
-            <p:nvPr/>
-          </p:nvSpPr>
-          <p:spPr>
-            <a:xfrm>
-              <a:off x="3814756" y="1952639"/>
-              <a:ext cx="292068" cy="184666"/>
-            </a:xfrm>
-            <a:prstGeom prst="rect">
-              <a:avLst/>
-            </a:prstGeom>
-            <a:noFill/>
-          </p:spPr>
-          <p:txBody>
-            <a:bodyPr wrap="none" rtlCol="0">
-              <a:spAutoFit/>
-            </a:bodyPr>
-            <a:lstStyle/>
-            <a:p>
-              <a:r>
-                <a:rPr lang="en-US" sz="600" dirty="0">
-                  <a:solidFill>
-                    <a:schemeClr val="accent2">
-                      <a:lumMod val="20000"/>
-                      <a:lumOff val="80000"/>
-                    </a:schemeClr>
-                  </a:solidFill>
-                </a:rPr>
-                <a:t>1/2</a:t>
-              </a:r>
-            </a:p>
-          </p:txBody>
-        </p:sp>
-        <p:sp>
-          <p:nvSpPr>
-            <p:cNvPr id="117" name="TextBox 116"/>
-            <p:cNvSpPr txBox="1"/>
-            <p:nvPr/>
-          </p:nvSpPr>
-          <p:spPr>
-            <a:xfrm>
-              <a:off x="-76204" y="3514744"/>
-              <a:ext cx="292068" cy="184666"/>
-            </a:xfrm>
-            <a:prstGeom prst="rect">
-              <a:avLst/>
-            </a:prstGeom>
-            <a:noFill/>
-          </p:spPr>
-          <p:txBody>
-            <a:bodyPr wrap="none" rtlCol="0">
-              <a:spAutoFit/>
-            </a:bodyPr>
-            <a:lstStyle/>
-            <a:p>
-              <a:r>
-                <a:rPr lang="en-US" sz="600" dirty="0">
-                  <a:solidFill>
-                    <a:schemeClr val="accent2">
-                      <a:lumMod val="20000"/>
-                      <a:lumOff val="80000"/>
-                    </a:schemeClr>
-                  </a:solidFill>
-                </a:rPr>
-                <a:t>1/2</a:t>
-              </a:r>
-            </a:p>
-          </p:txBody>
-        </p:sp>
-        <p:sp>
-          <p:nvSpPr>
-            <p:cNvPr id="118" name="TextBox 117"/>
-            <p:cNvSpPr txBox="1"/>
-            <p:nvPr/>
-          </p:nvSpPr>
-          <p:spPr>
-            <a:xfrm>
-              <a:off x="2647945" y="3514744"/>
-              <a:ext cx="292068" cy="184666"/>
-            </a:xfrm>
-            <a:prstGeom prst="rect">
-              <a:avLst/>
-            </a:prstGeom>
-            <a:noFill/>
-          </p:spPr>
-          <p:txBody>
-            <a:bodyPr wrap="none" rtlCol="0">
-              <a:spAutoFit/>
-            </a:bodyPr>
-            <a:lstStyle/>
-            <a:p>
-              <a:r>
-                <a:rPr lang="en-US" sz="600" dirty="0">
-                  <a:solidFill>
-                    <a:schemeClr val="accent2">
-                      <a:lumMod val="20000"/>
-                      <a:lumOff val="80000"/>
-                    </a:schemeClr>
-                  </a:solidFill>
-                </a:rPr>
-                <a:t>1/2</a:t>
-              </a:r>
-            </a:p>
-          </p:txBody>
-        </p:sp>
         <p:grpSp>
           <p:nvGrpSpPr>
-            <p:cNvPr id="70" name="Group 69"/>
+            <p:cNvPr id="74" name="Group 73"/>
             <p:cNvGrpSpPr/>
             <p:nvPr/>
           </p:nvGrpSpPr>
@@ -5504,7 +5564,7 @@
               <a:prstGeom prst="line">
                 <a:avLst/>
               </a:prstGeom>
-              <a:ln w="9525">
+              <a:ln w="6350">
                 <a:solidFill>
                   <a:schemeClr val="bg1">
                     <a:lumMod val="50000"/>
@@ -5544,7 +5604,7 @@
               <a:prstGeom prst="line">
                 <a:avLst/>
               </a:prstGeom>
-              <a:ln w="9525">
+              <a:ln w="6350">
                 <a:solidFill>
                   <a:schemeClr val="bg1">
                     <a:lumMod val="50000"/>
@@ -5584,7 +5644,7 @@
               <a:prstGeom prst="line">
                 <a:avLst/>
               </a:prstGeom>
-              <a:ln w="9525">
+              <a:ln w="6350">
                 <a:solidFill>
                   <a:schemeClr val="bg1">
                     <a:lumMod val="50000"/>
@@ -5624,7 +5684,7 @@
               <a:prstGeom prst="line">
                 <a:avLst/>
               </a:prstGeom>
-              <a:ln w="15875" cap="sq">
+              <a:ln w="9525" cap="sq">
                 <a:solidFill>
                   <a:schemeClr val="bg1">
                     <a:lumMod val="50000"/>
@@ -5662,7 +5722,7 @@
               <a:prstGeom prst="line">
                 <a:avLst/>
               </a:prstGeom>
-              <a:ln w="15875" cap="sq">
+              <a:ln w="9525" cap="sq">
                 <a:solidFill>
                   <a:schemeClr val="bg1">
                     <a:lumMod val="50000"/>
@@ -5779,7 +5839,7 @@
                 <a:prstGeom prst="line">
                   <a:avLst/>
                 </a:prstGeom>
-                <a:ln w="15240">
+                <a:ln w="6350">
                   <a:solidFill>
                     <a:schemeClr val="tx1">
                       <a:lumMod val="65000"/>
@@ -5817,7 +5877,7 @@
                 <a:prstGeom prst="line">
                   <a:avLst/>
                 </a:prstGeom>
-                <a:ln w="15240">
+                <a:ln w="6350">
                   <a:solidFill>
                     <a:schemeClr val="tx1">
                       <a:lumMod val="65000"/>
@@ -5855,7 +5915,7 @@
                 <a:prstGeom prst="line">
                   <a:avLst/>
                 </a:prstGeom>
-                <a:ln w="15240">
+                <a:ln w="6350">
                   <a:solidFill>
                     <a:schemeClr val="tx1">
                       <a:lumMod val="65000"/>
@@ -6829,7 +6889,7 @@
                 <a:prstGeom prst="line">
                   <a:avLst/>
                 </a:prstGeom>
-                <a:ln w="9525">
+                <a:ln w="6350">
                   <a:solidFill>
                     <a:schemeClr val="tx1">
                       <a:lumMod val="65000"/>
@@ -6869,7 +6929,7 @@
                 <a:prstGeom prst="line">
                   <a:avLst/>
                 </a:prstGeom>
-                <a:ln w="12700">
+                <a:ln w="6350">
                   <a:solidFill>
                     <a:schemeClr val="tx1">
                       <a:lumMod val="65000"/>
@@ -6907,7 +6967,7 @@
                 <a:prstGeom prst="line">
                   <a:avLst/>
                 </a:prstGeom>
-                <a:ln w="9525">
+                <a:ln w="6350">
                   <a:solidFill>
                     <a:schemeClr val="tx1">
                       <a:lumMod val="65000"/>
@@ -6947,7 +7007,7 @@
                 <a:prstGeom prst="line">
                   <a:avLst/>
                 </a:prstGeom>
-                <a:ln w="15240">
+                <a:ln w="6350">
                   <a:solidFill>
                     <a:schemeClr val="tx1">
                       <a:lumMod val="65000"/>
@@ -6985,7 +7045,7 @@
                 <a:prstGeom prst="line">
                   <a:avLst/>
                 </a:prstGeom>
-                <a:ln w="15240">
+                <a:ln w="6350">
                   <a:solidFill>
                     <a:schemeClr val="tx1">
                       <a:lumMod val="65000"/>
@@ -7038,7 +7098,7 @@
                 <a:prstGeom prst="line">
                   <a:avLst/>
                 </a:prstGeom>
-                <a:ln w="15240">
+                <a:ln w="6350">
                   <a:solidFill>
                     <a:schemeClr val="tx1">
                       <a:lumMod val="65000"/>
@@ -7076,7 +7136,7 @@
                 <a:prstGeom prst="line">
                   <a:avLst/>
                 </a:prstGeom>
-                <a:ln w="15240">
+                <a:ln w="6350">
                   <a:solidFill>
                     <a:schemeClr val="tx1">
                       <a:lumMod val="65000"/>
@@ -7114,7 +7174,7 @@
                 <a:prstGeom prst="line">
                   <a:avLst/>
                 </a:prstGeom>
-                <a:ln w="9525">
+                <a:ln w="6350">
                   <a:solidFill>
                     <a:schemeClr val="tx1">
                       <a:lumMod val="65000"/>
@@ -7169,7 +7229,7 @@
                 <a:prstGeom prst="line">
                   <a:avLst/>
                 </a:prstGeom>
-                <a:ln w="15240">
+                <a:ln w="6350">
                   <a:solidFill>
                     <a:schemeClr val="tx1">
                       <a:lumMod val="65000"/>
@@ -7207,7 +7267,7 @@
                 <a:prstGeom prst="line">
                   <a:avLst/>
                 </a:prstGeom>
-                <a:ln w="15240">
+                <a:ln w="6350">
                   <a:solidFill>
                     <a:schemeClr val="tx1">
                       <a:lumMod val="65000"/>
@@ -7245,7 +7305,7 @@
                 <a:prstGeom prst="line">
                   <a:avLst/>
                 </a:prstGeom>
-                <a:ln w="9525">
+                <a:ln w="6350">
                   <a:solidFill>
                     <a:schemeClr val="tx1">
                       <a:lumMod val="65000"/>
@@ -7346,7 +7406,7 @@
             </p:nvSpPr>
             <p:spPr>
               <a:xfrm rot="18964025">
-                <a:off x="627350" y="731292"/>
+                <a:off x="641642" y="731292"/>
                 <a:ext cx="495649" cy="230832"/>
               </a:xfrm>
               <a:prstGeom prst="rect">
@@ -7460,8 +7520,8 @@
             </p:nvSpPr>
             <p:spPr>
               <a:xfrm>
-                <a:off x="12701" y="361294"/>
-                <a:ext cx="1466850" cy="230832"/>
+                <a:off x="12700" y="361294"/>
+                <a:ext cx="1572259" cy="230832"/>
               </a:xfrm>
               <a:prstGeom prst="rect">
                 <a:avLst/>
@@ -7484,7 +7544,7 @@
                     <a:latin typeface="Times New Roman" panose="02020603050405020304" pitchFamily="18" charset="0"/>
                     <a:cs typeface="Times New Roman" panose="02020603050405020304" pitchFamily="18" charset="0"/>
                   </a:rPr>
-                  <a:t>Setup of Zemax Simulation</a:t>
+                  <a:t>Setup of simulation in Zemax</a:t>
                 </a:r>
               </a:p>
             </p:txBody>

--- a/talks/imaging_applied_optics_2016/images/figures_ppt.pptx
+++ b/talks/imaging_applied_optics_2016/images/figures_ppt.pptx
@@ -306,7 +306,7 @@
           <a:p>
             <a:fld id="{9D9501FF-ABFD-4A20-9D6D-E502A59752B5}" type="datetimeFigureOut">
               <a:rPr lang="en-US" smtClean="0"/>
-              <a:t>3/4/2016</a:t>
+              <a:t>3/6/2016</a:t>
             </a:fld>
             <a:endParaRPr lang="en-US"/>
           </a:p>
@@ -474,7 +474,7 @@
           <a:p>
             <a:fld id="{9D9501FF-ABFD-4A20-9D6D-E502A59752B5}" type="datetimeFigureOut">
               <a:rPr lang="en-US" smtClean="0"/>
-              <a:t>3/4/2016</a:t>
+              <a:t>3/6/2016</a:t>
             </a:fld>
             <a:endParaRPr lang="en-US"/>
           </a:p>
@@ -652,7 +652,7 @@
           <a:p>
             <a:fld id="{9D9501FF-ABFD-4A20-9D6D-E502A59752B5}" type="datetimeFigureOut">
               <a:rPr lang="en-US" smtClean="0"/>
-              <a:t>3/4/2016</a:t>
+              <a:t>3/6/2016</a:t>
             </a:fld>
             <a:endParaRPr lang="en-US"/>
           </a:p>
@@ -820,7 +820,7 @@
           <a:p>
             <a:fld id="{9D9501FF-ABFD-4A20-9D6D-E502A59752B5}" type="datetimeFigureOut">
               <a:rPr lang="en-US" smtClean="0"/>
-              <a:t>3/4/2016</a:t>
+              <a:t>3/6/2016</a:t>
             </a:fld>
             <a:endParaRPr lang="en-US"/>
           </a:p>
@@ -1065,7 +1065,7 @@
           <a:p>
             <a:fld id="{9D9501FF-ABFD-4A20-9D6D-E502A59752B5}" type="datetimeFigureOut">
               <a:rPr lang="en-US" smtClean="0"/>
-              <a:t>3/4/2016</a:t>
+              <a:t>3/6/2016</a:t>
             </a:fld>
             <a:endParaRPr lang="en-US"/>
           </a:p>
@@ -1294,7 +1294,7 @@
           <a:p>
             <a:fld id="{9D9501FF-ABFD-4A20-9D6D-E502A59752B5}" type="datetimeFigureOut">
               <a:rPr lang="en-US" smtClean="0"/>
-              <a:t>3/4/2016</a:t>
+              <a:t>3/6/2016</a:t>
             </a:fld>
             <a:endParaRPr lang="en-US"/>
           </a:p>
@@ -1658,7 +1658,7 @@
           <a:p>
             <a:fld id="{9D9501FF-ABFD-4A20-9D6D-E502A59752B5}" type="datetimeFigureOut">
               <a:rPr lang="en-US" smtClean="0"/>
-              <a:t>3/4/2016</a:t>
+              <a:t>3/6/2016</a:t>
             </a:fld>
             <a:endParaRPr lang="en-US"/>
           </a:p>
@@ -1775,7 +1775,7 @@
           <a:p>
             <a:fld id="{9D9501FF-ABFD-4A20-9D6D-E502A59752B5}" type="datetimeFigureOut">
               <a:rPr lang="en-US" smtClean="0"/>
-              <a:t>3/4/2016</a:t>
+              <a:t>3/6/2016</a:t>
             </a:fld>
             <a:endParaRPr lang="en-US"/>
           </a:p>
@@ -1870,7 +1870,7 @@
           <a:p>
             <a:fld id="{9D9501FF-ABFD-4A20-9D6D-E502A59752B5}" type="datetimeFigureOut">
               <a:rPr lang="en-US" smtClean="0"/>
-              <a:t>3/4/2016</a:t>
+              <a:t>3/6/2016</a:t>
             </a:fld>
             <a:endParaRPr lang="en-US"/>
           </a:p>
@@ -2145,7 +2145,7 @@
           <a:p>
             <a:fld id="{9D9501FF-ABFD-4A20-9D6D-E502A59752B5}" type="datetimeFigureOut">
               <a:rPr lang="en-US" smtClean="0"/>
-              <a:t>3/4/2016</a:t>
+              <a:t>3/6/2016</a:t>
             </a:fld>
             <a:endParaRPr lang="en-US"/>
           </a:p>
@@ -2400,7 +2400,7 @@
           <a:p>
             <a:fld id="{9D9501FF-ABFD-4A20-9D6D-E502A59752B5}" type="datetimeFigureOut">
               <a:rPr lang="en-US" smtClean="0"/>
-              <a:t>3/4/2016</a:t>
+              <a:t>3/6/2016</a:t>
             </a:fld>
             <a:endParaRPr lang="en-US"/>
           </a:p>
@@ -2611,7 +2611,7 @@
           <a:p>
             <a:fld id="{9D9501FF-ABFD-4A20-9D6D-E502A59752B5}" type="datetimeFigureOut">
               <a:rPr lang="en-US" smtClean="0"/>
-              <a:t>3/4/2016</a:t>
+              <a:t>3/6/2016</a:t>
             </a:fld>
             <a:endParaRPr lang="en-US"/>
           </a:p>
@@ -3706,7 +3706,277 @@
       </p:grpSpPr>
       <p:grpSp>
         <p:nvGrpSpPr>
-          <p:cNvPr id="81" name="Group 80"/>
+          <p:cNvPr id="7" name="Group 6" hidden="1"/>
+          <p:cNvGrpSpPr>
+            <a:grpSpLocks noChangeAspect="1"/>
+          </p:cNvGrpSpPr>
+          <p:nvPr/>
+        </p:nvGrpSpPr>
+        <p:grpSpPr>
+          <a:xfrm>
+            <a:off x="3276626" y="2046702"/>
+            <a:ext cx="363905" cy="453363"/>
+            <a:chOff x="6111782" y="3770504"/>
+            <a:chExt cx="511280" cy="636962"/>
+          </a:xfrm>
+          <a:scene3d>
+            <a:camera prst="orthographicFront"/>
+            <a:lightRig rig="threePt" dir="t"/>
+          </a:scene3d>
+        </p:grpSpPr>
+        <p:cxnSp>
+          <p:nvCxnSpPr>
+            <p:cNvPr id="52" name="Straight Arrow Connector 51"/>
+            <p:cNvCxnSpPr/>
+            <p:nvPr/>
+          </p:nvCxnSpPr>
+          <p:spPr>
+            <a:xfrm rot="19440000">
+              <a:off x="6277753" y="4096356"/>
+              <a:ext cx="274320" cy="0"/>
+            </a:xfrm>
+            <a:prstGeom prst="straightConnector1">
+              <a:avLst/>
+            </a:prstGeom>
+            <a:ln w="6350" cap="flat">
+              <a:solidFill>
+                <a:srgbClr val="DE0000">
+                  <a:alpha val="69804"/>
+                </a:srgbClr>
+              </a:solidFill>
+              <a:round/>
+              <a:headEnd w="sm" len="sm"/>
+              <a:tailEnd type="triangle" w="sm" len="med"/>
+            </a:ln>
+            <a:effectLst/>
+            <a:sp3d prstMaterial="matte">
+              <a:bevelT w="12700" h="12700"/>
+              <a:bevelB w="0" h="0"/>
+            </a:sp3d>
+          </p:spPr>
+          <p:style>
+            <a:lnRef idx="1">
+              <a:schemeClr val="accent1"/>
+            </a:lnRef>
+            <a:fillRef idx="0">
+              <a:schemeClr val="accent1"/>
+            </a:fillRef>
+            <a:effectRef idx="0">
+              <a:schemeClr val="accent1"/>
+            </a:effectRef>
+            <a:fontRef idx="minor">
+              <a:schemeClr val="tx1"/>
+            </a:fontRef>
+          </p:style>
+        </p:cxnSp>
+        <p:cxnSp>
+          <p:nvCxnSpPr>
+            <p:cNvPr id="53" name="Straight Arrow Connector 52"/>
+            <p:cNvCxnSpPr/>
+            <p:nvPr/>
+          </p:nvCxnSpPr>
+          <p:spPr>
+            <a:xfrm rot="16200000">
+              <a:off x="6165835" y="4047143"/>
+              <a:ext cx="274320" cy="0"/>
+            </a:xfrm>
+            <a:prstGeom prst="straightConnector1">
+              <a:avLst/>
+            </a:prstGeom>
+            <a:ln w="6350" cap="flat">
+              <a:solidFill>
+                <a:srgbClr val="00B050">
+                  <a:alpha val="70000"/>
+                </a:srgbClr>
+              </a:solidFill>
+              <a:round/>
+              <a:headEnd w="sm" len="sm"/>
+              <a:tailEnd type="triangle" w="sm" len="med"/>
+            </a:ln>
+            <a:effectLst/>
+            <a:sp3d prstMaterial="matte">
+              <a:bevelT w="12700" h="12700"/>
+              <a:bevelB w="0" h="0"/>
+            </a:sp3d>
+          </p:spPr>
+          <p:style>
+            <a:lnRef idx="1">
+              <a:schemeClr val="accent1"/>
+            </a:lnRef>
+            <a:fillRef idx="0">
+              <a:schemeClr val="accent1"/>
+            </a:fillRef>
+            <a:effectRef idx="0">
+              <a:schemeClr val="accent1"/>
+            </a:effectRef>
+            <a:fontRef idx="minor">
+              <a:schemeClr val="tx1"/>
+            </a:fontRef>
+          </p:style>
+        </p:cxnSp>
+        <p:cxnSp>
+          <p:nvCxnSpPr>
+            <p:cNvPr id="54" name="Straight Arrow Connector 53"/>
+            <p:cNvCxnSpPr/>
+            <p:nvPr/>
+          </p:nvCxnSpPr>
+          <p:spPr>
+            <a:xfrm>
+              <a:off x="6296805" y="4180493"/>
+              <a:ext cx="274320" cy="0"/>
+            </a:xfrm>
+            <a:prstGeom prst="straightConnector1">
+              <a:avLst/>
+            </a:prstGeom>
+            <a:ln w="6350" cap="flat">
+              <a:solidFill>
+                <a:srgbClr val="0078D2">
+                  <a:alpha val="70000"/>
+                </a:srgbClr>
+              </a:solidFill>
+              <a:round/>
+              <a:headEnd w="sm" len="sm"/>
+              <a:tailEnd type="triangle" w="sm" len="med"/>
+            </a:ln>
+            <a:effectLst/>
+            <a:sp3d prstMaterial="matte">
+              <a:bevelT w="12700" h="12700"/>
+              <a:bevelB w="0" h="0"/>
+            </a:sp3d>
+          </p:spPr>
+          <p:style>
+            <a:lnRef idx="1">
+              <a:schemeClr val="accent1"/>
+            </a:lnRef>
+            <a:fillRef idx="0">
+              <a:schemeClr val="accent1"/>
+            </a:fillRef>
+            <a:effectRef idx="0">
+              <a:schemeClr val="accent1"/>
+            </a:effectRef>
+            <a:fontRef idx="minor">
+              <a:schemeClr val="tx1"/>
+            </a:fontRef>
+          </p:style>
+        </p:cxnSp>
+        <p:sp>
+          <p:nvSpPr>
+            <p:cNvPr id="55" name="TextBox 54"/>
+            <p:cNvSpPr txBox="1"/>
+            <p:nvPr/>
+          </p:nvSpPr>
+          <p:spPr>
+            <a:xfrm>
+              <a:off x="6111782" y="3770504"/>
+              <a:ext cx="157163" cy="345935"/>
+            </a:xfrm>
+            <a:prstGeom prst="rect">
+              <a:avLst/>
+            </a:prstGeom>
+            <a:noFill/>
+          </p:spPr>
+          <p:txBody>
+            <a:bodyPr wrap="square" rtlCol="0">
+              <a:spAutoFit/>
+            </a:bodyPr>
+            <a:lstStyle/>
+            <a:p>
+              <a:r>
+                <a:rPr lang="en-US" sz="1000" i="1" dirty="0">
+                  <a:solidFill>
+                    <a:schemeClr val="tx1">
+                      <a:lumMod val="75000"/>
+                      <a:lumOff val="25000"/>
+                    </a:schemeClr>
+                  </a:solidFill>
+                  <a:latin typeface="Times New Roman" panose="02020603050405020304" pitchFamily="18" charset="0"/>
+                  <a:cs typeface="Times New Roman" panose="02020603050405020304" pitchFamily="18" charset="0"/>
+                </a:rPr>
+                <a:t>y</a:t>
+              </a:r>
+            </a:p>
+          </p:txBody>
+        </p:sp>
+        <p:sp>
+          <p:nvSpPr>
+            <p:cNvPr id="56" name="TextBox 55"/>
+            <p:cNvSpPr txBox="1"/>
+            <p:nvPr/>
+          </p:nvSpPr>
+          <p:spPr>
+            <a:xfrm>
+              <a:off x="6469250" y="3799875"/>
+              <a:ext cx="153812" cy="345935"/>
+            </a:xfrm>
+            <a:prstGeom prst="rect">
+              <a:avLst/>
+            </a:prstGeom>
+            <a:noFill/>
+          </p:spPr>
+          <p:txBody>
+            <a:bodyPr wrap="square" rtlCol="0">
+              <a:spAutoFit/>
+            </a:bodyPr>
+            <a:lstStyle/>
+            <a:p>
+              <a:r>
+                <a:rPr lang="en-US" sz="1000" i="1" dirty="0">
+                  <a:solidFill>
+                    <a:schemeClr val="tx1">
+                      <a:lumMod val="75000"/>
+                      <a:lumOff val="25000"/>
+                    </a:schemeClr>
+                  </a:solidFill>
+                  <a:latin typeface="Times New Roman" panose="02020603050405020304" pitchFamily="18" charset="0"/>
+                  <a:cs typeface="Times New Roman" panose="02020603050405020304" pitchFamily="18" charset="0"/>
+                </a:rPr>
+                <a:t>x</a:t>
+              </a:r>
+            </a:p>
+          </p:txBody>
+        </p:sp>
+        <p:sp>
+          <p:nvSpPr>
+            <p:cNvPr id="57" name="TextBox 56"/>
+            <p:cNvSpPr txBox="1"/>
+            <p:nvPr/>
+          </p:nvSpPr>
+          <p:spPr>
+            <a:xfrm>
+              <a:off x="6461375" y="4061529"/>
+              <a:ext cx="123823" cy="345937"/>
+            </a:xfrm>
+            <a:prstGeom prst="rect">
+              <a:avLst/>
+            </a:prstGeom>
+            <a:noFill/>
+          </p:spPr>
+          <p:txBody>
+            <a:bodyPr wrap="square" rtlCol="0">
+              <a:spAutoFit/>
+            </a:bodyPr>
+            <a:lstStyle/>
+            <a:p>
+              <a:r>
+                <a:rPr lang="en-US" sz="1000" i="1" dirty="0">
+                  <a:solidFill>
+                    <a:schemeClr val="tx1">
+                      <a:lumMod val="75000"/>
+                      <a:lumOff val="25000"/>
+                    </a:schemeClr>
+                  </a:solidFill>
+                  <a:latin typeface="Times New Roman" panose="02020603050405020304" pitchFamily="18" charset="0"/>
+                  <a:cs typeface="Times New Roman" panose="02020603050405020304" pitchFamily="18" charset="0"/>
+                </a:rPr>
+                <a:t>z</a:t>
+              </a:r>
+            </a:p>
+          </p:txBody>
+        </p:sp>
+      </p:grpSp>
+      <p:grpSp>
+        <p:nvGrpSpPr>
+          <p:cNvPr id="70" name="Group 69"/>
           <p:cNvGrpSpPr/>
           <p:nvPr/>
         </p:nvGrpSpPr>
@@ -4834,16 +5104,16 @@
         </p:grpSp>
         <p:grpSp>
           <p:nvGrpSpPr>
-            <p:cNvPr id="74" name="Group 73"/>
+            <p:cNvPr id="67" name="Group 66"/>
             <p:cNvGrpSpPr/>
             <p:nvPr/>
           </p:nvGrpSpPr>
           <p:grpSpPr>
             <a:xfrm>
               <a:off x="-49812" y="357188"/>
-              <a:ext cx="3914904" cy="2285000"/>
+              <a:ext cx="3997174" cy="2281342"/>
               <a:chOff x="-49812" y="357188"/>
-              <a:chExt cx="3914904" cy="2285000"/>
+              <a:chExt cx="3997174" cy="2281342"/>
             </a:xfrm>
           </p:grpSpPr>
           <p:sp>
@@ -5280,276 +5550,6 @@
               </p:spPr>
             </p:pic>
           </p:grpSp>
-          <p:grpSp>
-            <p:nvGrpSpPr>
-              <p:cNvPr id="7" name="Group 6"/>
-              <p:cNvGrpSpPr>
-                <a:grpSpLocks noChangeAspect="1"/>
-              </p:cNvGrpSpPr>
-              <p:nvPr/>
-            </p:nvGrpSpPr>
-            <p:grpSpPr>
-              <a:xfrm>
-                <a:off x="3366064" y="2188825"/>
-                <a:ext cx="363905" cy="453363"/>
-                <a:chOff x="6111782" y="3770504"/>
-                <a:chExt cx="511280" cy="636962"/>
-              </a:xfrm>
-              <a:scene3d>
-                <a:camera prst="orthographicFront"/>
-                <a:lightRig rig="threePt" dir="t"/>
-              </a:scene3d>
-            </p:grpSpPr>
-            <p:cxnSp>
-              <p:nvCxnSpPr>
-                <p:cNvPr id="52" name="Straight Arrow Connector 51"/>
-                <p:cNvCxnSpPr/>
-                <p:nvPr/>
-              </p:nvCxnSpPr>
-              <p:spPr>
-                <a:xfrm rot="19440000">
-                  <a:off x="6277753" y="4096356"/>
-                  <a:ext cx="274320" cy="0"/>
-                </a:xfrm>
-                <a:prstGeom prst="straightConnector1">
-                  <a:avLst/>
-                </a:prstGeom>
-                <a:ln w="6350" cap="flat">
-                  <a:solidFill>
-                    <a:srgbClr val="DE0000">
-                      <a:alpha val="69804"/>
-                    </a:srgbClr>
-                  </a:solidFill>
-                  <a:round/>
-                  <a:headEnd w="sm" len="sm"/>
-                  <a:tailEnd type="triangle" w="sm" len="med"/>
-                </a:ln>
-                <a:effectLst/>
-                <a:sp3d prstMaterial="matte">
-                  <a:bevelT w="12700" h="12700"/>
-                  <a:bevelB w="0" h="0"/>
-                </a:sp3d>
-              </p:spPr>
-              <p:style>
-                <a:lnRef idx="1">
-                  <a:schemeClr val="accent1"/>
-                </a:lnRef>
-                <a:fillRef idx="0">
-                  <a:schemeClr val="accent1"/>
-                </a:fillRef>
-                <a:effectRef idx="0">
-                  <a:schemeClr val="accent1"/>
-                </a:effectRef>
-                <a:fontRef idx="minor">
-                  <a:schemeClr val="tx1"/>
-                </a:fontRef>
-              </p:style>
-            </p:cxnSp>
-            <p:cxnSp>
-              <p:nvCxnSpPr>
-                <p:cNvPr id="53" name="Straight Arrow Connector 52"/>
-                <p:cNvCxnSpPr/>
-                <p:nvPr/>
-              </p:nvCxnSpPr>
-              <p:spPr>
-                <a:xfrm rot="16200000">
-                  <a:off x="6165835" y="4047143"/>
-                  <a:ext cx="274320" cy="0"/>
-                </a:xfrm>
-                <a:prstGeom prst="straightConnector1">
-                  <a:avLst/>
-                </a:prstGeom>
-                <a:ln w="6350" cap="flat">
-                  <a:solidFill>
-                    <a:srgbClr val="00B050">
-                      <a:alpha val="70000"/>
-                    </a:srgbClr>
-                  </a:solidFill>
-                  <a:round/>
-                  <a:headEnd w="sm" len="sm"/>
-                  <a:tailEnd type="triangle" w="sm" len="med"/>
-                </a:ln>
-                <a:effectLst/>
-                <a:sp3d prstMaterial="matte">
-                  <a:bevelT w="12700" h="12700"/>
-                  <a:bevelB w="0" h="0"/>
-                </a:sp3d>
-              </p:spPr>
-              <p:style>
-                <a:lnRef idx="1">
-                  <a:schemeClr val="accent1"/>
-                </a:lnRef>
-                <a:fillRef idx="0">
-                  <a:schemeClr val="accent1"/>
-                </a:fillRef>
-                <a:effectRef idx="0">
-                  <a:schemeClr val="accent1"/>
-                </a:effectRef>
-                <a:fontRef idx="minor">
-                  <a:schemeClr val="tx1"/>
-                </a:fontRef>
-              </p:style>
-            </p:cxnSp>
-            <p:cxnSp>
-              <p:nvCxnSpPr>
-                <p:cNvPr id="54" name="Straight Arrow Connector 53"/>
-                <p:cNvCxnSpPr/>
-                <p:nvPr/>
-              </p:nvCxnSpPr>
-              <p:spPr>
-                <a:xfrm>
-                  <a:off x="6296805" y="4180493"/>
-                  <a:ext cx="274320" cy="0"/>
-                </a:xfrm>
-                <a:prstGeom prst="straightConnector1">
-                  <a:avLst/>
-                </a:prstGeom>
-                <a:ln w="6350" cap="flat">
-                  <a:solidFill>
-                    <a:srgbClr val="0078D2">
-                      <a:alpha val="70000"/>
-                    </a:srgbClr>
-                  </a:solidFill>
-                  <a:round/>
-                  <a:headEnd w="sm" len="sm"/>
-                  <a:tailEnd type="triangle" w="sm" len="med"/>
-                </a:ln>
-                <a:effectLst/>
-                <a:sp3d prstMaterial="matte">
-                  <a:bevelT w="12700" h="12700"/>
-                  <a:bevelB w="0" h="0"/>
-                </a:sp3d>
-              </p:spPr>
-              <p:style>
-                <a:lnRef idx="1">
-                  <a:schemeClr val="accent1"/>
-                </a:lnRef>
-                <a:fillRef idx="0">
-                  <a:schemeClr val="accent1"/>
-                </a:fillRef>
-                <a:effectRef idx="0">
-                  <a:schemeClr val="accent1"/>
-                </a:effectRef>
-                <a:fontRef idx="minor">
-                  <a:schemeClr val="tx1"/>
-                </a:fontRef>
-              </p:style>
-            </p:cxnSp>
-            <p:sp>
-              <p:nvSpPr>
-                <p:cNvPr id="55" name="TextBox 54"/>
-                <p:cNvSpPr txBox="1"/>
-                <p:nvPr/>
-              </p:nvSpPr>
-              <p:spPr>
-                <a:xfrm>
-                  <a:off x="6111782" y="3770504"/>
-                  <a:ext cx="157163" cy="345935"/>
-                </a:xfrm>
-                <a:prstGeom prst="rect">
-                  <a:avLst/>
-                </a:prstGeom>
-                <a:noFill/>
-              </p:spPr>
-              <p:txBody>
-                <a:bodyPr wrap="square" rtlCol="0">
-                  <a:spAutoFit/>
-                </a:bodyPr>
-                <a:lstStyle/>
-                <a:p>
-                  <a:r>
-                    <a:rPr lang="en-US" sz="1000" i="1" dirty="0">
-                      <a:solidFill>
-                        <a:schemeClr val="tx1">
-                          <a:lumMod val="75000"/>
-                          <a:lumOff val="25000"/>
-                        </a:schemeClr>
-                      </a:solidFill>
-                      <a:latin typeface="Times New Roman" panose="02020603050405020304" pitchFamily="18" charset="0"/>
-                      <a:cs typeface="Times New Roman" panose="02020603050405020304" pitchFamily="18" charset="0"/>
-                    </a:rPr>
-                    <a:t>y</a:t>
-                  </a:r>
-                </a:p>
-              </p:txBody>
-            </p:sp>
-            <p:sp>
-              <p:nvSpPr>
-                <p:cNvPr id="56" name="TextBox 55"/>
-                <p:cNvSpPr txBox="1"/>
-                <p:nvPr/>
-              </p:nvSpPr>
-              <p:spPr>
-                <a:xfrm>
-                  <a:off x="6469250" y="3799875"/>
-                  <a:ext cx="153812" cy="345935"/>
-                </a:xfrm>
-                <a:prstGeom prst="rect">
-                  <a:avLst/>
-                </a:prstGeom>
-                <a:noFill/>
-              </p:spPr>
-              <p:txBody>
-                <a:bodyPr wrap="square" rtlCol="0">
-                  <a:spAutoFit/>
-                </a:bodyPr>
-                <a:lstStyle/>
-                <a:p>
-                  <a:r>
-                    <a:rPr lang="en-US" sz="1000" i="1" dirty="0">
-                      <a:solidFill>
-                        <a:schemeClr val="tx1">
-                          <a:lumMod val="75000"/>
-                          <a:lumOff val="25000"/>
-                        </a:schemeClr>
-                      </a:solidFill>
-                      <a:latin typeface="Times New Roman" panose="02020603050405020304" pitchFamily="18" charset="0"/>
-                      <a:cs typeface="Times New Roman" panose="02020603050405020304" pitchFamily="18" charset="0"/>
-                    </a:rPr>
-                    <a:t>x</a:t>
-                  </a:r>
-                </a:p>
-              </p:txBody>
-            </p:sp>
-            <p:sp>
-              <p:nvSpPr>
-                <p:cNvPr id="57" name="TextBox 56"/>
-                <p:cNvSpPr txBox="1"/>
-                <p:nvPr/>
-              </p:nvSpPr>
-              <p:spPr>
-                <a:xfrm>
-                  <a:off x="6461375" y="4061529"/>
-                  <a:ext cx="123823" cy="345937"/>
-                </a:xfrm>
-                <a:prstGeom prst="rect">
-                  <a:avLst/>
-                </a:prstGeom>
-                <a:noFill/>
-              </p:spPr>
-              <p:txBody>
-                <a:bodyPr wrap="square" rtlCol="0">
-                  <a:spAutoFit/>
-                </a:bodyPr>
-                <a:lstStyle/>
-                <a:p>
-                  <a:r>
-                    <a:rPr lang="en-US" sz="1000" i="1" dirty="0">
-                      <a:solidFill>
-                        <a:schemeClr val="tx1">
-                          <a:lumMod val="75000"/>
-                          <a:lumOff val="25000"/>
-                        </a:schemeClr>
-                      </a:solidFill>
-                      <a:latin typeface="Times New Roman" panose="02020603050405020304" pitchFamily="18" charset="0"/>
-                      <a:cs typeface="Times New Roman" panose="02020603050405020304" pitchFamily="18" charset="0"/>
-                    </a:rPr>
-                    <a:t>z</a:t>
-                  </a:r>
-                </a:p>
-              </p:txBody>
-            </p:sp>
-          </p:grpSp>
           <p:cxnSp>
             <p:nvCxnSpPr>
               <p:cNvPr id="8" name="Straight Connector 7"/>
@@ -5978,82 +5978,178 @@
               </a:p>
             </p:txBody>
           </p:sp>
-          <p:sp>
-            <p:nvSpPr>
-              <p:cNvPr id="18" name="TextBox 17"/>
-              <p:cNvSpPr txBox="1"/>
-              <p:nvPr/>
-            </p:nvSpPr>
-            <p:spPr>
-              <a:xfrm>
-                <a:off x="2317055" y="438925"/>
-                <a:ext cx="1419021" cy="800219"/>
-              </a:xfrm>
-              <a:prstGeom prst="rect">
-                <a:avLst/>
-              </a:prstGeom>
-              <a:noFill/>
-            </p:spPr>
-            <p:txBody>
-              <a:bodyPr wrap="square" rtlCol="0">
-                <a:spAutoFit/>
-              </a:bodyPr>
-              <a:lstStyle/>
-              <a:p>
-                <a:pPr algn="ctr"/>
-                <a:r>
-                  <a:rPr lang="en-US" sz="900" i="1" dirty="0">
-                    <a:solidFill>
-                      <a:schemeClr val="tx1">
-                        <a:lumMod val="65000"/>
-                        <a:lumOff val="35000"/>
-                      </a:schemeClr>
-                    </a:solidFill>
-                  </a:rPr>
-                  <a:t>LENS </a:t>
-                </a:r>
-              </a:p>
-              <a:p>
-                <a:pPr algn="ctr"/>
-                <a:r>
-                  <a:rPr lang="en-US" sz="900" i="1" dirty="0">
-                    <a:solidFill>
-                      <a:schemeClr val="tx1">
-                        <a:lumMod val="65000"/>
-                        <a:lumOff val="35000"/>
-                      </a:schemeClr>
-                    </a:solidFill>
-                  </a:rPr>
-                  <a:t>Paraxial thick-lens model with spherical aberration;</a:t>
-                </a:r>
-              </a:p>
-              <a:p>
-                <a:pPr algn="ctr"/>
-                <a:r>
-                  <a:rPr lang="en-US" sz="900" dirty="0">
-                    <a:solidFill>
-                      <a:schemeClr val="tx1">
-                        <a:lumMod val="75000"/>
-                        <a:lumOff val="25000"/>
-                      </a:schemeClr>
-                    </a:solidFill>
-                  </a:rPr>
-                  <a:t>f = 24 mm, F/2.5</a:t>
-                </a:r>
-              </a:p>
-              <a:p>
-                <a:pPr algn="ctr"/>
-                <a:endParaRPr lang="en-US" sz="1000" i="1" dirty="0">
-                  <a:solidFill>
-                    <a:schemeClr val="tx1">
-                      <a:lumMod val="65000"/>
-                      <a:lumOff val="35000"/>
-                    </a:schemeClr>
-                  </a:solidFill>
-                </a:endParaRPr>
-              </a:p>
-            </p:txBody>
-          </p:sp>
+          <mc:AlternateContent xmlns:mc="http://schemas.openxmlformats.org/markup-compatibility/2006">
+            <mc:Choice xmlns:a14="http://schemas.microsoft.com/office/drawing/2010/main" Requires="a14">
+              <p:sp>
+                <p:nvSpPr>
+                  <p:cNvPr id="18" name="TextBox 17"/>
+                  <p:cNvSpPr txBox="1"/>
+                  <p:nvPr/>
+                </p:nvSpPr>
+                <p:spPr>
+                  <a:xfrm>
+                    <a:off x="2317055" y="438925"/>
+                    <a:ext cx="1419021" cy="800219"/>
+                  </a:xfrm>
+                  <a:prstGeom prst="rect">
+                    <a:avLst/>
+                  </a:prstGeom>
+                  <a:noFill/>
+                </p:spPr>
+                <p:txBody>
+                  <a:bodyPr wrap="square" rtlCol="0">
+                    <a:spAutoFit/>
+                  </a:bodyPr>
+                  <a:lstStyle/>
+                  <a:p>
+                    <a:pPr algn="ctr"/>
+                    <a:r>
+                      <a:rPr lang="en-US" sz="900" i="1" dirty="0">
+                        <a:solidFill>
+                          <a:schemeClr val="tx1">
+                            <a:lumMod val="65000"/>
+                            <a:lumOff val="35000"/>
+                          </a:schemeClr>
+                        </a:solidFill>
+                      </a:rPr>
+                      <a:t>LENS </a:t>
+                    </a:r>
+                  </a:p>
+                  <a:p>
+                    <a:pPr algn="ctr"/>
+                    <a:r>
+                      <a:rPr lang="en-US" sz="900" i="1" dirty="0">
+                        <a:solidFill>
+                          <a:schemeClr val="tx1">
+                            <a:lumMod val="65000"/>
+                            <a:lumOff val="35000"/>
+                          </a:schemeClr>
+                        </a:solidFill>
+                      </a:rPr>
+                      <a:t>Paraxial thick-lens model with spherical aberration;</a:t>
+                    </a:r>
+                  </a:p>
+                  <a:p>
+                    <a:pPr algn="ctr"/>
+                    <a14:m>
+                      <m:oMath xmlns:m="http://schemas.openxmlformats.org/officeDocument/2006/math">
+                        <m:r>
+                          <a:rPr lang="en-US" sz="900" i="1" dirty="0" smtClean="0">
+                            <a:solidFill>
+                              <a:schemeClr val="tx1">
+                                <a:lumMod val="75000"/>
+                                <a:lumOff val="25000"/>
+                              </a:schemeClr>
+                            </a:solidFill>
+                            <a:latin typeface="Cambria Math" panose="02040503050406030204" pitchFamily="18" charset="0"/>
+                          </a:rPr>
+                          <m:t>𝑓</m:t>
+                        </m:r>
+                      </m:oMath>
+                    </a14:m>
+                    <a:r>
+                      <a:rPr lang="en-US" sz="900" dirty="0">
+                        <a:solidFill>
+                          <a:schemeClr val="tx1">
+                            <a:lumMod val="75000"/>
+                            <a:lumOff val="25000"/>
+                          </a:schemeClr>
+                        </a:solidFill>
+                      </a:rPr>
+                      <a:t> = 24 mm, F/2.5, </a:t>
+                    </a:r>
+                    <a14:m>
+                      <m:oMath xmlns:m="http://schemas.openxmlformats.org/officeDocument/2006/math">
+                        <m:r>
+                          <a:rPr lang="en-US" sz="900" i="1" dirty="0" smtClean="0">
+                            <a:solidFill>
+                              <a:schemeClr val="tx1">
+                                <a:lumMod val="75000"/>
+                                <a:lumOff val="25000"/>
+                              </a:schemeClr>
+                            </a:solidFill>
+                            <a:latin typeface="Cambria Math" panose="02040503050406030204" pitchFamily="18" charset="0"/>
+                          </a:rPr>
+                          <m:t>𝑑</m:t>
+                        </m:r>
+                      </m:oMath>
+                    </a14:m>
+                    <a:r>
+                      <a:rPr lang="en-US" sz="900" baseline="30000" dirty="0">
+                        <a:solidFill>
+                          <a:schemeClr val="tx1">
+                            <a:lumMod val="75000"/>
+                            <a:lumOff val="25000"/>
+                          </a:schemeClr>
+                        </a:solidFill>
+                      </a:rPr>
+                      <a:t>*</a:t>
+                    </a:r>
+                    <a:r>
+                      <a:rPr lang="en-US" sz="900" dirty="0">
+                        <a:solidFill>
+                          <a:schemeClr val="tx1">
+                            <a:lumMod val="75000"/>
+                            <a:lumOff val="25000"/>
+                          </a:schemeClr>
+                        </a:solidFill>
+                      </a:rPr>
+                      <a:t> = 8</a:t>
+                    </a:r>
+                  </a:p>
+                  <a:p>
+                    <a:pPr algn="ctr"/>
+                    <a:endParaRPr lang="en-US" sz="1000" i="1" dirty="0">
+                      <a:solidFill>
+                        <a:schemeClr val="tx1">
+                          <a:lumMod val="65000"/>
+                          <a:lumOff val="35000"/>
+                        </a:schemeClr>
+                      </a:solidFill>
+                    </a:endParaRPr>
+                  </a:p>
+                </p:txBody>
+              </p:sp>
+            </mc:Choice>
+            <mc:Fallback>
+              <p:sp>
+                <p:nvSpPr>
+                  <p:cNvPr id="18" name="TextBox 17"/>
+                  <p:cNvSpPr txBox="1">
+                    <a:spLocks noRot="1" noChangeAspect="1" noMove="1" noResize="1" noEditPoints="1" noAdjustHandles="1" noChangeArrowheads="1" noChangeShapeType="1" noTextEdit="1"/>
+                  </p:cNvSpPr>
+                  <p:nvPr/>
+                </p:nvSpPr>
+                <p:spPr>
+                  <a:xfrm>
+                    <a:off x="2317055" y="438925"/>
+                    <a:ext cx="1419021" cy="800219"/>
+                  </a:xfrm>
+                  <a:prstGeom prst="rect">
+                    <a:avLst/>
+                  </a:prstGeom>
+                  <a:blipFill>
+                    <a:blip r:embed="rId10"/>
+                    <a:stretch>
+                      <a:fillRect/>
+                    </a:stretch>
+                  </a:blipFill>
+                </p:spPr>
+                <p:txBody>
+                  <a:bodyPr/>
+                  <a:lstStyle/>
+                  <a:p>
+                    <a:r>
+                      <a:rPr lang="en-US">
+                        <a:noFill/>
+                      </a:rPr>
+                      <a:t> </a:t>
+                    </a:r>
+                  </a:p>
+                </p:txBody>
+              </p:sp>
+            </mc:Fallback>
+          </mc:AlternateContent>
           <p:cxnSp>
             <p:nvCxnSpPr>
               <p:cNvPr id="19" name="Straight Connector 18"/>
@@ -6117,7 +6213,7 @@
             </p:grpSpPr>
             <mc:AlternateContent xmlns:mc="http://schemas.openxmlformats.org/markup-compatibility/2006" xmlns:p14="http://schemas.microsoft.com/office/powerpoint/2010/main">
               <mc:Choice Requires="p14">
-                <p:contentPart p14:bwMode="auto" r:id="rId10">
+                <p:contentPart p14:bwMode="auto" r:id="rId11">
                   <p14:nvContentPartPr>
                     <p14:cNvPr id="50" name="Ink 49"/>
                     <p14:cNvContentPartPr/>
@@ -6137,7 +6233,7 @@
                     <p:nvPr/>
                   </p:nvPicPr>
                   <p:blipFill>
-                    <a:blip r:embed="rId11"/>
+                    <a:blip r:embed="rId12"/>
                     <a:stretch>
                       <a:fillRect/>
                     </a:stretch>
@@ -6156,7 +6252,7 @@
             </mc:AlternateContent>
             <mc:AlternateContent xmlns:mc="http://schemas.openxmlformats.org/markup-compatibility/2006" xmlns:p14="http://schemas.microsoft.com/office/powerpoint/2010/main">
               <mc:Choice Requires="p14">
-                <p:contentPart p14:bwMode="auto" r:id="rId12">
+                <p:contentPart p14:bwMode="auto" r:id="rId13">
                   <p14:nvContentPartPr>
                     <p14:cNvPr id="51" name="Ink 50"/>
                     <p14:cNvContentPartPr/>
@@ -6176,7 +6272,7 @@
                     <p:nvPr/>
                   </p:nvPicPr>
                   <p:blipFill>
-                    <a:blip r:embed="rId13"/>
+                    <a:blip r:embed="rId14"/>
                     <a:stretch>
                       <a:fillRect/>
                     </a:stretch>
@@ -7745,7 +7841,7 @@
                     <a:avLst/>
                   </a:prstGeom>
                   <a:blipFill>
-                    <a:blip r:embed="rId14"/>
+                    <a:blip r:embed="rId15"/>
                     <a:stretch>
                       <a:fillRect b="-13158"/>
                     </a:stretch>
@@ -7930,9 +8026,109 @@
                     <a:avLst/>
                   </a:prstGeom>
                   <a:blipFill>
-                    <a:blip r:embed="rId15"/>
+                    <a:blip r:embed="rId16"/>
                     <a:stretch>
                       <a:fillRect r="-13158"/>
+                    </a:stretch>
+                  </a:blipFill>
+                </p:spPr>
+                <p:txBody>
+                  <a:bodyPr/>
+                  <a:lstStyle/>
+                  <a:p>
+                    <a:r>
+                      <a:rPr lang="en-US">
+                        <a:noFill/>
+                      </a:rPr>
+                      <a:t> </a:t>
+                    </a:r>
+                  </a:p>
+                </p:txBody>
+              </p:sp>
+            </mc:Fallback>
+          </mc:AlternateContent>
+          <mc:AlternateContent xmlns:mc="http://schemas.openxmlformats.org/markup-compatibility/2006">
+            <mc:Choice xmlns:a14="http://schemas.microsoft.com/office/drawing/2010/main" Requires="a14">
+              <p:sp>
+                <p:nvSpPr>
+                  <p:cNvPr id="26" name="TextBox 25"/>
+                  <p:cNvSpPr txBox="1"/>
+                  <p:nvPr/>
+                </p:nvSpPr>
+                <p:spPr>
+                  <a:xfrm>
+                    <a:off x="2036261" y="2407698"/>
+                    <a:ext cx="1911101" cy="230832"/>
+                  </a:xfrm>
+                  <a:prstGeom prst="rect">
+                    <a:avLst/>
+                  </a:prstGeom>
+                  <a:noFill/>
+                </p:spPr>
+                <p:txBody>
+                  <a:bodyPr wrap="none" rtlCol="0">
+                    <a:spAutoFit/>
+                  </a:bodyPr>
+                  <a:lstStyle/>
+                  <a:p>
+                    <a:r>
+                      <a:rPr lang="en-US" sz="1200" baseline="12000" dirty="0"/>
+                      <a:t>*</a:t>
+                    </a:r>
+                    <a:r>
+                      <a:rPr lang="en-US" sz="900" dirty="0"/>
+                      <a:t> </a:t>
+                    </a:r>
+                    <a14:m>
+                      <m:oMath xmlns:m="http://schemas.openxmlformats.org/officeDocument/2006/math">
+                        <m:r>
+                          <a:rPr lang="en-US" sz="800" i="1" dirty="0" smtClean="0">
+                            <a:latin typeface="Cambria Math" panose="02040503050406030204" pitchFamily="18" charset="0"/>
+                          </a:rPr>
+                          <m:t>𝑑</m:t>
+                        </m:r>
+                      </m:oMath>
+                    </a14:m>
+                    <a:r>
+                      <a:rPr lang="en-US" sz="800" dirty="0"/>
+                      <a:t> </a:t>
+                    </a:r>
+                    <a:r>
+                      <a:rPr lang="en-US" sz="800" i="1" dirty="0">
+                        <a:latin typeface="Times New Roman" panose="02020603050405020304" pitchFamily="18" charset="0"/>
+                        <a:cs typeface="Times New Roman" panose="02020603050405020304" pitchFamily="18" charset="0"/>
+                      </a:rPr>
+                      <a:t>is the separation between the pupils. </a:t>
+                    </a:r>
+                    <a:endParaRPr lang="en-US" sz="900" i="1" dirty="0">
+                      <a:latin typeface="Times New Roman" panose="02020603050405020304" pitchFamily="18" charset="0"/>
+                      <a:cs typeface="Times New Roman" panose="02020603050405020304" pitchFamily="18" charset="0"/>
+                    </a:endParaRPr>
+                  </a:p>
+                </p:txBody>
+              </p:sp>
+            </mc:Choice>
+            <mc:Fallback>
+              <p:sp>
+                <p:nvSpPr>
+                  <p:cNvPr id="26" name="TextBox 25"/>
+                  <p:cNvSpPr txBox="1">
+                    <a:spLocks noRot="1" noChangeAspect="1" noMove="1" noResize="1" noEditPoints="1" noAdjustHandles="1" noChangeArrowheads="1" noChangeShapeType="1" noTextEdit="1"/>
+                  </p:cNvSpPr>
+                  <p:nvPr/>
+                </p:nvSpPr>
+                <p:spPr>
+                  <a:xfrm>
+                    <a:off x="2036261" y="2407698"/>
+                    <a:ext cx="1911101" cy="230832"/>
+                  </a:xfrm>
+                  <a:prstGeom prst="rect">
+                    <a:avLst/>
+                  </a:prstGeom>
+                  <a:blipFill>
+                    <a:blip r:embed="rId17"/>
+                    <a:stretch>
+                      <a:fillRect b="-5263"/>
                     </a:stretch>
                   </a:blipFill>
                 </p:spPr>

--- a/talks/imaging_applied_optics_2016/images/figures_ppt.pptx
+++ b/talks/imaging_applied_optics_2016/images/figures_ppt.pptx
@@ -6,7 +6,9 @@
   </p:sldMasterIdLst>
   <p:sldIdLst>
     <p:sldId id="256" r:id="rId2"/>
-    <p:sldId id="257" r:id="rId3"/>
+    <p:sldId id="259" r:id="rId3"/>
+    <p:sldId id="258" r:id="rId4"/>
+    <p:sldId id="257" r:id="rId5"/>
   </p:sldIdLst>
   <p:sldSz cx="5486400" cy="6858000"/>
   <p:notesSz cx="6858000" cy="9144000"/>
@@ -306,7 +308,7 @@
           <a:p>
             <a:fld id="{9D9501FF-ABFD-4A20-9D6D-E502A59752B5}" type="datetimeFigureOut">
               <a:rPr lang="en-US" smtClean="0"/>
-              <a:t>3/6/2016</a:t>
+              <a:t>3/7/2016</a:t>
             </a:fld>
             <a:endParaRPr lang="en-US"/>
           </a:p>
@@ -474,7 +476,7 @@
           <a:p>
             <a:fld id="{9D9501FF-ABFD-4A20-9D6D-E502A59752B5}" type="datetimeFigureOut">
               <a:rPr lang="en-US" smtClean="0"/>
-              <a:t>3/6/2016</a:t>
+              <a:t>3/7/2016</a:t>
             </a:fld>
             <a:endParaRPr lang="en-US"/>
           </a:p>
@@ -652,7 +654,7 @@
           <a:p>
             <a:fld id="{9D9501FF-ABFD-4A20-9D6D-E502A59752B5}" type="datetimeFigureOut">
               <a:rPr lang="en-US" smtClean="0"/>
-              <a:t>3/6/2016</a:t>
+              <a:t>3/7/2016</a:t>
             </a:fld>
             <a:endParaRPr lang="en-US"/>
           </a:p>
@@ -820,7 +822,7 @@
           <a:p>
             <a:fld id="{9D9501FF-ABFD-4A20-9D6D-E502A59752B5}" type="datetimeFigureOut">
               <a:rPr lang="en-US" smtClean="0"/>
-              <a:t>3/6/2016</a:t>
+              <a:t>3/7/2016</a:t>
             </a:fld>
             <a:endParaRPr lang="en-US"/>
           </a:p>
@@ -1065,7 +1067,7 @@
           <a:p>
             <a:fld id="{9D9501FF-ABFD-4A20-9D6D-E502A59752B5}" type="datetimeFigureOut">
               <a:rPr lang="en-US" smtClean="0"/>
-              <a:t>3/6/2016</a:t>
+              <a:t>3/7/2016</a:t>
             </a:fld>
             <a:endParaRPr lang="en-US"/>
           </a:p>
@@ -1294,7 +1296,7 @@
           <a:p>
             <a:fld id="{9D9501FF-ABFD-4A20-9D6D-E502A59752B5}" type="datetimeFigureOut">
               <a:rPr lang="en-US" smtClean="0"/>
-              <a:t>3/6/2016</a:t>
+              <a:t>3/7/2016</a:t>
             </a:fld>
             <a:endParaRPr lang="en-US"/>
           </a:p>
@@ -1658,7 +1660,7 @@
           <a:p>
             <a:fld id="{9D9501FF-ABFD-4A20-9D6D-E502A59752B5}" type="datetimeFigureOut">
               <a:rPr lang="en-US" smtClean="0"/>
-              <a:t>3/6/2016</a:t>
+              <a:t>3/7/2016</a:t>
             </a:fld>
             <a:endParaRPr lang="en-US"/>
           </a:p>
@@ -1775,7 +1777,7 @@
           <a:p>
             <a:fld id="{9D9501FF-ABFD-4A20-9D6D-E502A59752B5}" type="datetimeFigureOut">
               <a:rPr lang="en-US" smtClean="0"/>
-              <a:t>3/6/2016</a:t>
+              <a:t>3/7/2016</a:t>
             </a:fld>
             <a:endParaRPr lang="en-US"/>
           </a:p>
@@ -1870,7 +1872,7 @@
           <a:p>
             <a:fld id="{9D9501FF-ABFD-4A20-9D6D-E502A59752B5}" type="datetimeFigureOut">
               <a:rPr lang="en-US" smtClean="0"/>
-              <a:t>3/6/2016</a:t>
+              <a:t>3/7/2016</a:t>
             </a:fld>
             <a:endParaRPr lang="en-US"/>
           </a:p>
@@ -2145,7 +2147,7 @@
           <a:p>
             <a:fld id="{9D9501FF-ABFD-4A20-9D6D-E502A59752B5}" type="datetimeFigureOut">
               <a:rPr lang="en-US" smtClean="0"/>
-              <a:t>3/6/2016</a:t>
+              <a:t>3/7/2016</a:t>
             </a:fld>
             <a:endParaRPr lang="en-US"/>
           </a:p>
@@ -2400,7 +2402,7 @@
           <a:p>
             <a:fld id="{9D9501FF-ABFD-4A20-9D6D-E502A59752B5}" type="datetimeFigureOut">
               <a:rPr lang="en-US" smtClean="0"/>
-              <a:t>3/6/2016</a:t>
+              <a:t>3/7/2016</a:t>
             </a:fld>
             <a:endParaRPr lang="en-US"/>
           </a:p>
@@ -2611,7 +2613,7 @@
           <a:p>
             <a:fld id="{9D9501FF-ABFD-4A20-9D6D-E502A59752B5}" type="datetimeFigureOut">
               <a:rPr lang="en-US" smtClean="0"/>
-              <a:t>3/6/2016</a:t>
+              <a:t>3/7/2016</a:t>
             </a:fld>
             <a:endParaRPr lang="en-US"/>
           </a:p>
@@ -3688,6 +3690,1595 @@
 </file>
 
 <file path=ppt/slides/slide2.xml><?xml version="1.0" encoding="utf-8"?>
+<p:sld xmlns:a="http://schemas.openxmlformats.org/drawingml/2006/main" xmlns:r="http://schemas.openxmlformats.org/officeDocument/2006/relationships" xmlns:p="http://schemas.openxmlformats.org/presentationml/2006/main">
+  <p:cSld>
+    <p:spTree>
+      <p:nvGrpSpPr>
+        <p:cNvPr id="1" name=""/>
+        <p:cNvGrpSpPr/>
+        <p:nvPr/>
+      </p:nvGrpSpPr>
+      <p:grpSpPr>
+        <a:xfrm>
+          <a:off x="0" y="0"/>
+          <a:ext cx="0" cy="0"/>
+          <a:chOff x="0" y="0"/>
+          <a:chExt cx="0" cy="0"/>
+        </a:xfrm>
+      </p:grpSpPr>
+      <p:grpSp>
+        <p:nvGrpSpPr>
+          <p:cNvPr id="5" name="Group 4"/>
+          <p:cNvGrpSpPr/>
+          <p:nvPr/>
+        </p:nvGrpSpPr>
+        <p:grpSpPr>
+          <a:xfrm>
+            <a:off x="382782" y="222250"/>
+            <a:ext cx="5148827" cy="3930650"/>
+            <a:chOff x="382782" y="222250"/>
+            <a:chExt cx="5148827" cy="3930650"/>
+          </a:xfrm>
+        </p:grpSpPr>
+        <p:grpSp>
+          <p:nvGrpSpPr>
+            <p:cNvPr id="48" name="Group 47"/>
+            <p:cNvGrpSpPr/>
+            <p:nvPr/>
+          </p:nvGrpSpPr>
+          <p:grpSpPr>
+            <a:xfrm>
+              <a:off x="382782" y="1704514"/>
+              <a:ext cx="2347267" cy="1533401"/>
+              <a:chOff x="382782" y="256714"/>
+              <a:chExt cx="2347267" cy="1533401"/>
+            </a:xfrm>
+          </p:grpSpPr>
+          <p:grpSp>
+            <p:nvGrpSpPr>
+              <p:cNvPr id="16" name="Group 15"/>
+              <p:cNvGrpSpPr/>
+              <p:nvPr/>
+            </p:nvGrpSpPr>
+            <p:grpSpPr>
+              <a:xfrm>
+                <a:off x="437223" y="256714"/>
+                <a:ext cx="2292826" cy="1533401"/>
+                <a:chOff x="239479" y="2290886"/>
+                <a:chExt cx="3657600" cy="2446140"/>
+              </a:xfrm>
+            </p:grpSpPr>
+            <p:pic>
+              <p:nvPicPr>
+                <p:cNvPr id="20" name="Picture 19"/>
+                <p:cNvPicPr>
+                  <a:picLocks noChangeAspect="1"/>
+                </p:cNvPicPr>
+                <p:nvPr/>
+              </p:nvPicPr>
+              <p:blipFill>
+                <a:blip r:embed="rId2"/>
+                <a:stretch>
+                  <a:fillRect/>
+                </a:stretch>
+              </p:blipFill>
+              <p:spPr>
+                <a:xfrm>
+                  <a:off x="239479" y="2290886"/>
+                  <a:ext cx="3657600" cy="2446140"/>
+                </a:xfrm>
+                <a:prstGeom prst="rect">
+                  <a:avLst/>
+                </a:prstGeom>
+              </p:spPr>
+            </p:pic>
+            <p:sp>
+              <p:nvSpPr>
+                <p:cNvPr id="21" name="TextBox 20"/>
+                <p:cNvSpPr txBox="1"/>
+                <p:nvPr/>
+              </p:nvSpPr>
+              <p:spPr>
+                <a:xfrm>
+                  <a:off x="424522" y="2605319"/>
+                  <a:ext cx="1220165" cy="791426"/>
+                </a:xfrm>
+                <a:prstGeom prst="rect">
+                  <a:avLst/>
+                </a:prstGeom>
+                <a:noFill/>
+              </p:spPr>
+              <p:txBody>
+                <a:bodyPr wrap="square" rtlCol="0">
+                  <a:spAutoFit/>
+                </a:bodyPr>
+                <a:lstStyle/>
+                <a:p>
+                  <a:r>
+                    <a:rPr lang="en-US" sz="1000" i="1" dirty="0">
+                      <a:solidFill>
+                        <a:schemeClr val="tx1">
+                          <a:lumMod val="85000"/>
+                          <a:lumOff val="15000"/>
+                        </a:schemeClr>
+                      </a:solidFill>
+                    </a:rPr>
+                    <a:t>PLANE OF SHARP FOCUS</a:t>
+                  </a:r>
+                </a:p>
+              </p:txBody>
+            </p:sp>
+            <p:sp>
+              <p:nvSpPr>
+                <p:cNvPr id="22" name="Right Arrow 21"/>
+                <p:cNvSpPr/>
+                <p:nvPr/>
+              </p:nvSpPr>
+              <p:spPr>
+                <a:xfrm>
+                  <a:off x="593426" y="3315718"/>
+                  <a:ext cx="733246" cy="362310"/>
+                </a:xfrm>
+                <a:prstGeom prst="rightArrow">
+                  <a:avLst/>
+                </a:prstGeom>
+                <a:solidFill>
+                  <a:srgbClr val="FF0000"/>
+                </a:solidFill>
+                <a:ln>
+                  <a:noFill/>
+                </a:ln>
+                <a:effectLst>
+                  <a:outerShdw blurRad="25400" dist="25400" dir="2700000" algn="tl" rotWithShape="0">
+                    <a:prstClr val="black">
+                      <a:alpha val="52000"/>
+                    </a:prstClr>
+                  </a:outerShdw>
+                </a:effectLst>
+              </p:spPr>
+              <p:style>
+                <a:lnRef idx="2">
+                  <a:schemeClr val="accent1">
+                    <a:shade val="50000"/>
+                  </a:schemeClr>
+                </a:lnRef>
+                <a:fillRef idx="1">
+                  <a:schemeClr val="accent1"/>
+                </a:fillRef>
+                <a:effectRef idx="0">
+                  <a:schemeClr val="accent1"/>
+                </a:effectRef>
+                <a:fontRef idx="minor">
+                  <a:schemeClr val="lt1"/>
+                </a:fontRef>
+              </p:style>
+              <p:txBody>
+                <a:bodyPr rtlCol="0" anchor="ctr"/>
+                <a:lstStyle/>
+                <a:p>
+                  <a:pPr algn="ctr"/>
+                  <a:endParaRPr lang="en-US"/>
+                </a:p>
+              </p:txBody>
+            </p:sp>
+          </p:grpSp>
+          <p:grpSp>
+            <p:nvGrpSpPr>
+              <p:cNvPr id="17" name="Group 16"/>
+              <p:cNvGrpSpPr/>
+              <p:nvPr/>
+            </p:nvGrpSpPr>
+            <p:grpSpPr>
+              <a:xfrm>
+                <a:off x="382782" y="1563090"/>
+                <a:ext cx="283415" cy="209076"/>
+                <a:chOff x="3438905" y="4382543"/>
+                <a:chExt cx="452114" cy="333526"/>
+              </a:xfrm>
+            </p:grpSpPr>
+            <p:sp>
+              <p:nvSpPr>
+                <p:cNvPr id="18" name="Rounded Rectangle 17"/>
+                <p:cNvSpPr/>
+                <p:nvPr/>
+              </p:nvSpPr>
+              <p:spPr>
+                <a:xfrm>
+                  <a:off x="3567063" y="4472413"/>
+                  <a:ext cx="233390" cy="226337"/>
+                </a:xfrm>
+                <a:prstGeom prst="roundRect">
+                  <a:avLst/>
+                </a:prstGeom>
+                <a:solidFill>
+                  <a:schemeClr val="bg1"/>
+                </a:solidFill>
+                <a:ln w="6350">
+                  <a:solidFill>
+                    <a:schemeClr val="bg1">
+                      <a:lumMod val="75000"/>
+                    </a:schemeClr>
+                  </a:solidFill>
+                </a:ln>
+                <a:effectLst>
+                  <a:outerShdw blurRad="25400" dist="25400" dir="2700000" algn="tl" rotWithShape="0">
+                    <a:prstClr val="black">
+                      <a:alpha val="40000"/>
+                    </a:prstClr>
+                  </a:outerShdw>
+                </a:effectLst>
+              </p:spPr>
+              <p:style>
+                <a:lnRef idx="2">
+                  <a:schemeClr val="accent1">
+                    <a:shade val="50000"/>
+                  </a:schemeClr>
+                </a:lnRef>
+                <a:fillRef idx="1">
+                  <a:schemeClr val="accent1"/>
+                </a:fillRef>
+                <a:effectRef idx="0">
+                  <a:schemeClr val="accent1"/>
+                </a:effectRef>
+                <a:fontRef idx="minor">
+                  <a:schemeClr val="lt1"/>
+                </a:fontRef>
+              </p:style>
+              <p:txBody>
+                <a:bodyPr rtlCol="0" anchor="ctr"/>
+                <a:lstStyle/>
+                <a:p>
+                  <a:pPr algn="ctr"/>
+                  <a:endParaRPr lang="en-US"/>
+                </a:p>
+              </p:txBody>
+            </p:sp>
+            <p:sp>
+              <p:nvSpPr>
+                <p:cNvPr id="19" name="TextBox 18"/>
+                <p:cNvSpPr txBox="1"/>
+                <p:nvPr/>
+              </p:nvSpPr>
+              <p:spPr>
+                <a:xfrm>
+                  <a:off x="3438905" y="4382543"/>
+                  <a:ext cx="452114" cy="333526"/>
+                </a:xfrm>
+                <a:prstGeom prst="rect">
+                  <a:avLst/>
+                </a:prstGeom>
+                <a:noFill/>
+              </p:spPr>
+              <p:txBody>
+                <a:bodyPr wrap="none" rtlCol="0">
+                  <a:spAutoFit/>
+                </a:bodyPr>
+                <a:lstStyle/>
+                <a:p>
+                  <a:r>
+                    <a:rPr lang="en-US" sz="900" dirty="0">
+                      <a:latin typeface="Times New Roman" panose="02020603050405020304" pitchFamily="18" charset="0"/>
+                      <a:cs typeface="Times New Roman" panose="02020603050405020304" pitchFamily="18" charset="0"/>
+                    </a:rPr>
+                    <a:t>(a)</a:t>
+                  </a:r>
+                  <a:endParaRPr lang="en-US" sz="1100" dirty="0">
+                    <a:latin typeface="Times New Roman" panose="02020603050405020304" pitchFamily="18" charset="0"/>
+                    <a:cs typeface="Times New Roman" panose="02020603050405020304" pitchFamily="18" charset="0"/>
+                  </a:endParaRPr>
+                </a:p>
+              </p:txBody>
+            </p:sp>
+          </p:grpSp>
+        </p:grpSp>
+        <p:grpSp>
+          <p:nvGrpSpPr>
+            <p:cNvPr id="47" name="Group 46"/>
+            <p:cNvGrpSpPr/>
+            <p:nvPr/>
+          </p:nvGrpSpPr>
+          <p:grpSpPr>
+            <a:xfrm>
+              <a:off x="2834338" y="1704514"/>
+              <a:ext cx="2379771" cy="1536192"/>
+              <a:chOff x="2751788" y="256714"/>
+              <a:chExt cx="2379771" cy="1536192"/>
+            </a:xfrm>
+          </p:grpSpPr>
+          <p:sp>
+            <p:nvSpPr>
+              <p:cNvPr id="6" name="Rectangle 5"/>
+              <p:cNvSpPr/>
+              <p:nvPr/>
+            </p:nvSpPr>
+            <p:spPr>
+              <a:xfrm>
+                <a:off x="2809222" y="256714"/>
+                <a:ext cx="2292826" cy="1536192"/>
+              </a:xfrm>
+              <a:prstGeom prst="rect">
+                <a:avLst/>
+              </a:prstGeom>
+              <a:solidFill>
+                <a:srgbClr val="010101"/>
+              </a:solidFill>
+              <a:ln>
+                <a:noFill/>
+              </a:ln>
+            </p:spPr>
+            <p:style>
+              <a:lnRef idx="2">
+                <a:schemeClr val="accent1">
+                  <a:shade val="50000"/>
+                </a:schemeClr>
+              </a:lnRef>
+              <a:fillRef idx="1">
+                <a:schemeClr val="accent1"/>
+              </a:fillRef>
+              <a:effectRef idx="0">
+                <a:schemeClr val="accent1"/>
+              </a:effectRef>
+              <a:fontRef idx="minor">
+                <a:schemeClr val="lt1"/>
+              </a:fontRef>
+            </p:style>
+            <p:txBody>
+              <a:bodyPr rtlCol="0" anchor="ctr"/>
+              <a:lstStyle/>
+              <a:p>
+                <a:pPr algn="ctr"/>
+                <a:endParaRPr lang="en-US"/>
+              </a:p>
+            </p:txBody>
+          </p:sp>
+          <p:grpSp>
+            <p:nvGrpSpPr>
+              <p:cNvPr id="7" name="Group 6"/>
+              <p:cNvGrpSpPr/>
+              <p:nvPr/>
+            </p:nvGrpSpPr>
+            <p:grpSpPr>
+              <a:xfrm>
+                <a:off x="2751788" y="1566265"/>
+                <a:ext cx="289223" cy="209076"/>
+                <a:chOff x="8585983" y="4386099"/>
+                <a:chExt cx="461379" cy="333526"/>
+              </a:xfrm>
+            </p:grpSpPr>
+            <p:sp>
+              <p:nvSpPr>
+                <p:cNvPr id="14" name="Rounded Rectangle 13"/>
+                <p:cNvSpPr/>
+                <p:nvPr/>
+              </p:nvSpPr>
+              <p:spPr>
+                <a:xfrm>
+                  <a:off x="8716977" y="4470904"/>
+                  <a:ext cx="233389" cy="226337"/>
+                </a:xfrm>
+                <a:prstGeom prst="roundRect">
+                  <a:avLst/>
+                </a:prstGeom>
+                <a:solidFill>
+                  <a:schemeClr val="bg1"/>
+                </a:solidFill>
+                <a:ln w="6350">
+                  <a:solidFill>
+                    <a:schemeClr val="bg1">
+                      <a:lumMod val="75000"/>
+                    </a:schemeClr>
+                  </a:solidFill>
+                </a:ln>
+                <a:effectLst>
+                  <a:outerShdw blurRad="25400" dist="25400" dir="2700000" algn="tl" rotWithShape="0">
+                    <a:prstClr val="black">
+                      <a:alpha val="40000"/>
+                    </a:prstClr>
+                  </a:outerShdw>
+                </a:effectLst>
+              </p:spPr>
+              <p:style>
+                <a:lnRef idx="2">
+                  <a:schemeClr val="accent1">
+                    <a:shade val="50000"/>
+                  </a:schemeClr>
+                </a:lnRef>
+                <a:fillRef idx="1">
+                  <a:schemeClr val="accent1"/>
+                </a:fillRef>
+                <a:effectRef idx="0">
+                  <a:schemeClr val="accent1"/>
+                </a:effectRef>
+                <a:fontRef idx="minor">
+                  <a:schemeClr val="lt1"/>
+                </a:fontRef>
+              </p:style>
+              <p:txBody>
+                <a:bodyPr rtlCol="0" anchor="ctr"/>
+                <a:lstStyle/>
+                <a:p>
+                  <a:pPr algn="ctr"/>
+                  <a:endParaRPr lang="en-US"/>
+                </a:p>
+              </p:txBody>
+            </p:sp>
+            <p:sp>
+              <p:nvSpPr>
+                <p:cNvPr id="15" name="TextBox 14"/>
+                <p:cNvSpPr txBox="1"/>
+                <p:nvPr/>
+              </p:nvSpPr>
+              <p:spPr>
+                <a:xfrm>
+                  <a:off x="8585983" y="4386099"/>
+                  <a:ext cx="461379" cy="333526"/>
+                </a:xfrm>
+                <a:prstGeom prst="rect">
+                  <a:avLst/>
+                </a:prstGeom>
+                <a:noFill/>
+              </p:spPr>
+              <p:txBody>
+                <a:bodyPr wrap="none" rtlCol="0">
+                  <a:spAutoFit/>
+                </a:bodyPr>
+                <a:lstStyle/>
+                <a:p>
+                  <a:r>
+                    <a:rPr lang="en-US" sz="900" dirty="0">
+                      <a:latin typeface="Times New Roman" panose="02020603050405020304" pitchFamily="18" charset="0"/>
+                      <a:cs typeface="Times New Roman" panose="02020603050405020304" pitchFamily="18" charset="0"/>
+                    </a:rPr>
+                    <a:t>(b)</a:t>
+                  </a:r>
+                  <a:endParaRPr lang="en-US" sz="1100" dirty="0">
+                    <a:latin typeface="Times New Roman" panose="02020603050405020304" pitchFamily="18" charset="0"/>
+                    <a:cs typeface="Times New Roman" panose="02020603050405020304" pitchFamily="18" charset="0"/>
+                  </a:endParaRPr>
+                </a:p>
+              </p:txBody>
+            </p:sp>
+          </p:grpSp>
+          <p:grpSp>
+            <p:nvGrpSpPr>
+              <p:cNvPr id="8" name="Group 7"/>
+              <p:cNvGrpSpPr/>
+              <p:nvPr/>
+            </p:nvGrpSpPr>
+            <p:grpSpPr>
+              <a:xfrm>
+                <a:off x="3093148" y="256714"/>
+                <a:ext cx="2038411" cy="1536192"/>
+                <a:chOff x="4409632" y="2297054"/>
+                <a:chExt cx="3251747" cy="2450592"/>
+              </a:xfrm>
+            </p:grpSpPr>
+            <p:pic>
+              <p:nvPicPr>
+                <p:cNvPr id="9" name="Picture 8"/>
+                <p:cNvPicPr>
+                  <a:picLocks noChangeAspect="1"/>
+                </p:cNvPicPr>
+                <p:nvPr/>
+              </p:nvPicPr>
+              <p:blipFill>
+                <a:blip r:embed="rId3" cstate="print">
+                  <a:extLst>
+                    <a:ext uri="{28A0092B-C50C-407E-A947-70E740481C1C}">
+                      <a14:useLocalDpi xmlns:a14="http://schemas.microsoft.com/office/drawing/2010/main" val="0"/>
+                    </a:ext>
+                  </a:extLst>
+                </a:blip>
+                <a:stretch>
+                  <a:fillRect/>
+                </a:stretch>
+              </p:blipFill>
+              <p:spPr>
+                <a:xfrm>
+                  <a:off x="4409632" y="2297054"/>
+                  <a:ext cx="2429331" cy="2450592"/>
+                </a:xfrm>
+                <a:prstGeom prst="rect">
+                  <a:avLst/>
+                </a:prstGeom>
+              </p:spPr>
+            </p:pic>
+            <p:grpSp>
+              <p:nvGrpSpPr>
+                <p:cNvPr id="10" name="Group 9"/>
+                <p:cNvGrpSpPr/>
+                <p:nvPr/>
+              </p:nvGrpSpPr>
+              <p:grpSpPr>
+                <a:xfrm>
+                  <a:off x="6215638" y="2375731"/>
+                  <a:ext cx="1445741" cy="1738904"/>
+                  <a:chOff x="6215638" y="2375731"/>
+                  <a:chExt cx="1445741" cy="1738904"/>
+                </a:xfrm>
+              </p:grpSpPr>
+              <p:sp>
+                <p:nvSpPr>
+                  <p:cNvPr id="11" name="Right Arrow 10" hidden="1"/>
+                  <p:cNvSpPr/>
+                  <p:nvPr/>
+                </p:nvSpPr>
+                <p:spPr>
+                  <a:xfrm flipH="1">
+                    <a:off x="6293975" y="2375731"/>
+                    <a:ext cx="1055409" cy="572568"/>
+                  </a:xfrm>
+                  <a:prstGeom prst="rightArrow">
+                    <a:avLst>
+                      <a:gd name="adj1" fmla="val 45283"/>
+                      <a:gd name="adj2" fmla="val 75946"/>
+                    </a:avLst>
+                  </a:prstGeom>
+                  <a:solidFill>
+                    <a:srgbClr val="008E40"/>
+                  </a:solidFill>
+                  <a:ln>
+                    <a:noFill/>
+                  </a:ln>
+                  <a:effectLst>
+                    <a:outerShdw blurRad="25400" dist="50800" dir="2700000" algn="tl" rotWithShape="0">
+                      <a:schemeClr val="tx1">
+                        <a:lumMod val="50000"/>
+                        <a:lumOff val="50000"/>
+                        <a:alpha val="52000"/>
+                      </a:schemeClr>
+                    </a:outerShdw>
+                  </a:effectLst>
+                  <a:scene3d>
+                    <a:camera prst="isometricOffAxis2Top">
+                      <a:rot lat="19200000" lon="4080000" rev="18141449"/>
+                    </a:camera>
+                    <a:lightRig rig="threePt" dir="t"/>
+                  </a:scene3d>
+                </p:spPr>
+                <p:style>
+                  <a:lnRef idx="2">
+                    <a:schemeClr val="accent1">
+                      <a:shade val="50000"/>
+                    </a:schemeClr>
+                  </a:lnRef>
+                  <a:fillRef idx="1">
+                    <a:schemeClr val="accent1"/>
+                  </a:fillRef>
+                  <a:effectRef idx="0">
+                    <a:schemeClr val="accent1"/>
+                  </a:effectRef>
+                  <a:fontRef idx="minor">
+                    <a:schemeClr val="lt1"/>
+                  </a:fontRef>
+                </p:style>
+                <p:txBody>
+                  <a:bodyPr rtlCol="0" anchor="ctr"/>
+                  <a:lstStyle/>
+                  <a:p>
+                    <a:pPr algn="ctr"/>
+                    <a:endParaRPr lang="en-US"/>
+                  </a:p>
+                </p:txBody>
+              </p:sp>
+              <p:sp>
+                <p:nvSpPr>
+                  <p:cNvPr id="12" name="Right Arrow 11" hidden="1"/>
+                  <p:cNvSpPr/>
+                  <p:nvPr/>
+                </p:nvSpPr>
+                <p:spPr>
+                  <a:xfrm flipH="1">
+                    <a:off x="6215638" y="2878509"/>
+                    <a:ext cx="1055409" cy="572568"/>
+                  </a:xfrm>
+                  <a:prstGeom prst="rightArrow">
+                    <a:avLst>
+                      <a:gd name="adj1" fmla="val 45283"/>
+                      <a:gd name="adj2" fmla="val 75946"/>
+                    </a:avLst>
+                  </a:prstGeom>
+                  <a:solidFill>
+                    <a:srgbClr val="008E40"/>
+                  </a:solidFill>
+                  <a:ln>
+                    <a:noFill/>
+                  </a:ln>
+                  <a:effectLst>
+                    <a:outerShdw blurRad="25400" dist="50800" dir="2700000" algn="tl" rotWithShape="0">
+                      <a:schemeClr val="tx1">
+                        <a:lumMod val="50000"/>
+                        <a:lumOff val="50000"/>
+                        <a:alpha val="52000"/>
+                      </a:schemeClr>
+                    </a:outerShdw>
+                  </a:effectLst>
+                  <a:scene3d>
+                    <a:camera prst="isometricOffAxis2Top">
+                      <a:rot lat="19200000" lon="4080000" rev="18141449"/>
+                    </a:camera>
+                    <a:lightRig rig="threePt" dir="t"/>
+                  </a:scene3d>
+                </p:spPr>
+                <p:style>
+                  <a:lnRef idx="2">
+                    <a:schemeClr val="accent1">
+                      <a:shade val="50000"/>
+                    </a:schemeClr>
+                  </a:lnRef>
+                  <a:fillRef idx="1">
+                    <a:schemeClr val="accent1"/>
+                  </a:fillRef>
+                  <a:effectRef idx="0">
+                    <a:schemeClr val="accent1"/>
+                  </a:effectRef>
+                  <a:fontRef idx="minor">
+                    <a:schemeClr val="lt1"/>
+                  </a:fontRef>
+                </p:style>
+                <p:txBody>
+                  <a:bodyPr rtlCol="0" anchor="ctr"/>
+                  <a:lstStyle/>
+                  <a:p>
+                    <a:pPr algn="ctr"/>
+                    <a:endParaRPr lang="en-US"/>
+                  </a:p>
+                </p:txBody>
+              </p:sp>
+              <p:sp>
+                <p:nvSpPr>
+                  <p:cNvPr id="13" name="TextBox 12" hidden="1"/>
+                  <p:cNvSpPr txBox="1"/>
+                  <p:nvPr/>
+                </p:nvSpPr>
+                <p:spPr>
+                  <a:xfrm>
+                    <a:off x="6494800" y="3230876"/>
+                    <a:ext cx="1166579" cy="883759"/>
+                  </a:xfrm>
+                  <a:prstGeom prst="rect">
+                    <a:avLst/>
+                  </a:prstGeom>
+                  <a:noFill/>
+                </p:spPr>
+                <p:txBody>
+                  <a:bodyPr wrap="square" rtlCol="0">
+                    <a:spAutoFit/>
+                  </a:bodyPr>
+                  <a:lstStyle/>
+                  <a:p>
+                    <a:r>
+                      <a:rPr lang="en-US" sz="1000" i="1" dirty="0">
+                        <a:solidFill>
+                          <a:schemeClr val="bg1">
+                            <a:lumMod val="85000"/>
+                          </a:schemeClr>
+                        </a:solidFill>
+                      </a:rPr>
+                      <a:t>PLANE OF   SHARP   FOCUS</a:t>
+                    </a:r>
+                  </a:p>
+                </p:txBody>
+              </p:sp>
+            </p:grpSp>
+          </p:grpSp>
+        </p:grpSp>
+        <p:sp>
+          <p:nvSpPr>
+            <p:cNvPr id="23" name="Rectangle 22"/>
+            <p:cNvSpPr/>
+            <p:nvPr/>
+          </p:nvSpPr>
+          <p:spPr>
+            <a:xfrm>
+              <a:off x="2978150" y="222250"/>
+              <a:ext cx="2120900" cy="3930650"/>
+            </a:xfrm>
+            <a:prstGeom prst="rect">
+              <a:avLst/>
+            </a:prstGeom>
+            <a:solidFill>
+              <a:srgbClr val="00B050">
+                <a:alpha val="8000"/>
+              </a:srgbClr>
+            </a:solidFill>
+            <a:ln w="19050">
+              <a:solidFill>
+                <a:srgbClr val="008E40"/>
+              </a:solidFill>
+              <a:prstDash val="dash"/>
+            </a:ln>
+            <a:scene3d>
+              <a:camera prst="perspectiveRelaxed">
+                <a:rot lat="17100000" lon="0" rev="0"/>
+              </a:camera>
+              <a:lightRig rig="threePt" dir="t"/>
+            </a:scene3d>
+          </p:spPr>
+          <p:style>
+            <a:lnRef idx="2">
+              <a:schemeClr val="accent1">
+                <a:shade val="50000"/>
+              </a:schemeClr>
+            </a:lnRef>
+            <a:fillRef idx="1">
+              <a:schemeClr val="accent1"/>
+            </a:fillRef>
+            <a:effectRef idx="0">
+              <a:schemeClr val="accent1"/>
+            </a:effectRef>
+            <a:fontRef idx="minor">
+              <a:schemeClr val="lt1"/>
+            </a:fontRef>
+          </p:style>
+          <p:txBody>
+            <a:bodyPr rtlCol="0" anchor="ctr"/>
+            <a:lstStyle/>
+            <a:p>
+              <a:pPr algn="ctr"/>
+              <a:endParaRPr lang="en-US"/>
+            </a:p>
+          </p:txBody>
+        </p:sp>
+        <p:sp>
+          <p:nvSpPr>
+            <p:cNvPr id="24" name="TextBox 23"/>
+            <p:cNvSpPr txBox="1"/>
+            <p:nvPr/>
+          </p:nvSpPr>
+          <p:spPr>
+            <a:xfrm>
+              <a:off x="4337050" y="1902545"/>
+              <a:ext cx="1194559" cy="1323439"/>
+            </a:xfrm>
+            <a:prstGeom prst="rect">
+              <a:avLst/>
+            </a:prstGeom>
+            <a:noFill/>
+            <a:scene3d>
+              <a:camera prst="perspectiveRelaxed">
+                <a:rot lat="17100000" lon="0" rev="0"/>
+              </a:camera>
+              <a:lightRig rig="threePt" dir="t"/>
+            </a:scene3d>
+          </p:spPr>
+          <p:txBody>
+            <a:bodyPr wrap="square" rtlCol="0">
+              <a:spAutoFit/>
+            </a:bodyPr>
+            <a:lstStyle/>
+            <a:p>
+              <a:r>
+                <a:rPr lang="en-US" sz="2000" i="1" dirty="0">
+                  <a:solidFill>
+                    <a:srgbClr val="00E266"/>
+                  </a:solidFill>
+                  <a:effectLst>
+                    <a:outerShdw blurRad="38100" dist="38100" dir="2700000" algn="tl">
+                      <a:srgbClr val="000000">
+                        <a:alpha val="43137"/>
+                      </a:srgbClr>
+                    </a:outerShdw>
+                  </a:effectLst>
+                </a:rPr>
+                <a:t>PLANE OF   SHARP   FOCUS</a:t>
+              </a:r>
+            </a:p>
+          </p:txBody>
+        </p:sp>
+      </p:grpSp>
+    </p:spTree>
+    <p:extLst>
+      <p:ext uri="{BB962C8B-B14F-4D97-AF65-F5344CB8AC3E}">
+        <p14:creationId xmlns:p14="http://schemas.microsoft.com/office/powerpoint/2010/main" val="3124263335"/>
+      </p:ext>
+    </p:extLst>
+  </p:cSld>
+  <p:clrMapOvr>
+    <a:masterClrMapping/>
+  </p:clrMapOvr>
+</p:sld>
+</file>
+
+<file path=ppt/slides/slide3.xml><?xml version="1.0" encoding="utf-8"?>
+<p:sld xmlns:a="http://schemas.openxmlformats.org/drawingml/2006/main" xmlns:r="http://schemas.openxmlformats.org/officeDocument/2006/relationships" xmlns:p="http://schemas.openxmlformats.org/presentationml/2006/main">
+  <p:cSld>
+    <p:spTree>
+      <p:nvGrpSpPr>
+        <p:cNvPr id="1" name=""/>
+        <p:cNvGrpSpPr/>
+        <p:nvPr/>
+      </p:nvGrpSpPr>
+      <p:grpSpPr>
+        <a:xfrm>
+          <a:off x="0" y="0"/>
+          <a:ext cx="0" cy="0"/>
+          <a:chOff x="0" y="0"/>
+          <a:chExt cx="0" cy="0"/>
+        </a:xfrm>
+      </p:grpSpPr>
+      <p:grpSp>
+        <p:nvGrpSpPr>
+          <p:cNvPr id="16" name="Group 15"/>
+          <p:cNvGrpSpPr/>
+          <p:nvPr/>
+        </p:nvGrpSpPr>
+        <p:grpSpPr>
+          <a:xfrm>
+            <a:off x="437223" y="1628314"/>
+            <a:ext cx="2292826" cy="1533401"/>
+            <a:chOff x="239479" y="2290886"/>
+            <a:chExt cx="3657600" cy="2446140"/>
+          </a:xfrm>
+        </p:grpSpPr>
+        <p:pic>
+          <p:nvPicPr>
+            <p:cNvPr id="20" name="Picture 19"/>
+            <p:cNvPicPr>
+              <a:picLocks noChangeAspect="1"/>
+            </p:cNvPicPr>
+            <p:nvPr/>
+          </p:nvPicPr>
+          <p:blipFill>
+            <a:blip r:embed="rId2"/>
+            <a:stretch>
+              <a:fillRect/>
+            </a:stretch>
+          </p:blipFill>
+          <p:spPr>
+            <a:xfrm>
+              <a:off x="239479" y="2290886"/>
+              <a:ext cx="3657600" cy="2446140"/>
+            </a:xfrm>
+            <a:prstGeom prst="rect">
+              <a:avLst/>
+            </a:prstGeom>
+          </p:spPr>
+        </p:pic>
+        <p:sp>
+          <p:nvSpPr>
+            <p:cNvPr id="21" name="TextBox 20"/>
+            <p:cNvSpPr txBox="1"/>
+            <p:nvPr/>
+          </p:nvSpPr>
+          <p:spPr>
+            <a:xfrm>
+              <a:off x="424522" y="2605319"/>
+              <a:ext cx="1220165" cy="791426"/>
+            </a:xfrm>
+            <a:prstGeom prst="rect">
+              <a:avLst/>
+            </a:prstGeom>
+            <a:noFill/>
+          </p:spPr>
+          <p:txBody>
+            <a:bodyPr wrap="square" rtlCol="0">
+              <a:spAutoFit/>
+            </a:bodyPr>
+            <a:lstStyle/>
+            <a:p>
+              <a:r>
+                <a:rPr lang="en-US" sz="1000" i="1" dirty="0">
+                  <a:solidFill>
+                    <a:schemeClr val="tx1">
+                      <a:lumMod val="85000"/>
+                      <a:lumOff val="15000"/>
+                    </a:schemeClr>
+                  </a:solidFill>
+                </a:rPr>
+                <a:t>PLANE OF SHARP FOCUS</a:t>
+              </a:r>
+            </a:p>
+          </p:txBody>
+        </p:sp>
+        <p:sp>
+          <p:nvSpPr>
+            <p:cNvPr id="22" name="Right Arrow 21"/>
+            <p:cNvSpPr/>
+            <p:nvPr/>
+          </p:nvSpPr>
+          <p:spPr>
+            <a:xfrm>
+              <a:off x="593426" y="3315718"/>
+              <a:ext cx="733246" cy="362310"/>
+            </a:xfrm>
+            <a:prstGeom prst="rightArrow">
+              <a:avLst/>
+            </a:prstGeom>
+            <a:solidFill>
+              <a:srgbClr val="FF0000"/>
+            </a:solidFill>
+            <a:ln>
+              <a:noFill/>
+            </a:ln>
+            <a:effectLst>
+              <a:outerShdw blurRad="25400" dist="25400" dir="2700000" algn="tl" rotWithShape="0">
+                <a:prstClr val="black">
+                  <a:alpha val="52000"/>
+                </a:prstClr>
+              </a:outerShdw>
+            </a:effectLst>
+          </p:spPr>
+          <p:style>
+            <a:lnRef idx="2">
+              <a:schemeClr val="accent1">
+                <a:shade val="50000"/>
+              </a:schemeClr>
+            </a:lnRef>
+            <a:fillRef idx="1">
+              <a:schemeClr val="accent1"/>
+            </a:fillRef>
+            <a:effectRef idx="0">
+              <a:schemeClr val="accent1"/>
+            </a:effectRef>
+            <a:fontRef idx="minor">
+              <a:schemeClr val="lt1"/>
+            </a:fontRef>
+          </p:style>
+          <p:txBody>
+            <a:bodyPr rtlCol="0" anchor="ctr"/>
+            <a:lstStyle/>
+            <a:p>
+              <a:pPr algn="ctr"/>
+              <a:endParaRPr lang="en-US"/>
+            </a:p>
+          </p:txBody>
+        </p:sp>
+      </p:grpSp>
+      <p:grpSp>
+        <p:nvGrpSpPr>
+          <p:cNvPr id="17" name="Group 16"/>
+          <p:cNvGrpSpPr/>
+          <p:nvPr/>
+        </p:nvGrpSpPr>
+        <p:grpSpPr>
+          <a:xfrm>
+            <a:off x="382782" y="2934690"/>
+            <a:ext cx="283415" cy="209076"/>
+            <a:chOff x="3438905" y="4382543"/>
+            <a:chExt cx="452114" cy="333526"/>
+          </a:xfrm>
+        </p:grpSpPr>
+        <p:sp>
+          <p:nvSpPr>
+            <p:cNvPr id="18" name="Rounded Rectangle 17"/>
+            <p:cNvSpPr/>
+            <p:nvPr/>
+          </p:nvSpPr>
+          <p:spPr>
+            <a:xfrm>
+              <a:off x="3567063" y="4472413"/>
+              <a:ext cx="233390" cy="226337"/>
+            </a:xfrm>
+            <a:prstGeom prst="roundRect">
+              <a:avLst/>
+            </a:prstGeom>
+            <a:solidFill>
+              <a:schemeClr val="bg1"/>
+            </a:solidFill>
+            <a:ln w="6350">
+              <a:solidFill>
+                <a:schemeClr val="bg1">
+                  <a:lumMod val="75000"/>
+                </a:schemeClr>
+              </a:solidFill>
+            </a:ln>
+            <a:effectLst>
+              <a:outerShdw blurRad="25400" dist="25400" dir="2700000" algn="tl" rotWithShape="0">
+                <a:prstClr val="black">
+                  <a:alpha val="40000"/>
+                </a:prstClr>
+              </a:outerShdw>
+            </a:effectLst>
+          </p:spPr>
+          <p:style>
+            <a:lnRef idx="2">
+              <a:schemeClr val="accent1">
+                <a:shade val="50000"/>
+              </a:schemeClr>
+            </a:lnRef>
+            <a:fillRef idx="1">
+              <a:schemeClr val="accent1"/>
+            </a:fillRef>
+            <a:effectRef idx="0">
+              <a:schemeClr val="accent1"/>
+            </a:effectRef>
+            <a:fontRef idx="minor">
+              <a:schemeClr val="lt1"/>
+            </a:fontRef>
+          </p:style>
+          <p:txBody>
+            <a:bodyPr rtlCol="0" anchor="ctr"/>
+            <a:lstStyle/>
+            <a:p>
+              <a:pPr algn="ctr"/>
+              <a:endParaRPr lang="en-US"/>
+            </a:p>
+          </p:txBody>
+        </p:sp>
+        <p:sp>
+          <p:nvSpPr>
+            <p:cNvPr id="19" name="TextBox 18"/>
+            <p:cNvSpPr txBox="1"/>
+            <p:nvPr/>
+          </p:nvSpPr>
+          <p:spPr>
+            <a:xfrm>
+              <a:off x="3438905" y="4382543"/>
+              <a:ext cx="452114" cy="333526"/>
+            </a:xfrm>
+            <a:prstGeom prst="rect">
+              <a:avLst/>
+            </a:prstGeom>
+            <a:noFill/>
+          </p:spPr>
+          <p:txBody>
+            <a:bodyPr wrap="none" rtlCol="0">
+              <a:spAutoFit/>
+            </a:bodyPr>
+            <a:lstStyle/>
+            <a:p>
+              <a:r>
+                <a:rPr lang="en-US" sz="900" dirty="0">
+                  <a:latin typeface="Times New Roman" panose="02020603050405020304" pitchFamily="18" charset="0"/>
+                  <a:cs typeface="Times New Roman" panose="02020603050405020304" pitchFamily="18" charset="0"/>
+                </a:rPr>
+                <a:t>(a)</a:t>
+              </a:r>
+              <a:endParaRPr lang="en-US" sz="1100" dirty="0">
+                <a:latin typeface="Times New Roman" panose="02020603050405020304" pitchFamily="18" charset="0"/>
+                <a:cs typeface="Times New Roman" panose="02020603050405020304" pitchFamily="18" charset="0"/>
+              </a:endParaRPr>
+            </a:p>
+          </p:txBody>
+        </p:sp>
+      </p:grpSp>
+      <p:sp>
+        <p:nvSpPr>
+          <p:cNvPr id="6" name="Rectangle 5"/>
+          <p:cNvSpPr/>
+          <p:nvPr/>
+        </p:nvSpPr>
+        <p:spPr>
+          <a:xfrm>
+            <a:off x="2872722" y="1628314"/>
+            <a:ext cx="2292826" cy="1536192"/>
+          </a:xfrm>
+          <a:prstGeom prst="rect">
+            <a:avLst/>
+          </a:prstGeom>
+          <a:solidFill>
+            <a:srgbClr val="010101"/>
+          </a:solidFill>
+          <a:ln>
+            <a:noFill/>
+          </a:ln>
+        </p:spPr>
+        <p:style>
+          <a:lnRef idx="2">
+            <a:schemeClr val="accent1">
+              <a:shade val="50000"/>
+            </a:schemeClr>
+          </a:lnRef>
+          <a:fillRef idx="1">
+            <a:schemeClr val="accent1"/>
+          </a:fillRef>
+          <a:effectRef idx="0">
+            <a:schemeClr val="accent1"/>
+          </a:effectRef>
+          <a:fontRef idx="minor">
+            <a:schemeClr val="lt1"/>
+          </a:fontRef>
+        </p:style>
+        <p:txBody>
+          <a:bodyPr rtlCol="0" anchor="ctr"/>
+          <a:lstStyle/>
+          <a:p>
+            <a:pPr algn="ctr"/>
+            <a:endParaRPr lang="en-US"/>
+          </a:p>
+        </p:txBody>
+      </p:sp>
+      <p:grpSp>
+        <p:nvGrpSpPr>
+          <p:cNvPr id="7" name="Group 6"/>
+          <p:cNvGrpSpPr/>
+          <p:nvPr/>
+        </p:nvGrpSpPr>
+        <p:grpSpPr>
+          <a:xfrm>
+            <a:off x="2815288" y="2937865"/>
+            <a:ext cx="289223" cy="209076"/>
+            <a:chOff x="8585983" y="4386099"/>
+            <a:chExt cx="461379" cy="333526"/>
+          </a:xfrm>
+        </p:grpSpPr>
+        <p:sp>
+          <p:nvSpPr>
+            <p:cNvPr id="14" name="Rounded Rectangle 13"/>
+            <p:cNvSpPr/>
+            <p:nvPr/>
+          </p:nvSpPr>
+          <p:spPr>
+            <a:xfrm>
+              <a:off x="8716977" y="4470904"/>
+              <a:ext cx="233389" cy="226337"/>
+            </a:xfrm>
+            <a:prstGeom prst="roundRect">
+              <a:avLst/>
+            </a:prstGeom>
+            <a:solidFill>
+              <a:schemeClr val="bg1"/>
+            </a:solidFill>
+            <a:ln w="6350">
+              <a:solidFill>
+                <a:schemeClr val="bg1">
+                  <a:lumMod val="75000"/>
+                </a:schemeClr>
+              </a:solidFill>
+            </a:ln>
+            <a:effectLst>
+              <a:outerShdw blurRad="25400" dist="25400" dir="2700000" algn="tl" rotWithShape="0">
+                <a:prstClr val="black">
+                  <a:alpha val="40000"/>
+                </a:prstClr>
+              </a:outerShdw>
+            </a:effectLst>
+          </p:spPr>
+          <p:style>
+            <a:lnRef idx="2">
+              <a:schemeClr val="accent1">
+                <a:shade val="50000"/>
+              </a:schemeClr>
+            </a:lnRef>
+            <a:fillRef idx="1">
+              <a:schemeClr val="accent1"/>
+            </a:fillRef>
+            <a:effectRef idx="0">
+              <a:schemeClr val="accent1"/>
+            </a:effectRef>
+            <a:fontRef idx="minor">
+              <a:schemeClr val="lt1"/>
+            </a:fontRef>
+          </p:style>
+          <p:txBody>
+            <a:bodyPr rtlCol="0" anchor="ctr"/>
+            <a:lstStyle/>
+            <a:p>
+              <a:pPr algn="ctr"/>
+              <a:endParaRPr lang="en-US"/>
+            </a:p>
+          </p:txBody>
+        </p:sp>
+        <p:sp>
+          <p:nvSpPr>
+            <p:cNvPr id="15" name="TextBox 14"/>
+            <p:cNvSpPr txBox="1"/>
+            <p:nvPr/>
+          </p:nvSpPr>
+          <p:spPr>
+            <a:xfrm>
+              <a:off x="8585983" y="4386099"/>
+              <a:ext cx="461379" cy="333526"/>
+            </a:xfrm>
+            <a:prstGeom prst="rect">
+              <a:avLst/>
+            </a:prstGeom>
+            <a:noFill/>
+          </p:spPr>
+          <p:txBody>
+            <a:bodyPr wrap="none" rtlCol="0">
+              <a:spAutoFit/>
+            </a:bodyPr>
+            <a:lstStyle/>
+            <a:p>
+              <a:r>
+                <a:rPr lang="en-US" sz="900" dirty="0">
+                  <a:latin typeface="Times New Roman" panose="02020603050405020304" pitchFamily="18" charset="0"/>
+                  <a:cs typeface="Times New Roman" panose="02020603050405020304" pitchFamily="18" charset="0"/>
+                </a:rPr>
+                <a:t>(b)</a:t>
+              </a:r>
+              <a:endParaRPr lang="en-US" sz="1100" dirty="0">
+                <a:latin typeface="Times New Roman" panose="02020603050405020304" pitchFamily="18" charset="0"/>
+                <a:cs typeface="Times New Roman" panose="02020603050405020304" pitchFamily="18" charset="0"/>
+              </a:endParaRPr>
+            </a:p>
+          </p:txBody>
+        </p:sp>
+      </p:grpSp>
+      <p:pic>
+        <p:nvPicPr>
+          <p:cNvPr id="9" name="Picture 8"/>
+          <p:cNvPicPr>
+            <a:picLocks noChangeAspect="1"/>
+          </p:cNvPicPr>
+          <p:nvPr/>
+        </p:nvPicPr>
+        <p:blipFill>
+          <a:blip r:embed="rId3" cstate="print">
+            <a:extLst>
+              <a:ext uri="{28A0092B-C50C-407E-A947-70E740481C1C}">
+                <a14:useLocalDpi xmlns:a14="http://schemas.microsoft.com/office/drawing/2010/main" val="0"/>
+              </a:ext>
+            </a:extLst>
+          </a:blip>
+          <a:stretch>
+            <a:fillRect/>
+          </a:stretch>
+        </p:blipFill>
+        <p:spPr>
+          <a:xfrm>
+            <a:off x="3156648" y="1628314"/>
+            <a:ext cx="1522866" cy="1536192"/>
+          </a:xfrm>
+          <a:prstGeom prst="rect">
+            <a:avLst/>
+          </a:prstGeom>
+        </p:spPr>
+      </p:pic>
+      <p:sp>
+        <p:nvSpPr>
+          <p:cNvPr id="23" name="Rectangle 22"/>
+          <p:cNvSpPr/>
+          <p:nvPr/>
+        </p:nvSpPr>
+        <p:spPr>
+          <a:xfrm>
+            <a:off x="2959100" y="158750"/>
+            <a:ext cx="2120900" cy="3930650"/>
+          </a:xfrm>
+          <a:prstGeom prst="rect">
+            <a:avLst/>
+          </a:prstGeom>
+          <a:solidFill>
+            <a:srgbClr val="00B050">
+              <a:alpha val="8000"/>
+            </a:srgbClr>
+          </a:solidFill>
+          <a:ln w="19050">
+            <a:solidFill>
+              <a:srgbClr val="008E40"/>
+            </a:solidFill>
+            <a:prstDash val="dash"/>
+          </a:ln>
+          <a:scene3d>
+            <a:camera prst="perspectiveRelaxed">
+              <a:rot lat="17100000" lon="0" rev="0"/>
+            </a:camera>
+            <a:lightRig rig="threePt" dir="t"/>
+          </a:scene3d>
+        </p:spPr>
+        <p:style>
+          <a:lnRef idx="2">
+            <a:schemeClr val="accent1">
+              <a:shade val="50000"/>
+            </a:schemeClr>
+          </a:lnRef>
+          <a:fillRef idx="1">
+            <a:schemeClr val="accent1"/>
+          </a:fillRef>
+          <a:effectRef idx="0">
+            <a:schemeClr val="accent1"/>
+          </a:effectRef>
+          <a:fontRef idx="minor">
+            <a:schemeClr val="lt1"/>
+          </a:fontRef>
+        </p:style>
+        <p:txBody>
+          <a:bodyPr rtlCol="0" anchor="ctr"/>
+          <a:lstStyle/>
+          <a:p>
+            <a:pPr algn="ctr"/>
+            <a:endParaRPr lang="en-US"/>
+          </a:p>
+        </p:txBody>
+      </p:sp>
+      <p:pic>
+        <p:nvPicPr>
+          <p:cNvPr id="5" name="Picture 4" hidden="1"/>
+          <p:cNvPicPr>
+            <a:picLocks noChangeAspect="1"/>
+          </p:cNvPicPr>
+          <p:nvPr/>
+        </p:nvPicPr>
+        <p:blipFill>
+          <a:blip r:embed="rId4">
+            <a:extLst>
+              <a:ext uri="{28A0092B-C50C-407E-A947-70E740481C1C}">
+                <a14:useLocalDpi xmlns:a14="http://schemas.microsoft.com/office/drawing/2010/main" val="0"/>
+              </a:ext>
+            </a:extLst>
+          </a:blip>
+          <a:stretch>
+            <a:fillRect/>
+          </a:stretch>
+        </p:blipFill>
+        <p:spPr>
+          <a:xfrm>
+            <a:off x="3092584" y="1625734"/>
+            <a:ext cx="1523810" cy="1533333"/>
+          </a:xfrm>
+          <a:prstGeom prst="rect">
+            <a:avLst/>
+          </a:prstGeom>
+        </p:spPr>
+      </p:pic>
+      <p:sp>
+        <p:nvSpPr>
+          <p:cNvPr id="11" name="Right Arrow 10" hidden="1"/>
+          <p:cNvSpPr/>
+          <p:nvPr/>
+        </p:nvSpPr>
+        <p:spPr>
+          <a:xfrm flipH="1">
+            <a:off x="4274380" y="1677634"/>
+            <a:ext cx="661600" cy="358923"/>
+          </a:xfrm>
+          <a:prstGeom prst="rightArrow">
+            <a:avLst>
+              <a:gd name="adj1" fmla="val 45283"/>
+              <a:gd name="adj2" fmla="val 75946"/>
+            </a:avLst>
+          </a:prstGeom>
+          <a:solidFill>
+            <a:srgbClr val="008E40"/>
+          </a:solidFill>
+          <a:ln>
+            <a:noFill/>
+          </a:ln>
+          <a:effectLst>
+            <a:outerShdw blurRad="25400" dist="50800" dir="2700000" algn="tl" rotWithShape="0">
+              <a:schemeClr val="tx1">
+                <a:lumMod val="50000"/>
+                <a:lumOff val="50000"/>
+                <a:alpha val="52000"/>
+              </a:schemeClr>
+            </a:outerShdw>
+          </a:effectLst>
+          <a:scene3d>
+            <a:camera prst="isometricOffAxis2Top">
+              <a:rot lat="19200000" lon="4080000" rev="18141449"/>
+            </a:camera>
+            <a:lightRig rig="threePt" dir="t"/>
+          </a:scene3d>
+        </p:spPr>
+        <p:style>
+          <a:lnRef idx="2">
+            <a:schemeClr val="accent1">
+              <a:shade val="50000"/>
+            </a:schemeClr>
+          </a:lnRef>
+          <a:fillRef idx="1">
+            <a:schemeClr val="accent1"/>
+          </a:fillRef>
+          <a:effectRef idx="0">
+            <a:schemeClr val="accent1"/>
+          </a:effectRef>
+          <a:fontRef idx="minor">
+            <a:schemeClr val="lt1"/>
+          </a:fontRef>
+        </p:style>
+        <p:txBody>
+          <a:bodyPr rtlCol="0" anchor="ctr"/>
+          <a:lstStyle/>
+          <a:p>
+            <a:pPr algn="ctr"/>
+            <a:endParaRPr lang="en-US"/>
+          </a:p>
+        </p:txBody>
+      </p:sp>
+      <p:sp>
+        <p:nvSpPr>
+          <p:cNvPr id="12" name="Right Arrow 11" hidden="1"/>
+          <p:cNvSpPr/>
+          <p:nvPr/>
+        </p:nvSpPr>
+        <p:spPr>
+          <a:xfrm flipH="1">
+            <a:off x="4225273" y="1992808"/>
+            <a:ext cx="661600" cy="358923"/>
+          </a:xfrm>
+          <a:prstGeom prst="rightArrow">
+            <a:avLst>
+              <a:gd name="adj1" fmla="val 45283"/>
+              <a:gd name="adj2" fmla="val 75946"/>
+            </a:avLst>
+          </a:prstGeom>
+          <a:solidFill>
+            <a:srgbClr val="008E40"/>
+          </a:solidFill>
+          <a:ln>
+            <a:noFill/>
+          </a:ln>
+          <a:effectLst>
+            <a:outerShdw blurRad="25400" dist="50800" dir="2700000" algn="tl" rotWithShape="0">
+              <a:schemeClr val="tx1">
+                <a:lumMod val="50000"/>
+                <a:lumOff val="50000"/>
+                <a:alpha val="52000"/>
+              </a:schemeClr>
+            </a:outerShdw>
+          </a:effectLst>
+          <a:scene3d>
+            <a:camera prst="isometricOffAxis2Top">
+              <a:rot lat="19200000" lon="4080000" rev="18141449"/>
+            </a:camera>
+            <a:lightRig rig="threePt" dir="t"/>
+          </a:scene3d>
+        </p:spPr>
+        <p:style>
+          <a:lnRef idx="2">
+            <a:schemeClr val="accent1">
+              <a:shade val="50000"/>
+            </a:schemeClr>
+          </a:lnRef>
+          <a:fillRef idx="1">
+            <a:schemeClr val="accent1"/>
+          </a:fillRef>
+          <a:effectRef idx="0">
+            <a:schemeClr val="accent1"/>
+          </a:effectRef>
+          <a:fontRef idx="minor">
+            <a:schemeClr val="lt1"/>
+          </a:fontRef>
+        </p:style>
+        <p:txBody>
+          <a:bodyPr rtlCol="0" anchor="ctr"/>
+          <a:lstStyle/>
+          <a:p>
+            <a:pPr algn="ctr"/>
+            <a:endParaRPr lang="en-US"/>
+          </a:p>
+        </p:txBody>
+      </p:sp>
+      <p:sp>
+        <p:nvSpPr>
+          <p:cNvPr id="13" name="TextBox 12"/>
+          <p:cNvSpPr txBox="1"/>
+          <p:nvPr/>
+        </p:nvSpPr>
+        <p:spPr>
+          <a:xfrm>
+            <a:off x="4318000" y="1839045"/>
+            <a:ext cx="1194559" cy="1323439"/>
+          </a:xfrm>
+          <a:prstGeom prst="rect">
+            <a:avLst/>
+          </a:prstGeom>
+          <a:noFill/>
+          <a:scene3d>
+            <a:camera prst="perspectiveRelaxed">
+              <a:rot lat="17100000" lon="0" rev="0"/>
+            </a:camera>
+            <a:lightRig rig="threePt" dir="t"/>
+          </a:scene3d>
+        </p:spPr>
+        <p:txBody>
+          <a:bodyPr wrap="square" rtlCol="0">
+            <a:spAutoFit/>
+          </a:bodyPr>
+          <a:lstStyle/>
+          <a:p>
+            <a:r>
+              <a:rPr lang="en-US" sz="2000" i="1" dirty="0">
+                <a:solidFill>
+                  <a:srgbClr val="00E266"/>
+                </a:solidFill>
+                <a:effectLst>
+                  <a:outerShdw blurRad="38100" dist="38100" dir="2700000" algn="tl">
+                    <a:srgbClr val="000000">
+                      <a:alpha val="43137"/>
+                    </a:srgbClr>
+                  </a:outerShdw>
+                </a:effectLst>
+              </a:rPr>
+              <a:t>PLANE OF   SHARP   FOCUS</a:t>
+            </a:r>
+          </a:p>
+        </p:txBody>
+      </p:sp>
+      <p:sp>
+        <p:nvSpPr>
+          <p:cNvPr id="2" name="Rectangle 1"/>
+          <p:cNvSpPr/>
+          <p:nvPr/>
+        </p:nvSpPr>
+        <p:spPr>
+          <a:xfrm>
+            <a:off x="527050" y="1289050"/>
+            <a:ext cx="2120900" cy="2063750"/>
+          </a:xfrm>
+          <a:prstGeom prst="rect">
+            <a:avLst/>
+          </a:prstGeom>
+          <a:solidFill>
+            <a:srgbClr val="FF0000">
+              <a:alpha val="7000"/>
+            </a:srgbClr>
+          </a:solidFill>
+          <a:ln w="19050">
+            <a:solidFill>
+              <a:srgbClr val="FF0000"/>
+            </a:solidFill>
+            <a:prstDash val="dash"/>
+          </a:ln>
+          <a:scene3d>
+            <a:camera prst="perspectiveRelaxed">
+              <a:rot lat="19500000" lon="0" rev="0"/>
+            </a:camera>
+            <a:lightRig rig="threePt" dir="t"/>
+          </a:scene3d>
+        </p:spPr>
+        <p:style>
+          <a:lnRef idx="2">
+            <a:schemeClr val="accent1">
+              <a:shade val="50000"/>
+            </a:schemeClr>
+          </a:lnRef>
+          <a:fillRef idx="1">
+            <a:schemeClr val="accent1"/>
+          </a:fillRef>
+          <a:effectRef idx="0">
+            <a:schemeClr val="accent1"/>
+          </a:effectRef>
+          <a:fontRef idx="minor">
+            <a:schemeClr val="lt1"/>
+          </a:fontRef>
+        </p:style>
+        <p:txBody>
+          <a:bodyPr rtlCol="0" anchor="ctr"/>
+          <a:lstStyle/>
+          <a:p>
+            <a:pPr algn="ctr"/>
+            <a:endParaRPr lang="en-US"/>
+          </a:p>
+        </p:txBody>
+      </p:sp>
+      <p:pic>
+        <p:nvPicPr>
+          <p:cNvPr id="24" name="Picture 23"/>
+          <p:cNvPicPr>
+            <a:picLocks noChangeAspect="1"/>
+          </p:cNvPicPr>
+          <p:nvPr/>
+        </p:nvPicPr>
+        <p:blipFill>
+          <a:blip r:embed="rId5" cstate="print">
+            <a:extLst>
+              <a:ext uri="{28A0092B-C50C-407E-A947-70E740481C1C}">
+                <a14:useLocalDpi xmlns:a14="http://schemas.microsoft.com/office/drawing/2010/main" val="0"/>
+              </a:ext>
+            </a:extLst>
+          </a:blip>
+          <a:stretch>
+            <a:fillRect/>
+          </a:stretch>
+        </p:blipFill>
+        <p:spPr>
+          <a:xfrm>
+            <a:off x="438155" y="1626146"/>
+            <a:ext cx="2295144" cy="1534946"/>
+          </a:xfrm>
+          <a:prstGeom prst="rect">
+            <a:avLst/>
+          </a:prstGeom>
+        </p:spPr>
+      </p:pic>
+    </p:spTree>
+    <p:extLst>
+      <p:ext uri="{BB962C8B-B14F-4D97-AF65-F5344CB8AC3E}">
+        <p14:creationId xmlns:p14="http://schemas.microsoft.com/office/powerpoint/2010/main" val="2988493463"/>
+      </p:ext>
+    </p:extLst>
+  </p:cSld>
+  <p:clrMapOvr>
+    <a:masterClrMapping/>
+  </p:clrMapOvr>
+</p:sld>
+</file>
+
+<file path=ppt/slides/slide4.xml><?xml version="1.0" encoding="utf-8"?>
 <p:sld xmlns:a="http://schemas.openxmlformats.org/drawingml/2006/main" xmlns:r="http://schemas.openxmlformats.org/officeDocument/2006/relationships" xmlns:p="http://schemas.openxmlformats.org/presentationml/2006/main">
   <p:cSld>
     <p:spTree>
@@ -5978,8 +7569,8 @@
               </a:p>
             </p:txBody>
           </p:sp>
-          <mc:AlternateContent xmlns:mc="http://schemas.openxmlformats.org/markup-compatibility/2006">
-            <mc:Choice xmlns:a14="http://schemas.microsoft.com/office/drawing/2010/main" Requires="a14">
+          <mc:AlternateContent xmlns:mc="http://schemas.openxmlformats.org/markup-compatibility/2006" xmlns:a14="http://schemas.microsoft.com/office/drawing/2010/main">
+            <mc:Choice Requires="a14">
               <p:sp>
                 <p:nvSpPr>
                   <p:cNvPr id="18" name="TextBox 17"/>
@@ -6111,7 +7702,7 @@
                 </p:txBody>
               </p:sp>
             </mc:Choice>
-            <mc:Fallback>
+            <mc:Fallback xmlns="">
               <p:sp>
                 <p:nvSpPr>
                   <p:cNvPr id="18" name="TextBox 17"/>
@@ -7753,8 +9344,8 @@
               </p:txBody>
             </p:sp>
           </p:grpSp>
-          <mc:AlternateContent xmlns:mc="http://schemas.openxmlformats.org/markup-compatibility/2006">
-            <mc:Choice xmlns:a14="http://schemas.microsoft.com/office/drawing/2010/main" Requires="a14">
+          <mc:AlternateContent xmlns:mc="http://schemas.openxmlformats.org/markup-compatibility/2006" xmlns:a14="http://schemas.microsoft.com/office/drawing/2010/main">
+            <mc:Choice Requires="a14">
               <p:sp>
                 <p:nvSpPr>
                   <p:cNvPr id="99" name="TextBox 98"/>
@@ -7823,7 +9414,7 @@
                 </p:txBody>
               </p:sp>
             </mc:Choice>
-            <mc:Fallback>
+            <mc:Fallback xmlns="">
               <p:sp>
                 <p:nvSpPr>
                   <p:cNvPr id="99" name="TextBox 98"/>
@@ -7932,8 +9523,8 @@
               </a:p>
             </p:txBody>
           </p:sp>
-          <mc:AlternateContent xmlns:mc="http://schemas.openxmlformats.org/markup-compatibility/2006">
-            <mc:Choice xmlns:a14="http://schemas.microsoft.com/office/drawing/2010/main" Requires="a14">
+          <mc:AlternateContent xmlns:mc="http://schemas.openxmlformats.org/markup-compatibility/2006" xmlns:a14="http://schemas.microsoft.com/office/drawing/2010/main">
+            <mc:Choice Requires="a14">
               <p:sp>
                 <p:nvSpPr>
                   <p:cNvPr id="120" name="TextBox 119"/>
@@ -8008,7 +9599,7 @@
                 </p:txBody>
               </p:sp>
             </mc:Choice>
-            <mc:Fallback>
+            <mc:Fallback xmlns="">
               <p:sp>
                 <p:nvSpPr>
                   <p:cNvPr id="120" name="TextBox 119"/>
@@ -8047,8 +9638,8 @@
               </p:sp>
             </mc:Fallback>
           </mc:AlternateContent>
-          <mc:AlternateContent xmlns:mc="http://schemas.openxmlformats.org/markup-compatibility/2006">
-            <mc:Choice xmlns:a14="http://schemas.microsoft.com/office/drawing/2010/main" Requires="a14">
+          <mc:AlternateContent xmlns:mc="http://schemas.openxmlformats.org/markup-compatibility/2006" xmlns:a14="http://schemas.microsoft.com/office/drawing/2010/main">
+            <mc:Choice Requires="a14">
               <p:sp>
                 <p:nvSpPr>
                   <p:cNvPr id="26" name="TextBox 25"/>
@@ -8108,7 +9699,7 @@
                 </p:txBody>
               </p:sp>
             </mc:Choice>
-            <mc:Fallback>
+            <mc:Fallback xmlns="">
               <p:sp>
                 <p:nvSpPr>
                   <p:cNvPr id="26" name="TextBox 25"/>

--- a/talks/imaging_applied_optics_2016/images/figures_ppt.pptx
+++ b/talks/imaging_applied_optics_2016/images/figures_ppt.pptx
@@ -1,6 +1,6 @@
 
 <file path=ppt/presentation.xml><?xml version="1.0" encoding="utf-8"?>
-<p:presentation xmlns:a="http://schemas.openxmlformats.org/drawingml/2006/main" xmlns:r="http://schemas.openxmlformats.org/officeDocument/2006/relationships" xmlns:p="http://schemas.openxmlformats.org/presentationml/2006/main" saveSubsetFonts="1">
+<p:presentation xmlns:a="http://schemas.openxmlformats.org/drawingml/2006/main" xmlns:r="http://schemas.openxmlformats.org/officeDocument/2006/relationships" xmlns:p="http://schemas.openxmlformats.org/presentationml/2006/main" saveSubsetFonts="1" autoCompressPictures="0">
   <p:sldMasterIdLst>
     <p:sldMasterId id="2147483648" r:id="rId1"/>
   </p:sldMasterIdLst>
@@ -308,7 +308,7 @@
           <a:p>
             <a:fld id="{9D9501FF-ABFD-4A20-9D6D-E502A59752B5}" type="datetimeFigureOut">
               <a:rPr lang="en-US" smtClean="0"/>
-              <a:t>3/7/2016</a:t>
+              <a:t>3/16/2016</a:t>
             </a:fld>
             <a:endParaRPr lang="en-US"/>
           </a:p>
@@ -476,7 +476,7 @@
           <a:p>
             <a:fld id="{9D9501FF-ABFD-4A20-9D6D-E502A59752B5}" type="datetimeFigureOut">
               <a:rPr lang="en-US" smtClean="0"/>
-              <a:t>3/7/2016</a:t>
+              <a:t>3/16/2016</a:t>
             </a:fld>
             <a:endParaRPr lang="en-US"/>
           </a:p>
@@ -654,7 +654,7 @@
           <a:p>
             <a:fld id="{9D9501FF-ABFD-4A20-9D6D-E502A59752B5}" type="datetimeFigureOut">
               <a:rPr lang="en-US" smtClean="0"/>
-              <a:t>3/7/2016</a:t>
+              <a:t>3/16/2016</a:t>
             </a:fld>
             <a:endParaRPr lang="en-US"/>
           </a:p>
@@ -822,7 +822,7 @@
           <a:p>
             <a:fld id="{9D9501FF-ABFD-4A20-9D6D-E502A59752B5}" type="datetimeFigureOut">
               <a:rPr lang="en-US" smtClean="0"/>
-              <a:t>3/7/2016</a:t>
+              <a:t>3/16/2016</a:t>
             </a:fld>
             <a:endParaRPr lang="en-US"/>
           </a:p>
@@ -1067,7 +1067,7 @@
           <a:p>
             <a:fld id="{9D9501FF-ABFD-4A20-9D6D-E502A59752B5}" type="datetimeFigureOut">
               <a:rPr lang="en-US" smtClean="0"/>
-              <a:t>3/7/2016</a:t>
+              <a:t>3/16/2016</a:t>
             </a:fld>
             <a:endParaRPr lang="en-US"/>
           </a:p>
@@ -1296,7 +1296,7 @@
           <a:p>
             <a:fld id="{9D9501FF-ABFD-4A20-9D6D-E502A59752B5}" type="datetimeFigureOut">
               <a:rPr lang="en-US" smtClean="0"/>
-              <a:t>3/7/2016</a:t>
+              <a:t>3/16/2016</a:t>
             </a:fld>
             <a:endParaRPr lang="en-US"/>
           </a:p>
@@ -1660,7 +1660,7 @@
           <a:p>
             <a:fld id="{9D9501FF-ABFD-4A20-9D6D-E502A59752B5}" type="datetimeFigureOut">
               <a:rPr lang="en-US" smtClean="0"/>
-              <a:t>3/7/2016</a:t>
+              <a:t>3/16/2016</a:t>
             </a:fld>
             <a:endParaRPr lang="en-US"/>
           </a:p>
@@ -1777,7 +1777,7 @@
           <a:p>
             <a:fld id="{9D9501FF-ABFD-4A20-9D6D-E502A59752B5}" type="datetimeFigureOut">
               <a:rPr lang="en-US" smtClean="0"/>
-              <a:t>3/7/2016</a:t>
+              <a:t>3/16/2016</a:t>
             </a:fld>
             <a:endParaRPr lang="en-US"/>
           </a:p>
@@ -1872,7 +1872,7 @@
           <a:p>
             <a:fld id="{9D9501FF-ABFD-4A20-9D6D-E502A59752B5}" type="datetimeFigureOut">
               <a:rPr lang="en-US" smtClean="0"/>
-              <a:t>3/7/2016</a:t>
+              <a:t>3/16/2016</a:t>
             </a:fld>
             <a:endParaRPr lang="en-US"/>
           </a:p>
@@ -2147,7 +2147,7 @@
           <a:p>
             <a:fld id="{9D9501FF-ABFD-4A20-9D6D-E502A59752B5}" type="datetimeFigureOut">
               <a:rPr lang="en-US" smtClean="0"/>
-              <a:t>3/7/2016</a:t>
+              <a:t>3/16/2016</a:t>
             </a:fld>
             <a:endParaRPr lang="en-US"/>
           </a:p>
@@ -2402,7 +2402,7 @@
           <a:p>
             <a:fld id="{9D9501FF-ABFD-4A20-9D6D-E502A59752B5}" type="datetimeFigureOut">
               <a:rPr lang="en-US" smtClean="0"/>
-              <a:t>3/7/2016</a:t>
+              <a:t>3/16/2016</a:t>
             </a:fld>
             <a:endParaRPr lang="en-US"/>
           </a:p>
@@ -2613,7 +2613,7 @@
           <a:p>
             <a:fld id="{9D9501FF-ABFD-4A20-9D6D-E502A59752B5}" type="datetimeFigureOut">
               <a:rPr lang="en-US" smtClean="0"/>
-              <a:t>3/7/2016</a:t>
+              <a:t>3/16/2016</a:t>
             </a:fld>
             <a:endParaRPr lang="en-US"/>
           </a:p>

--- a/talks/imaging_applied_optics_2016/images/figures_ppt.pptx
+++ b/talks/imaging_applied_optics_2016/images/figures_ppt.pptx
@@ -9,6 +9,8 @@
     <p:sldId id="259" r:id="rId3"/>
     <p:sldId id="258" r:id="rId4"/>
     <p:sldId id="257" r:id="rId5"/>
+    <p:sldId id="261" r:id="rId6"/>
+    <p:sldId id="260" r:id="rId7"/>
   </p:sldIdLst>
   <p:sldSz cx="5486400" cy="6858000"/>
   <p:notesSz cx="6858000" cy="9144000"/>
@@ -179,6 +181,70 @@
 </inkml:ink>
 </file>
 
+<file path=ppt/ink/ink3.xml><?xml version="1.0" encoding="utf-8"?>
+<inkml:ink xmlns:inkml="http://www.w3.org/2003/InkML">
+  <inkml:definitions>
+    <inkml:context xml:id="ctx0">
+      <inkml:inkSource xml:id="inkSrc0">
+        <inkml:traceFormat>
+          <inkml:channel name="X" type="integer" max="9600" units="cm"/>
+          <inkml:channel name="Y" type="integer" max="7200" units="cm"/>
+          <inkml:channel name="F" type="integer" max="256" units="dev"/>
+          <inkml:channel name="T" type="integer" max="2.14748E9" units="dev"/>
+        </inkml:traceFormat>
+        <inkml:channelProperties>
+          <inkml:channelProperty channel="X" name="resolution" value="377.95276" units="1/cm"/>
+          <inkml:channelProperty channel="Y" name="resolution" value="425.28058" units="1/cm"/>
+          <inkml:channelProperty channel="F" name="resolution" value="0" units="1/dev"/>
+          <inkml:channelProperty channel="T" name="resolution" value="1" units="1/dev"/>
+        </inkml:channelProperties>
+      </inkml:inkSource>
+      <inkml:timestamp xml:id="ts0" timeString="2016-03-03T08:13:22.145"/>
+    </inkml:context>
+    <inkml:brush xml:id="br0">
+      <inkml:brushProperty name="width" value="0.05292" units="cm"/>
+      <inkml:brushProperty name="height" value="0.05292" units="cm"/>
+      <inkml:brushProperty name="color" value="#404040"/>
+      <inkml:brushProperty name="transparency" value="76"/>
+      <inkml:brushProperty name="fitToCurve" value="1"/>
+    </inkml:brush>
+  </inkml:definitions>
+  <inkml:trace contextRef="#ctx0" brushRef="#br0">0 263 7 0,'0'3'3'0,"0"-7"-1"0,0 4 4 15,0 1-5-15,0-1 0 16,0 0 0-16,0 0 0 16,0-3-1-16,0 3 1 15,0 0 1-15,0 0 1 16,0 0-2-16,0 0 1 16,0 2 0-16,0-2 0 15,0 0-1-15,2 1 0 16,2 1 0-16,1 1 1 15,5 1 0-15,-1-2 0 0,0 3-1 16,3 1 1-16,0 1-1 16,-1 2 1-16,1-1-1 15,1 1 0-15,0 0 0 16,0 2 0-16,-1-3-1 16,-3 1 1-16,0-1 0 15,1-1 0-15,-2-2 0 16,-3-1 0-16,1-1 1 15,-2-2 1-15,0 1 0 16,-2-2 0-16,-2 0-1 16,2-3 0-16,-2 3 0 15,0-8 1-15,0-1-3 16,0-1 0-16,0 0 0 16,0-4 0-16,0 2 0 15,0 0 0-15,0-1 0 16,-2 1 0-16,0 0 0 15,2 4 0-15,0 1 0 0,0-2 0 16,0 1 0-16,0-1 0 16,0 6 0-16,2 0 0 15,0-1-1-15,-2 4 1 16,1 0 0-16,3 2 1 16,0 0-2-16,2 1 1 15,-1-2 0-15,1 5 1 16,0 1-1-16,1 1 0 15,1 0 0-15,2 1 0 16,-1 3 0-16,1 1 0 0,-3 1 0 16,0 0 1-16,7-3-1 15,-1 0 1-15,-1-3-1 16,-1-1 0-16,-2 0 0 16,1-2 0-16,-2-2 0 15,-3 1 0-15,-1-3 0 16,2 1 1-16,-2 0-1 15,-4-2 1-15,0-4-1 16,2-1 1-16,-2-2-1 16,0-1 1-16,0-2-1 15,0 0 0-15,0-1 0 16,2 1 0-16,0-2 0 16,-2 0 0-16,0 1 0 15,1 0 0-15,-1 1 0 16,2 1 0-16,-2 5 0 15,2-3 0-15,0 2 0 16,0 1 0-16,-2 4 0 0,2-3 0 16,-1 0 0-16,3 1 0 15,0 2-1-15,0 0 1 16,-2 2 0-16,1 1 0 16,1 2 0-16,2 4 0 15,2-3 0-15,-1 4 0 16,-1 0 0-16,1 3 0 15,1 0 0-15,0-3 0 16,3-1 0-16,-1-1 0 0,-1-1-1 16,-1 0 1-16,0 0 0 15,-3 1 1-15,1-7-1 16,-1 2 0-16,1-2 0 16,-2-2 0-16,2-2 0 15,-3-1 1-15,1-5-1 16,0 0 0-16,0 0 0 15,-2-3 0-15,0 0 0 16,-2-5 0-16,0 2 0 16,0-1 0-16,0 3 0 15,2-1 0-15,-2 2 0 16,2 2 0-16,0 1 0 16,-1 1 0-16,1-1-1 15,0 2 1-15,2 2 0 16,-1 3 0-16,1 1 0 15,0 1 1-15,0 1-1 16,2 5 0-16,3-2 0 16,-1 5 0-16,3 1 0 0,1-2 0 15,1 2-1-15,0-1 1 16,1 2 0-16,-1-2 1 16,-2-1-2-16,-2-1 1 15,2 0 0-15,-3-2 1 16,-2-2-1-16,-1 0 0 15,1 1 0-15,-2 0 0 16,-2-4 0-16,0-2 1 16,-1-2-1-16,1-2 0 0,2 0-1 15,-2-1 1-15,0-4 0 16,-1-1 0-16,-1 0 0 16,0 0 0-16,0 1 0 15,0 0 0-15,0-2 0 16,0 3 0-16,0 2 0 15,0 0 0-15,0 1 0 16,3 0 0-16,-1 2 0 16,-1-2 0-16,1 4 0 15,0-1 0-15,2 2 0 16,0 2 0-16,1 2 0 16,1 0 0-16,2 3 0 15,2 4 0-15,1-3 0 16,0 3 0-16,0 1 0 15,-1 2 0-15,0 0 0 16,1 1 0-16,0 0 0 0,1-3 0 16,-1-3 0-16,-1 0 0 15,-3-1 0-15,0-2 0 16,-1-1 0-16,0-1 0 16,0-6 0-16,-1-1 0 15,1 0 0-15,-2-1 1 16,0-3-1-16,4-3 0 15,-5 1 0-15,1-1 0 16,-2 1 0-16,2-1 0 16,0 2 0-16,-1-3 0 0,1 2 0 15,0 2 0-15,3 1 0 16,-3 1 0-16,0 0-1 16,2 2 1-16,0 2 0 15,-3-1 0-15,3 4 0 16,0 2 1-16,1 0-1 15,2 1 0-15,1 2 0 16,2 2 0-16,1 0 0 16,0 3 0-16,0 2 0 15,1-4 0-15,-3 1 0 16,-1 1 0-16,-1-2 0 16,0-1 0-16,-1 0 0 15,-2-2 1-15,-2-3-1 16,0 1 1-16,-1-3 1 15,3-1 0-15,0-3-1 16,-2-3 1-16,-3 1-1 16,3-3 1-1,2-8-2-15,0 4 0 16,-3-3 0-16,1 4 0 16,0 2-1-16,-2 0 1 15,0 1 0-15,2 3 0 16,-1-1 0-16,1 0 0 15,2 4-1-15,-2 1 1 16,2 1 0-16,1 4 0 16,-1 4-1-16,1 0 1 15,3 1 0-15,-3 0 0 0,1 1 0 16,0 0 0-16,-1-1 0 16,1 0 1-16,-1 1-1 15,1-1 0-15,-2-1 0 16,-1-2 1-16,-1-1-1 15,-2-3 0-15,0 1 0 16,-2-2 0-16,2-3 0 16,0-3 0-16,0-1 0 15,-2-1 0-15,0-4 0 16,3 0 0-16,1-1 0 16,0-1 0-16,0 1 0 15,0 1 0-15,0 0 0 16,-1 3 0-16,1 3 0 15,-2 1 0-15,2 0 0 16,-3 1 0-16,1 1-1 0,-2 3 1 16,2 0-1-16,-2 0 1 15,4 0-1-15,0 0 0 16,-2 2 0-16,0-1 1 16,0-1-1-16,-1 0 0 15,1 2-1-15,-2-2 1 16,0 0-2-16,0 0 0 15,0 2-5-15,0-2 0 16,0 1-3-16,0 1 1 16</inkml:trace>
+</inkml:ink>
+</file>
+
+<file path=ppt/ink/ink4.xml><?xml version="1.0" encoding="utf-8"?>
+<inkml:ink xmlns:inkml="http://www.w3.org/2003/InkML">
+  <inkml:definitions>
+    <inkml:context xml:id="ctx0">
+      <inkml:inkSource xml:id="inkSrc0">
+        <inkml:traceFormat>
+          <inkml:channel name="X" type="integer" max="9600" units="cm"/>
+          <inkml:channel name="Y" type="integer" max="7200" units="cm"/>
+          <inkml:channel name="F" type="integer" max="256" units="dev"/>
+          <inkml:channel name="T" type="integer" max="2.14748E9" units="dev"/>
+        </inkml:traceFormat>
+        <inkml:channelProperties>
+          <inkml:channelProperty channel="X" name="resolution" value="377.95276" units="1/cm"/>
+          <inkml:channelProperty channel="Y" name="resolution" value="425.28058" units="1/cm"/>
+          <inkml:channelProperty channel="F" name="resolution" value="0" units="1/dev"/>
+          <inkml:channelProperty channel="T" name="resolution" value="1" units="1/dev"/>
+        </inkml:channelProperties>
+      </inkml:inkSource>
+      <inkml:timestamp xml:id="ts0" timeString="2016-03-03T08:13:22.146"/>
+    </inkml:context>
+    <inkml:brush xml:id="br0">
+      <inkml:brushProperty name="width" value="0.05292" units="cm"/>
+      <inkml:brushProperty name="height" value="0.05292" units="cm"/>
+      <inkml:brushProperty name="color" value="#404040"/>
+      <inkml:brushProperty name="transparency" value="76"/>
+      <inkml:brushProperty name="fitToCurve" value="1"/>
+    </inkml:brush>
+  </inkml:definitions>
+  <inkml:trace contextRef="#ctx0" brushRef="#br0">3 101 7 0,'0'5'3'0,"0"-11"-1"0,-2 6 3 16,2 0-4-16,-2 0 0 15,2 0 3-15,-2 0 1 16,2 0-5-16,4 1 0 0,-4-1 3 16,0 0 1-16,0 0-2 15,0-1 1-15,-2 1-2 16,0 0 0-16,2 0-1 15,0 0 1-15,0-4-1 16,4 4 0-16,-4 2 0 16,4-4 0-16,-4 2 0 15,-2 0 0-15,5 0 0 16,-1-1 0-16,0-1 0 16,-2-1 1-16,4 1 0 15,0 0 0-15,3-3 0 16,1 0 0-16,0-3 0 15,1 0 1-15,1 3-1 16,-1-6 0-16,1 3 0 16,-1 1 0-16,-1 1 0 15,-1 1 0-15,1 0-1 16,-3-1 1-16,1 3-1 0,0 0 1 16,-2 1-1-16,0 1 0 15,-1-1 0-15,1 2 0 16,0 2 0-16,0-1 0 15,0 3 0-15,-1-1 0 16,2 2 0-16,0 2 0 16,2 1 0-16,-1 0 0 15,0 1 0-15,0 1 0 16,1-2 0-16,1-1 1 0,-2 1-2 16,-1-3 1-16,1 2 0 15,0-2 0-15,-1-3 0 16,-1 1 0-16,0-1 0 15,-1-2 1-15,2 0 0 16,-2 0 0-16,1-4-1 16,0-2 0-16,0-1 0 15,0 0 0-15,1 0 1 16,1-1 0-16,2-2-1 16,-1 0 1-16,1 2-1 15,-1 1 1-15,3 2 0 16,-3 2 0-16,-1 0-1 15,2 1 0-15,-2 0 0 16,1 2 0-16,-2 2 0 16,3 1 0-16,0 2-1 15,0 2 1-15,-3-1 0 0,1 4 1 16,0 4-1-16,-1-1 0 16,-1 1 0-16,0-3 0 15,-1 1 0-15,1-4 0 16,-2 1 0-16,2-1 1 15,-2-2-1-15,0 0 0 16,0-3 0-16,0 0 1 16,-2-3 0-16,5 0 1 15,-1-3 0-15,0-2 0 16,0-2-1-16,0-1 1 16,2-2-1-16,-1-2 1 0,1 1-2 15,1 1 0-15,1-2 0 16,-1 2 0-16,1 2 0 15,-2-1 0-15,0 4-1 16,-1 0 1-16,-1 2 0 16,0-1 0-16,0 4 0 15,-1 2 0-15,3 0 0 16,-1 3 0-16,1 1 0 16,0 6 0-16,4 1 0 15,-5-1 0-15,3 2 0 16,-2-3 0-16,2 3 0 15,-1-1 0-15,0-1 0 16,-1-4 0-16,2 0 0 16,-3 1 0-16,3-3 0 15,-2-2 0-15,0 1 0 16,-1-2 0-16,2-1 0 0,-1-4 0 16,2-1 0-16,-1 1 0 15,1-1 0-15,-2-4 0 16,2-2 0-16,1 1 1 15,-2 1-1-15,1-3 0 16,0 2 0-16,-3-2 0 16,1 2 0-16,2 1 0 15,-3-1 0-15,1 3 0 16,2 0 0-16,-2 3 0 16,1 2 0-16,0 0 0 0,1 0-1 15,0 4 1-15,-2 1 0 16,1 0 0-16,-1 5 0 15,0 0 1-15,-1 1-2 16,-1-1 1-16,1 4 0 16,0 1 1-16,0-4-1 15,-1-1 0-15,0-2 0 16,1-1 0-16,1 2 0 16,0-4 0-16,0 0 0 15,1-2 0-15,1 0 0 16,-1-1 0-16,1-2 0 15,1 0 0-15,3-2 0 16,-4-3 0-16,3-1-1 16,-2 1 1-16,2-5 0 15,-3 3 1-15,0-1-1 16,0-2 0-16,-3 1 0 16,1 2 0-16,-2 1 0 0,0 3 0 15,-2-1 0-15,1 1 0 16,-3 3 0-16,4 0 0 15,0 1 0-15,0 5 0 16,-1 2 0-16,1 0 0 16,0 1 0-16,2-1 0 15,-1 2 0-15,1 1 0 16,2 0 0-16,-1-1 0 16,1-2-1-16,-1-2 1 15,1 2 0-15,-2-4 1 0,0-1-1 16,1 1 0-16,-1-4 0 15,0-2 0-15,1-1 0 16,0-2 0-16,5 0 0 16,3 0 0-16,-2-4 0 15,1 3 1-15,-1-1-1 16,-2 1 0-16,-1 2 0 16,-2-1 0-16,3 2 0 15,-3 5 0-15,-1-1 0 16,-1 6 0-16,-1-4 0 15,-1 2 0-15,0 4 0 16,0 1 0-16,0 0 0 16,0-1 0-16,-1 1 0 15,1 1 0-15,0-3 0 16,0 0 1-16,0-1-2 16,0-4 1-16,-1 1 0 0,1-1 1 15,0-3 0-15,1-1 1 16,1-3 0-16,0 0 1 15,1 1-1-15,3-2 1 16,0 0-1-16,-1 0 1 16,0 2-2-16,1 0 1 15,-1-1-2-15,1 3 0 16,-1-1-3-16,-3 2 1 16,-1 0-5-16,-1 2 1 15,0-1-6-15,-2 3 0 16,2-1-1-16,-2 0 0 0</inkml:trace>
+</inkml:ink>
+</file>
+
 <file path=ppt/slideLayouts/slideLayout1.xml><?xml version="1.0" encoding="utf-8"?>
 <p:sldLayout xmlns:a="http://schemas.openxmlformats.org/drawingml/2006/main" xmlns:r="http://schemas.openxmlformats.org/officeDocument/2006/relationships" xmlns:p="http://schemas.openxmlformats.org/presentationml/2006/main" type="title" preserve="1">
   <p:cSld name="Title Slide">
@@ -308,7 +374,7 @@
           <a:p>
             <a:fld id="{9D9501FF-ABFD-4A20-9D6D-E502A59752B5}" type="datetimeFigureOut">
               <a:rPr lang="en-US" smtClean="0"/>
-              <a:t>3/16/2016</a:t>
+              <a:t>3/21/2016</a:t>
             </a:fld>
             <a:endParaRPr lang="en-US"/>
           </a:p>
@@ -476,7 +542,7 @@
           <a:p>
             <a:fld id="{9D9501FF-ABFD-4A20-9D6D-E502A59752B5}" type="datetimeFigureOut">
               <a:rPr lang="en-US" smtClean="0"/>
-              <a:t>3/16/2016</a:t>
+              <a:t>3/21/2016</a:t>
             </a:fld>
             <a:endParaRPr lang="en-US"/>
           </a:p>
@@ -654,7 +720,7 @@
           <a:p>
             <a:fld id="{9D9501FF-ABFD-4A20-9D6D-E502A59752B5}" type="datetimeFigureOut">
               <a:rPr lang="en-US" smtClean="0"/>
-              <a:t>3/16/2016</a:t>
+              <a:t>3/21/2016</a:t>
             </a:fld>
             <a:endParaRPr lang="en-US"/>
           </a:p>
@@ -822,7 +888,7 @@
           <a:p>
             <a:fld id="{9D9501FF-ABFD-4A20-9D6D-E502A59752B5}" type="datetimeFigureOut">
               <a:rPr lang="en-US" smtClean="0"/>
-              <a:t>3/16/2016</a:t>
+              <a:t>3/21/2016</a:t>
             </a:fld>
             <a:endParaRPr lang="en-US"/>
           </a:p>
@@ -1067,7 +1133,7 @@
           <a:p>
             <a:fld id="{9D9501FF-ABFD-4A20-9D6D-E502A59752B5}" type="datetimeFigureOut">
               <a:rPr lang="en-US" smtClean="0"/>
-              <a:t>3/16/2016</a:t>
+              <a:t>3/21/2016</a:t>
             </a:fld>
             <a:endParaRPr lang="en-US"/>
           </a:p>
@@ -1296,7 +1362,7 @@
           <a:p>
             <a:fld id="{9D9501FF-ABFD-4A20-9D6D-E502A59752B5}" type="datetimeFigureOut">
               <a:rPr lang="en-US" smtClean="0"/>
-              <a:t>3/16/2016</a:t>
+              <a:t>3/21/2016</a:t>
             </a:fld>
             <a:endParaRPr lang="en-US"/>
           </a:p>
@@ -1660,7 +1726,7 @@
           <a:p>
             <a:fld id="{9D9501FF-ABFD-4A20-9D6D-E502A59752B5}" type="datetimeFigureOut">
               <a:rPr lang="en-US" smtClean="0"/>
-              <a:t>3/16/2016</a:t>
+              <a:t>3/21/2016</a:t>
             </a:fld>
             <a:endParaRPr lang="en-US"/>
           </a:p>
@@ -1777,7 +1843,7 @@
           <a:p>
             <a:fld id="{9D9501FF-ABFD-4A20-9D6D-E502A59752B5}" type="datetimeFigureOut">
               <a:rPr lang="en-US" smtClean="0"/>
-              <a:t>3/16/2016</a:t>
+              <a:t>3/21/2016</a:t>
             </a:fld>
             <a:endParaRPr lang="en-US"/>
           </a:p>
@@ -1872,7 +1938,7 @@
           <a:p>
             <a:fld id="{9D9501FF-ABFD-4A20-9D6D-E502A59752B5}" type="datetimeFigureOut">
               <a:rPr lang="en-US" smtClean="0"/>
-              <a:t>3/16/2016</a:t>
+              <a:t>3/21/2016</a:t>
             </a:fld>
             <a:endParaRPr lang="en-US"/>
           </a:p>
@@ -2147,7 +2213,7 @@
           <a:p>
             <a:fld id="{9D9501FF-ABFD-4A20-9D6D-E502A59752B5}" type="datetimeFigureOut">
               <a:rPr lang="en-US" smtClean="0"/>
-              <a:t>3/16/2016</a:t>
+              <a:t>3/21/2016</a:t>
             </a:fld>
             <a:endParaRPr lang="en-US"/>
           </a:p>
@@ -2402,7 +2468,7 @@
           <a:p>
             <a:fld id="{9D9501FF-ABFD-4A20-9D6D-E502A59752B5}" type="datetimeFigureOut">
               <a:rPr lang="en-US" smtClean="0"/>
-              <a:t>3/16/2016</a:t>
+              <a:t>3/21/2016</a:t>
             </a:fld>
             <a:endParaRPr lang="en-US"/>
           </a:p>
@@ -2613,7 +2679,7 @@
           <a:p>
             <a:fld id="{9D9501FF-ABFD-4A20-9D6D-E502A59752B5}" type="datetimeFigureOut">
               <a:rPr lang="en-US" smtClean="0"/>
-              <a:t>3/16/2016</a:t>
+              <a:t>3/21/2016</a:t>
             </a:fld>
             <a:endParaRPr lang="en-US"/>
           </a:p>
@@ -9753,6 +9819,6229 @@
 </p:sld>
 </file>
 
+<file path=ppt/slides/slide5.xml><?xml version="1.0" encoding="utf-8"?>
+<p:sld xmlns:a="http://schemas.openxmlformats.org/drawingml/2006/main" xmlns:r="http://schemas.openxmlformats.org/officeDocument/2006/relationships" xmlns:p="http://schemas.openxmlformats.org/presentationml/2006/main">
+  <p:cSld>
+    <p:spTree>
+      <p:nvGrpSpPr>
+        <p:cNvPr id="1" name=""/>
+        <p:cNvGrpSpPr/>
+        <p:nvPr/>
+      </p:nvGrpSpPr>
+      <p:grpSpPr>
+        <a:xfrm>
+          <a:off x="0" y="0"/>
+          <a:ext cx="0" cy="0"/>
+          <a:chOff x="0" y="0"/>
+          <a:chExt cx="0" cy="0"/>
+        </a:xfrm>
+      </p:grpSpPr>
+      <p:grpSp>
+        <p:nvGrpSpPr>
+          <p:cNvPr id="624" name="Group 623"/>
+          <p:cNvGrpSpPr/>
+          <p:nvPr/>
+        </p:nvGrpSpPr>
+        <p:grpSpPr>
+          <a:xfrm>
+            <a:off x="91157" y="3237028"/>
+            <a:ext cx="5176167" cy="1721377"/>
+            <a:chOff x="91157" y="3237028"/>
+            <a:chExt cx="5176167" cy="1721377"/>
+          </a:xfrm>
+        </p:grpSpPr>
+        <p:pic>
+          <p:nvPicPr>
+            <p:cNvPr id="612" name="Picture 611"/>
+            <p:cNvPicPr>
+              <a:picLocks noChangeAspect="1"/>
+            </p:cNvPicPr>
+            <p:nvPr/>
+          </p:nvPicPr>
+          <p:blipFill>
+            <a:blip r:embed="rId2"/>
+            <a:stretch>
+              <a:fillRect/>
+            </a:stretch>
+          </p:blipFill>
+          <p:spPr>
+            <a:xfrm>
+              <a:off x="91157" y="3237028"/>
+              <a:ext cx="3495015" cy="1721377"/>
+            </a:xfrm>
+            <a:prstGeom prst="rect">
+              <a:avLst/>
+            </a:prstGeom>
+          </p:spPr>
+        </p:pic>
+        <p:grpSp>
+          <p:nvGrpSpPr>
+            <p:cNvPr id="621" name="Group 620"/>
+            <p:cNvGrpSpPr/>
+            <p:nvPr/>
+          </p:nvGrpSpPr>
+          <p:grpSpPr>
+            <a:xfrm>
+              <a:off x="3604648" y="3424100"/>
+              <a:ext cx="1662676" cy="1325297"/>
+              <a:chOff x="3842772" y="3452673"/>
+              <a:chExt cx="1662676" cy="1325297"/>
+            </a:xfrm>
+          </p:grpSpPr>
+          <mc:AlternateContent xmlns:mc="http://schemas.openxmlformats.org/markup-compatibility/2006">
+            <mc:Choice xmlns:a14="http://schemas.microsoft.com/office/drawing/2010/main" Requires="a14">
+              <p:sp>
+                <p:nvSpPr>
+                  <p:cNvPr id="614" name="Text Box 15"/>
+                  <p:cNvSpPr txBox="1">
+                    <a:spLocks noChangeAspect="1"/>
+                  </p:cNvSpPr>
+                  <p:nvPr/>
+                </p:nvSpPr>
+                <p:spPr>
+                  <a:xfrm flipH="1">
+                    <a:off x="3842772" y="3452673"/>
+                    <a:ext cx="1550934" cy="326409"/>
+                  </a:xfrm>
+                  <a:prstGeom prst="rect">
+                    <a:avLst/>
+                  </a:prstGeom>
+                  <a:noFill/>
+                  <a:ln w="6350">
+                    <a:noFill/>
+                  </a:ln>
+                  <a:effectLst/>
+                </p:spPr>
+                <p:style>
+                  <a:lnRef idx="0">
+                    <a:schemeClr val="accent1"/>
+                  </a:lnRef>
+                  <a:fillRef idx="0">
+                    <a:schemeClr val="accent1"/>
+                  </a:fillRef>
+                  <a:effectRef idx="0">
+                    <a:schemeClr val="accent1"/>
+                  </a:effectRef>
+                  <a:fontRef idx="minor">
+                    <a:schemeClr val="dk1"/>
+                  </a:fontRef>
+                </p:style>
+                <p:txBody>
+                  <a:bodyPr rot="0" spcFirstLastPara="0" vert="horz" wrap="square" lIns="91440" tIns="45720" rIns="91440" bIns="45720" numCol="1" spcCol="0" rtlCol="0" fromWordArt="0" anchor="t" anchorCtr="0" forceAA="0" compatLnSpc="1">
+                    <a:prstTxWarp prst="textNoShape">
+                      <a:avLst/>
+                    </a:prstTxWarp>
+                    <a:noAutofit/>
+                  </a:bodyPr>
+                  <a:lstStyle/>
+                  <a:p>
+                    <a:pPr>
+                      <a:lnSpc>
+                        <a:spcPct val="115000"/>
+                      </a:lnSpc>
+                    </a:pPr>
+                    <a14:m>
+                      <m:oMath xmlns:m="http://schemas.openxmlformats.org/officeDocument/2006/math">
+                        <m:r>
+                          <a:rPr lang="en-US" sz="800" i="1" dirty="0" smtClean="0">
+                            <a:solidFill>
+                              <a:schemeClr val="tx1">
+                                <a:lumMod val="85000"/>
+                                <a:lumOff val="15000"/>
+                              </a:schemeClr>
+                            </a:solidFill>
+                            <a:effectLst/>
+                            <a:latin typeface="Cambria Math" panose="02040503050406030204" pitchFamily="18" charset="0"/>
+                            <a:ea typeface="Calibri"/>
+                            <a:cs typeface="Times New Roman"/>
+                          </a:rPr>
+                          <m:t>𝐸</m:t>
+                        </m:r>
+                      </m:oMath>
+                    </a14:m>
+                    <a:r>
+                      <a:rPr lang="en-US" sz="800" dirty="0">
+                        <a:solidFill>
+                          <a:schemeClr val="tx1">
+                            <a:lumMod val="85000"/>
+                            <a:lumOff val="15000"/>
+                          </a:schemeClr>
+                        </a:solidFill>
+                        <a:effectLst/>
+                        <a:ea typeface="Calibri"/>
+                        <a:cs typeface="Times New Roman"/>
+                      </a:rPr>
+                      <a:t> : </a:t>
+                    </a:r>
+                    <a:r>
+                      <a:rPr lang="en-US" sz="800" i="1" dirty="0">
+                        <a:solidFill>
+                          <a:schemeClr val="tx1">
+                            <a:lumMod val="85000"/>
+                            <a:lumOff val="15000"/>
+                          </a:schemeClr>
+                        </a:solidFill>
+                      </a:rPr>
+                      <a:t>Center of entrance pupil</a:t>
+                    </a:r>
+                  </a:p>
+                  <a:p>
+                    <a:pPr>
+                      <a:lnSpc>
+                        <a:spcPct val="115000"/>
+                      </a:lnSpc>
+                    </a:pPr>
+                    <a:endParaRPr lang="en-US" sz="800" i="1" dirty="0">
+                      <a:solidFill>
+                        <a:schemeClr val="tx1">
+                          <a:lumMod val="85000"/>
+                          <a:lumOff val="15000"/>
+                        </a:schemeClr>
+                      </a:solidFill>
+                    </a:endParaRPr>
+                  </a:p>
+                  <a:p>
+                    <a:pPr marL="0" marR="0">
+                      <a:lnSpc>
+                        <a:spcPct val="115000"/>
+                      </a:lnSpc>
+                      <a:spcBef>
+                        <a:spcPts val="0"/>
+                      </a:spcBef>
+                      <a:spcAft>
+                        <a:spcPts val="0"/>
+                      </a:spcAft>
+                    </a:pPr>
+                    <a:endParaRPr lang="en-US" sz="800" dirty="0">
+                      <a:solidFill>
+                        <a:schemeClr val="tx1">
+                          <a:lumMod val="85000"/>
+                          <a:lumOff val="15000"/>
+                        </a:schemeClr>
+                      </a:solidFill>
+                      <a:effectLst/>
+                      <a:ea typeface="Calibri"/>
+                      <a:cs typeface="Times New Roman"/>
+                    </a:endParaRPr>
+                  </a:p>
+                </p:txBody>
+              </p:sp>
+            </mc:Choice>
+            <mc:Fallback>
+              <p:sp>
+                <p:nvSpPr>
+                  <p:cNvPr id="614" name="Text Box 15"/>
+                  <p:cNvSpPr txBox="1">
+                    <a:spLocks noRot="1" noChangeAspect="1" noMove="1" noResize="1" noEditPoints="1" noAdjustHandles="1" noChangeArrowheads="1" noChangeShapeType="1" noTextEdit="1"/>
+                  </p:cNvSpPr>
+                  <p:nvPr/>
+                </p:nvSpPr>
+                <p:spPr>
+                  <a:xfrm flipH="1">
+                    <a:off x="3842772" y="3452673"/>
+                    <a:ext cx="1550934" cy="326409"/>
+                  </a:xfrm>
+                  <a:prstGeom prst="rect">
+                    <a:avLst/>
+                  </a:prstGeom>
+                  <a:blipFill>
+                    <a:blip r:embed="rId3"/>
+                    <a:stretch>
+                      <a:fillRect/>
+                    </a:stretch>
+                  </a:blipFill>
+                  <a:ln w="6350">
+                    <a:noFill/>
+                  </a:ln>
+                  <a:effectLst/>
+                </p:spPr>
+                <p:txBody>
+                  <a:bodyPr/>
+                  <a:lstStyle/>
+                  <a:p>
+                    <a:r>
+                      <a:rPr lang="en-US">
+                        <a:noFill/>
+                      </a:rPr>
+                      <a:t> </a:t>
+                    </a:r>
+                  </a:p>
+                </p:txBody>
+              </p:sp>
+            </mc:Fallback>
+          </mc:AlternateContent>
+          <mc:AlternateContent xmlns:mc="http://schemas.openxmlformats.org/markup-compatibility/2006">
+            <mc:Choice xmlns:a14="http://schemas.microsoft.com/office/drawing/2010/main" Requires="a14">
+              <p:sp>
+                <p:nvSpPr>
+                  <p:cNvPr id="615" name="Text Box 15"/>
+                  <p:cNvSpPr txBox="1">
+                    <a:spLocks noChangeAspect="1"/>
+                  </p:cNvSpPr>
+                  <p:nvPr/>
+                </p:nvSpPr>
+                <p:spPr>
+                  <a:xfrm flipH="1">
+                    <a:off x="3842772" y="3621736"/>
+                    <a:ext cx="1391211" cy="326409"/>
+                  </a:xfrm>
+                  <a:prstGeom prst="rect">
+                    <a:avLst/>
+                  </a:prstGeom>
+                  <a:noFill/>
+                  <a:ln w="6350">
+                    <a:noFill/>
+                  </a:ln>
+                  <a:effectLst/>
+                </p:spPr>
+                <p:style>
+                  <a:lnRef idx="0">
+                    <a:schemeClr val="accent1"/>
+                  </a:lnRef>
+                  <a:fillRef idx="0">
+                    <a:schemeClr val="accent1"/>
+                  </a:fillRef>
+                  <a:effectRef idx="0">
+                    <a:schemeClr val="accent1"/>
+                  </a:effectRef>
+                  <a:fontRef idx="minor">
+                    <a:schemeClr val="dk1"/>
+                  </a:fontRef>
+                </p:style>
+                <p:txBody>
+                  <a:bodyPr rot="0" spcFirstLastPara="0" vert="horz" wrap="square" lIns="91440" tIns="45720" rIns="91440" bIns="45720" numCol="1" spcCol="0" rtlCol="0" fromWordArt="0" anchor="t" anchorCtr="0" forceAA="0" compatLnSpc="1">
+                    <a:prstTxWarp prst="textNoShape">
+                      <a:avLst/>
+                    </a:prstTxWarp>
+                    <a:noAutofit/>
+                  </a:bodyPr>
+                  <a:lstStyle/>
+                  <a:p>
+                    <a:pPr marL="0" marR="0">
+                      <a:lnSpc>
+                        <a:spcPct val="115000"/>
+                      </a:lnSpc>
+                      <a:spcBef>
+                        <a:spcPts val="0"/>
+                      </a:spcBef>
+                      <a:spcAft>
+                        <a:spcPts val="0"/>
+                      </a:spcAft>
+                    </a:pPr>
+                    <a14:m>
+                      <m:oMath xmlns:m="http://schemas.openxmlformats.org/officeDocument/2006/math">
+                        <m:acc>
+                          <m:accPr>
+                            <m:chr m:val="́"/>
+                            <m:ctrlPr>
+                              <a:rPr lang="en-US" sz="800" b="0" i="1" dirty="0" smtClean="0">
+                                <a:solidFill>
+                                  <a:schemeClr val="tx1">
+                                    <a:lumMod val="85000"/>
+                                    <a:lumOff val="15000"/>
+                                  </a:schemeClr>
+                                </a:solidFill>
+                                <a:effectLst/>
+                                <a:latin typeface="Cambria Math" panose="02040503050406030204" pitchFamily="18" charset="0"/>
+                                <a:ea typeface="Calibri"/>
+                                <a:cs typeface="Times New Roman"/>
+                              </a:rPr>
+                            </m:ctrlPr>
+                          </m:accPr>
+                          <m:e>
+                            <m:r>
+                              <a:rPr lang="en-US" sz="800" i="1" dirty="0" smtClean="0">
+                                <a:solidFill>
+                                  <a:schemeClr val="tx1">
+                                    <a:lumMod val="85000"/>
+                                    <a:lumOff val="15000"/>
+                                  </a:schemeClr>
+                                </a:solidFill>
+                                <a:effectLst/>
+                                <a:latin typeface="Cambria Math" panose="02040503050406030204" pitchFamily="18" charset="0"/>
+                                <a:ea typeface="Calibri"/>
+                                <a:cs typeface="Times New Roman"/>
+                              </a:rPr>
+                              <m:t>𝐸</m:t>
+                            </m:r>
+                          </m:e>
+                        </m:acc>
+                      </m:oMath>
+                    </a14:m>
+                    <a:r>
+                      <a:rPr lang="en-US" sz="800" dirty="0">
+                        <a:solidFill>
+                          <a:schemeClr val="tx1">
+                            <a:lumMod val="85000"/>
+                            <a:lumOff val="15000"/>
+                          </a:schemeClr>
+                        </a:solidFill>
+                        <a:effectLst/>
+                        <a:ea typeface="Calibri"/>
+                        <a:cs typeface="Times New Roman"/>
+                      </a:rPr>
+                      <a:t>: </a:t>
+                    </a:r>
+                    <a:r>
+                      <a:rPr lang="en-US" sz="800" i="1" dirty="0">
+                        <a:solidFill>
+                          <a:schemeClr val="tx1">
+                            <a:lumMod val="85000"/>
+                            <a:lumOff val="15000"/>
+                          </a:schemeClr>
+                        </a:solidFill>
+                        <a:effectLst/>
+                        <a:ea typeface="Calibri"/>
+                        <a:cs typeface="Times New Roman"/>
+                      </a:rPr>
+                      <a:t>Center of exit pupil</a:t>
+                    </a:r>
+                  </a:p>
+                </p:txBody>
+              </p:sp>
+            </mc:Choice>
+            <mc:Fallback>
+              <p:sp>
+                <p:nvSpPr>
+                  <p:cNvPr id="615" name="Text Box 15"/>
+                  <p:cNvSpPr txBox="1">
+                    <a:spLocks noRot="1" noChangeAspect="1" noMove="1" noResize="1" noEditPoints="1" noAdjustHandles="1" noChangeArrowheads="1" noChangeShapeType="1" noTextEdit="1"/>
+                  </p:cNvSpPr>
+                  <p:nvPr/>
+                </p:nvSpPr>
+                <p:spPr>
+                  <a:xfrm flipH="1">
+                    <a:off x="3842772" y="3621736"/>
+                    <a:ext cx="1391211" cy="326409"/>
+                  </a:xfrm>
+                  <a:prstGeom prst="rect">
+                    <a:avLst/>
+                  </a:prstGeom>
+                  <a:blipFill>
+                    <a:blip r:embed="rId4"/>
+                    <a:stretch>
+                      <a:fillRect/>
+                    </a:stretch>
+                  </a:blipFill>
+                  <a:ln w="6350">
+                    <a:noFill/>
+                  </a:ln>
+                  <a:effectLst/>
+                </p:spPr>
+                <p:txBody>
+                  <a:bodyPr/>
+                  <a:lstStyle/>
+                  <a:p>
+                    <a:r>
+                      <a:rPr lang="en-US">
+                        <a:noFill/>
+                      </a:rPr>
+                      <a:t> </a:t>
+                    </a:r>
+                  </a:p>
+                </p:txBody>
+              </p:sp>
+            </mc:Fallback>
+          </mc:AlternateContent>
+          <mc:AlternateContent xmlns:mc="http://schemas.openxmlformats.org/markup-compatibility/2006">
+            <mc:Choice xmlns:a14="http://schemas.microsoft.com/office/drawing/2010/main" Requires="a14">
+              <p:sp>
+                <p:nvSpPr>
+                  <p:cNvPr id="616" name="Text Box 15"/>
+                  <p:cNvSpPr txBox="1">
+                    <a:spLocks noChangeAspect="1"/>
+                  </p:cNvSpPr>
+                  <p:nvPr/>
+                </p:nvSpPr>
+                <p:spPr>
+                  <a:xfrm flipH="1">
+                    <a:off x="3842772" y="4282498"/>
+                    <a:ext cx="1391211" cy="326409"/>
+                  </a:xfrm>
+                  <a:prstGeom prst="rect">
+                    <a:avLst/>
+                  </a:prstGeom>
+                  <a:noFill/>
+                  <a:ln w="6350">
+                    <a:noFill/>
+                  </a:ln>
+                  <a:effectLst/>
+                </p:spPr>
+                <p:style>
+                  <a:lnRef idx="0">
+                    <a:schemeClr val="accent1"/>
+                  </a:lnRef>
+                  <a:fillRef idx="0">
+                    <a:schemeClr val="accent1"/>
+                  </a:fillRef>
+                  <a:effectRef idx="0">
+                    <a:schemeClr val="accent1"/>
+                  </a:effectRef>
+                  <a:fontRef idx="minor">
+                    <a:schemeClr val="dk1"/>
+                  </a:fontRef>
+                </p:style>
+                <p:txBody>
+                  <a:bodyPr rot="0" spcFirstLastPara="0" vert="horz" wrap="square" lIns="91440" tIns="45720" rIns="91440" bIns="45720" numCol="1" spcCol="0" rtlCol="0" fromWordArt="0" anchor="t" anchorCtr="0" forceAA="0" compatLnSpc="1">
+                    <a:prstTxWarp prst="textNoShape">
+                      <a:avLst/>
+                    </a:prstTxWarp>
+                    <a:noAutofit/>
+                  </a:bodyPr>
+                  <a:lstStyle/>
+                  <a:p>
+                    <a:pPr marL="0" marR="0">
+                      <a:lnSpc>
+                        <a:spcPct val="115000"/>
+                      </a:lnSpc>
+                      <a:spcBef>
+                        <a:spcPts val="0"/>
+                      </a:spcBef>
+                      <a:spcAft>
+                        <a:spcPts val="0"/>
+                      </a:spcAft>
+                    </a:pPr>
+                    <a14:m>
+                      <m:oMath xmlns:m="http://schemas.openxmlformats.org/officeDocument/2006/math">
+                        <m:sSub>
+                          <m:sSubPr>
+                            <m:ctrlPr>
+                              <a:rPr lang="en-US" sz="800" b="0" i="1" dirty="0" smtClean="0">
+                                <a:solidFill>
+                                  <a:schemeClr val="tx1">
+                                    <a:lumMod val="85000"/>
+                                    <a:lumOff val="15000"/>
+                                  </a:schemeClr>
+                                </a:solidFill>
+                                <a:effectLst/>
+                                <a:latin typeface="Cambria Math" panose="02040503050406030204" pitchFamily="18" charset="0"/>
+                                <a:ea typeface="Calibri"/>
+                                <a:cs typeface="Times New Roman"/>
+                              </a:rPr>
+                            </m:ctrlPr>
+                          </m:sSubPr>
+                          <m:e>
+                            <m:acc>
+                              <m:accPr>
+                                <m:chr m:val="̂"/>
+                                <m:ctrlPr>
+                                  <a:rPr lang="en-US" sz="800" b="0" i="1" dirty="0" smtClean="0">
+                                    <a:solidFill>
+                                      <a:schemeClr val="tx1">
+                                        <a:lumMod val="85000"/>
+                                        <a:lumOff val="15000"/>
+                                      </a:schemeClr>
+                                    </a:solidFill>
+                                    <a:effectLst/>
+                                    <a:latin typeface="Cambria Math" panose="02040503050406030204" pitchFamily="18" charset="0"/>
+                                    <a:ea typeface="Calibri"/>
+                                    <a:cs typeface="Times New Roman"/>
+                                  </a:rPr>
+                                </m:ctrlPr>
+                              </m:accPr>
+                              <m:e>
+                                <m:r>
+                                  <a:rPr lang="en-US" sz="800" b="0" i="1" dirty="0" smtClean="0">
+                                    <a:solidFill>
+                                      <a:schemeClr val="tx1">
+                                        <a:lumMod val="85000"/>
+                                        <a:lumOff val="15000"/>
+                                      </a:schemeClr>
+                                    </a:solidFill>
+                                    <a:effectLst/>
+                                    <a:latin typeface="Cambria Math" panose="02040503050406030204" pitchFamily="18" charset="0"/>
+                                    <a:ea typeface="Calibri"/>
+                                    <a:cs typeface="Times New Roman"/>
+                                  </a:rPr>
+                                  <m:t>𝑛</m:t>
+                                </m:r>
+                              </m:e>
+                            </m:acc>
+                          </m:e>
+                          <m:sub>
+                            <m:r>
+                              <a:rPr lang="en-US" sz="800" b="0" i="1" dirty="0" smtClean="0">
+                                <a:solidFill>
+                                  <a:schemeClr val="tx1">
+                                    <a:lumMod val="85000"/>
+                                    <a:lumOff val="15000"/>
+                                  </a:schemeClr>
+                                </a:solidFill>
+                                <a:effectLst/>
+                                <a:latin typeface="Cambria Math" panose="02040503050406030204" pitchFamily="18" charset="0"/>
+                                <a:ea typeface="Calibri"/>
+                                <a:cs typeface="Times New Roman"/>
+                              </a:rPr>
+                              <m:t>𝑖</m:t>
+                            </m:r>
+                          </m:sub>
+                        </m:sSub>
+                      </m:oMath>
+                    </a14:m>
+                    <a:r>
+                      <a:rPr lang="en-US" sz="800" dirty="0">
+                        <a:solidFill>
+                          <a:schemeClr val="tx1">
+                            <a:lumMod val="85000"/>
+                            <a:lumOff val="15000"/>
+                          </a:schemeClr>
+                        </a:solidFill>
+                        <a:effectLst/>
+                        <a:ea typeface="Calibri"/>
+                        <a:cs typeface="Times New Roman"/>
+                      </a:rPr>
+                      <a:t>: </a:t>
+                    </a:r>
+                    <a:r>
+                      <a:rPr lang="en-US" sz="800" i="1" dirty="0">
+                        <a:solidFill>
+                          <a:schemeClr val="tx1">
+                            <a:lumMod val="85000"/>
+                            <a:lumOff val="15000"/>
+                          </a:schemeClr>
+                        </a:solidFill>
+                        <a:effectLst/>
+                        <a:ea typeface="Calibri"/>
+                        <a:cs typeface="Times New Roman"/>
+                      </a:rPr>
+                      <a:t>Normal to image plane</a:t>
+                    </a:r>
+                  </a:p>
+                </p:txBody>
+              </p:sp>
+            </mc:Choice>
+            <mc:Fallback>
+              <p:sp>
+                <p:nvSpPr>
+                  <p:cNvPr id="616" name="Text Box 15"/>
+                  <p:cNvSpPr txBox="1">
+                    <a:spLocks noRot="1" noChangeAspect="1" noMove="1" noResize="1" noEditPoints="1" noAdjustHandles="1" noChangeArrowheads="1" noChangeShapeType="1" noTextEdit="1"/>
+                  </p:cNvSpPr>
+                  <p:nvPr/>
+                </p:nvSpPr>
+                <p:spPr>
+                  <a:xfrm flipH="1">
+                    <a:off x="3842772" y="4282498"/>
+                    <a:ext cx="1391211" cy="326409"/>
+                  </a:xfrm>
+                  <a:prstGeom prst="rect">
+                    <a:avLst/>
+                  </a:prstGeom>
+                  <a:blipFill>
+                    <a:blip r:embed="rId5"/>
+                    <a:stretch>
+                      <a:fillRect/>
+                    </a:stretch>
+                  </a:blipFill>
+                  <a:ln w="6350">
+                    <a:noFill/>
+                  </a:ln>
+                  <a:effectLst/>
+                </p:spPr>
+                <p:txBody>
+                  <a:bodyPr/>
+                  <a:lstStyle/>
+                  <a:p>
+                    <a:r>
+                      <a:rPr lang="en-US">
+                        <a:noFill/>
+                      </a:rPr>
+                      <a:t> </a:t>
+                    </a:r>
+                  </a:p>
+                </p:txBody>
+              </p:sp>
+            </mc:Fallback>
+          </mc:AlternateContent>
+          <mc:AlternateContent xmlns:mc="http://schemas.openxmlformats.org/markup-compatibility/2006">
+            <mc:Choice xmlns:a14="http://schemas.microsoft.com/office/drawing/2010/main" Requires="a14">
+              <p:sp>
+                <p:nvSpPr>
+                  <p:cNvPr id="617" name="Text Box 15"/>
+                  <p:cNvSpPr txBox="1">
+                    <a:spLocks noChangeAspect="1"/>
+                  </p:cNvSpPr>
+                  <p:nvPr/>
+                </p:nvSpPr>
+                <p:spPr>
+                  <a:xfrm flipH="1">
+                    <a:off x="3842772" y="3795562"/>
+                    <a:ext cx="1643627" cy="551427"/>
+                  </a:xfrm>
+                  <a:prstGeom prst="rect">
+                    <a:avLst/>
+                  </a:prstGeom>
+                  <a:noFill/>
+                  <a:ln w="6350">
+                    <a:noFill/>
+                  </a:ln>
+                  <a:effectLst/>
+                </p:spPr>
+                <p:style>
+                  <a:lnRef idx="0">
+                    <a:schemeClr val="accent1"/>
+                  </a:lnRef>
+                  <a:fillRef idx="0">
+                    <a:schemeClr val="accent1"/>
+                  </a:fillRef>
+                  <a:effectRef idx="0">
+                    <a:schemeClr val="accent1"/>
+                  </a:effectRef>
+                  <a:fontRef idx="minor">
+                    <a:schemeClr val="dk1"/>
+                  </a:fontRef>
+                </p:style>
+                <p:txBody>
+                  <a:bodyPr rot="0" spcFirstLastPara="0" vert="horz" wrap="square" lIns="91440" tIns="45720" rIns="91440" bIns="45720" numCol="1" spcCol="0" rtlCol="0" fromWordArt="0" anchor="t" anchorCtr="0" forceAA="0" compatLnSpc="1">
+                    <a:prstTxWarp prst="textNoShape">
+                      <a:avLst/>
+                    </a:prstTxWarp>
+                    <a:noAutofit/>
+                  </a:bodyPr>
+                  <a:lstStyle/>
+                  <a:p>
+                    <a:pPr marL="171450" marR="0" indent="-171450">
+                      <a:lnSpc>
+                        <a:spcPct val="115000"/>
+                      </a:lnSpc>
+                      <a:spcBef>
+                        <a:spcPts val="0"/>
+                      </a:spcBef>
+                      <a:spcAft>
+                        <a:spcPts val="0"/>
+                      </a:spcAft>
+                    </a:pPr>
+                    <a14:m>
+                      <m:oMath xmlns:m="http://schemas.openxmlformats.org/officeDocument/2006/math">
+                        <m:sSub>
+                          <m:sSubPr>
+                            <m:ctrlPr>
+                              <a:rPr lang="en-US" sz="800" b="0" i="1" dirty="0" smtClean="0">
+                                <a:solidFill>
+                                  <a:schemeClr val="tx1">
+                                    <a:lumMod val="85000"/>
+                                    <a:lumOff val="15000"/>
+                                  </a:schemeClr>
+                                </a:solidFill>
+                                <a:effectLst/>
+                                <a:latin typeface="Cambria Math" panose="02040503050406030204" pitchFamily="18" charset="0"/>
+                                <a:ea typeface="Calibri"/>
+                                <a:cs typeface="Times New Roman"/>
+                              </a:rPr>
+                            </m:ctrlPr>
+                          </m:sSubPr>
+                          <m:e>
+                            <m:r>
+                              <a:rPr lang="en-US" sz="800" b="0" i="1" dirty="0" smtClean="0">
+                                <a:solidFill>
+                                  <a:schemeClr val="tx1">
+                                    <a:lumMod val="85000"/>
+                                    <a:lumOff val="15000"/>
+                                  </a:schemeClr>
+                                </a:solidFill>
+                                <a:effectLst/>
+                                <a:latin typeface="Cambria Math" panose="02040503050406030204" pitchFamily="18" charset="0"/>
+                                <a:ea typeface="Calibri"/>
+                                <a:cs typeface="Times New Roman"/>
+                              </a:rPr>
+                              <m:t>𝑅</m:t>
+                            </m:r>
+                          </m:e>
+                          <m:sub>
+                            <m:r>
+                              <a:rPr lang="en-US" sz="800" b="0" i="1" dirty="0" smtClean="0">
+                                <a:solidFill>
+                                  <a:schemeClr val="tx1">
+                                    <a:lumMod val="85000"/>
+                                    <a:lumOff val="15000"/>
+                                  </a:schemeClr>
+                                </a:solidFill>
+                                <a:effectLst/>
+                                <a:latin typeface="Cambria Math" panose="02040503050406030204" pitchFamily="18" charset="0"/>
+                                <a:ea typeface="Calibri"/>
+                                <a:cs typeface="Times New Roman"/>
+                              </a:rPr>
+                              <m:t>ℓ</m:t>
+                            </m:r>
+                          </m:sub>
+                        </m:sSub>
+                      </m:oMath>
+                    </a14:m>
+                    <a:r>
+                      <a:rPr lang="en-US" sz="800" dirty="0">
+                        <a:solidFill>
+                          <a:schemeClr val="tx1">
+                            <a:lumMod val="85000"/>
+                            <a:lumOff val="15000"/>
+                          </a:schemeClr>
+                        </a:solidFill>
+                        <a:effectLst/>
+                        <a:ea typeface="Calibri"/>
+                        <a:cs typeface="Times New Roman"/>
+                      </a:rPr>
+                      <a:t>: </a:t>
+                    </a:r>
+                    <a:r>
+                      <a:rPr lang="en-US" sz="800" i="1" dirty="0">
+                        <a:solidFill>
+                          <a:schemeClr val="tx1">
+                            <a:lumMod val="85000"/>
+                            <a:lumOff val="15000"/>
+                          </a:schemeClr>
+                        </a:solidFill>
+                        <a:effectLst/>
+                        <a:ea typeface="Calibri"/>
+                        <a:cs typeface="Times New Roman"/>
+                      </a:rPr>
+                      <a:t>Rotation of lens plane (about the pivot at the origin of </a:t>
+                    </a:r>
+                    <a14:m>
+                      <m:oMath xmlns:m="http://schemas.openxmlformats.org/officeDocument/2006/math">
+                        <m:d>
+                          <m:dPr>
+                            <m:begChr m:val="{"/>
+                            <m:endChr m:val="}"/>
+                            <m:ctrlPr>
+                              <a:rPr lang="en-US" sz="800" b="0" i="1" smtClean="0">
+                                <a:solidFill>
+                                  <a:schemeClr val="tx1">
+                                    <a:lumMod val="85000"/>
+                                    <a:lumOff val="15000"/>
+                                  </a:schemeClr>
+                                </a:solidFill>
+                                <a:effectLst/>
+                                <a:latin typeface="Cambria Math" panose="02040503050406030204" pitchFamily="18" charset="0"/>
+                                <a:cs typeface="Times New Roman"/>
+                              </a:rPr>
+                            </m:ctrlPr>
+                          </m:dPr>
+                          <m:e>
+                            <m:r>
+                              <a:rPr lang="en-US" sz="800" b="0" i="1" smtClean="0">
+                                <a:solidFill>
+                                  <a:schemeClr val="tx1">
+                                    <a:lumMod val="85000"/>
+                                    <a:lumOff val="15000"/>
+                                  </a:schemeClr>
+                                </a:solidFill>
+                                <a:effectLst/>
+                                <a:latin typeface="Cambria Math" panose="02040503050406030204" pitchFamily="18" charset="0"/>
+                                <a:cs typeface="Times New Roman"/>
+                              </a:rPr>
+                              <m:t>𝐶</m:t>
+                            </m:r>
+                          </m:e>
+                        </m:d>
+                      </m:oMath>
+                    </a14:m>
+                    <a:endParaRPr lang="en-US" sz="800" i="1" dirty="0">
+                      <a:solidFill>
+                        <a:schemeClr val="tx1">
+                          <a:lumMod val="85000"/>
+                          <a:lumOff val="15000"/>
+                        </a:schemeClr>
+                      </a:solidFill>
+                      <a:effectLst/>
+                      <a:ea typeface="Calibri"/>
+                      <a:cs typeface="Times New Roman"/>
+                    </a:endParaRPr>
+                  </a:p>
+                </p:txBody>
+              </p:sp>
+            </mc:Choice>
+            <mc:Fallback>
+              <p:sp>
+                <p:nvSpPr>
+                  <p:cNvPr id="617" name="Text Box 15"/>
+                  <p:cNvSpPr txBox="1">
+                    <a:spLocks noRot="1" noChangeAspect="1" noMove="1" noResize="1" noEditPoints="1" noAdjustHandles="1" noChangeArrowheads="1" noChangeShapeType="1" noTextEdit="1"/>
+                  </p:cNvSpPr>
+                  <p:nvPr/>
+                </p:nvSpPr>
+                <p:spPr>
+                  <a:xfrm flipH="1">
+                    <a:off x="3842772" y="3795562"/>
+                    <a:ext cx="1643627" cy="551427"/>
+                  </a:xfrm>
+                  <a:prstGeom prst="rect">
+                    <a:avLst/>
+                  </a:prstGeom>
+                  <a:blipFill>
+                    <a:blip r:embed="rId6"/>
+                    <a:stretch>
+                      <a:fillRect/>
+                    </a:stretch>
+                  </a:blipFill>
+                  <a:ln w="6350">
+                    <a:noFill/>
+                  </a:ln>
+                  <a:effectLst/>
+                </p:spPr>
+                <p:txBody>
+                  <a:bodyPr/>
+                  <a:lstStyle/>
+                  <a:p>
+                    <a:r>
+                      <a:rPr lang="en-US">
+                        <a:noFill/>
+                      </a:rPr>
+                      <a:t> </a:t>
+                    </a:r>
+                  </a:p>
+                </p:txBody>
+              </p:sp>
+            </mc:Fallback>
+          </mc:AlternateContent>
+          <mc:AlternateContent xmlns:mc="http://schemas.openxmlformats.org/markup-compatibility/2006">
+            <mc:Choice xmlns:a14="http://schemas.microsoft.com/office/drawing/2010/main" Requires="a14">
+              <p:sp>
+                <p:nvSpPr>
+                  <p:cNvPr id="618" name="Text Box 15"/>
+                  <p:cNvSpPr txBox="1">
+                    <a:spLocks noChangeAspect="1"/>
+                  </p:cNvSpPr>
+                  <p:nvPr/>
+                </p:nvSpPr>
+                <p:spPr>
+                  <a:xfrm flipH="1">
+                    <a:off x="3842772" y="4108672"/>
+                    <a:ext cx="1662676" cy="326409"/>
+                  </a:xfrm>
+                  <a:prstGeom prst="rect">
+                    <a:avLst/>
+                  </a:prstGeom>
+                  <a:noFill/>
+                  <a:ln w="6350">
+                    <a:noFill/>
+                  </a:ln>
+                  <a:effectLst/>
+                </p:spPr>
+                <p:style>
+                  <a:lnRef idx="0">
+                    <a:schemeClr val="accent1"/>
+                  </a:lnRef>
+                  <a:fillRef idx="0">
+                    <a:schemeClr val="accent1"/>
+                  </a:fillRef>
+                  <a:effectRef idx="0">
+                    <a:schemeClr val="accent1"/>
+                  </a:effectRef>
+                  <a:fontRef idx="minor">
+                    <a:schemeClr val="dk1"/>
+                  </a:fontRef>
+                </p:style>
+                <p:txBody>
+                  <a:bodyPr rot="0" spcFirstLastPara="0" vert="horz" wrap="square" lIns="91440" tIns="45720" rIns="91440" bIns="45720" numCol="1" spcCol="0" rtlCol="0" fromWordArt="0" anchor="t" anchorCtr="0" forceAA="0" compatLnSpc="1">
+                    <a:prstTxWarp prst="textNoShape">
+                      <a:avLst/>
+                    </a:prstTxWarp>
+                    <a:noAutofit/>
+                  </a:bodyPr>
+                  <a:lstStyle/>
+                  <a:p>
+                    <a:pPr>
+                      <a:lnSpc>
+                        <a:spcPct val="115000"/>
+                      </a:lnSpc>
+                    </a:pPr>
+                    <a14:m>
+                      <m:oMath xmlns:m="http://schemas.openxmlformats.org/officeDocument/2006/math">
+                        <m:sSub>
+                          <m:sSubPr>
+                            <m:ctrlPr>
+                              <a:rPr lang="en-US" sz="800" i="1" smtClean="0">
+                                <a:solidFill>
+                                  <a:schemeClr val="tx1">
+                                    <a:lumMod val="85000"/>
+                                    <a:lumOff val="15000"/>
+                                  </a:schemeClr>
+                                </a:solidFill>
+                              </a:rPr>
+                            </m:ctrlPr>
+                          </m:sSubPr>
+                          <m:e>
+                            <m:r>
+                              <a:rPr lang="en-US" sz="800" b="1" i="1">
+                                <a:solidFill>
+                                  <a:schemeClr val="tx1">
+                                    <a:lumMod val="85000"/>
+                                    <a:lumOff val="15000"/>
+                                  </a:schemeClr>
+                                </a:solidFill>
+                              </a:rPr>
+                              <m:t>𝒓</m:t>
+                            </m:r>
+                          </m:e>
+                          <m:sub>
+                            <m:r>
+                              <a:rPr lang="en-US" sz="800" i="1">
+                                <a:solidFill>
+                                  <a:schemeClr val="tx1">
+                                    <a:lumMod val="85000"/>
+                                    <a:lumOff val="15000"/>
+                                  </a:schemeClr>
+                                </a:solidFill>
+                              </a:rPr>
+                              <m:t>𝓁</m:t>
+                            </m:r>
+                            <m:r>
+                              <a:rPr lang="en-US" sz="800">
+                                <a:solidFill>
+                                  <a:schemeClr val="tx1">
+                                    <a:lumMod val="85000"/>
+                                    <a:lumOff val="15000"/>
+                                  </a:schemeClr>
+                                </a:solidFill>
+                              </a:rPr>
+                              <m:t>,3</m:t>
+                            </m:r>
+                          </m:sub>
+                        </m:sSub>
+                      </m:oMath>
+                    </a14:m>
+                    <a:r>
+                      <a:rPr lang="en-US" sz="800" dirty="0">
+                        <a:solidFill>
+                          <a:schemeClr val="tx1">
+                            <a:lumMod val="85000"/>
+                            <a:lumOff val="15000"/>
+                          </a:schemeClr>
+                        </a:solidFill>
+                        <a:effectLst/>
+                        <a:ea typeface="Calibri"/>
+                        <a:cs typeface="Times New Roman"/>
+                      </a:rPr>
+                      <a:t>: </a:t>
+                    </a:r>
+                    <a:r>
+                      <a:rPr lang="en-US" sz="800" i="1" dirty="0">
+                        <a:solidFill>
+                          <a:schemeClr val="tx1">
+                            <a:lumMod val="85000"/>
+                            <a:lumOff val="15000"/>
+                          </a:schemeClr>
+                        </a:solidFill>
+                        <a:effectLst/>
+                        <a:ea typeface="Calibri"/>
+                        <a:cs typeface="Times New Roman"/>
+                      </a:rPr>
+                      <a:t>3</a:t>
+                    </a:r>
+                    <a:r>
+                      <a:rPr lang="en-US" sz="800" i="1" baseline="30000" dirty="0">
+                        <a:solidFill>
+                          <a:schemeClr val="tx1">
+                            <a:lumMod val="85000"/>
+                            <a:lumOff val="15000"/>
+                          </a:schemeClr>
+                        </a:solidFill>
+                        <a:effectLst/>
+                        <a:ea typeface="Calibri"/>
+                        <a:cs typeface="Times New Roman"/>
+                      </a:rPr>
+                      <a:t>rd</a:t>
+                    </a:r>
+                    <a:r>
+                      <a:rPr lang="en-US" sz="800" i="1" dirty="0">
+                        <a:solidFill>
+                          <a:schemeClr val="tx1">
+                            <a:lumMod val="85000"/>
+                            <a:lumOff val="15000"/>
+                          </a:schemeClr>
+                        </a:solidFill>
+                        <a:effectLst/>
+                        <a:ea typeface="Calibri"/>
+                        <a:cs typeface="Times New Roman"/>
+                      </a:rPr>
+                      <a:t> column of </a:t>
+                    </a:r>
+                    <a14:m>
+                      <m:oMath xmlns:m="http://schemas.openxmlformats.org/officeDocument/2006/math">
+                        <m:sSub>
+                          <m:sSubPr>
+                            <m:ctrlPr>
+                              <a:rPr lang="en-US" sz="800" b="0" i="1" smtClean="0">
+                                <a:solidFill>
+                                  <a:schemeClr val="tx1">
+                                    <a:lumMod val="85000"/>
+                                    <a:lumOff val="15000"/>
+                                  </a:schemeClr>
+                                </a:solidFill>
+                                <a:effectLst/>
+                                <a:latin typeface="Cambria Math" panose="02040503050406030204" pitchFamily="18" charset="0"/>
+                                <a:ea typeface="Calibri"/>
+                                <a:cs typeface="Times New Roman"/>
+                              </a:rPr>
+                            </m:ctrlPr>
+                          </m:sSubPr>
+                          <m:e>
+                            <m:r>
+                              <a:rPr lang="en-US" sz="800" b="0" i="1" smtClean="0">
+                                <a:solidFill>
+                                  <a:schemeClr val="tx1">
+                                    <a:lumMod val="85000"/>
+                                    <a:lumOff val="15000"/>
+                                  </a:schemeClr>
+                                </a:solidFill>
+                                <a:effectLst/>
+                                <a:latin typeface="Cambria Math" panose="02040503050406030204" pitchFamily="18" charset="0"/>
+                                <a:ea typeface="Calibri"/>
+                                <a:cs typeface="Times New Roman"/>
+                              </a:rPr>
+                              <m:t>𝑅</m:t>
+                            </m:r>
+                          </m:e>
+                          <m:sub>
+                            <m:r>
+                              <a:rPr lang="en-US" sz="800" b="0" i="1" smtClean="0">
+                                <a:solidFill>
+                                  <a:schemeClr val="tx1">
+                                    <a:lumMod val="85000"/>
+                                    <a:lumOff val="15000"/>
+                                  </a:schemeClr>
+                                </a:solidFill>
+                                <a:effectLst/>
+                                <a:latin typeface="Cambria Math" panose="02040503050406030204" pitchFamily="18" charset="0"/>
+                                <a:ea typeface="Calibri"/>
+                                <a:cs typeface="Times New Roman"/>
+                              </a:rPr>
+                              <m:t>ℓ</m:t>
+                            </m:r>
+                          </m:sub>
+                        </m:sSub>
+                        <m:r>
+                          <a:rPr lang="en-US" sz="800" b="0" i="1" smtClean="0">
+                            <a:solidFill>
+                              <a:schemeClr val="tx1">
+                                <a:lumMod val="85000"/>
+                                <a:lumOff val="15000"/>
+                              </a:schemeClr>
+                            </a:solidFill>
+                            <a:effectLst/>
+                            <a:latin typeface="Cambria Math" panose="02040503050406030204" pitchFamily="18" charset="0"/>
+                            <a:ea typeface="Calibri"/>
+                            <a:cs typeface="Times New Roman"/>
+                          </a:rPr>
+                          <m:t> </m:t>
+                        </m:r>
+                      </m:oMath>
+                    </a14:m>
+                    <a:r>
+                      <a:rPr lang="en-US" sz="800" i="1" dirty="0">
+                        <a:solidFill>
+                          <a:schemeClr val="tx1">
+                            <a:lumMod val="85000"/>
+                            <a:lumOff val="15000"/>
+                          </a:schemeClr>
+                        </a:solidFill>
+                        <a:effectLst/>
+                        <a:ea typeface="Calibri"/>
+                        <a:cs typeface="Times New Roman"/>
+                      </a:rPr>
+                      <a:t>(optical axis)</a:t>
+                    </a:r>
+                  </a:p>
+                </p:txBody>
+              </p:sp>
+            </mc:Choice>
+            <mc:Fallback>
+              <p:sp>
+                <p:nvSpPr>
+                  <p:cNvPr id="618" name="Text Box 15"/>
+                  <p:cNvSpPr txBox="1">
+                    <a:spLocks noRot="1" noChangeAspect="1" noMove="1" noResize="1" noEditPoints="1" noAdjustHandles="1" noChangeArrowheads="1" noChangeShapeType="1" noTextEdit="1"/>
+                  </p:cNvSpPr>
+                  <p:nvPr/>
+                </p:nvSpPr>
+                <p:spPr>
+                  <a:xfrm flipH="1">
+                    <a:off x="3842772" y="4108672"/>
+                    <a:ext cx="1662676" cy="326409"/>
+                  </a:xfrm>
+                  <a:prstGeom prst="rect">
+                    <a:avLst/>
+                  </a:prstGeom>
+                  <a:blipFill>
+                    <a:blip r:embed="rId7"/>
+                    <a:stretch>
+                      <a:fillRect/>
+                    </a:stretch>
+                  </a:blipFill>
+                  <a:ln w="6350">
+                    <a:noFill/>
+                  </a:ln>
+                  <a:effectLst/>
+                </p:spPr>
+                <p:txBody>
+                  <a:bodyPr/>
+                  <a:lstStyle/>
+                  <a:p>
+                    <a:r>
+                      <a:rPr lang="en-US">
+                        <a:noFill/>
+                      </a:rPr>
+                      <a:t> </a:t>
+                    </a:r>
+                  </a:p>
+                </p:txBody>
+              </p:sp>
+            </mc:Fallback>
+          </mc:AlternateContent>
+          <mc:AlternateContent xmlns:mc="http://schemas.openxmlformats.org/markup-compatibility/2006">
+            <mc:Choice xmlns:a14="http://schemas.microsoft.com/office/drawing/2010/main" Requires="a14">
+              <p:sp>
+                <p:nvSpPr>
+                  <p:cNvPr id="619" name="Text Box 15"/>
+                  <p:cNvSpPr txBox="1">
+                    <a:spLocks noChangeAspect="1"/>
+                  </p:cNvSpPr>
+                  <p:nvPr/>
+                </p:nvSpPr>
+                <p:spPr>
+                  <a:xfrm flipH="1">
+                    <a:off x="3842772" y="4451561"/>
+                    <a:ext cx="1619812" cy="326409"/>
+                  </a:xfrm>
+                  <a:prstGeom prst="rect">
+                    <a:avLst/>
+                  </a:prstGeom>
+                  <a:noFill/>
+                  <a:ln w="6350">
+                    <a:noFill/>
+                  </a:ln>
+                  <a:effectLst/>
+                </p:spPr>
+                <p:style>
+                  <a:lnRef idx="0">
+                    <a:schemeClr val="accent1"/>
+                  </a:lnRef>
+                  <a:fillRef idx="0">
+                    <a:schemeClr val="accent1"/>
+                  </a:fillRef>
+                  <a:effectRef idx="0">
+                    <a:schemeClr val="accent1"/>
+                  </a:effectRef>
+                  <a:fontRef idx="minor">
+                    <a:schemeClr val="dk1"/>
+                  </a:fontRef>
+                </p:style>
+                <p:txBody>
+                  <a:bodyPr rot="0" spcFirstLastPara="0" vert="horz" wrap="square" lIns="91440" tIns="45720" rIns="91440" bIns="45720" numCol="1" spcCol="0" rtlCol="0" fromWordArt="0" anchor="t" anchorCtr="0" forceAA="0" compatLnSpc="1">
+                    <a:prstTxWarp prst="textNoShape">
+                      <a:avLst/>
+                    </a:prstTxWarp>
+                    <a:noAutofit/>
+                  </a:bodyPr>
+                  <a:lstStyle/>
+                  <a:p>
+                    <a:pPr>
+                      <a:lnSpc>
+                        <a:spcPct val="115000"/>
+                      </a:lnSpc>
+                    </a:pPr>
+                    <a14:m>
+                      <m:oMath xmlns:m="http://schemas.openxmlformats.org/officeDocument/2006/math">
+                        <m:sSub>
+                          <m:sSubPr>
+                            <m:ctrlPr>
+                              <a:rPr lang="en-US" sz="800" i="1" smtClean="0">
+                                <a:solidFill>
+                                  <a:schemeClr val="tx1">
+                                    <a:lumMod val="85000"/>
+                                    <a:lumOff val="15000"/>
+                                  </a:schemeClr>
+                                </a:solidFill>
+                                <a:latin typeface="Cambria Math" panose="02040503050406030204" pitchFamily="18" charset="0"/>
+                              </a:rPr>
+                            </m:ctrlPr>
+                          </m:sSubPr>
+                          <m:e>
+                            <m:acc>
+                              <m:accPr>
+                                <m:chr m:val="̂"/>
+                                <m:ctrlPr>
+                                  <a:rPr lang="en-US" sz="800" i="1">
+                                    <a:solidFill>
+                                      <a:schemeClr val="tx1">
+                                        <a:lumMod val="85000"/>
+                                        <a:lumOff val="15000"/>
+                                      </a:schemeClr>
+                                    </a:solidFill>
+                                    <a:latin typeface="Cambria Math" panose="02040503050406030204" pitchFamily="18" charset="0"/>
+                                  </a:rPr>
+                                </m:ctrlPr>
+                              </m:accPr>
+                              <m:e>
+                                <m:r>
+                                  <a:rPr lang="en-US" sz="800" i="1">
+                                    <a:solidFill>
+                                      <a:schemeClr val="tx1">
+                                        <a:lumMod val="85000"/>
+                                        <a:lumOff val="15000"/>
+                                      </a:schemeClr>
+                                    </a:solidFill>
+                                    <a:latin typeface="Cambria Math" panose="02040503050406030204" pitchFamily="18" charset="0"/>
+                                  </a:rPr>
+                                  <m:t>𝑐</m:t>
+                                </m:r>
+                              </m:e>
+                            </m:acc>
+                          </m:e>
+                          <m:sub>
+                            <m:r>
+                              <a:rPr lang="en-US" sz="800" b="0" i="1" smtClean="0">
+                                <a:solidFill>
+                                  <a:schemeClr val="tx1">
+                                    <a:lumMod val="85000"/>
+                                    <a:lumOff val="15000"/>
+                                  </a:schemeClr>
+                                </a:solidFill>
+                                <a:latin typeface="Cambria Math" panose="02040503050406030204" pitchFamily="18" charset="0"/>
+                              </a:rPr>
+                              <m:t>𝑥</m:t>
+                            </m:r>
+                          </m:sub>
+                        </m:sSub>
+                      </m:oMath>
+                    </a14:m>
+                    <a:r>
+                      <a:rPr lang="en-US" sz="800" dirty="0">
+                        <a:solidFill>
+                          <a:schemeClr val="tx1">
+                            <a:lumMod val="85000"/>
+                            <a:lumOff val="15000"/>
+                          </a:schemeClr>
+                        </a:solidFill>
+                        <a:effectLst/>
+                        <a:ea typeface="Calibri"/>
+                        <a:cs typeface="Times New Roman"/>
+                      </a:rPr>
+                      <a:t>, </a:t>
+                    </a:r>
+                    <a14:m>
+                      <m:oMath xmlns:m="http://schemas.openxmlformats.org/officeDocument/2006/math">
+                        <m:sSub>
+                          <m:sSubPr>
+                            <m:ctrlPr>
+                              <a:rPr lang="en-US" sz="800" i="1">
+                                <a:solidFill>
+                                  <a:schemeClr val="tx1">
+                                    <a:lumMod val="85000"/>
+                                    <a:lumOff val="15000"/>
+                                  </a:schemeClr>
+                                </a:solidFill>
+                                <a:latin typeface="Cambria Math" panose="02040503050406030204" pitchFamily="18" charset="0"/>
+                              </a:rPr>
+                            </m:ctrlPr>
+                          </m:sSubPr>
+                          <m:e>
+                            <m:acc>
+                              <m:accPr>
+                                <m:chr m:val="̂"/>
+                                <m:ctrlPr>
+                                  <a:rPr lang="en-US" sz="800" i="1">
+                                    <a:solidFill>
+                                      <a:schemeClr val="tx1">
+                                        <a:lumMod val="85000"/>
+                                        <a:lumOff val="15000"/>
+                                      </a:schemeClr>
+                                    </a:solidFill>
+                                    <a:latin typeface="Cambria Math" panose="02040503050406030204" pitchFamily="18" charset="0"/>
+                                  </a:rPr>
+                                </m:ctrlPr>
+                              </m:accPr>
+                              <m:e>
+                                <m:r>
+                                  <a:rPr lang="en-US" sz="800" i="1">
+                                    <a:solidFill>
+                                      <a:schemeClr val="tx1">
+                                        <a:lumMod val="85000"/>
+                                        <a:lumOff val="15000"/>
+                                      </a:schemeClr>
+                                    </a:solidFill>
+                                    <a:latin typeface="Cambria Math" panose="02040503050406030204" pitchFamily="18" charset="0"/>
+                                  </a:rPr>
+                                  <m:t>𝑐</m:t>
+                                </m:r>
+                              </m:e>
+                            </m:acc>
+                          </m:e>
+                          <m:sub>
+                            <m:r>
+                              <a:rPr lang="en-US" sz="800" i="1">
+                                <a:solidFill>
+                                  <a:schemeClr val="tx1">
+                                    <a:lumMod val="85000"/>
+                                    <a:lumOff val="15000"/>
+                                  </a:schemeClr>
+                                </a:solidFill>
+                                <a:latin typeface="Cambria Math" panose="02040503050406030204" pitchFamily="18" charset="0"/>
+                              </a:rPr>
+                              <m:t>𝑦</m:t>
+                            </m:r>
+                          </m:sub>
+                        </m:sSub>
+                      </m:oMath>
+                    </a14:m>
+                    <a:r>
+                      <a:rPr lang="en-US" sz="800" dirty="0">
+                        <a:solidFill>
+                          <a:schemeClr val="tx1">
+                            <a:lumMod val="85000"/>
+                            <a:lumOff val="15000"/>
+                          </a:schemeClr>
+                        </a:solidFill>
+                        <a:effectLst/>
+                        <a:ea typeface="Calibri"/>
+                        <a:cs typeface="Times New Roman"/>
+                      </a:rPr>
+                      <a:t>, </a:t>
+                    </a:r>
+                    <a14:m>
+                      <m:oMath xmlns:m="http://schemas.openxmlformats.org/officeDocument/2006/math">
+                        <m:sSub>
+                          <m:sSubPr>
+                            <m:ctrlPr>
+                              <a:rPr lang="en-US" sz="800" i="1">
+                                <a:solidFill>
+                                  <a:schemeClr val="tx1">
+                                    <a:lumMod val="85000"/>
+                                    <a:lumOff val="15000"/>
+                                  </a:schemeClr>
+                                </a:solidFill>
+                                <a:latin typeface="Cambria Math" panose="02040503050406030204" pitchFamily="18" charset="0"/>
+                              </a:rPr>
+                            </m:ctrlPr>
+                          </m:sSubPr>
+                          <m:e>
+                            <m:acc>
+                              <m:accPr>
+                                <m:chr m:val="̂"/>
+                                <m:ctrlPr>
+                                  <a:rPr lang="en-US" sz="800" i="1">
+                                    <a:solidFill>
+                                      <a:schemeClr val="tx1">
+                                        <a:lumMod val="85000"/>
+                                        <a:lumOff val="15000"/>
+                                      </a:schemeClr>
+                                    </a:solidFill>
+                                    <a:latin typeface="Cambria Math" panose="02040503050406030204" pitchFamily="18" charset="0"/>
+                                  </a:rPr>
+                                </m:ctrlPr>
+                              </m:accPr>
+                              <m:e>
+                                <m:r>
+                                  <a:rPr lang="en-US" sz="800" i="1">
+                                    <a:solidFill>
+                                      <a:schemeClr val="tx1">
+                                        <a:lumMod val="85000"/>
+                                        <a:lumOff val="15000"/>
+                                      </a:schemeClr>
+                                    </a:solidFill>
+                                    <a:latin typeface="Cambria Math" panose="02040503050406030204" pitchFamily="18" charset="0"/>
+                                  </a:rPr>
+                                  <m:t>𝑐</m:t>
+                                </m:r>
+                              </m:e>
+                            </m:acc>
+                          </m:e>
+                          <m:sub>
+                            <m:r>
+                              <a:rPr lang="en-US" sz="800" b="0" i="1" smtClean="0">
+                                <a:solidFill>
+                                  <a:schemeClr val="tx1">
+                                    <a:lumMod val="85000"/>
+                                    <a:lumOff val="15000"/>
+                                  </a:schemeClr>
+                                </a:solidFill>
+                                <a:latin typeface="Cambria Math" panose="02040503050406030204" pitchFamily="18" charset="0"/>
+                              </a:rPr>
+                              <m:t>𝑧</m:t>
+                            </m:r>
+                          </m:sub>
+                        </m:sSub>
+                      </m:oMath>
+                    </a14:m>
+                    <a:r>
+                      <a:rPr lang="en-US" sz="800" dirty="0">
+                        <a:solidFill>
+                          <a:schemeClr val="tx1">
+                            <a:lumMod val="85000"/>
+                            <a:lumOff val="15000"/>
+                          </a:schemeClr>
+                        </a:solidFill>
+                        <a:effectLst/>
+                        <a:ea typeface="Calibri"/>
+                        <a:cs typeface="Times New Roman"/>
+                      </a:rPr>
+                      <a:t>: </a:t>
+                    </a:r>
+                    <a:r>
+                      <a:rPr lang="en-US" sz="800" i="1" dirty="0">
+                        <a:solidFill>
+                          <a:schemeClr val="tx1">
+                            <a:lumMod val="85000"/>
+                            <a:lumOff val="15000"/>
+                          </a:schemeClr>
+                        </a:solidFill>
+                        <a:ea typeface="Calibri"/>
+                        <a:cs typeface="Times New Roman"/>
+                      </a:rPr>
+                      <a:t>Standard basis of </a:t>
+                    </a:r>
+                    <a14:m>
+                      <m:oMath xmlns:m="http://schemas.openxmlformats.org/officeDocument/2006/math">
+                        <m:d>
+                          <m:dPr>
+                            <m:begChr m:val="{"/>
+                            <m:endChr m:val="}"/>
+                            <m:ctrlPr>
+                              <a:rPr lang="en-US" sz="800" b="0" i="1" smtClean="0">
+                                <a:solidFill>
+                                  <a:schemeClr val="tx1">
+                                    <a:lumMod val="85000"/>
+                                    <a:lumOff val="15000"/>
+                                  </a:schemeClr>
+                                </a:solidFill>
+                                <a:latin typeface="Cambria Math" panose="02040503050406030204" pitchFamily="18" charset="0"/>
+                                <a:cs typeface="Times New Roman"/>
+                              </a:rPr>
+                            </m:ctrlPr>
+                          </m:dPr>
+                          <m:e>
+                            <m:r>
+                              <a:rPr lang="en-US" sz="800" b="0" i="1" smtClean="0">
+                                <a:solidFill>
+                                  <a:schemeClr val="tx1">
+                                    <a:lumMod val="85000"/>
+                                    <a:lumOff val="15000"/>
+                                  </a:schemeClr>
+                                </a:solidFill>
+                                <a:latin typeface="Cambria Math" panose="02040503050406030204" pitchFamily="18" charset="0"/>
+                                <a:cs typeface="Times New Roman"/>
+                              </a:rPr>
+                              <m:t>𝐶</m:t>
+                            </m:r>
+                          </m:e>
+                        </m:d>
+                      </m:oMath>
+                    </a14:m>
+                    <a:endParaRPr lang="en-US" sz="800" i="1" dirty="0">
+                      <a:solidFill>
+                        <a:schemeClr val="tx1">
+                          <a:lumMod val="85000"/>
+                          <a:lumOff val="15000"/>
+                        </a:schemeClr>
+                      </a:solidFill>
+                      <a:effectLst/>
+                      <a:ea typeface="Calibri"/>
+                      <a:cs typeface="Times New Roman"/>
+                    </a:endParaRPr>
+                  </a:p>
+                </p:txBody>
+              </p:sp>
+            </mc:Choice>
+            <mc:Fallback>
+              <p:sp>
+                <p:nvSpPr>
+                  <p:cNvPr id="619" name="Text Box 15"/>
+                  <p:cNvSpPr txBox="1">
+                    <a:spLocks noRot="1" noChangeAspect="1" noMove="1" noResize="1" noEditPoints="1" noAdjustHandles="1" noChangeArrowheads="1" noChangeShapeType="1" noTextEdit="1"/>
+                  </p:cNvSpPr>
+                  <p:nvPr/>
+                </p:nvSpPr>
+                <p:spPr>
+                  <a:xfrm flipH="1">
+                    <a:off x="3842772" y="4451561"/>
+                    <a:ext cx="1619812" cy="326409"/>
+                  </a:xfrm>
+                  <a:prstGeom prst="rect">
+                    <a:avLst/>
+                  </a:prstGeom>
+                  <a:blipFill>
+                    <a:blip r:embed="rId8"/>
+                    <a:stretch>
+                      <a:fillRect/>
+                    </a:stretch>
+                  </a:blipFill>
+                  <a:ln w="6350">
+                    <a:noFill/>
+                  </a:ln>
+                  <a:effectLst/>
+                </p:spPr>
+                <p:txBody>
+                  <a:bodyPr/>
+                  <a:lstStyle/>
+                  <a:p>
+                    <a:r>
+                      <a:rPr lang="en-US">
+                        <a:noFill/>
+                      </a:rPr>
+                      <a:t> </a:t>
+                    </a:r>
+                  </a:p>
+                </p:txBody>
+              </p:sp>
+            </mc:Fallback>
+          </mc:AlternateContent>
+        </p:grpSp>
+      </p:grpSp>
+    </p:spTree>
+    <p:extLst>
+      <p:ext uri="{BB962C8B-B14F-4D97-AF65-F5344CB8AC3E}">
+        <p14:creationId xmlns:p14="http://schemas.microsoft.com/office/powerpoint/2010/main" val="1369568926"/>
+      </p:ext>
+    </p:extLst>
+  </p:cSld>
+  <p:clrMapOvr>
+    <a:masterClrMapping/>
+  </p:clrMapOvr>
+</p:sld>
+</file>
+
+<file path=ppt/slides/slide6.xml><?xml version="1.0" encoding="utf-8"?>
+<p:sld xmlns:a="http://schemas.openxmlformats.org/drawingml/2006/main" xmlns:r="http://schemas.openxmlformats.org/officeDocument/2006/relationships" xmlns:p="http://schemas.openxmlformats.org/presentationml/2006/main">
+  <p:cSld>
+    <p:spTree>
+      <p:nvGrpSpPr>
+        <p:cNvPr id="1" name=""/>
+        <p:cNvGrpSpPr/>
+        <p:nvPr/>
+      </p:nvGrpSpPr>
+      <p:grpSpPr>
+        <a:xfrm>
+          <a:off x="0" y="0"/>
+          <a:ext cx="0" cy="0"/>
+          <a:chOff x="0" y="0"/>
+          <a:chExt cx="0" cy="0"/>
+        </a:xfrm>
+      </p:grpSpPr>
+      <p:grpSp>
+        <p:nvGrpSpPr>
+          <p:cNvPr id="7" name="Group 6" hidden="1"/>
+          <p:cNvGrpSpPr>
+            <a:grpSpLocks noChangeAspect="1"/>
+          </p:cNvGrpSpPr>
+          <p:nvPr/>
+        </p:nvGrpSpPr>
+        <p:grpSpPr>
+          <a:xfrm>
+            <a:off x="3276626" y="2046702"/>
+            <a:ext cx="363905" cy="453363"/>
+            <a:chOff x="6111782" y="3770504"/>
+            <a:chExt cx="511280" cy="636962"/>
+          </a:xfrm>
+          <a:scene3d>
+            <a:camera prst="orthographicFront"/>
+            <a:lightRig rig="threePt" dir="t"/>
+          </a:scene3d>
+        </p:grpSpPr>
+        <p:cxnSp>
+          <p:nvCxnSpPr>
+            <p:cNvPr id="52" name="Straight Arrow Connector 51"/>
+            <p:cNvCxnSpPr/>
+            <p:nvPr/>
+          </p:nvCxnSpPr>
+          <p:spPr>
+            <a:xfrm rot="19440000">
+              <a:off x="6277753" y="4096356"/>
+              <a:ext cx="274320" cy="0"/>
+            </a:xfrm>
+            <a:prstGeom prst="straightConnector1">
+              <a:avLst/>
+            </a:prstGeom>
+            <a:ln w="6350" cap="flat">
+              <a:solidFill>
+                <a:srgbClr val="DE0000">
+                  <a:alpha val="69804"/>
+                </a:srgbClr>
+              </a:solidFill>
+              <a:round/>
+              <a:headEnd w="sm" len="sm"/>
+              <a:tailEnd type="triangle" w="sm" len="med"/>
+            </a:ln>
+            <a:effectLst/>
+            <a:sp3d prstMaterial="matte">
+              <a:bevelT w="12700" h="12700"/>
+              <a:bevelB w="0" h="0"/>
+            </a:sp3d>
+          </p:spPr>
+          <p:style>
+            <a:lnRef idx="1">
+              <a:schemeClr val="accent1"/>
+            </a:lnRef>
+            <a:fillRef idx="0">
+              <a:schemeClr val="accent1"/>
+            </a:fillRef>
+            <a:effectRef idx="0">
+              <a:schemeClr val="accent1"/>
+            </a:effectRef>
+            <a:fontRef idx="minor">
+              <a:schemeClr val="tx1"/>
+            </a:fontRef>
+          </p:style>
+        </p:cxnSp>
+        <p:cxnSp>
+          <p:nvCxnSpPr>
+            <p:cNvPr id="53" name="Straight Arrow Connector 52"/>
+            <p:cNvCxnSpPr/>
+            <p:nvPr/>
+          </p:nvCxnSpPr>
+          <p:spPr>
+            <a:xfrm rot="16200000">
+              <a:off x="6165835" y="4047143"/>
+              <a:ext cx="274320" cy="0"/>
+            </a:xfrm>
+            <a:prstGeom prst="straightConnector1">
+              <a:avLst/>
+            </a:prstGeom>
+            <a:ln w="6350" cap="flat">
+              <a:solidFill>
+                <a:srgbClr val="00B050">
+                  <a:alpha val="70000"/>
+                </a:srgbClr>
+              </a:solidFill>
+              <a:round/>
+              <a:headEnd w="sm" len="sm"/>
+              <a:tailEnd type="triangle" w="sm" len="med"/>
+            </a:ln>
+            <a:effectLst/>
+            <a:sp3d prstMaterial="matte">
+              <a:bevelT w="12700" h="12700"/>
+              <a:bevelB w="0" h="0"/>
+            </a:sp3d>
+          </p:spPr>
+          <p:style>
+            <a:lnRef idx="1">
+              <a:schemeClr val="accent1"/>
+            </a:lnRef>
+            <a:fillRef idx="0">
+              <a:schemeClr val="accent1"/>
+            </a:fillRef>
+            <a:effectRef idx="0">
+              <a:schemeClr val="accent1"/>
+            </a:effectRef>
+            <a:fontRef idx="minor">
+              <a:schemeClr val="tx1"/>
+            </a:fontRef>
+          </p:style>
+        </p:cxnSp>
+        <p:cxnSp>
+          <p:nvCxnSpPr>
+            <p:cNvPr id="54" name="Straight Arrow Connector 53"/>
+            <p:cNvCxnSpPr/>
+            <p:nvPr/>
+          </p:nvCxnSpPr>
+          <p:spPr>
+            <a:xfrm>
+              <a:off x="6296805" y="4180493"/>
+              <a:ext cx="274320" cy="0"/>
+            </a:xfrm>
+            <a:prstGeom prst="straightConnector1">
+              <a:avLst/>
+            </a:prstGeom>
+            <a:ln w="6350" cap="flat">
+              <a:solidFill>
+                <a:srgbClr val="0078D2">
+                  <a:alpha val="70000"/>
+                </a:srgbClr>
+              </a:solidFill>
+              <a:round/>
+              <a:headEnd w="sm" len="sm"/>
+              <a:tailEnd type="triangle" w="sm" len="med"/>
+            </a:ln>
+            <a:effectLst/>
+            <a:sp3d prstMaterial="matte">
+              <a:bevelT w="12700" h="12700"/>
+              <a:bevelB w="0" h="0"/>
+            </a:sp3d>
+          </p:spPr>
+          <p:style>
+            <a:lnRef idx="1">
+              <a:schemeClr val="accent1"/>
+            </a:lnRef>
+            <a:fillRef idx="0">
+              <a:schemeClr val="accent1"/>
+            </a:fillRef>
+            <a:effectRef idx="0">
+              <a:schemeClr val="accent1"/>
+            </a:effectRef>
+            <a:fontRef idx="minor">
+              <a:schemeClr val="tx1"/>
+            </a:fontRef>
+          </p:style>
+        </p:cxnSp>
+        <p:sp>
+          <p:nvSpPr>
+            <p:cNvPr id="55" name="TextBox 54"/>
+            <p:cNvSpPr txBox="1"/>
+            <p:nvPr/>
+          </p:nvSpPr>
+          <p:spPr>
+            <a:xfrm>
+              <a:off x="6111782" y="3770504"/>
+              <a:ext cx="157163" cy="345935"/>
+            </a:xfrm>
+            <a:prstGeom prst="rect">
+              <a:avLst/>
+            </a:prstGeom>
+            <a:noFill/>
+          </p:spPr>
+          <p:txBody>
+            <a:bodyPr wrap="square" rtlCol="0">
+              <a:spAutoFit/>
+            </a:bodyPr>
+            <a:lstStyle/>
+            <a:p>
+              <a:r>
+                <a:rPr lang="en-US" sz="1000" i="1" dirty="0">
+                  <a:solidFill>
+                    <a:schemeClr val="tx1">
+                      <a:lumMod val="75000"/>
+                      <a:lumOff val="25000"/>
+                    </a:schemeClr>
+                  </a:solidFill>
+                  <a:latin typeface="Times New Roman" panose="02020603050405020304" pitchFamily="18" charset="0"/>
+                  <a:cs typeface="Times New Roman" panose="02020603050405020304" pitchFamily="18" charset="0"/>
+                </a:rPr>
+                <a:t>y</a:t>
+              </a:r>
+            </a:p>
+          </p:txBody>
+        </p:sp>
+        <p:sp>
+          <p:nvSpPr>
+            <p:cNvPr id="56" name="TextBox 55"/>
+            <p:cNvSpPr txBox="1"/>
+            <p:nvPr/>
+          </p:nvSpPr>
+          <p:spPr>
+            <a:xfrm>
+              <a:off x="6469250" y="3799875"/>
+              <a:ext cx="153812" cy="345935"/>
+            </a:xfrm>
+            <a:prstGeom prst="rect">
+              <a:avLst/>
+            </a:prstGeom>
+            <a:noFill/>
+          </p:spPr>
+          <p:txBody>
+            <a:bodyPr wrap="square" rtlCol="0">
+              <a:spAutoFit/>
+            </a:bodyPr>
+            <a:lstStyle/>
+            <a:p>
+              <a:r>
+                <a:rPr lang="en-US" sz="1000" i="1" dirty="0">
+                  <a:solidFill>
+                    <a:schemeClr val="tx1">
+                      <a:lumMod val="75000"/>
+                      <a:lumOff val="25000"/>
+                    </a:schemeClr>
+                  </a:solidFill>
+                  <a:latin typeface="Times New Roman" panose="02020603050405020304" pitchFamily="18" charset="0"/>
+                  <a:cs typeface="Times New Roman" panose="02020603050405020304" pitchFamily="18" charset="0"/>
+                </a:rPr>
+                <a:t>x</a:t>
+              </a:r>
+            </a:p>
+          </p:txBody>
+        </p:sp>
+        <p:sp>
+          <p:nvSpPr>
+            <p:cNvPr id="57" name="TextBox 56"/>
+            <p:cNvSpPr txBox="1"/>
+            <p:nvPr/>
+          </p:nvSpPr>
+          <p:spPr>
+            <a:xfrm>
+              <a:off x="6461375" y="4061529"/>
+              <a:ext cx="123823" cy="345937"/>
+            </a:xfrm>
+            <a:prstGeom prst="rect">
+              <a:avLst/>
+            </a:prstGeom>
+            <a:noFill/>
+          </p:spPr>
+          <p:txBody>
+            <a:bodyPr wrap="square" rtlCol="0">
+              <a:spAutoFit/>
+            </a:bodyPr>
+            <a:lstStyle/>
+            <a:p>
+              <a:r>
+                <a:rPr lang="en-US" sz="1000" i="1" dirty="0">
+                  <a:solidFill>
+                    <a:schemeClr val="tx1">
+                      <a:lumMod val="75000"/>
+                      <a:lumOff val="25000"/>
+                    </a:schemeClr>
+                  </a:solidFill>
+                  <a:latin typeface="Times New Roman" panose="02020603050405020304" pitchFamily="18" charset="0"/>
+                  <a:cs typeface="Times New Roman" panose="02020603050405020304" pitchFamily="18" charset="0"/>
+                </a:rPr>
+                <a:t>z</a:t>
+              </a:r>
+            </a:p>
+          </p:txBody>
+        </p:sp>
+      </p:grpSp>
+      <p:pic>
+        <p:nvPicPr>
+          <p:cNvPr id="65" name="Picture 64" hidden="1"/>
+          <p:cNvPicPr>
+            <a:picLocks noChangeAspect="1"/>
+          </p:cNvPicPr>
+          <p:nvPr/>
+        </p:nvPicPr>
+        <p:blipFill>
+          <a:blip r:embed="rId2" cstate="print">
+            <a:extLst>
+              <a:ext uri="{28A0092B-C50C-407E-A947-70E740481C1C}">
+                <a14:useLocalDpi xmlns:a14="http://schemas.microsoft.com/office/drawing/2010/main" val="0"/>
+              </a:ext>
+            </a:extLst>
+          </a:blip>
+          <a:stretch>
+            <a:fillRect/>
+          </a:stretch>
+        </p:blipFill>
+        <p:spPr>
+          <a:xfrm>
+            <a:off x="3890987" y="355426"/>
+            <a:ext cx="1491989" cy="1104737"/>
+          </a:xfrm>
+          <a:prstGeom prst="rect">
+            <a:avLst/>
+          </a:prstGeom>
+        </p:spPr>
+      </p:pic>
+      <p:pic>
+        <p:nvPicPr>
+          <p:cNvPr id="64" name="Picture 63" hidden="1"/>
+          <p:cNvPicPr>
+            <a:picLocks noChangeAspect="1"/>
+          </p:cNvPicPr>
+          <p:nvPr/>
+        </p:nvPicPr>
+        <p:blipFill rotWithShape="1">
+          <a:blip r:embed="rId3" cstate="print">
+            <a:extLst>
+              <a:ext uri="{28A0092B-C50C-407E-A947-70E740481C1C}">
+                <a14:useLocalDpi xmlns:a14="http://schemas.microsoft.com/office/drawing/2010/main" val="0"/>
+              </a:ext>
+            </a:extLst>
+          </a:blip>
+          <a:srcRect l="13596" t="9819" r="11091" b="9561"/>
+          <a:stretch/>
+        </p:blipFill>
+        <p:spPr>
+          <a:xfrm>
+            <a:off x="3890987" y="1533689"/>
+            <a:ext cx="1489374" cy="1103766"/>
+          </a:xfrm>
+          <a:prstGeom prst="rect">
+            <a:avLst/>
+          </a:prstGeom>
+        </p:spPr>
+      </p:pic>
+      <p:pic>
+        <p:nvPicPr>
+          <p:cNvPr id="80" name="Picture 79" hidden="1"/>
+          <p:cNvPicPr>
+            <a:picLocks noChangeAspect="1"/>
+          </p:cNvPicPr>
+          <p:nvPr/>
+        </p:nvPicPr>
+        <p:blipFill rotWithShape="1">
+          <a:blip r:embed="rId4" cstate="print">
+            <a:extLst>
+              <a:ext uri="{BEBA8EAE-BF5A-486C-A8C5-ECC9F3942E4B}">
+                <a14:imgProps xmlns:a14="http://schemas.microsoft.com/office/drawing/2010/main">
+                  <a14:imgLayer r:embed="rId5">
+                    <a14:imgEffect>
+                      <a14:sharpenSoften amount="20000"/>
+                    </a14:imgEffect>
+                  </a14:imgLayer>
+                </a14:imgProps>
+              </a:ext>
+              <a:ext uri="{28A0092B-C50C-407E-A947-70E740481C1C}">
+                <a14:useLocalDpi xmlns:a14="http://schemas.microsoft.com/office/drawing/2010/main" val="0"/>
+              </a:ext>
+            </a:extLst>
+          </a:blip>
+          <a:srcRect l="13859" t="10051" r="11173" b="9816"/>
+          <a:stretch/>
+        </p:blipFill>
+        <p:spPr>
+          <a:xfrm>
+            <a:off x="0" y="2679708"/>
+            <a:ext cx="2651760" cy="1962316"/>
+          </a:xfrm>
+          <a:prstGeom prst="rect">
+            <a:avLst/>
+          </a:prstGeom>
+          <a:effectLst/>
+        </p:spPr>
+      </p:pic>
+      <p:pic>
+        <p:nvPicPr>
+          <p:cNvPr id="2" name="Picture 1" hidden="1"/>
+          <p:cNvPicPr>
+            <a:picLocks noChangeAspect="1"/>
+          </p:cNvPicPr>
+          <p:nvPr/>
+        </p:nvPicPr>
+        <p:blipFill rotWithShape="1">
+          <a:blip r:embed="rId6" cstate="print">
+            <a:extLst>
+              <a:ext uri="{28A0092B-C50C-407E-A947-70E740481C1C}">
+                <a14:useLocalDpi xmlns:a14="http://schemas.microsoft.com/office/drawing/2010/main" val="0"/>
+              </a:ext>
+            </a:extLst>
+          </a:blip>
+          <a:srcRect l="14329" t="10002" r="11198" b="10253"/>
+          <a:stretch/>
+        </p:blipFill>
+        <p:spPr>
+          <a:xfrm>
+            <a:off x="2724150" y="2679708"/>
+            <a:ext cx="2651941" cy="1965960"/>
+          </a:xfrm>
+          <a:prstGeom prst="rect">
+            <a:avLst/>
+          </a:prstGeom>
+        </p:spPr>
+      </p:pic>
+      <p:grpSp>
+        <p:nvGrpSpPr>
+          <p:cNvPr id="124" name="Group 123"/>
+          <p:cNvGrpSpPr/>
+          <p:nvPr/>
+        </p:nvGrpSpPr>
+        <p:grpSpPr>
+          <a:xfrm>
+            <a:off x="-76204" y="321129"/>
+            <a:ext cx="5534665" cy="4562068"/>
+            <a:chOff x="-76204" y="321129"/>
+            <a:chExt cx="5534665" cy="4562068"/>
+          </a:xfrm>
+        </p:grpSpPr>
+        <p:grpSp>
+          <p:nvGrpSpPr>
+            <p:cNvPr id="122" name="Group 121"/>
+            <p:cNvGrpSpPr/>
+            <p:nvPr/>
+          </p:nvGrpSpPr>
+          <p:grpSpPr>
+            <a:xfrm>
+              <a:off x="3957638" y="321129"/>
+              <a:ext cx="1425338" cy="1158468"/>
+              <a:chOff x="3957638" y="321129"/>
+              <a:chExt cx="1425338" cy="1158468"/>
+            </a:xfrm>
+          </p:grpSpPr>
+          <p:pic>
+            <p:nvPicPr>
+              <p:cNvPr id="82" name="Picture 81"/>
+              <p:cNvPicPr>
+                <a:picLocks noChangeAspect="1"/>
+              </p:cNvPicPr>
+              <p:nvPr/>
+            </p:nvPicPr>
+            <p:blipFill>
+              <a:blip r:embed="rId7"/>
+              <a:stretch>
+                <a:fillRect/>
+              </a:stretch>
+            </p:blipFill>
+            <p:spPr>
+              <a:xfrm>
+                <a:off x="4046147" y="357462"/>
+                <a:ext cx="1336829" cy="1106424"/>
+              </a:xfrm>
+              <a:prstGeom prst="rect">
+                <a:avLst/>
+              </a:prstGeom>
+            </p:spPr>
+          </p:pic>
+          <p:sp>
+            <p:nvSpPr>
+              <p:cNvPr id="68" name="Rectangle 67"/>
+              <p:cNvSpPr/>
+              <p:nvPr/>
+            </p:nvSpPr>
+            <p:spPr>
+              <a:xfrm>
+                <a:off x="3986936" y="321129"/>
+                <a:ext cx="1111202" cy="369332"/>
+              </a:xfrm>
+              <a:prstGeom prst="rect">
+                <a:avLst/>
+              </a:prstGeom>
+            </p:spPr>
+            <p:txBody>
+              <a:bodyPr wrap="none">
+                <a:spAutoFit/>
+              </a:bodyPr>
+              <a:lstStyle/>
+              <a:p>
+                <a:r>
+                  <a:rPr lang="en-US" sz="900" dirty="0">
+                    <a:solidFill>
+                      <a:schemeClr val="bg2">
+                        <a:lumMod val="75000"/>
+                      </a:schemeClr>
+                    </a:solidFill>
+                    <a:latin typeface="Times New Roman" panose="02020603050405020304" pitchFamily="18" charset="0"/>
+                    <a:cs typeface="Times New Roman" panose="02020603050405020304" pitchFamily="18" charset="0"/>
+                  </a:rPr>
+                  <a:t>Sensor image 1/13 </a:t>
+                </a:r>
+              </a:p>
+              <a:p>
+                <a:r>
+                  <a:rPr lang="en-US" sz="900" dirty="0">
+                    <a:solidFill>
+                      <a:schemeClr val="bg2">
+                        <a:lumMod val="75000"/>
+                      </a:schemeClr>
+                    </a:solidFill>
+                    <a:latin typeface="Times New Roman" panose="02020603050405020304" pitchFamily="18" charset="0"/>
+                    <a:cs typeface="Times New Roman" panose="02020603050405020304" pitchFamily="18" charset="0"/>
+                  </a:rPr>
+                  <a:t>lens tilt = -8°</a:t>
+                </a:r>
+              </a:p>
+            </p:txBody>
+          </p:sp>
+          <p:cxnSp>
+            <p:nvCxnSpPr>
+              <p:cNvPr id="89" name="Straight Connector 88"/>
+              <p:cNvCxnSpPr/>
+              <p:nvPr/>
+            </p:nvCxnSpPr>
+            <p:spPr>
+              <a:xfrm>
+                <a:off x="4037037" y="907795"/>
+                <a:ext cx="1344168" cy="0"/>
+              </a:xfrm>
+              <a:prstGeom prst="line">
+                <a:avLst/>
+              </a:prstGeom>
+              <a:ln>
+                <a:solidFill>
+                  <a:schemeClr val="accent2">
+                    <a:lumMod val="20000"/>
+                    <a:lumOff val="80000"/>
+                  </a:schemeClr>
+                </a:solidFill>
+                <a:prstDash val="dash"/>
+              </a:ln>
+            </p:spPr>
+            <p:style>
+              <a:lnRef idx="1">
+                <a:schemeClr val="accent1"/>
+              </a:lnRef>
+              <a:fillRef idx="0">
+                <a:schemeClr val="accent1"/>
+              </a:fillRef>
+              <a:effectRef idx="0">
+                <a:schemeClr val="accent1"/>
+              </a:effectRef>
+              <a:fontRef idx="minor">
+                <a:schemeClr val="tx1"/>
+              </a:fontRef>
+            </p:style>
+          </p:cxnSp>
+          <p:grpSp>
+            <p:nvGrpSpPr>
+              <p:cNvPr id="103" name="Group 102"/>
+              <p:cNvGrpSpPr/>
+              <p:nvPr/>
+            </p:nvGrpSpPr>
+            <p:grpSpPr>
+              <a:xfrm>
+                <a:off x="3982438" y="1248765"/>
+                <a:ext cx="319318" cy="230832"/>
+                <a:chOff x="2001238" y="4855565"/>
+                <a:chExt cx="319318" cy="230832"/>
+              </a:xfrm>
+            </p:grpSpPr>
+            <p:sp>
+              <p:nvSpPr>
+                <p:cNvPr id="104" name="Rounded Rectangle 103"/>
+                <p:cNvSpPr/>
+                <p:nvPr/>
+              </p:nvSpPr>
+              <p:spPr>
+                <a:xfrm>
+                  <a:off x="2082370" y="4908726"/>
+                  <a:ext cx="146304" cy="141883"/>
+                </a:xfrm>
+                <a:prstGeom prst="roundRect">
+                  <a:avLst/>
+                </a:prstGeom>
+                <a:solidFill>
+                  <a:schemeClr val="bg1"/>
+                </a:solidFill>
+                <a:ln w="6350">
+                  <a:solidFill>
+                    <a:schemeClr val="bg1">
+                      <a:lumMod val="75000"/>
+                    </a:schemeClr>
+                  </a:solidFill>
+                </a:ln>
+                <a:effectLst>
+                  <a:outerShdw blurRad="25400" dist="25400" dir="2700000" algn="tl" rotWithShape="0">
+                    <a:prstClr val="black">
+                      <a:alpha val="40000"/>
+                    </a:prstClr>
+                  </a:outerShdw>
+                </a:effectLst>
+              </p:spPr>
+              <p:style>
+                <a:lnRef idx="2">
+                  <a:schemeClr val="accent1">
+                    <a:shade val="50000"/>
+                  </a:schemeClr>
+                </a:lnRef>
+                <a:fillRef idx="1">
+                  <a:schemeClr val="accent1"/>
+                </a:fillRef>
+                <a:effectRef idx="0">
+                  <a:schemeClr val="accent1"/>
+                </a:effectRef>
+                <a:fontRef idx="minor">
+                  <a:schemeClr val="lt1"/>
+                </a:fontRef>
+              </p:style>
+              <p:txBody>
+                <a:bodyPr rtlCol="0" anchor="ctr"/>
+                <a:lstStyle/>
+                <a:p>
+                  <a:pPr algn="ctr"/>
+                  <a:endParaRPr lang="en-US"/>
+                </a:p>
+              </p:txBody>
+            </p:sp>
+            <p:sp>
+              <p:nvSpPr>
+                <p:cNvPr id="105" name="TextBox 104"/>
+                <p:cNvSpPr txBox="1"/>
+                <p:nvPr/>
+              </p:nvSpPr>
+              <p:spPr>
+                <a:xfrm>
+                  <a:off x="2001238" y="4855565"/>
+                  <a:ext cx="319318" cy="230832"/>
+                </a:xfrm>
+                <a:prstGeom prst="rect">
+                  <a:avLst/>
+                </a:prstGeom>
+                <a:noFill/>
+              </p:spPr>
+              <p:txBody>
+                <a:bodyPr wrap="none" rtlCol="0">
+                  <a:spAutoFit/>
+                </a:bodyPr>
+                <a:lstStyle/>
+                <a:p>
+                  <a:r>
+                    <a:rPr lang="en-US" sz="900" dirty="0">
+                      <a:latin typeface="Times New Roman" panose="02020603050405020304" pitchFamily="18" charset="0"/>
+                      <a:cs typeface="Times New Roman" panose="02020603050405020304" pitchFamily="18" charset="0"/>
+                    </a:rPr>
+                    <a:t>(b)</a:t>
+                  </a:r>
+                  <a:endParaRPr lang="en-US" sz="1100" dirty="0">
+                    <a:latin typeface="Times New Roman" panose="02020603050405020304" pitchFamily="18" charset="0"/>
+                    <a:cs typeface="Times New Roman" panose="02020603050405020304" pitchFamily="18" charset="0"/>
+                  </a:endParaRPr>
+                </a:p>
+              </p:txBody>
+            </p:sp>
+          </p:grpSp>
+          <p:sp>
+            <p:nvSpPr>
+              <p:cNvPr id="66" name="TextBox 65"/>
+              <p:cNvSpPr txBox="1"/>
+              <p:nvPr/>
+            </p:nvSpPr>
+            <p:spPr>
+              <a:xfrm>
+                <a:off x="3957638" y="776289"/>
+                <a:ext cx="292068" cy="184666"/>
+              </a:xfrm>
+              <a:prstGeom prst="rect">
+                <a:avLst/>
+              </a:prstGeom>
+              <a:noFill/>
+            </p:spPr>
+            <p:txBody>
+              <a:bodyPr wrap="none" rtlCol="0">
+                <a:spAutoFit/>
+              </a:bodyPr>
+              <a:lstStyle/>
+              <a:p>
+                <a:r>
+                  <a:rPr lang="en-US" sz="600" dirty="0">
+                    <a:solidFill>
+                      <a:schemeClr val="accent2">
+                        <a:lumMod val="20000"/>
+                        <a:lumOff val="80000"/>
+                      </a:schemeClr>
+                    </a:solidFill>
+                  </a:rPr>
+                  <a:t>1/2</a:t>
+                </a:r>
+              </a:p>
+            </p:txBody>
+          </p:sp>
+        </p:grpSp>
+        <p:grpSp>
+          <p:nvGrpSpPr>
+            <p:cNvPr id="121" name="Group 120"/>
+            <p:cNvGrpSpPr/>
+            <p:nvPr/>
+          </p:nvGrpSpPr>
+          <p:grpSpPr>
+            <a:xfrm>
+              <a:off x="3960806" y="1505564"/>
+              <a:ext cx="1497655" cy="1148783"/>
+              <a:chOff x="3960806" y="1505564"/>
+              <a:chExt cx="1497655" cy="1148783"/>
+            </a:xfrm>
+          </p:grpSpPr>
+          <p:pic>
+            <p:nvPicPr>
+              <p:cNvPr id="81" name="Picture 80"/>
+              <p:cNvPicPr>
+                <a:picLocks noChangeAspect="1"/>
+              </p:cNvPicPr>
+              <p:nvPr/>
+            </p:nvPicPr>
+            <p:blipFill>
+              <a:blip r:embed="rId8"/>
+              <a:stretch>
+                <a:fillRect/>
+              </a:stretch>
+            </p:blipFill>
+            <p:spPr>
+              <a:xfrm>
+                <a:off x="4046313" y="1535421"/>
+                <a:ext cx="1336663" cy="1106424"/>
+              </a:xfrm>
+              <a:prstGeom prst="rect">
+                <a:avLst/>
+              </a:prstGeom>
+            </p:spPr>
+          </p:pic>
+          <p:sp>
+            <p:nvSpPr>
+              <p:cNvPr id="69" name="Rectangle 68"/>
+              <p:cNvSpPr/>
+              <p:nvPr/>
+            </p:nvSpPr>
+            <p:spPr>
+              <a:xfrm>
+                <a:off x="3991611" y="1505564"/>
+                <a:ext cx="1466850" cy="230832"/>
+              </a:xfrm>
+              <a:prstGeom prst="rect">
+                <a:avLst/>
+              </a:prstGeom>
+            </p:spPr>
+            <p:txBody>
+              <a:bodyPr wrap="square">
+                <a:spAutoFit/>
+              </a:bodyPr>
+              <a:lstStyle/>
+              <a:p>
+                <a:r>
+                  <a:rPr lang="en-US" sz="900" dirty="0">
+                    <a:solidFill>
+                      <a:schemeClr val="bg2">
+                        <a:lumMod val="75000"/>
+                      </a:schemeClr>
+                    </a:solidFill>
+                    <a:latin typeface="Times New Roman" panose="02020603050405020304" pitchFamily="18" charset="0"/>
+                    <a:cs typeface="Times New Roman" panose="02020603050405020304" pitchFamily="18" charset="0"/>
+                  </a:rPr>
+                  <a:t>Focus measure (LoG)</a:t>
+                </a:r>
+              </a:p>
+            </p:txBody>
+          </p:sp>
+          <p:cxnSp>
+            <p:nvCxnSpPr>
+              <p:cNvPr id="91" name="Straight Connector 90"/>
+              <p:cNvCxnSpPr/>
+              <p:nvPr/>
+            </p:nvCxnSpPr>
+            <p:spPr>
+              <a:xfrm>
+                <a:off x="4043387" y="2085572"/>
+                <a:ext cx="1344168" cy="0"/>
+              </a:xfrm>
+              <a:prstGeom prst="line">
+                <a:avLst/>
+              </a:prstGeom>
+              <a:ln>
+                <a:solidFill>
+                  <a:schemeClr val="accent2">
+                    <a:lumMod val="20000"/>
+                    <a:lumOff val="80000"/>
+                  </a:schemeClr>
+                </a:solidFill>
+                <a:prstDash val="dash"/>
+              </a:ln>
+            </p:spPr>
+            <p:style>
+              <a:lnRef idx="1">
+                <a:schemeClr val="accent1"/>
+              </a:lnRef>
+              <a:fillRef idx="0">
+                <a:schemeClr val="accent1"/>
+              </a:fillRef>
+              <a:effectRef idx="0">
+                <a:schemeClr val="accent1"/>
+              </a:effectRef>
+              <a:fontRef idx="minor">
+                <a:schemeClr val="tx1"/>
+              </a:fontRef>
+            </p:style>
+          </p:cxnSp>
+          <p:grpSp>
+            <p:nvGrpSpPr>
+              <p:cNvPr id="106" name="Group 105"/>
+              <p:cNvGrpSpPr/>
+              <p:nvPr/>
+            </p:nvGrpSpPr>
+            <p:grpSpPr>
+              <a:xfrm>
+                <a:off x="3982438" y="2423515"/>
+                <a:ext cx="312906" cy="230832"/>
+                <a:chOff x="2001238" y="4855565"/>
+                <a:chExt cx="312906" cy="230832"/>
+              </a:xfrm>
+            </p:grpSpPr>
+            <p:sp>
+              <p:nvSpPr>
+                <p:cNvPr id="107" name="Rounded Rectangle 106"/>
+                <p:cNvSpPr/>
+                <p:nvPr/>
+              </p:nvSpPr>
+              <p:spPr>
+                <a:xfrm>
+                  <a:off x="2082370" y="4908726"/>
+                  <a:ext cx="146304" cy="141883"/>
+                </a:xfrm>
+                <a:prstGeom prst="roundRect">
+                  <a:avLst/>
+                </a:prstGeom>
+                <a:solidFill>
+                  <a:schemeClr val="bg1"/>
+                </a:solidFill>
+                <a:ln w="6350">
+                  <a:solidFill>
+                    <a:schemeClr val="bg1">
+                      <a:lumMod val="75000"/>
+                    </a:schemeClr>
+                  </a:solidFill>
+                </a:ln>
+                <a:effectLst>
+                  <a:outerShdw blurRad="25400" dist="25400" dir="2700000" algn="tl" rotWithShape="0">
+                    <a:prstClr val="black">
+                      <a:alpha val="40000"/>
+                    </a:prstClr>
+                  </a:outerShdw>
+                </a:effectLst>
+              </p:spPr>
+              <p:style>
+                <a:lnRef idx="2">
+                  <a:schemeClr val="accent1">
+                    <a:shade val="50000"/>
+                  </a:schemeClr>
+                </a:lnRef>
+                <a:fillRef idx="1">
+                  <a:schemeClr val="accent1"/>
+                </a:fillRef>
+                <a:effectRef idx="0">
+                  <a:schemeClr val="accent1"/>
+                </a:effectRef>
+                <a:fontRef idx="minor">
+                  <a:schemeClr val="lt1"/>
+                </a:fontRef>
+              </p:style>
+              <p:txBody>
+                <a:bodyPr rtlCol="0" anchor="ctr"/>
+                <a:lstStyle/>
+                <a:p>
+                  <a:pPr algn="ctr"/>
+                  <a:endParaRPr lang="en-US"/>
+                </a:p>
+              </p:txBody>
+            </p:sp>
+            <p:sp>
+              <p:nvSpPr>
+                <p:cNvPr id="108" name="TextBox 107"/>
+                <p:cNvSpPr txBox="1"/>
+                <p:nvPr/>
+              </p:nvSpPr>
+              <p:spPr>
+                <a:xfrm>
+                  <a:off x="2001238" y="4855565"/>
+                  <a:ext cx="312906" cy="230832"/>
+                </a:xfrm>
+                <a:prstGeom prst="rect">
+                  <a:avLst/>
+                </a:prstGeom>
+                <a:noFill/>
+              </p:spPr>
+              <p:txBody>
+                <a:bodyPr wrap="none" rtlCol="0">
+                  <a:spAutoFit/>
+                </a:bodyPr>
+                <a:lstStyle/>
+                <a:p>
+                  <a:r>
+                    <a:rPr lang="en-US" sz="900" dirty="0">
+                      <a:latin typeface="Times New Roman" panose="02020603050405020304" pitchFamily="18" charset="0"/>
+                      <a:cs typeface="Times New Roman" panose="02020603050405020304" pitchFamily="18" charset="0"/>
+                    </a:rPr>
+                    <a:t>(c)</a:t>
+                  </a:r>
+                  <a:endParaRPr lang="en-US" sz="1100" dirty="0">
+                    <a:latin typeface="Times New Roman" panose="02020603050405020304" pitchFamily="18" charset="0"/>
+                    <a:cs typeface="Times New Roman" panose="02020603050405020304" pitchFamily="18" charset="0"/>
+                  </a:endParaRPr>
+                </a:p>
+              </p:txBody>
+            </p:sp>
+          </p:grpSp>
+          <p:sp>
+            <p:nvSpPr>
+              <p:cNvPr id="116" name="TextBox 115"/>
+              <p:cNvSpPr txBox="1"/>
+              <p:nvPr/>
+            </p:nvSpPr>
+            <p:spPr>
+              <a:xfrm>
+                <a:off x="3960806" y="1952639"/>
+                <a:ext cx="292068" cy="184666"/>
+              </a:xfrm>
+              <a:prstGeom prst="rect">
+                <a:avLst/>
+              </a:prstGeom>
+              <a:noFill/>
+            </p:spPr>
+            <p:txBody>
+              <a:bodyPr wrap="none" rtlCol="0">
+                <a:spAutoFit/>
+              </a:bodyPr>
+              <a:lstStyle/>
+              <a:p>
+                <a:r>
+                  <a:rPr lang="en-US" sz="600" dirty="0">
+                    <a:solidFill>
+                      <a:schemeClr val="accent2">
+                        <a:lumMod val="20000"/>
+                        <a:lumOff val="80000"/>
+                      </a:schemeClr>
+                    </a:solidFill>
+                  </a:rPr>
+                  <a:t>1/2</a:t>
+                </a:r>
+              </a:p>
+            </p:txBody>
+          </p:sp>
+        </p:grpSp>
+        <p:grpSp>
+          <p:nvGrpSpPr>
+            <p:cNvPr id="115" name="Group 114"/>
+            <p:cNvGrpSpPr/>
+            <p:nvPr/>
+          </p:nvGrpSpPr>
+          <p:grpSpPr>
+            <a:xfrm>
+              <a:off x="-76204" y="2684770"/>
+              <a:ext cx="2734314" cy="2194997"/>
+              <a:chOff x="-76204" y="2684770"/>
+              <a:chExt cx="2734314" cy="2194997"/>
+            </a:xfrm>
+          </p:grpSpPr>
+          <p:pic>
+            <p:nvPicPr>
+              <p:cNvPr id="73" name="Picture 72"/>
+              <p:cNvPicPr>
+                <a:picLocks noChangeAspect="1"/>
+              </p:cNvPicPr>
+              <p:nvPr/>
+            </p:nvPicPr>
+            <p:blipFill>
+              <a:blip r:embed="rId9"/>
+              <a:stretch>
+                <a:fillRect/>
+              </a:stretch>
+            </p:blipFill>
+            <p:spPr>
+              <a:xfrm>
+                <a:off x="6350" y="2684770"/>
+                <a:ext cx="2651760" cy="2194997"/>
+              </a:xfrm>
+              <a:prstGeom prst="rect">
+                <a:avLst/>
+              </a:prstGeom>
+            </p:spPr>
+          </p:pic>
+          <p:sp>
+            <p:nvSpPr>
+              <p:cNvPr id="96" name="Rectangle 95"/>
+              <p:cNvSpPr/>
+              <p:nvPr/>
+            </p:nvSpPr>
+            <p:spPr>
+              <a:xfrm>
+                <a:off x="6351" y="2685394"/>
+                <a:ext cx="1466850" cy="230832"/>
+              </a:xfrm>
+              <a:prstGeom prst="rect">
+                <a:avLst/>
+              </a:prstGeom>
+            </p:spPr>
+            <p:txBody>
+              <a:bodyPr wrap="square">
+                <a:spAutoFit/>
+              </a:bodyPr>
+              <a:lstStyle/>
+              <a:p>
+                <a:r>
+                  <a:rPr lang="en-US" sz="900" dirty="0">
+                    <a:solidFill>
+                      <a:schemeClr val="bg2">
+                        <a:lumMod val="75000"/>
+                      </a:schemeClr>
+                    </a:solidFill>
+                    <a:latin typeface="Times New Roman" panose="02020603050405020304" pitchFamily="18" charset="0"/>
+                    <a:cs typeface="Times New Roman" panose="02020603050405020304" pitchFamily="18" charset="0"/>
+                  </a:rPr>
+                  <a:t>Composite image</a:t>
+                </a:r>
+              </a:p>
+            </p:txBody>
+          </p:sp>
+          <p:grpSp>
+            <p:nvGrpSpPr>
+              <p:cNvPr id="109" name="Group 108"/>
+              <p:cNvGrpSpPr/>
+              <p:nvPr/>
+            </p:nvGrpSpPr>
+            <p:grpSpPr>
+              <a:xfrm>
+                <a:off x="-49812" y="4646015"/>
+                <a:ext cx="319318" cy="230832"/>
+                <a:chOff x="2001238" y="4855565"/>
+                <a:chExt cx="319318" cy="230832"/>
+              </a:xfrm>
+            </p:grpSpPr>
+            <p:sp>
+              <p:nvSpPr>
+                <p:cNvPr id="110" name="Rounded Rectangle 109"/>
+                <p:cNvSpPr/>
+                <p:nvPr/>
+              </p:nvSpPr>
+              <p:spPr>
+                <a:xfrm>
+                  <a:off x="2082370" y="4908726"/>
+                  <a:ext cx="146304" cy="141883"/>
+                </a:xfrm>
+                <a:prstGeom prst="roundRect">
+                  <a:avLst/>
+                </a:prstGeom>
+                <a:solidFill>
+                  <a:schemeClr val="bg1"/>
+                </a:solidFill>
+                <a:ln w="6350">
+                  <a:solidFill>
+                    <a:schemeClr val="bg1">
+                      <a:lumMod val="75000"/>
+                    </a:schemeClr>
+                  </a:solidFill>
+                </a:ln>
+                <a:effectLst>
+                  <a:outerShdw blurRad="25400" dist="25400" dir="2700000" algn="tl" rotWithShape="0">
+                    <a:prstClr val="black">
+                      <a:alpha val="40000"/>
+                    </a:prstClr>
+                  </a:outerShdw>
+                </a:effectLst>
+              </p:spPr>
+              <p:style>
+                <a:lnRef idx="2">
+                  <a:schemeClr val="accent1">
+                    <a:shade val="50000"/>
+                  </a:schemeClr>
+                </a:lnRef>
+                <a:fillRef idx="1">
+                  <a:schemeClr val="accent1"/>
+                </a:fillRef>
+                <a:effectRef idx="0">
+                  <a:schemeClr val="accent1"/>
+                </a:effectRef>
+                <a:fontRef idx="minor">
+                  <a:schemeClr val="lt1"/>
+                </a:fontRef>
+              </p:style>
+              <p:txBody>
+                <a:bodyPr rtlCol="0" anchor="ctr"/>
+                <a:lstStyle/>
+                <a:p>
+                  <a:pPr algn="ctr"/>
+                  <a:endParaRPr lang="en-US"/>
+                </a:p>
+              </p:txBody>
+            </p:sp>
+            <p:sp>
+              <p:nvSpPr>
+                <p:cNvPr id="111" name="TextBox 110"/>
+                <p:cNvSpPr txBox="1"/>
+                <p:nvPr/>
+              </p:nvSpPr>
+              <p:spPr>
+                <a:xfrm>
+                  <a:off x="2001238" y="4855565"/>
+                  <a:ext cx="319318" cy="230832"/>
+                </a:xfrm>
+                <a:prstGeom prst="rect">
+                  <a:avLst/>
+                </a:prstGeom>
+                <a:noFill/>
+              </p:spPr>
+              <p:txBody>
+                <a:bodyPr wrap="none" rtlCol="0">
+                  <a:spAutoFit/>
+                </a:bodyPr>
+                <a:lstStyle/>
+                <a:p>
+                  <a:r>
+                    <a:rPr lang="en-US" sz="900" dirty="0">
+                      <a:latin typeface="Times New Roman" panose="02020603050405020304" pitchFamily="18" charset="0"/>
+                      <a:cs typeface="Times New Roman" panose="02020603050405020304" pitchFamily="18" charset="0"/>
+                    </a:rPr>
+                    <a:t>(d)</a:t>
+                  </a:r>
+                  <a:endParaRPr lang="en-US" sz="1100" dirty="0">
+                    <a:latin typeface="Times New Roman" panose="02020603050405020304" pitchFamily="18" charset="0"/>
+                    <a:cs typeface="Times New Roman" panose="02020603050405020304" pitchFamily="18" charset="0"/>
+                  </a:endParaRPr>
+                </a:p>
+              </p:txBody>
+            </p:sp>
+          </p:grpSp>
+          <p:grpSp>
+            <p:nvGrpSpPr>
+              <p:cNvPr id="83" name="Group 82"/>
+              <p:cNvGrpSpPr/>
+              <p:nvPr/>
+            </p:nvGrpSpPr>
+            <p:grpSpPr>
+              <a:xfrm>
+                <a:off x="-76204" y="3635394"/>
+                <a:ext cx="2727964" cy="184666"/>
+                <a:chOff x="-76204" y="3514744"/>
+                <a:chExt cx="2727964" cy="184666"/>
+              </a:xfrm>
+            </p:grpSpPr>
+            <p:cxnSp>
+              <p:nvCxnSpPr>
+                <p:cNvPr id="93" name="Straight Connector 92"/>
+                <p:cNvCxnSpPr>
+                  <a:stCxn id="80" idx="1"/>
+                  <a:endCxn id="80" idx="3"/>
+                </p:cNvCxnSpPr>
+                <p:nvPr/>
+              </p:nvCxnSpPr>
+              <p:spPr>
+                <a:xfrm>
+                  <a:off x="0" y="3660866"/>
+                  <a:ext cx="2651760" cy="0"/>
+                </a:xfrm>
+                <a:prstGeom prst="line">
+                  <a:avLst/>
+                </a:prstGeom>
+                <a:ln>
+                  <a:solidFill>
+                    <a:schemeClr val="accent2">
+                      <a:lumMod val="20000"/>
+                      <a:lumOff val="80000"/>
+                    </a:schemeClr>
+                  </a:solidFill>
+                  <a:prstDash val="dash"/>
+                </a:ln>
+              </p:spPr>
+              <p:style>
+                <a:lnRef idx="1">
+                  <a:schemeClr val="accent1"/>
+                </a:lnRef>
+                <a:fillRef idx="0">
+                  <a:schemeClr val="accent1"/>
+                </a:fillRef>
+                <a:effectRef idx="0">
+                  <a:schemeClr val="accent1"/>
+                </a:effectRef>
+                <a:fontRef idx="minor">
+                  <a:schemeClr val="tx1"/>
+                </a:fontRef>
+              </p:style>
+            </p:cxnSp>
+            <p:sp>
+              <p:nvSpPr>
+                <p:cNvPr id="117" name="TextBox 116"/>
+                <p:cNvSpPr txBox="1"/>
+                <p:nvPr/>
+              </p:nvSpPr>
+              <p:spPr>
+                <a:xfrm>
+                  <a:off x="-76204" y="3514744"/>
+                  <a:ext cx="292068" cy="184666"/>
+                </a:xfrm>
+                <a:prstGeom prst="rect">
+                  <a:avLst/>
+                </a:prstGeom>
+                <a:noFill/>
+              </p:spPr>
+              <p:txBody>
+                <a:bodyPr wrap="none" rtlCol="0">
+                  <a:spAutoFit/>
+                </a:bodyPr>
+                <a:lstStyle/>
+                <a:p>
+                  <a:r>
+                    <a:rPr lang="en-US" sz="600" dirty="0">
+                      <a:solidFill>
+                        <a:schemeClr val="accent2">
+                          <a:lumMod val="20000"/>
+                          <a:lumOff val="80000"/>
+                        </a:schemeClr>
+                      </a:solidFill>
+                    </a:rPr>
+                    <a:t>1/2</a:t>
+                  </a:r>
+                </a:p>
+              </p:txBody>
+            </p:sp>
+          </p:grpSp>
+        </p:grpSp>
+        <p:grpSp>
+          <p:nvGrpSpPr>
+            <p:cNvPr id="94" name="Group 93"/>
+            <p:cNvGrpSpPr/>
+            <p:nvPr/>
+          </p:nvGrpSpPr>
+          <p:grpSpPr>
+            <a:xfrm>
+              <a:off x="2647945" y="2684770"/>
+              <a:ext cx="2733100" cy="2198427"/>
+              <a:chOff x="2647945" y="2684770"/>
+              <a:chExt cx="2733100" cy="2198427"/>
+            </a:xfrm>
+          </p:grpSpPr>
+          <p:pic>
+            <p:nvPicPr>
+              <p:cNvPr id="74" name="Picture 73"/>
+              <p:cNvPicPr>
+                <a:picLocks noChangeAspect="1"/>
+              </p:cNvPicPr>
+              <p:nvPr/>
+            </p:nvPicPr>
+            <p:blipFill>
+              <a:blip r:embed="rId10"/>
+              <a:stretch>
+                <a:fillRect/>
+              </a:stretch>
+            </p:blipFill>
+            <p:spPr>
+              <a:xfrm>
+                <a:off x="2729285" y="2684770"/>
+                <a:ext cx="2651760" cy="2194997"/>
+              </a:xfrm>
+              <a:prstGeom prst="rect">
+                <a:avLst/>
+              </a:prstGeom>
+            </p:spPr>
+          </p:pic>
+          <p:sp>
+            <p:nvSpPr>
+              <p:cNvPr id="97" name="Rectangle 96"/>
+              <p:cNvSpPr/>
+              <p:nvPr/>
+            </p:nvSpPr>
+            <p:spPr>
+              <a:xfrm>
+                <a:off x="2730500" y="2685394"/>
+                <a:ext cx="2406650" cy="230832"/>
+              </a:xfrm>
+              <a:prstGeom prst="rect">
+                <a:avLst/>
+              </a:prstGeom>
+            </p:spPr>
+            <p:txBody>
+              <a:bodyPr wrap="square">
+                <a:spAutoFit/>
+              </a:bodyPr>
+              <a:lstStyle/>
+              <a:p>
+                <a:r>
+                  <a:rPr lang="en-US" sz="900" dirty="0">
+                    <a:solidFill>
+                      <a:schemeClr val="bg2">
+                        <a:lumMod val="75000"/>
+                      </a:schemeClr>
+                    </a:solidFill>
+                    <a:latin typeface="Times New Roman" panose="02020603050405020304" pitchFamily="18" charset="0"/>
+                    <a:cs typeface="Times New Roman" panose="02020603050405020304" pitchFamily="18" charset="0"/>
+                  </a:rPr>
+                  <a:t>Focus measure (LoG) of the composite image </a:t>
+                </a:r>
+              </a:p>
+            </p:txBody>
+          </p:sp>
+          <p:grpSp>
+            <p:nvGrpSpPr>
+              <p:cNvPr id="112" name="Group 111"/>
+              <p:cNvGrpSpPr/>
+              <p:nvPr/>
+            </p:nvGrpSpPr>
+            <p:grpSpPr>
+              <a:xfrm>
+                <a:off x="2667988" y="4652365"/>
+                <a:ext cx="312906" cy="230832"/>
+                <a:chOff x="2001238" y="4855565"/>
+                <a:chExt cx="312906" cy="230832"/>
+              </a:xfrm>
+            </p:grpSpPr>
+            <p:sp>
+              <p:nvSpPr>
+                <p:cNvPr id="113" name="Rounded Rectangle 112"/>
+                <p:cNvSpPr/>
+                <p:nvPr/>
+              </p:nvSpPr>
+              <p:spPr>
+                <a:xfrm>
+                  <a:off x="2082370" y="4908726"/>
+                  <a:ext cx="146304" cy="141883"/>
+                </a:xfrm>
+                <a:prstGeom prst="roundRect">
+                  <a:avLst/>
+                </a:prstGeom>
+                <a:solidFill>
+                  <a:schemeClr val="bg1"/>
+                </a:solidFill>
+                <a:ln w="6350">
+                  <a:solidFill>
+                    <a:schemeClr val="bg1">
+                      <a:lumMod val="75000"/>
+                    </a:schemeClr>
+                  </a:solidFill>
+                </a:ln>
+                <a:effectLst>
+                  <a:outerShdw blurRad="25400" dist="25400" dir="2700000" algn="tl" rotWithShape="0">
+                    <a:prstClr val="black">
+                      <a:alpha val="40000"/>
+                    </a:prstClr>
+                  </a:outerShdw>
+                </a:effectLst>
+              </p:spPr>
+              <p:style>
+                <a:lnRef idx="2">
+                  <a:schemeClr val="accent1">
+                    <a:shade val="50000"/>
+                  </a:schemeClr>
+                </a:lnRef>
+                <a:fillRef idx="1">
+                  <a:schemeClr val="accent1"/>
+                </a:fillRef>
+                <a:effectRef idx="0">
+                  <a:schemeClr val="accent1"/>
+                </a:effectRef>
+                <a:fontRef idx="minor">
+                  <a:schemeClr val="lt1"/>
+                </a:fontRef>
+              </p:style>
+              <p:txBody>
+                <a:bodyPr rtlCol="0" anchor="ctr"/>
+                <a:lstStyle/>
+                <a:p>
+                  <a:pPr algn="ctr"/>
+                  <a:endParaRPr lang="en-US"/>
+                </a:p>
+              </p:txBody>
+            </p:sp>
+            <p:sp>
+              <p:nvSpPr>
+                <p:cNvPr id="114" name="TextBox 113"/>
+                <p:cNvSpPr txBox="1"/>
+                <p:nvPr/>
+              </p:nvSpPr>
+              <p:spPr>
+                <a:xfrm>
+                  <a:off x="2001238" y="4855565"/>
+                  <a:ext cx="312906" cy="230832"/>
+                </a:xfrm>
+                <a:prstGeom prst="rect">
+                  <a:avLst/>
+                </a:prstGeom>
+                <a:noFill/>
+              </p:spPr>
+              <p:txBody>
+                <a:bodyPr wrap="none" rtlCol="0">
+                  <a:spAutoFit/>
+                </a:bodyPr>
+                <a:lstStyle/>
+                <a:p>
+                  <a:r>
+                    <a:rPr lang="en-US" sz="900" dirty="0">
+                      <a:latin typeface="Times New Roman" panose="02020603050405020304" pitchFamily="18" charset="0"/>
+                      <a:cs typeface="Times New Roman" panose="02020603050405020304" pitchFamily="18" charset="0"/>
+                    </a:rPr>
+                    <a:t>(e)</a:t>
+                  </a:r>
+                  <a:endParaRPr lang="en-US" sz="1100" dirty="0">
+                    <a:latin typeface="Times New Roman" panose="02020603050405020304" pitchFamily="18" charset="0"/>
+                    <a:cs typeface="Times New Roman" panose="02020603050405020304" pitchFamily="18" charset="0"/>
+                  </a:endParaRPr>
+                </a:p>
+              </p:txBody>
+            </p:sp>
+          </p:grpSp>
+          <p:grpSp>
+            <p:nvGrpSpPr>
+              <p:cNvPr id="84" name="Group 83"/>
+              <p:cNvGrpSpPr/>
+              <p:nvPr/>
+            </p:nvGrpSpPr>
+            <p:grpSpPr>
+              <a:xfrm>
+                <a:off x="2647945" y="3635394"/>
+                <a:ext cx="2728146" cy="184666"/>
+                <a:chOff x="2647945" y="3514744"/>
+                <a:chExt cx="2728146" cy="184666"/>
+              </a:xfrm>
+            </p:grpSpPr>
+            <p:cxnSp>
+              <p:nvCxnSpPr>
+                <p:cNvPr id="95" name="Straight Connector 94"/>
+                <p:cNvCxnSpPr/>
+                <p:nvPr/>
+              </p:nvCxnSpPr>
+              <p:spPr>
+                <a:xfrm>
+                  <a:off x="2724331" y="3660866"/>
+                  <a:ext cx="2651760" cy="0"/>
+                </a:xfrm>
+                <a:prstGeom prst="line">
+                  <a:avLst/>
+                </a:prstGeom>
+                <a:ln>
+                  <a:solidFill>
+                    <a:schemeClr val="accent2">
+                      <a:lumMod val="20000"/>
+                      <a:lumOff val="80000"/>
+                    </a:schemeClr>
+                  </a:solidFill>
+                  <a:prstDash val="dash"/>
+                </a:ln>
+              </p:spPr>
+              <p:style>
+                <a:lnRef idx="1">
+                  <a:schemeClr val="accent1"/>
+                </a:lnRef>
+                <a:fillRef idx="0">
+                  <a:schemeClr val="accent1"/>
+                </a:fillRef>
+                <a:effectRef idx="0">
+                  <a:schemeClr val="accent1"/>
+                </a:effectRef>
+                <a:fontRef idx="minor">
+                  <a:schemeClr val="tx1"/>
+                </a:fontRef>
+              </p:style>
+            </p:cxnSp>
+            <p:sp>
+              <p:nvSpPr>
+                <p:cNvPr id="118" name="TextBox 117"/>
+                <p:cNvSpPr txBox="1"/>
+                <p:nvPr/>
+              </p:nvSpPr>
+              <p:spPr>
+                <a:xfrm>
+                  <a:off x="2647945" y="3514744"/>
+                  <a:ext cx="292068" cy="184666"/>
+                </a:xfrm>
+                <a:prstGeom prst="rect">
+                  <a:avLst/>
+                </a:prstGeom>
+                <a:noFill/>
+              </p:spPr>
+              <p:txBody>
+                <a:bodyPr wrap="none" rtlCol="0">
+                  <a:spAutoFit/>
+                </a:bodyPr>
+                <a:lstStyle/>
+                <a:p>
+                  <a:r>
+                    <a:rPr lang="en-US" sz="600" dirty="0">
+                      <a:solidFill>
+                        <a:schemeClr val="accent2">
+                          <a:lumMod val="20000"/>
+                          <a:lumOff val="80000"/>
+                        </a:schemeClr>
+                      </a:solidFill>
+                    </a:rPr>
+                    <a:t>1/2</a:t>
+                  </a:r>
+                </a:p>
+              </p:txBody>
+            </p:sp>
+          </p:grpSp>
+        </p:grpSp>
+        <p:grpSp>
+          <p:nvGrpSpPr>
+            <p:cNvPr id="123" name="Group 122"/>
+            <p:cNvGrpSpPr/>
+            <p:nvPr/>
+          </p:nvGrpSpPr>
+          <p:grpSpPr>
+            <a:xfrm>
+              <a:off x="-49812" y="357188"/>
+              <a:ext cx="4162274" cy="2281342"/>
+              <a:chOff x="-49812" y="357188"/>
+              <a:chExt cx="4162274" cy="2281342"/>
+            </a:xfrm>
+          </p:grpSpPr>
+          <p:sp>
+            <p:nvSpPr>
+              <p:cNvPr id="3" name="Rectangle 2"/>
+              <p:cNvSpPr/>
+              <p:nvPr/>
+            </p:nvSpPr>
+            <p:spPr>
+              <a:xfrm>
+                <a:off x="4762" y="478702"/>
+                <a:ext cx="3521875" cy="1890804"/>
+              </a:xfrm>
+              <a:prstGeom prst="rect">
+                <a:avLst/>
+              </a:prstGeom>
+              <a:solidFill>
+                <a:schemeClr val="bg1"/>
+              </a:solidFill>
+              <a:ln>
+                <a:noFill/>
+              </a:ln>
+            </p:spPr>
+            <p:style>
+              <a:lnRef idx="2">
+                <a:schemeClr val="accent1">
+                  <a:shade val="50000"/>
+                </a:schemeClr>
+              </a:lnRef>
+              <a:fillRef idx="1">
+                <a:schemeClr val="accent1"/>
+              </a:fillRef>
+              <a:effectRef idx="0">
+                <a:schemeClr val="accent1"/>
+              </a:effectRef>
+              <a:fontRef idx="minor">
+                <a:schemeClr val="lt1"/>
+              </a:fontRef>
+            </p:style>
+            <p:txBody>
+              <a:bodyPr rtlCol="0" anchor="ctr"/>
+              <a:lstStyle/>
+              <a:p>
+                <a:pPr algn="ctr"/>
+                <a:endParaRPr lang="en-US" dirty="0"/>
+              </a:p>
+            </p:txBody>
+          </p:sp>
+          <p:grpSp>
+            <p:nvGrpSpPr>
+              <p:cNvPr id="4" name="Group 3"/>
+              <p:cNvGrpSpPr/>
+              <p:nvPr/>
+            </p:nvGrpSpPr>
+            <p:grpSpPr>
+              <a:xfrm>
+                <a:off x="1296914" y="495688"/>
+                <a:ext cx="724636" cy="1310201"/>
+                <a:chOff x="3502493" y="391984"/>
+                <a:chExt cx="1775105" cy="3209544"/>
+              </a:xfrm>
+            </p:grpSpPr>
+            <p:sp>
+              <p:nvSpPr>
+                <p:cNvPr id="62" name="Cube 61"/>
+                <p:cNvSpPr/>
+                <p:nvPr/>
+              </p:nvSpPr>
+              <p:spPr>
+                <a:xfrm>
+                  <a:off x="3934780" y="391984"/>
+                  <a:ext cx="850392" cy="3209544"/>
+                </a:xfrm>
+                <a:prstGeom prst="cube">
+                  <a:avLst>
+                    <a:gd name="adj" fmla="val 93443"/>
+                  </a:avLst>
+                </a:prstGeom>
+                <a:gradFill flip="none" rotWithShape="1">
+                  <a:gsLst>
+                    <a:gs pos="0">
+                      <a:schemeClr val="accent4">
+                        <a:lumMod val="46000"/>
+                      </a:schemeClr>
+                    </a:gs>
+                    <a:gs pos="48000">
+                      <a:schemeClr val="accent4">
+                        <a:lumMod val="97000"/>
+                        <a:lumOff val="3000"/>
+                      </a:schemeClr>
+                    </a:gs>
+                    <a:gs pos="100000">
+                      <a:schemeClr val="accent4">
+                        <a:lumMod val="46000"/>
+                        <a:lumOff val="54000"/>
+                      </a:schemeClr>
+                    </a:gs>
+                  </a:gsLst>
+                  <a:lin ang="16200000" scaled="1"/>
+                  <a:tileRect/>
+                </a:gradFill>
+                <a:ln w="6350" cap="rnd">
+                  <a:solidFill>
+                    <a:schemeClr val="accent4">
+                      <a:lumMod val="50000"/>
+                      <a:alpha val="31000"/>
+                    </a:schemeClr>
+                  </a:solidFill>
+                  <a:round/>
+                </a:ln>
+              </p:spPr>
+              <p:style>
+                <a:lnRef idx="2">
+                  <a:schemeClr val="accent1">
+                    <a:shade val="50000"/>
+                  </a:schemeClr>
+                </a:lnRef>
+                <a:fillRef idx="1">
+                  <a:schemeClr val="accent1"/>
+                </a:fillRef>
+                <a:effectRef idx="0">
+                  <a:schemeClr val="accent1"/>
+                </a:effectRef>
+                <a:fontRef idx="minor">
+                  <a:schemeClr val="lt1"/>
+                </a:fontRef>
+              </p:style>
+              <p:txBody>
+                <a:bodyPr rtlCol="0" anchor="ctr"/>
+                <a:lstStyle/>
+                <a:p>
+                  <a:pPr algn="ctr"/>
+                  <a:endParaRPr lang="en-US"/>
+                </a:p>
+              </p:txBody>
+            </p:sp>
+            <p:pic>
+              <p:nvPicPr>
+                <p:cNvPr id="63" name="Picture 62"/>
+                <p:cNvPicPr>
+                  <a:picLocks noChangeAspect="1"/>
+                </p:cNvPicPr>
+                <p:nvPr/>
+              </p:nvPicPr>
+              <p:blipFill>
+                <a:blip r:embed="rId11" cstate="print">
+                  <a:extLst>
+                    <a:ext uri="{28A0092B-C50C-407E-A947-70E740481C1C}">
+                      <a14:useLocalDpi xmlns:a14="http://schemas.microsoft.com/office/drawing/2010/main" val="0"/>
+                    </a:ext>
+                  </a:extLst>
+                </a:blip>
+                <a:stretch>
+                  <a:fillRect/>
+                </a:stretch>
+              </p:blipFill>
+              <p:spPr>
+                <a:xfrm>
+                  <a:off x="3502493" y="628486"/>
+                  <a:ext cx="1775105" cy="2733014"/>
+                </a:xfrm>
+                <a:prstGeom prst="rect">
+                  <a:avLst/>
+                </a:prstGeom>
+                <a:ln>
+                  <a:noFill/>
+                </a:ln>
+                <a:effectLst/>
+                <a:scene3d>
+                  <a:camera prst="isometricOffAxis2Right">
+                    <a:rot lat="1740000" lon="17759998" rev="0"/>
+                  </a:camera>
+                  <a:lightRig rig="threePt" dir="t"/>
+                </a:scene3d>
+              </p:spPr>
+            </p:pic>
+          </p:grpSp>
+          <p:grpSp>
+            <p:nvGrpSpPr>
+              <p:cNvPr id="5" name="Group 4"/>
+              <p:cNvGrpSpPr/>
+              <p:nvPr/>
+            </p:nvGrpSpPr>
+            <p:grpSpPr>
+              <a:xfrm>
+                <a:off x="637456" y="769975"/>
+                <a:ext cx="724636" cy="1310201"/>
+                <a:chOff x="1887053" y="1192084"/>
+                <a:chExt cx="1775105" cy="3209544"/>
+              </a:xfrm>
+            </p:grpSpPr>
+            <p:sp>
+              <p:nvSpPr>
+                <p:cNvPr id="60" name="Cube 59"/>
+                <p:cNvSpPr/>
+                <p:nvPr/>
+              </p:nvSpPr>
+              <p:spPr>
+                <a:xfrm>
+                  <a:off x="2319340" y="1192084"/>
+                  <a:ext cx="850392" cy="3209544"/>
+                </a:xfrm>
+                <a:prstGeom prst="cube">
+                  <a:avLst>
+                    <a:gd name="adj" fmla="val 93443"/>
+                  </a:avLst>
+                </a:prstGeom>
+                <a:gradFill flip="none" rotWithShape="1">
+                  <a:gsLst>
+                    <a:gs pos="0">
+                      <a:schemeClr val="accent4">
+                        <a:lumMod val="46000"/>
+                      </a:schemeClr>
+                    </a:gs>
+                    <a:gs pos="48000">
+                      <a:schemeClr val="accent4">
+                        <a:lumMod val="97000"/>
+                        <a:lumOff val="3000"/>
+                      </a:schemeClr>
+                    </a:gs>
+                    <a:gs pos="100000">
+                      <a:schemeClr val="accent4">
+                        <a:lumMod val="46000"/>
+                        <a:lumOff val="54000"/>
+                      </a:schemeClr>
+                    </a:gs>
+                  </a:gsLst>
+                  <a:lin ang="16200000" scaled="1"/>
+                  <a:tileRect/>
+                </a:gradFill>
+                <a:ln w="6350" cap="rnd">
+                  <a:solidFill>
+                    <a:schemeClr val="accent4">
+                      <a:lumMod val="50000"/>
+                      <a:alpha val="31000"/>
+                    </a:schemeClr>
+                  </a:solidFill>
+                  <a:round/>
+                </a:ln>
+              </p:spPr>
+              <p:style>
+                <a:lnRef idx="2">
+                  <a:schemeClr val="accent1">
+                    <a:shade val="50000"/>
+                  </a:schemeClr>
+                </a:lnRef>
+                <a:fillRef idx="1">
+                  <a:schemeClr val="accent1"/>
+                </a:fillRef>
+                <a:effectRef idx="0">
+                  <a:schemeClr val="accent1"/>
+                </a:effectRef>
+                <a:fontRef idx="minor">
+                  <a:schemeClr val="lt1"/>
+                </a:fontRef>
+              </p:style>
+              <p:txBody>
+                <a:bodyPr rtlCol="0" anchor="ctr"/>
+                <a:lstStyle/>
+                <a:p>
+                  <a:pPr algn="ctr"/>
+                  <a:endParaRPr lang="en-US"/>
+                </a:p>
+              </p:txBody>
+            </p:sp>
+            <p:pic>
+              <p:nvPicPr>
+                <p:cNvPr id="61" name="Picture 60"/>
+                <p:cNvPicPr>
+                  <a:picLocks noChangeAspect="1"/>
+                </p:cNvPicPr>
+                <p:nvPr/>
+              </p:nvPicPr>
+              <p:blipFill>
+                <a:blip r:embed="rId12" cstate="print">
+                  <a:extLst>
+                    <a:ext uri="{28A0092B-C50C-407E-A947-70E740481C1C}">
+                      <a14:useLocalDpi xmlns:a14="http://schemas.microsoft.com/office/drawing/2010/main" val="0"/>
+                    </a:ext>
+                  </a:extLst>
+                </a:blip>
+                <a:stretch>
+                  <a:fillRect/>
+                </a:stretch>
+              </p:blipFill>
+              <p:spPr>
+                <a:xfrm>
+                  <a:off x="1887053" y="1428586"/>
+                  <a:ext cx="1775105" cy="2733014"/>
+                </a:xfrm>
+                <a:prstGeom prst="rect">
+                  <a:avLst/>
+                </a:prstGeom>
+                <a:ln>
+                  <a:noFill/>
+                </a:ln>
+                <a:effectLst/>
+                <a:scene3d>
+                  <a:camera prst="isometricOffAxis2Right">
+                    <a:rot lat="1740000" lon="17759998" rev="0"/>
+                  </a:camera>
+                  <a:lightRig rig="threePt" dir="t"/>
+                </a:scene3d>
+              </p:spPr>
+            </p:pic>
+          </p:grpSp>
+          <p:grpSp>
+            <p:nvGrpSpPr>
+              <p:cNvPr id="6" name="Group 5"/>
+              <p:cNvGrpSpPr/>
+              <p:nvPr/>
+            </p:nvGrpSpPr>
+            <p:grpSpPr>
+              <a:xfrm>
+                <a:off x="-30783" y="1044263"/>
+                <a:ext cx="729758" cy="1310201"/>
+                <a:chOff x="250100" y="1992184"/>
+                <a:chExt cx="1787652" cy="3209544"/>
+              </a:xfrm>
+            </p:grpSpPr>
+            <p:sp>
+              <p:nvSpPr>
+                <p:cNvPr id="58" name="Cube 57"/>
+                <p:cNvSpPr/>
+                <p:nvPr/>
+              </p:nvSpPr>
+              <p:spPr>
+                <a:xfrm>
+                  <a:off x="688660" y="1992184"/>
+                  <a:ext cx="850392" cy="3209544"/>
+                </a:xfrm>
+                <a:prstGeom prst="cube">
+                  <a:avLst>
+                    <a:gd name="adj" fmla="val 93443"/>
+                  </a:avLst>
+                </a:prstGeom>
+                <a:gradFill flip="none" rotWithShape="1">
+                  <a:gsLst>
+                    <a:gs pos="0">
+                      <a:schemeClr val="accent4">
+                        <a:lumMod val="46000"/>
+                      </a:schemeClr>
+                    </a:gs>
+                    <a:gs pos="48000">
+                      <a:schemeClr val="accent4">
+                        <a:lumMod val="97000"/>
+                        <a:lumOff val="3000"/>
+                      </a:schemeClr>
+                    </a:gs>
+                    <a:gs pos="100000">
+                      <a:schemeClr val="accent4">
+                        <a:lumMod val="46000"/>
+                        <a:lumOff val="54000"/>
+                      </a:schemeClr>
+                    </a:gs>
+                  </a:gsLst>
+                  <a:lin ang="16200000" scaled="1"/>
+                  <a:tileRect/>
+                </a:gradFill>
+                <a:ln w="6350" cap="rnd">
+                  <a:solidFill>
+                    <a:schemeClr val="accent4">
+                      <a:lumMod val="50000"/>
+                      <a:alpha val="31000"/>
+                    </a:schemeClr>
+                  </a:solidFill>
+                  <a:round/>
+                </a:ln>
+                <a:effectLst/>
+              </p:spPr>
+              <p:style>
+                <a:lnRef idx="2">
+                  <a:schemeClr val="accent1">
+                    <a:shade val="50000"/>
+                  </a:schemeClr>
+                </a:lnRef>
+                <a:fillRef idx="1">
+                  <a:schemeClr val="accent1"/>
+                </a:fillRef>
+                <a:effectRef idx="0">
+                  <a:schemeClr val="accent1"/>
+                </a:effectRef>
+                <a:fontRef idx="minor">
+                  <a:schemeClr val="lt1"/>
+                </a:fontRef>
+              </p:style>
+              <p:txBody>
+                <a:bodyPr rtlCol="0" anchor="ctr"/>
+                <a:lstStyle/>
+                <a:p>
+                  <a:pPr algn="ctr"/>
+                  <a:endParaRPr lang="en-US"/>
+                </a:p>
+              </p:txBody>
+            </p:sp>
+            <p:pic>
+              <p:nvPicPr>
+                <p:cNvPr id="59" name="Picture 58"/>
+                <p:cNvPicPr>
+                  <a:picLocks noChangeAspect="1"/>
+                </p:cNvPicPr>
+                <p:nvPr/>
+              </p:nvPicPr>
+              <p:blipFill>
+                <a:blip r:embed="rId13" cstate="print">
+                  <a:extLst>
+                    <a:ext uri="{28A0092B-C50C-407E-A947-70E740481C1C}">
+                      <a14:useLocalDpi xmlns:a14="http://schemas.microsoft.com/office/drawing/2010/main" val="0"/>
+                    </a:ext>
+                  </a:extLst>
+                </a:blip>
+                <a:stretch>
+                  <a:fillRect/>
+                </a:stretch>
+              </p:blipFill>
+              <p:spPr>
+                <a:xfrm>
+                  <a:off x="250100" y="2228686"/>
+                  <a:ext cx="1787652" cy="2733014"/>
+                </a:xfrm>
+                <a:prstGeom prst="rect">
+                  <a:avLst/>
+                </a:prstGeom>
+                <a:ln>
+                  <a:noFill/>
+                </a:ln>
+                <a:effectLst/>
+                <a:scene3d>
+                  <a:camera prst="isometricOffAxis2Right">
+                    <a:rot lat="1740000" lon="17759998" rev="0"/>
+                  </a:camera>
+                  <a:lightRig rig="threePt" dir="t"/>
+                </a:scene3d>
+              </p:spPr>
+            </p:pic>
+          </p:grpSp>
+          <p:cxnSp>
+            <p:nvCxnSpPr>
+              <p:cNvPr id="8" name="Straight Connector 7"/>
+              <p:cNvCxnSpPr/>
+              <p:nvPr/>
+            </p:nvCxnSpPr>
+            <p:spPr>
+              <a:xfrm>
+                <a:off x="1000433" y="1419876"/>
+                <a:ext cx="2542032" cy="0"/>
+              </a:xfrm>
+              <a:prstGeom prst="line">
+                <a:avLst/>
+              </a:prstGeom>
+              <a:ln w="6350">
+                <a:solidFill>
+                  <a:schemeClr val="bg1">
+                    <a:lumMod val="50000"/>
+                  </a:schemeClr>
+                </a:solidFill>
+                <a:prstDash val="dash"/>
+                <a:headEnd type="none" w="med" len="med"/>
+                <a:tailEnd type="none" w="med" len="med"/>
+              </a:ln>
+            </p:spPr>
+            <p:style>
+              <a:lnRef idx="1">
+                <a:schemeClr val="accent1"/>
+              </a:lnRef>
+              <a:fillRef idx="0">
+                <a:schemeClr val="accent1"/>
+              </a:fillRef>
+              <a:effectRef idx="0">
+                <a:schemeClr val="accent1"/>
+              </a:effectRef>
+              <a:fontRef idx="minor">
+                <a:schemeClr val="tx1"/>
+              </a:fontRef>
+            </p:style>
+          </p:cxnSp>
+          <p:cxnSp>
+            <p:nvCxnSpPr>
+              <p:cNvPr id="9" name="Straight Connector 8"/>
+              <p:cNvCxnSpPr/>
+              <p:nvPr/>
+            </p:nvCxnSpPr>
+            <p:spPr>
+              <a:xfrm>
+                <a:off x="498408" y="1419876"/>
+                <a:ext cx="317286" cy="0"/>
+              </a:xfrm>
+              <a:prstGeom prst="line">
+                <a:avLst/>
+              </a:prstGeom>
+              <a:ln w="6350">
+                <a:solidFill>
+                  <a:schemeClr val="bg1">
+                    <a:lumMod val="50000"/>
+                  </a:schemeClr>
+                </a:solidFill>
+                <a:prstDash val="dash"/>
+                <a:headEnd type="none" w="med" len="med"/>
+                <a:tailEnd type="none" w="med" len="med"/>
+              </a:ln>
+            </p:spPr>
+            <p:style>
+              <a:lnRef idx="1">
+                <a:schemeClr val="accent1"/>
+              </a:lnRef>
+              <a:fillRef idx="0">
+                <a:schemeClr val="accent1"/>
+              </a:fillRef>
+              <a:effectRef idx="0">
+                <a:schemeClr val="accent1"/>
+              </a:effectRef>
+              <a:fontRef idx="minor">
+                <a:schemeClr val="tx1"/>
+              </a:fontRef>
+            </p:style>
+          </p:cxnSp>
+          <p:cxnSp>
+            <p:nvCxnSpPr>
+              <p:cNvPr id="10" name="Straight Connector 9"/>
+              <p:cNvCxnSpPr/>
+              <p:nvPr/>
+            </p:nvCxnSpPr>
+            <p:spPr>
+              <a:xfrm>
+                <a:off x="63787" y="1419876"/>
+                <a:ext cx="91440" cy="0"/>
+              </a:xfrm>
+              <a:prstGeom prst="line">
+                <a:avLst/>
+              </a:prstGeom>
+              <a:ln w="6350">
+                <a:solidFill>
+                  <a:schemeClr val="bg1">
+                    <a:lumMod val="50000"/>
+                  </a:schemeClr>
+                </a:solidFill>
+                <a:prstDash val="dash"/>
+                <a:headEnd type="none" w="med" len="med"/>
+                <a:tailEnd type="none" w="med" len="med"/>
+              </a:ln>
+            </p:spPr>
+            <p:style>
+              <a:lnRef idx="1">
+                <a:schemeClr val="accent1"/>
+              </a:lnRef>
+              <a:fillRef idx="0">
+                <a:schemeClr val="accent1"/>
+              </a:fillRef>
+              <a:effectRef idx="0">
+                <a:schemeClr val="accent1"/>
+              </a:effectRef>
+              <a:fontRef idx="minor">
+                <a:schemeClr val="tx1"/>
+              </a:fontRef>
+            </p:style>
+          </p:cxnSp>
+          <p:cxnSp>
+            <p:nvCxnSpPr>
+              <p:cNvPr id="11" name="Straight Connector 10"/>
+              <p:cNvCxnSpPr/>
+              <p:nvPr/>
+            </p:nvCxnSpPr>
+            <p:spPr>
+              <a:xfrm rot="1980000">
+                <a:off x="2457856" y="1392363"/>
+                <a:ext cx="0" cy="52259"/>
+              </a:xfrm>
+              <a:prstGeom prst="line">
+                <a:avLst/>
+              </a:prstGeom>
+              <a:ln w="9525" cap="sq">
+                <a:solidFill>
+                  <a:schemeClr val="bg1">
+                    <a:lumMod val="50000"/>
+                    <a:alpha val="96000"/>
+                  </a:schemeClr>
+                </a:solidFill>
+              </a:ln>
+            </p:spPr>
+            <p:style>
+              <a:lnRef idx="1">
+                <a:schemeClr val="dk1"/>
+              </a:lnRef>
+              <a:fillRef idx="0">
+                <a:schemeClr val="dk1"/>
+              </a:fillRef>
+              <a:effectRef idx="0">
+                <a:schemeClr val="dk1"/>
+              </a:effectRef>
+              <a:fontRef idx="minor">
+                <a:schemeClr val="tx1"/>
+              </a:fontRef>
+            </p:style>
+          </p:cxnSp>
+          <p:cxnSp>
+            <p:nvCxnSpPr>
+              <p:cNvPr id="12" name="Straight Connector 11"/>
+              <p:cNvCxnSpPr/>
+              <p:nvPr/>
+            </p:nvCxnSpPr>
+            <p:spPr>
+              <a:xfrm rot="1980000">
+                <a:off x="2492622" y="1394669"/>
+                <a:ext cx="0" cy="52259"/>
+              </a:xfrm>
+              <a:prstGeom prst="line">
+                <a:avLst/>
+              </a:prstGeom>
+              <a:ln w="9525" cap="sq">
+                <a:solidFill>
+                  <a:schemeClr val="bg1">
+                    <a:lumMod val="50000"/>
+                  </a:schemeClr>
+                </a:solidFill>
+              </a:ln>
+            </p:spPr>
+            <p:style>
+              <a:lnRef idx="1">
+                <a:schemeClr val="dk1"/>
+              </a:lnRef>
+              <a:fillRef idx="0">
+                <a:schemeClr val="dk1"/>
+              </a:fillRef>
+              <a:effectRef idx="0">
+                <a:schemeClr val="dk1"/>
+              </a:effectRef>
+              <a:fontRef idx="minor">
+                <a:schemeClr val="tx1"/>
+              </a:fontRef>
+            </p:style>
+          </p:cxnSp>
+          <p:sp>
+            <p:nvSpPr>
+              <p:cNvPr id="14" name="TextBox 13"/>
+              <p:cNvSpPr txBox="1"/>
+              <p:nvPr/>
+            </p:nvSpPr>
+            <p:spPr>
+              <a:xfrm>
+                <a:off x="1062950" y="1814006"/>
+                <a:ext cx="553357" cy="230832"/>
+              </a:xfrm>
+              <a:prstGeom prst="rect">
+                <a:avLst/>
+              </a:prstGeom>
+              <a:noFill/>
+            </p:spPr>
+            <p:txBody>
+              <a:bodyPr wrap="none" rtlCol="0">
+                <a:spAutoFit/>
+              </a:bodyPr>
+              <a:lstStyle/>
+              <a:p>
+                <a:r>
+                  <a:rPr lang="en-US" sz="900" dirty="0">
+                    <a:solidFill>
+                      <a:schemeClr val="tx1">
+                        <a:lumMod val="75000"/>
+                        <a:lumOff val="25000"/>
+                      </a:schemeClr>
+                    </a:solidFill>
+                    <a:ea typeface="Verdana" panose="020B0604030504040204" pitchFamily="34" charset="0"/>
+                    <a:cs typeface="Times New Roman" panose="02020603050405020304" pitchFamily="18" charset="0"/>
+                  </a:rPr>
+                  <a:t>200</a:t>
+                </a:r>
+                <a:r>
+                  <a:rPr lang="en-US" sz="900" dirty="0">
+                    <a:solidFill>
+                      <a:schemeClr val="tx1">
+                        <a:lumMod val="75000"/>
+                        <a:lumOff val="25000"/>
+                      </a:schemeClr>
+                    </a:solidFill>
+                    <a:latin typeface="Times New Roman" panose="02020603050405020304" pitchFamily="18" charset="0"/>
+                    <a:ea typeface="Verdana" panose="020B0604030504040204" pitchFamily="34" charset="0"/>
+                    <a:cs typeface="Times New Roman" panose="02020603050405020304" pitchFamily="18" charset="0"/>
+                  </a:rPr>
+                  <a:t> </a:t>
+                </a:r>
+                <a:r>
+                  <a:rPr lang="en-US" sz="900" i="1" dirty="0">
+                    <a:solidFill>
+                      <a:schemeClr val="tx1">
+                        <a:lumMod val="75000"/>
+                        <a:lumOff val="25000"/>
+                      </a:schemeClr>
+                    </a:solidFill>
+                    <a:latin typeface="Times New Roman" panose="02020603050405020304" pitchFamily="18" charset="0"/>
+                    <a:ea typeface="Verdana" panose="020B0604030504040204" pitchFamily="34" charset="0"/>
+                    <a:cs typeface="Times New Roman" panose="02020603050405020304" pitchFamily="18" charset="0"/>
+                  </a:rPr>
+                  <a:t>mm</a:t>
+                </a:r>
+              </a:p>
+            </p:txBody>
+          </p:sp>
+          <p:grpSp>
+            <p:nvGrpSpPr>
+              <p:cNvPr id="72" name="Group 71"/>
+              <p:cNvGrpSpPr/>
+              <p:nvPr/>
+            </p:nvGrpSpPr>
+            <p:grpSpPr>
+              <a:xfrm>
+                <a:off x="996075" y="1947799"/>
+                <a:ext cx="664434" cy="73152"/>
+                <a:chOff x="991312" y="1947799"/>
+                <a:chExt cx="664434" cy="73152"/>
+              </a:xfrm>
+            </p:grpSpPr>
+            <p:cxnSp>
+              <p:nvCxnSpPr>
+                <p:cNvPr id="13" name="Straight Connector 12"/>
+                <p:cNvCxnSpPr/>
+                <p:nvPr/>
+              </p:nvCxnSpPr>
+              <p:spPr>
+                <a:xfrm>
+                  <a:off x="993615" y="1947799"/>
+                  <a:ext cx="0" cy="73152"/>
+                </a:xfrm>
+                <a:prstGeom prst="line">
+                  <a:avLst/>
+                </a:prstGeom>
+                <a:ln w="6350">
+                  <a:solidFill>
+                    <a:schemeClr val="tx1">
+                      <a:lumMod val="65000"/>
+                      <a:lumOff val="35000"/>
+                    </a:schemeClr>
+                  </a:solidFill>
+                </a:ln>
+              </p:spPr>
+              <p:style>
+                <a:lnRef idx="1">
+                  <a:schemeClr val="accent1"/>
+                </a:lnRef>
+                <a:fillRef idx="0">
+                  <a:schemeClr val="accent1"/>
+                </a:fillRef>
+                <a:effectRef idx="0">
+                  <a:schemeClr val="accent1"/>
+                </a:effectRef>
+                <a:fontRef idx="minor">
+                  <a:schemeClr val="tx1"/>
+                </a:fontRef>
+              </p:style>
+            </p:cxnSp>
+            <p:cxnSp>
+              <p:nvCxnSpPr>
+                <p:cNvPr id="15" name="Straight Connector 14"/>
+                <p:cNvCxnSpPr/>
+                <p:nvPr/>
+              </p:nvCxnSpPr>
+              <p:spPr>
+                <a:xfrm>
+                  <a:off x="1653537" y="1947799"/>
+                  <a:ext cx="0" cy="73152"/>
+                </a:xfrm>
+                <a:prstGeom prst="line">
+                  <a:avLst/>
+                </a:prstGeom>
+                <a:ln w="6350">
+                  <a:solidFill>
+                    <a:schemeClr val="tx1">
+                      <a:lumMod val="65000"/>
+                      <a:lumOff val="35000"/>
+                    </a:schemeClr>
+                  </a:solidFill>
+                </a:ln>
+              </p:spPr>
+              <p:style>
+                <a:lnRef idx="1">
+                  <a:schemeClr val="accent1"/>
+                </a:lnRef>
+                <a:fillRef idx="0">
+                  <a:schemeClr val="accent1"/>
+                </a:fillRef>
+                <a:effectRef idx="0">
+                  <a:schemeClr val="accent1"/>
+                </a:effectRef>
+                <a:fontRef idx="minor">
+                  <a:schemeClr val="tx1"/>
+                </a:fontRef>
+              </p:style>
+            </p:cxnSp>
+            <p:cxnSp>
+              <p:nvCxnSpPr>
+                <p:cNvPr id="16" name="Straight Connector 15"/>
+                <p:cNvCxnSpPr/>
+                <p:nvPr/>
+              </p:nvCxnSpPr>
+              <p:spPr>
+                <a:xfrm>
+                  <a:off x="991312" y="1984375"/>
+                  <a:ext cx="664434" cy="0"/>
+                </a:xfrm>
+                <a:prstGeom prst="line">
+                  <a:avLst/>
+                </a:prstGeom>
+                <a:ln w="6350">
+                  <a:solidFill>
+                    <a:schemeClr val="tx1">
+                      <a:lumMod val="65000"/>
+                      <a:lumOff val="35000"/>
+                    </a:schemeClr>
+                  </a:solidFill>
+                  <a:headEnd type="arrow" w="sm" len="sm"/>
+                  <a:tailEnd type="arrow" w="sm" len="sm"/>
+                </a:ln>
+              </p:spPr>
+              <p:style>
+                <a:lnRef idx="1">
+                  <a:schemeClr val="accent1"/>
+                </a:lnRef>
+                <a:fillRef idx="0">
+                  <a:schemeClr val="accent1"/>
+                </a:fillRef>
+                <a:effectRef idx="0">
+                  <a:schemeClr val="accent1"/>
+                </a:effectRef>
+                <a:fontRef idx="minor">
+                  <a:schemeClr val="tx1"/>
+                </a:fontRef>
+              </p:style>
+            </p:cxnSp>
+          </p:grpSp>
+          <p:sp>
+            <p:nvSpPr>
+              <p:cNvPr id="17" name="TextBox 16"/>
+              <p:cNvSpPr txBox="1"/>
+              <p:nvPr/>
+            </p:nvSpPr>
+            <p:spPr>
+              <a:xfrm rot="16200000">
+                <a:off x="3250935" y="1233486"/>
+                <a:ext cx="1021345" cy="230832"/>
+              </a:xfrm>
+              <a:prstGeom prst="rect">
+                <a:avLst/>
+              </a:prstGeom>
+              <a:noFill/>
+            </p:spPr>
+            <p:txBody>
+              <a:bodyPr wrap="square" rtlCol="0">
+                <a:spAutoFit/>
+              </a:bodyPr>
+              <a:lstStyle/>
+              <a:p>
+                <a:r>
+                  <a:rPr lang="en-US" sz="900" i="1" dirty="0">
+                    <a:solidFill>
+                      <a:schemeClr val="tx1">
+                        <a:lumMod val="65000"/>
+                        <a:lumOff val="35000"/>
+                      </a:schemeClr>
+                    </a:solidFill>
+                  </a:rPr>
+                  <a:t>SENSOR PLANE</a:t>
+                </a:r>
+              </a:p>
+            </p:txBody>
+          </p:sp>
+          <mc:AlternateContent xmlns:mc="http://schemas.openxmlformats.org/markup-compatibility/2006" xmlns:a14="http://schemas.microsoft.com/office/drawing/2010/main">
+            <mc:Choice Requires="a14">
+              <p:sp>
+                <p:nvSpPr>
+                  <p:cNvPr id="18" name="TextBox 17"/>
+                  <p:cNvSpPr txBox="1"/>
+                  <p:nvPr/>
+                </p:nvSpPr>
+                <p:spPr>
+                  <a:xfrm>
+                    <a:off x="2301849" y="388125"/>
+                    <a:ext cx="1644650" cy="800219"/>
+                  </a:xfrm>
+                  <a:prstGeom prst="rect">
+                    <a:avLst/>
+                  </a:prstGeom>
+                  <a:noFill/>
+                </p:spPr>
+                <p:txBody>
+                  <a:bodyPr wrap="square" rtlCol="0">
+                    <a:spAutoFit/>
+                  </a:bodyPr>
+                  <a:lstStyle/>
+                  <a:p>
+                    <a:pPr algn="ctr"/>
+                    <a:r>
+                      <a:rPr lang="en-US" sz="900" i="1" dirty="0">
+                        <a:solidFill>
+                          <a:schemeClr val="tx1">
+                            <a:lumMod val="65000"/>
+                            <a:lumOff val="35000"/>
+                          </a:schemeClr>
+                        </a:solidFill>
+                      </a:rPr>
+                      <a:t>LENS </a:t>
+                    </a:r>
+                  </a:p>
+                  <a:p>
+                    <a:pPr algn="ctr"/>
+                    <a:r>
+                      <a:rPr lang="en-US" sz="900" i="1" dirty="0">
+                        <a:solidFill>
+                          <a:schemeClr val="tx1">
+                            <a:lumMod val="65000"/>
+                            <a:lumOff val="35000"/>
+                          </a:schemeClr>
+                        </a:solidFill>
+                      </a:rPr>
+                      <a:t>Paraxial thick-lens model with spherical aberration;</a:t>
+                    </a:r>
+                  </a:p>
+                  <a:p>
+                    <a:pPr algn="ctr"/>
+                    <a14:m>
+                      <m:oMath xmlns:m="http://schemas.openxmlformats.org/officeDocument/2006/math">
+                        <m:r>
+                          <a:rPr lang="en-US" sz="900" i="1" dirty="0" smtClean="0">
+                            <a:solidFill>
+                              <a:schemeClr val="tx1">
+                                <a:lumMod val="75000"/>
+                                <a:lumOff val="25000"/>
+                              </a:schemeClr>
+                            </a:solidFill>
+                            <a:latin typeface="Cambria Math" panose="02040503050406030204" pitchFamily="18" charset="0"/>
+                          </a:rPr>
+                          <m:t>𝑓</m:t>
+                        </m:r>
+                      </m:oMath>
+                    </a14:m>
+                    <a:r>
+                      <a:rPr lang="en-US" sz="900" dirty="0">
+                        <a:solidFill>
+                          <a:schemeClr val="tx1">
+                            <a:lumMod val="75000"/>
+                            <a:lumOff val="25000"/>
+                          </a:schemeClr>
+                        </a:solidFill>
+                      </a:rPr>
+                      <a:t> = 24 </a:t>
+                    </a:r>
+                    <a:r>
+                      <a:rPr lang="en-US" sz="900" i="1" dirty="0">
+                        <a:solidFill>
+                          <a:schemeClr val="tx1">
+                            <a:lumMod val="75000"/>
+                            <a:lumOff val="25000"/>
+                          </a:schemeClr>
+                        </a:solidFill>
+                        <a:latin typeface="Times New Roman" panose="02020603050405020304" pitchFamily="18" charset="0"/>
+                        <a:cs typeface="Times New Roman" panose="02020603050405020304" pitchFamily="18" charset="0"/>
+                      </a:rPr>
+                      <a:t>mm</a:t>
+                    </a:r>
+                    <a:r>
+                      <a:rPr lang="en-US" sz="900" dirty="0">
+                        <a:solidFill>
+                          <a:schemeClr val="tx1">
+                            <a:lumMod val="75000"/>
+                            <a:lumOff val="25000"/>
+                          </a:schemeClr>
+                        </a:solidFill>
+                      </a:rPr>
+                      <a:t>, F/2.5, </a:t>
+                    </a:r>
+                    <a14:m>
+                      <m:oMath xmlns:m="http://schemas.openxmlformats.org/officeDocument/2006/math">
+                        <m:r>
+                          <a:rPr lang="en-US" sz="900" i="1" dirty="0" smtClean="0">
+                            <a:solidFill>
+                              <a:schemeClr val="tx1">
+                                <a:lumMod val="75000"/>
+                                <a:lumOff val="25000"/>
+                              </a:schemeClr>
+                            </a:solidFill>
+                            <a:latin typeface="Cambria Math" panose="02040503050406030204" pitchFamily="18" charset="0"/>
+                          </a:rPr>
+                          <m:t>𝑑</m:t>
+                        </m:r>
+                      </m:oMath>
+                    </a14:m>
+                    <a:r>
+                      <a:rPr lang="en-US" sz="900" baseline="30000" dirty="0">
+                        <a:solidFill>
+                          <a:schemeClr val="tx1">
+                            <a:lumMod val="75000"/>
+                            <a:lumOff val="25000"/>
+                          </a:schemeClr>
+                        </a:solidFill>
+                      </a:rPr>
+                      <a:t>*</a:t>
+                    </a:r>
+                    <a:r>
+                      <a:rPr lang="en-US" sz="900" dirty="0">
+                        <a:solidFill>
+                          <a:schemeClr val="tx1">
+                            <a:lumMod val="75000"/>
+                            <a:lumOff val="25000"/>
+                          </a:schemeClr>
+                        </a:solidFill>
+                      </a:rPr>
+                      <a:t>= 8 </a:t>
+                    </a:r>
+                    <a:r>
+                      <a:rPr lang="en-US" sz="900" i="1" dirty="0">
+                        <a:solidFill>
+                          <a:schemeClr val="tx1">
+                            <a:lumMod val="75000"/>
+                            <a:lumOff val="25000"/>
+                          </a:schemeClr>
+                        </a:solidFill>
+                        <a:latin typeface="Times New Roman" panose="02020603050405020304" pitchFamily="18" charset="0"/>
+                        <a:cs typeface="Times New Roman" panose="02020603050405020304" pitchFamily="18" charset="0"/>
+                      </a:rPr>
+                      <a:t>mm</a:t>
+                    </a:r>
+                  </a:p>
+                  <a:p>
+                    <a:pPr algn="ctr"/>
+                    <a:endParaRPr lang="en-US" sz="1000" i="1" dirty="0">
+                      <a:solidFill>
+                        <a:schemeClr val="tx1">
+                          <a:lumMod val="65000"/>
+                          <a:lumOff val="35000"/>
+                        </a:schemeClr>
+                      </a:solidFill>
+                    </a:endParaRPr>
+                  </a:p>
+                </p:txBody>
+              </p:sp>
+            </mc:Choice>
+            <mc:Fallback xmlns="">
+              <p:sp>
+                <p:nvSpPr>
+                  <p:cNvPr id="18" name="TextBox 17"/>
+                  <p:cNvSpPr txBox="1">
+                    <a:spLocks noRot="1" noChangeAspect="1" noMove="1" noResize="1" noEditPoints="1" noAdjustHandles="1" noChangeArrowheads="1" noChangeShapeType="1" noTextEdit="1"/>
+                  </p:cNvSpPr>
+                  <p:nvPr/>
+                </p:nvSpPr>
+                <p:spPr>
+                  <a:xfrm>
+                    <a:off x="2301849" y="388125"/>
+                    <a:ext cx="1644650" cy="800219"/>
+                  </a:xfrm>
+                  <a:prstGeom prst="rect">
+                    <a:avLst/>
+                  </a:prstGeom>
+                  <a:blipFill>
+                    <a:blip r:embed="rId14"/>
+                    <a:stretch>
+                      <a:fillRect/>
+                    </a:stretch>
+                  </a:blipFill>
+                </p:spPr>
+                <p:txBody>
+                  <a:bodyPr/>
+                  <a:lstStyle/>
+                  <a:p>
+                    <a:r>
+                      <a:rPr lang="en-US">
+                        <a:noFill/>
+                      </a:rPr>
+                      <a:t> </a:t>
+                    </a:r>
+                  </a:p>
+                </p:txBody>
+              </p:sp>
+            </mc:Fallback>
+          </mc:AlternateContent>
+          <p:cxnSp>
+            <p:nvCxnSpPr>
+              <p:cNvPr id="19" name="Straight Connector 18"/>
+              <p:cNvCxnSpPr/>
+              <p:nvPr/>
+            </p:nvCxnSpPr>
+            <p:spPr>
+              <a:xfrm>
+                <a:off x="3664621" y="1110166"/>
+                <a:ext cx="0" cy="603785"/>
+              </a:xfrm>
+              <a:prstGeom prst="line">
+                <a:avLst/>
+              </a:prstGeom>
+              <a:ln w="57150" cap="rnd">
+                <a:solidFill>
+                  <a:schemeClr val="tx1">
+                    <a:lumMod val="75000"/>
+                    <a:lumOff val="25000"/>
+                    <a:alpha val="84000"/>
+                  </a:schemeClr>
+                </a:solidFill>
+              </a:ln>
+              <a:effectLst>
+                <a:outerShdw blurRad="38100" dist="25400" dir="2700000" algn="tl" rotWithShape="0">
+                  <a:prstClr val="black">
+                    <a:alpha val="40000"/>
+                  </a:prstClr>
+                </a:outerShdw>
+              </a:effectLst>
+            </p:spPr>
+            <p:style>
+              <a:lnRef idx="1">
+                <a:schemeClr val="accent1"/>
+              </a:lnRef>
+              <a:fillRef idx="0">
+                <a:schemeClr val="accent1"/>
+              </a:fillRef>
+              <a:effectRef idx="0">
+                <a:schemeClr val="accent1"/>
+              </a:effectRef>
+              <a:fontRef idx="minor">
+                <a:schemeClr val="tx1"/>
+              </a:fontRef>
+            </p:style>
+          </p:cxnSp>
+          <p:grpSp>
+            <p:nvGrpSpPr>
+              <p:cNvPr id="20" name="Group 19"/>
+              <p:cNvGrpSpPr/>
+              <p:nvPr/>
+            </p:nvGrpSpPr>
+            <p:grpSpPr>
+              <a:xfrm>
+                <a:off x="3129971" y="1105891"/>
+                <a:ext cx="538017" cy="600811"/>
+                <a:chOff x="6933032" y="2226270"/>
+                <a:chExt cx="1124118" cy="1255320"/>
+              </a:xfrm>
+              <a:noFill/>
+            </p:grpSpPr>
+            <mc:AlternateContent xmlns:mc="http://schemas.openxmlformats.org/markup-compatibility/2006" xmlns:p14="http://schemas.microsoft.com/office/powerpoint/2010/main">
+              <mc:Choice Requires="p14">
+                <p:contentPart p14:bwMode="auto" r:id="rId15">
+                  <p14:nvContentPartPr>
+                    <p14:cNvPr id="50" name="Ink 49"/>
+                    <p14:cNvContentPartPr/>
+                    <p14:nvPr/>
+                  </p14:nvContentPartPr>
+                  <p14:xfrm>
+                    <a:off x="6933032" y="2226270"/>
+                    <a:ext cx="1090800" cy="289440"/>
+                  </p14:xfrm>
+                </p:contentPart>
+              </mc:Choice>
+              <mc:Fallback xmlns="">
+                <p:pic>
+                  <p:nvPicPr>
+                    <p:cNvPr id="50" name="Ink 49"/>
+                    <p:cNvPicPr/>
+                    <p:nvPr/>
+                  </p:nvPicPr>
+                  <p:blipFill>
+                    <a:blip r:embed="rId16"/>
+                    <a:stretch>
+                      <a:fillRect/>
+                    </a:stretch>
+                  </p:blipFill>
+                  <p:spPr>
+                    <a:xfrm>
+                      <a:off x="6924005" y="2209731"/>
+                      <a:ext cx="1114873" cy="319512"/>
+                    </a:xfrm>
+                    <a:prstGeom prst="rect">
+                      <a:avLst/>
+                    </a:prstGeom>
+                  </p:spPr>
+                </p:pic>
+              </mc:Fallback>
+            </mc:AlternateContent>
+            <mc:AlternateContent xmlns:mc="http://schemas.openxmlformats.org/markup-compatibility/2006" xmlns:p14="http://schemas.microsoft.com/office/powerpoint/2010/main">
+              <mc:Choice Requires="p14">
+                <p:contentPart p14:bwMode="auto" r:id="rId17">
+                  <p14:nvContentPartPr>
+                    <p14:cNvPr id="51" name="Ink 50"/>
+                    <p14:cNvContentPartPr/>
+                    <p14:nvPr/>
+                  </p14:nvContentPartPr>
+                  <p14:xfrm>
+                    <a:off x="6954470" y="3242550"/>
+                    <a:ext cx="1102680" cy="239040"/>
+                  </p14:xfrm>
+                </p:contentPart>
+              </mc:Choice>
+              <mc:Fallback xmlns="">
+                <p:pic>
+                  <p:nvPicPr>
+                    <p:cNvPr id="51" name="Ink 50"/>
+                    <p:cNvPicPr/>
+                    <p:nvPr/>
+                  </p:nvPicPr>
+                  <p:blipFill>
+                    <a:blip r:embed="rId18"/>
+                    <a:stretch>
+                      <a:fillRect/>
+                    </a:stretch>
+                  </p:blipFill>
+                  <p:spPr>
+                    <a:xfrm>
+                      <a:off x="6944692" y="3230485"/>
+                      <a:ext cx="1122236" cy="266186"/>
+                    </a:xfrm>
+                    <a:prstGeom prst="rect">
+                      <a:avLst/>
+                    </a:prstGeom>
+                  </p:spPr>
+                </p:pic>
+              </mc:Fallback>
+            </mc:AlternateContent>
+          </p:grpSp>
+          <p:grpSp>
+            <p:nvGrpSpPr>
+              <p:cNvPr id="21" name="Group 20"/>
+              <p:cNvGrpSpPr/>
+              <p:nvPr/>
+            </p:nvGrpSpPr>
+            <p:grpSpPr>
+              <a:xfrm>
+                <a:off x="3092652" y="1064155"/>
+                <a:ext cx="70586" cy="700228"/>
+                <a:chOff x="1740319" y="4576647"/>
+                <a:chExt cx="147481" cy="1463040"/>
+              </a:xfrm>
+            </p:grpSpPr>
+            <p:sp>
+              <p:nvSpPr>
+                <p:cNvPr id="48" name="Oval 47"/>
+                <p:cNvSpPr/>
+                <p:nvPr/>
+              </p:nvSpPr>
+              <p:spPr>
+                <a:xfrm>
+                  <a:off x="1740319" y="4850967"/>
+                  <a:ext cx="147481" cy="914400"/>
+                </a:xfrm>
+                <a:prstGeom prst="ellipse">
+                  <a:avLst/>
+                </a:prstGeom>
+                <a:gradFill>
+                  <a:gsLst>
+                    <a:gs pos="31000">
+                      <a:schemeClr val="accent1">
+                        <a:lumMod val="5000"/>
+                        <a:lumOff val="95000"/>
+                        <a:alpha val="69000"/>
+                      </a:schemeClr>
+                    </a:gs>
+                    <a:gs pos="11000">
+                      <a:srgbClr val="A6C9E8">
+                        <a:alpha val="69000"/>
+                      </a:srgbClr>
+                    </a:gs>
+                    <a:gs pos="83000">
+                      <a:srgbClr val="A6C9E8">
+                        <a:alpha val="69000"/>
+                      </a:srgbClr>
+                    </a:gs>
+                    <a:gs pos="98000">
+                      <a:schemeClr val="accent1">
+                        <a:lumMod val="30000"/>
+                        <a:lumOff val="70000"/>
+                        <a:alpha val="70000"/>
+                      </a:schemeClr>
+                    </a:gs>
+                  </a:gsLst>
+                  <a:lin ang="5400000" scaled="1"/>
+                </a:gradFill>
+                <a:ln w="0">
+                  <a:noFill/>
+                </a:ln>
+                <a:effectLst>
+                  <a:outerShdw blurRad="38100" dist="25400" dir="2700000" algn="tl" rotWithShape="0">
+                    <a:prstClr val="black">
+                      <a:alpha val="40000"/>
+                    </a:prstClr>
+                  </a:outerShdw>
+                </a:effectLst>
+                <a:scene3d>
+                  <a:camera prst="orthographicFront"/>
+                  <a:lightRig rig="threePt" dir="t"/>
+                </a:scene3d>
+                <a:sp3d>
+                  <a:bevelT w="63500" h="31750"/>
+                </a:sp3d>
+              </p:spPr>
+              <p:style>
+                <a:lnRef idx="2">
+                  <a:schemeClr val="accent1">
+                    <a:shade val="50000"/>
+                  </a:schemeClr>
+                </a:lnRef>
+                <a:fillRef idx="1">
+                  <a:schemeClr val="accent1"/>
+                </a:fillRef>
+                <a:effectRef idx="0">
+                  <a:schemeClr val="accent1"/>
+                </a:effectRef>
+                <a:fontRef idx="minor">
+                  <a:schemeClr val="lt1"/>
+                </a:fontRef>
+              </p:style>
+              <p:txBody>
+                <a:bodyPr rtlCol="0" anchor="ctr"/>
+                <a:lstStyle/>
+                <a:p>
+                  <a:pPr algn="ctr"/>
+                  <a:endParaRPr lang="en-US"/>
+                </a:p>
+              </p:txBody>
+            </p:sp>
+            <p:cxnSp>
+              <p:nvCxnSpPr>
+                <p:cNvPr id="49" name="Straight Connector 48"/>
+                <p:cNvCxnSpPr/>
+                <p:nvPr/>
+              </p:nvCxnSpPr>
+              <p:spPr>
+                <a:xfrm rot="5400000">
+                  <a:off x="1082539" y="5308167"/>
+                  <a:ext cx="1463040" cy="0"/>
+                </a:xfrm>
+                <a:prstGeom prst="line">
+                  <a:avLst/>
+                </a:prstGeom>
+                <a:ln w="6350">
+                  <a:solidFill>
+                    <a:schemeClr val="tx1">
+                      <a:lumMod val="65000"/>
+                      <a:lumOff val="35000"/>
+                      <a:alpha val="86000"/>
+                    </a:schemeClr>
+                  </a:solidFill>
+                  <a:prstDash val="dash"/>
+                  <a:headEnd type="none" w="med" len="med"/>
+                  <a:tailEnd type="none" w="med" len="med"/>
+                </a:ln>
+              </p:spPr>
+              <p:style>
+                <a:lnRef idx="1">
+                  <a:schemeClr val="accent1"/>
+                </a:lnRef>
+                <a:fillRef idx="0">
+                  <a:schemeClr val="accent1"/>
+                </a:fillRef>
+                <a:effectRef idx="0">
+                  <a:schemeClr val="accent1"/>
+                </a:effectRef>
+                <a:fontRef idx="minor">
+                  <a:schemeClr val="tx1"/>
+                </a:fontRef>
+              </p:style>
+            </p:cxnSp>
+          </p:grpSp>
+          <p:grpSp>
+            <p:nvGrpSpPr>
+              <p:cNvPr id="22" name="Group 21"/>
+              <p:cNvGrpSpPr>
+                <a:grpSpLocks noChangeAspect="1"/>
+              </p:cNvGrpSpPr>
+              <p:nvPr/>
+            </p:nvGrpSpPr>
+            <p:grpSpPr>
+              <a:xfrm rot="20400000">
+                <a:off x="3094863" y="1066366"/>
+                <a:ext cx="70586" cy="700228"/>
+                <a:chOff x="1740319" y="4576647"/>
+                <a:chExt cx="147481" cy="1463040"/>
+              </a:xfrm>
+            </p:grpSpPr>
+            <p:sp>
+              <p:nvSpPr>
+                <p:cNvPr id="46" name="Oval 45"/>
+                <p:cNvSpPr/>
+                <p:nvPr/>
+              </p:nvSpPr>
+              <p:spPr>
+                <a:xfrm>
+                  <a:off x="1740319" y="4850967"/>
+                  <a:ext cx="147481" cy="914400"/>
+                </a:xfrm>
+                <a:prstGeom prst="ellipse">
+                  <a:avLst/>
+                </a:prstGeom>
+                <a:gradFill>
+                  <a:gsLst>
+                    <a:gs pos="31000">
+                      <a:schemeClr val="accent1">
+                        <a:lumMod val="5000"/>
+                        <a:lumOff val="95000"/>
+                        <a:alpha val="59000"/>
+                      </a:schemeClr>
+                    </a:gs>
+                    <a:gs pos="11000">
+                      <a:srgbClr val="A6C9E8">
+                        <a:alpha val="59000"/>
+                      </a:srgbClr>
+                    </a:gs>
+                    <a:gs pos="83000">
+                      <a:srgbClr val="A6C9E8">
+                        <a:alpha val="59000"/>
+                      </a:srgbClr>
+                    </a:gs>
+                    <a:gs pos="98000">
+                      <a:schemeClr val="accent1">
+                        <a:lumMod val="30000"/>
+                        <a:lumOff val="70000"/>
+                        <a:alpha val="59000"/>
+                      </a:schemeClr>
+                    </a:gs>
+                  </a:gsLst>
+                  <a:lin ang="5400000" scaled="1"/>
+                </a:gradFill>
+                <a:ln w="0">
+                  <a:noFill/>
+                </a:ln>
+                <a:effectLst>
+                  <a:outerShdw blurRad="38100" dist="25400" dir="2700000" algn="tl" rotWithShape="0">
+                    <a:prstClr val="black">
+                      <a:alpha val="40000"/>
+                    </a:prstClr>
+                  </a:outerShdw>
+                </a:effectLst>
+                <a:scene3d>
+                  <a:camera prst="orthographicFront"/>
+                  <a:lightRig rig="threePt" dir="t"/>
+                </a:scene3d>
+                <a:sp3d>
+                  <a:bevelT w="63500" h="31750"/>
+                </a:sp3d>
+              </p:spPr>
+              <p:style>
+                <a:lnRef idx="2">
+                  <a:schemeClr val="accent1">
+                    <a:shade val="50000"/>
+                  </a:schemeClr>
+                </a:lnRef>
+                <a:fillRef idx="1">
+                  <a:schemeClr val="accent1"/>
+                </a:fillRef>
+                <a:effectRef idx="0">
+                  <a:schemeClr val="accent1"/>
+                </a:effectRef>
+                <a:fontRef idx="minor">
+                  <a:schemeClr val="lt1"/>
+                </a:fontRef>
+              </p:style>
+              <p:txBody>
+                <a:bodyPr rtlCol="0" anchor="ctr"/>
+                <a:lstStyle/>
+                <a:p>
+                  <a:pPr algn="ctr"/>
+                  <a:endParaRPr lang="en-US"/>
+                </a:p>
+              </p:txBody>
+            </p:sp>
+            <p:cxnSp>
+              <p:nvCxnSpPr>
+                <p:cNvPr id="47" name="Straight Connector 46"/>
+                <p:cNvCxnSpPr/>
+                <p:nvPr/>
+              </p:nvCxnSpPr>
+              <p:spPr>
+                <a:xfrm rot="5400000">
+                  <a:off x="1082539" y="5308167"/>
+                  <a:ext cx="1463040" cy="0"/>
+                </a:xfrm>
+                <a:prstGeom prst="line">
+                  <a:avLst/>
+                </a:prstGeom>
+                <a:ln w="6350">
+                  <a:solidFill>
+                    <a:schemeClr val="tx1">
+                      <a:lumMod val="65000"/>
+                      <a:lumOff val="35000"/>
+                      <a:alpha val="86000"/>
+                    </a:schemeClr>
+                  </a:solidFill>
+                  <a:prstDash val="dash"/>
+                  <a:headEnd type="none" w="med" len="med"/>
+                  <a:tailEnd type="none" w="med" len="med"/>
+                </a:ln>
+              </p:spPr>
+              <p:style>
+                <a:lnRef idx="1">
+                  <a:schemeClr val="accent1"/>
+                </a:lnRef>
+                <a:fillRef idx="0">
+                  <a:schemeClr val="accent1"/>
+                </a:fillRef>
+                <a:effectRef idx="0">
+                  <a:schemeClr val="accent1"/>
+                </a:effectRef>
+                <a:fontRef idx="minor">
+                  <a:schemeClr val="tx1"/>
+                </a:fontRef>
+              </p:style>
+            </p:cxnSp>
+          </p:grpSp>
+          <p:grpSp>
+            <p:nvGrpSpPr>
+              <p:cNvPr id="23" name="Group 22"/>
+              <p:cNvGrpSpPr>
+                <a:grpSpLocks noChangeAspect="1"/>
+              </p:cNvGrpSpPr>
+              <p:nvPr/>
+            </p:nvGrpSpPr>
+            <p:grpSpPr>
+              <a:xfrm rot="1200000">
+                <a:off x="3097074" y="1073000"/>
+                <a:ext cx="70586" cy="700228"/>
+                <a:chOff x="1740319" y="4576647"/>
+                <a:chExt cx="147481" cy="1463040"/>
+              </a:xfrm>
+            </p:grpSpPr>
+            <p:sp>
+              <p:nvSpPr>
+                <p:cNvPr id="44" name="Oval 43"/>
+                <p:cNvSpPr/>
+                <p:nvPr/>
+              </p:nvSpPr>
+              <p:spPr>
+                <a:xfrm>
+                  <a:off x="1740319" y="4850967"/>
+                  <a:ext cx="147481" cy="914400"/>
+                </a:xfrm>
+                <a:prstGeom prst="ellipse">
+                  <a:avLst/>
+                </a:prstGeom>
+                <a:gradFill>
+                  <a:gsLst>
+                    <a:gs pos="31000">
+                      <a:schemeClr val="accent1">
+                        <a:lumMod val="5000"/>
+                        <a:lumOff val="95000"/>
+                        <a:alpha val="59000"/>
+                      </a:schemeClr>
+                    </a:gs>
+                    <a:gs pos="11000">
+                      <a:srgbClr val="A6C9E8">
+                        <a:alpha val="59000"/>
+                      </a:srgbClr>
+                    </a:gs>
+                    <a:gs pos="83000">
+                      <a:srgbClr val="A6C9E8">
+                        <a:alpha val="59000"/>
+                      </a:srgbClr>
+                    </a:gs>
+                    <a:gs pos="98000">
+                      <a:schemeClr val="accent1">
+                        <a:lumMod val="30000"/>
+                        <a:lumOff val="70000"/>
+                        <a:alpha val="59000"/>
+                      </a:schemeClr>
+                    </a:gs>
+                  </a:gsLst>
+                  <a:lin ang="5400000" scaled="1"/>
+                </a:gradFill>
+                <a:ln w="0">
+                  <a:noFill/>
+                </a:ln>
+                <a:effectLst>
+                  <a:outerShdw blurRad="38100" dist="25400" dir="2700000" algn="tl" rotWithShape="0">
+                    <a:prstClr val="black">
+                      <a:alpha val="40000"/>
+                    </a:prstClr>
+                  </a:outerShdw>
+                </a:effectLst>
+                <a:scene3d>
+                  <a:camera prst="orthographicFront"/>
+                  <a:lightRig rig="threePt" dir="t"/>
+                </a:scene3d>
+                <a:sp3d>
+                  <a:bevelT w="63500" h="31750"/>
+                </a:sp3d>
+              </p:spPr>
+              <p:style>
+                <a:lnRef idx="2">
+                  <a:schemeClr val="accent1">
+                    <a:shade val="50000"/>
+                  </a:schemeClr>
+                </a:lnRef>
+                <a:fillRef idx="1">
+                  <a:schemeClr val="accent1"/>
+                </a:fillRef>
+                <a:effectRef idx="0">
+                  <a:schemeClr val="accent1"/>
+                </a:effectRef>
+                <a:fontRef idx="minor">
+                  <a:schemeClr val="lt1"/>
+                </a:fontRef>
+              </p:style>
+              <p:txBody>
+                <a:bodyPr rtlCol="0" anchor="ctr"/>
+                <a:lstStyle/>
+                <a:p>
+                  <a:pPr algn="ctr"/>
+                  <a:endParaRPr lang="en-US"/>
+                </a:p>
+              </p:txBody>
+            </p:sp>
+            <p:cxnSp>
+              <p:nvCxnSpPr>
+                <p:cNvPr id="45" name="Straight Connector 44"/>
+                <p:cNvCxnSpPr/>
+                <p:nvPr/>
+              </p:nvCxnSpPr>
+              <p:spPr>
+                <a:xfrm rot="5400000">
+                  <a:off x="1082539" y="5308167"/>
+                  <a:ext cx="1463040" cy="0"/>
+                </a:xfrm>
+                <a:prstGeom prst="line">
+                  <a:avLst/>
+                </a:prstGeom>
+                <a:ln w="6350">
+                  <a:solidFill>
+                    <a:schemeClr val="tx1">
+                      <a:lumMod val="65000"/>
+                      <a:lumOff val="35000"/>
+                      <a:alpha val="85000"/>
+                    </a:schemeClr>
+                  </a:solidFill>
+                  <a:prstDash val="dash"/>
+                  <a:headEnd type="none" w="med" len="med"/>
+                  <a:tailEnd type="none" w="med" len="med"/>
+                </a:ln>
+              </p:spPr>
+              <p:style>
+                <a:lnRef idx="1">
+                  <a:schemeClr val="accent1"/>
+                </a:lnRef>
+                <a:fillRef idx="0">
+                  <a:schemeClr val="accent1"/>
+                </a:fillRef>
+                <a:effectRef idx="0">
+                  <a:schemeClr val="accent1"/>
+                </a:effectRef>
+                <a:fontRef idx="minor">
+                  <a:schemeClr val="tx1"/>
+                </a:fontRef>
+              </p:style>
+            </p:cxnSp>
+          </p:grpSp>
+          <p:sp>
+            <p:nvSpPr>
+              <p:cNvPr id="24" name="Arc 23"/>
+              <p:cNvSpPr/>
+              <p:nvPr/>
+            </p:nvSpPr>
+            <p:spPr>
+              <a:xfrm>
+                <a:off x="2853955" y="1077729"/>
+                <a:ext cx="549200" cy="549199"/>
+              </a:xfrm>
+              <a:prstGeom prst="arc">
+                <a:avLst>
+                  <a:gd name="adj1" fmla="val 12747754"/>
+                  <a:gd name="adj2" fmla="val 19491951"/>
+                </a:avLst>
+              </a:prstGeom>
+              <a:ln w="25400" cap="rnd">
+                <a:solidFill>
+                  <a:srgbClr val="FC2D04">
+                    <a:alpha val="74902"/>
+                  </a:srgbClr>
+                </a:solidFill>
+                <a:round/>
+                <a:headEnd type="triangle" w="med" len="med"/>
+                <a:tailEnd type="triangle"/>
+              </a:ln>
+              <a:effectLst>
+                <a:outerShdw blurRad="25400" dist="25400" dir="5400000" algn="t" rotWithShape="0">
+                  <a:prstClr val="black">
+                    <a:alpha val="40000"/>
+                  </a:prstClr>
+                </a:outerShdw>
+              </a:effectLst>
+            </p:spPr>
+            <p:style>
+              <a:lnRef idx="1">
+                <a:schemeClr val="accent1"/>
+              </a:lnRef>
+              <a:fillRef idx="0">
+                <a:schemeClr val="accent1"/>
+              </a:fillRef>
+              <a:effectRef idx="0">
+                <a:schemeClr val="accent1"/>
+              </a:effectRef>
+              <a:fontRef idx="minor">
+                <a:schemeClr val="tx1"/>
+              </a:fontRef>
+            </p:style>
+            <p:txBody>
+              <a:bodyPr rtlCol="0" anchor="ctr"/>
+              <a:lstStyle/>
+              <a:p>
+                <a:pPr algn="ctr"/>
+                <a:endParaRPr lang="en-US"/>
+              </a:p>
+            </p:txBody>
+          </p:sp>
+          <p:sp>
+            <p:nvSpPr>
+              <p:cNvPr id="25" name="Arc 24"/>
+              <p:cNvSpPr/>
+              <p:nvPr/>
+            </p:nvSpPr>
+            <p:spPr>
+              <a:xfrm flipV="1">
+                <a:off x="2853955" y="1192272"/>
+                <a:ext cx="549200" cy="549199"/>
+              </a:xfrm>
+              <a:prstGeom prst="arc">
+                <a:avLst>
+                  <a:gd name="adj1" fmla="val 12747754"/>
+                  <a:gd name="adj2" fmla="val 19491951"/>
+                </a:avLst>
+              </a:prstGeom>
+              <a:ln w="25400" cap="rnd">
+                <a:solidFill>
+                  <a:srgbClr val="FC2D04">
+                    <a:alpha val="74902"/>
+                  </a:srgbClr>
+                </a:solidFill>
+                <a:round/>
+                <a:headEnd type="triangle" w="med" len="med"/>
+                <a:tailEnd type="triangle"/>
+              </a:ln>
+              <a:effectLst>
+                <a:outerShdw blurRad="25400" dist="25400" dir="5400000" algn="t" rotWithShape="0">
+                  <a:prstClr val="black">
+                    <a:alpha val="40000"/>
+                  </a:prstClr>
+                </a:outerShdw>
+              </a:effectLst>
+            </p:spPr>
+            <p:style>
+              <a:lnRef idx="1">
+                <a:schemeClr val="accent1"/>
+              </a:lnRef>
+              <a:fillRef idx="0">
+                <a:schemeClr val="accent1"/>
+              </a:fillRef>
+              <a:effectRef idx="0">
+                <a:schemeClr val="accent1"/>
+              </a:effectRef>
+              <a:fontRef idx="minor">
+                <a:schemeClr val="tx1"/>
+              </a:fontRef>
+            </p:style>
+            <p:txBody>
+              <a:bodyPr rtlCol="0" anchor="ctr"/>
+              <a:lstStyle/>
+              <a:p>
+                <a:pPr algn="ctr"/>
+                <a:endParaRPr lang="en-US"/>
+              </a:p>
+            </p:txBody>
+          </p:sp>
+          <p:grpSp>
+            <p:nvGrpSpPr>
+              <p:cNvPr id="92" name="Group 91"/>
+              <p:cNvGrpSpPr/>
+              <p:nvPr/>
+            </p:nvGrpSpPr>
+            <p:grpSpPr>
+              <a:xfrm>
+                <a:off x="330212" y="2096580"/>
+                <a:ext cx="2804970" cy="230832"/>
+                <a:chOff x="330212" y="2096580"/>
+                <a:chExt cx="2804970" cy="230832"/>
+              </a:xfrm>
+            </p:grpSpPr>
+            <p:sp>
+              <p:nvSpPr>
+                <p:cNvPr id="40" name="TextBox 39"/>
+                <p:cNvSpPr txBox="1"/>
+                <p:nvPr/>
+              </p:nvSpPr>
+              <p:spPr>
+                <a:xfrm>
+                  <a:off x="1873207" y="2096580"/>
+                  <a:ext cx="611065" cy="230832"/>
+                </a:xfrm>
+                <a:prstGeom prst="rect">
+                  <a:avLst/>
+                </a:prstGeom>
+                <a:noFill/>
+              </p:spPr>
+              <p:txBody>
+                <a:bodyPr wrap="none" rtlCol="0">
+                  <a:spAutoFit/>
+                </a:bodyPr>
+                <a:lstStyle/>
+                <a:p>
+                  <a:r>
+                    <a:rPr lang="en-US" sz="900" dirty="0">
+                      <a:solidFill>
+                        <a:schemeClr val="tx1">
+                          <a:lumMod val="75000"/>
+                          <a:lumOff val="25000"/>
+                        </a:schemeClr>
+                      </a:solidFill>
+                      <a:ea typeface="Verdana" panose="020B0604030504040204" pitchFamily="34" charset="0"/>
+                      <a:cs typeface="Times New Roman" panose="02020603050405020304" pitchFamily="18" charset="0"/>
+                    </a:rPr>
+                    <a:t>1000</a:t>
+                  </a:r>
+                  <a:r>
+                    <a:rPr lang="en-US" sz="900" dirty="0">
+                      <a:solidFill>
+                        <a:schemeClr val="tx1">
+                          <a:lumMod val="75000"/>
+                          <a:lumOff val="25000"/>
+                        </a:schemeClr>
+                      </a:solidFill>
+                      <a:latin typeface="Times New Roman" panose="02020603050405020304" pitchFamily="18" charset="0"/>
+                      <a:ea typeface="Verdana" panose="020B0604030504040204" pitchFamily="34" charset="0"/>
+                      <a:cs typeface="Times New Roman" panose="02020603050405020304" pitchFamily="18" charset="0"/>
+                    </a:rPr>
+                    <a:t> </a:t>
+                  </a:r>
+                  <a:r>
+                    <a:rPr lang="en-US" sz="900" i="1" dirty="0">
+                      <a:solidFill>
+                        <a:schemeClr val="tx1">
+                          <a:lumMod val="75000"/>
+                          <a:lumOff val="25000"/>
+                        </a:schemeClr>
+                      </a:solidFill>
+                      <a:latin typeface="Times New Roman" panose="02020603050405020304" pitchFamily="18" charset="0"/>
+                      <a:ea typeface="Verdana" panose="020B0604030504040204" pitchFamily="34" charset="0"/>
+                      <a:cs typeface="Times New Roman" panose="02020603050405020304" pitchFamily="18" charset="0"/>
+                    </a:rPr>
+                    <a:t>mm</a:t>
+                  </a:r>
+                </a:p>
+              </p:txBody>
+            </p:sp>
+            <p:sp>
+              <p:nvSpPr>
+                <p:cNvPr id="41" name="TextBox 40"/>
+                <p:cNvSpPr txBox="1"/>
+                <p:nvPr/>
+              </p:nvSpPr>
+              <p:spPr>
+                <a:xfrm>
+                  <a:off x="401879" y="2096580"/>
+                  <a:ext cx="550151" cy="230832"/>
+                </a:xfrm>
+                <a:prstGeom prst="rect">
+                  <a:avLst/>
+                </a:prstGeom>
+                <a:noFill/>
+              </p:spPr>
+              <p:txBody>
+                <a:bodyPr wrap="none" rtlCol="0">
+                  <a:spAutoFit/>
+                </a:bodyPr>
+                <a:lstStyle/>
+                <a:p>
+                  <a:r>
+                    <a:rPr lang="en-US" sz="900" dirty="0">
+                      <a:solidFill>
+                        <a:schemeClr val="tx1">
+                          <a:lumMod val="75000"/>
+                          <a:lumOff val="25000"/>
+                        </a:schemeClr>
+                      </a:solidFill>
+                      <a:ea typeface="Verdana" panose="020B0604030504040204" pitchFamily="34" charset="0"/>
+                      <a:cs typeface="Times New Roman" panose="02020603050405020304" pitchFamily="18" charset="0"/>
+                    </a:rPr>
+                    <a:t>200 </a:t>
+                  </a:r>
+                  <a:r>
+                    <a:rPr lang="en-US" sz="900" i="1" dirty="0">
+                      <a:solidFill>
+                        <a:schemeClr val="tx1">
+                          <a:lumMod val="75000"/>
+                          <a:lumOff val="25000"/>
+                        </a:schemeClr>
+                      </a:solidFill>
+                      <a:latin typeface="Times New Roman" panose="02020603050405020304" pitchFamily="18" charset="0"/>
+                      <a:ea typeface="Verdana" panose="020B0604030504040204" pitchFamily="34" charset="0"/>
+                      <a:cs typeface="Times New Roman" panose="02020603050405020304" pitchFamily="18" charset="0"/>
+                    </a:rPr>
+                    <a:t>mm</a:t>
+                  </a:r>
+                </a:p>
+              </p:txBody>
+            </p:sp>
+            <p:cxnSp>
+              <p:nvCxnSpPr>
+                <p:cNvPr id="37" name="Straight Connector 36"/>
+                <p:cNvCxnSpPr/>
+                <p:nvPr/>
+              </p:nvCxnSpPr>
+              <p:spPr>
+                <a:xfrm>
+                  <a:off x="330212" y="2269722"/>
+                  <a:ext cx="668167" cy="0"/>
+                </a:xfrm>
+                <a:prstGeom prst="line">
+                  <a:avLst/>
+                </a:prstGeom>
+                <a:ln w="6350">
+                  <a:solidFill>
+                    <a:schemeClr val="tx1">
+                      <a:lumMod val="65000"/>
+                      <a:lumOff val="35000"/>
+                    </a:schemeClr>
+                  </a:solidFill>
+                  <a:headEnd type="arrow" w="sm" len="sm"/>
+                  <a:tailEnd type="arrow" w="sm" len="sm"/>
+                </a:ln>
+              </p:spPr>
+              <p:style>
+                <a:lnRef idx="1">
+                  <a:schemeClr val="accent1"/>
+                </a:lnRef>
+                <a:fillRef idx="0">
+                  <a:schemeClr val="accent1"/>
+                </a:fillRef>
+                <a:effectRef idx="0">
+                  <a:schemeClr val="accent1"/>
+                </a:effectRef>
+                <a:fontRef idx="minor">
+                  <a:schemeClr val="tx1"/>
+                </a:fontRef>
+              </p:style>
+            </p:cxnSp>
+            <p:cxnSp>
+              <p:nvCxnSpPr>
+                <p:cNvPr id="38" name="Straight Connector 37"/>
+                <p:cNvCxnSpPr/>
+                <p:nvPr/>
+              </p:nvCxnSpPr>
+              <p:spPr>
+                <a:xfrm>
+                  <a:off x="330212" y="2233146"/>
+                  <a:ext cx="0" cy="73152"/>
+                </a:xfrm>
+                <a:prstGeom prst="line">
+                  <a:avLst/>
+                </a:prstGeom>
+                <a:ln w="6350">
+                  <a:solidFill>
+                    <a:schemeClr val="tx1">
+                      <a:lumMod val="65000"/>
+                      <a:lumOff val="35000"/>
+                    </a:schemeClr>
+                  </a:solidFill>
+                </a:ln>
+              </p:spPr>
+              <p:style>
+                <a:lnRef idx="1">
+                  <a:schemeClr val="accent1"/>
+                </a:lnRef>
+                <a:fillRef idx="0">
+                  <a:schemeClr val="accent1"/>
+                </a:fillRef>
+                <a:effectRef idx="0">
+                  <a:schemeClr val="accent1"/>
+                </a:effectRef>
+                <a:fontRef idx="minor">
+                  <a:schemeClr val="tx1"/>
+                </a:fontRef>
+              </p:style>
+            </p:cxnSp>
+            <p:cxnSp>
+              <p:nvCxnSpPr>
+                <p:cNvPr id="39" name="Straight Connector 38"/>
+                <p:cNvCxnSpPr/>
+                <p:nvPr/>
+              </p:nvCxnSpPr>
+              <p:spPr>
+                <a:xfrm>
+                  <a:off x="995486" y="2269722"/>
+                  <a:ext cx="2139696" cy="0"/>
+                </a:xfrm>
+                <a:prstGeom prst="line">
+                  <a:avLst/>
+                </a:prstGeom>
+                <a:ln w="6350">
+                  <a:solidFill>
+                    <a:schemeClr val="tx1">
+                      <a:lumMod val="65000"/>
+                      <a:lumOff val="35000"/>
+                    </a:schemeClr>
+                  </a:solidFill>
+                  <a:headEnd type="arrow" w="sm" len="sm"/>
+                  <a:tailEnd type="arrow" w="sm" len="sm"/>
+                </a:ln>
+              </p:spPr>
+              <p:style>
+                <a:lnRef idx="1">
+                  <a:schemeClr val="accent1"/>
+                </a:lnRef>
+                <a:fillRef idx="0">
+                  <a:schemeClr val="accent1"/>
+                </a:fillRef>
+                <a:effectRef idx="0">
+                  <a:schemeClr val="accent1"/>
+                </a:effectRef>
+                <a:fontRef idx="minor">
+                  <a:schemeClr val="tx1"/>
+                </a:fontRef>
+              </p:style>
+            </p:cxnSp>
+            <p:cxnSp>
+              <p:nvCxnSpPr>
+                <p:cNvPr id="42" name="Straight Connector 41"/>
+                <p:cNvCxnSpPr/>
+                <p:nvPr/>
+              </p:nvCxnSpPr>
+              <p:spPr>
+                <a:xfrm>
+                  <a:off x="3127935" y="2233146"/>
+                  <a:ext cx="0" cy="73152"/>
+                </a:xfrm>
+                <a:prstGeom prst="line">
+                  <a:avLst/>
+                </a:prstGeom>
+                <a:ln w="6350">
+                  <a:solidFill>
+                    <a:schemeClr val="tx1">
+                      <a:lumMod val="65000"/>
+                      <a:lumOff val="35000"/>
+                    </a:schemeClr>
+                  </a:solidFill>
+                </a:ln>
+              </p:spPr>
+              <p:style>
+                <a:lnRef idx="1">
+                  <a:schemeClr val="accent1"/>
+                </a:lnRef>
+                <a:fillRef idx="0">
+                  <a:schemeClr val="accent1"/>
+                </a:fillRef>
+                <a:effectRef idx="0">
+                  <a:schemeClr val="accent1"/>
+                </a:effectRef>
+                <a:fontRef idx="minor">
+                  <a:schemeClr val="tx1"/>
+                </a:fontRef>
+              </p:style>
+            </p:cxnSp>
+            <p:cxnSp>
+              <p:nvCxnSpPr>
+                <p:cNvPr id="43" name="Straight Connector 42"/>
+                <p:cNvCxnSpPr/>
+                <p:nvPr/>
+              </p:nvCxnSpPr>
+              <p:spPr>
+                <a:xfrm>
+                  <a:off x="994891" y="2233146"/>
+                  <a:ext cx="0" cy="73152"/>
+                </a:xfrm>
+                <a:prstGeom prst="line">
+                  <a:avLst/>
+                </a:prstGeom>
+                <a:ln w="6350">
+                  <a:solidFill>
+                    <a:schemeClr val="tx1">
+                      <a:lumMod val="65000"/>
+                      <a:lumOff val="35000"/>
+                    </a:schemeClr>
+                  </a:solidFill>
+                </a:ln>
+              </p:spPr>
+              <p:style>
+                <a:lnRef idx="1">
+                  <a:schemeClr val="accent1"/>
+                </a:lnRef>
+                <a:fillRef idx="0">
+                  <a:schemeClr val="accent1"/>
+                </a:fillRef>
+                <a:effectRef idx="0">
+                  <a:schemeClr val="accent1"/>
+                </a:effectRef>
+                <a:fontRef idx="minor">
+                  <a:schemeClr val="tx1"/>
+                </a:fontRef>
+              </p:style>
+            </p:cxnSp>
+          </p:grpSp>
+          <p:grpSp>
+            <p:nvGrpSpPr>
+              <p:cNvPr id="27" name="Group 26"/>
+              <p:cNvGrpSpPr/>
+              <p:nvPr/>
+            </p:nvGrpSpPr>
+            <p:grpSpPr>
+              <a:xfrm>
+                <a:off x="740366" y="1106287"/>
+                <a:ext cx="37414" cy="970520"/>
+                <a:chOff x="2139145" y="2015931"/>
+                <a:chExt cx="91652" cy="2377440"/>
+              </a:xfrm>
+            </p:grpSpPr>
+            <p:cxnSp>
+              <p:nvCxnSpPr>
+                <p:cNvPr id="34" name="Straight Connector 33"/>
+                <p:cNvCxnSpPr/>
+                <p:nvPr/>
+              </p:nvCxnSpPr>
+              <p:spPr>
+                <a:xfrm rot="5400000">
+                  <a:off x="2185077" y="1975853"/>
+                  <a:ext cx="0" cy="91440"/>
+                </a:xfrm>
+                <a:prstGeom prst="line">
+                  <a:avLst/>
+                </a:prstGeom>
+                <a:ln w="6350">
+                  <a:solidFill>
+                    <a:schemeClr val="tx1">
+                      <a:lumMod val="65000"/>
+                      <a:lumOff val="35000"/>
+                    </a:schemeClr>
+                  </a:solidFill>
+                </a:ln>
+              </p:spPr>
+              <p:style>
+                <a:lnRef idx="1">
+                  <a:schemeClr val="accent1"/>
+                </a:lnRef>
+                <a:fillRef idx="0">
+                  <a:schemeClr val="accent1"/>
+                </a:fillRef>
+                <a:effectRef idx="0">
+                  <a:schemeClr val="accent1"/>
+                </a:effectRef>
+                <a:fontRef idx="minor">
+                  <a:schemeClr val="tx1"/>
+                </a:fontRef>
+              </p:style>
+            </p:cxnSp>
+            <p:cxnSp>
+              <p:nvCxnSpPr>
+                <p:cNvPr id="35" name="Straight Connector 34"/>
+                <p:cNvCxnSpPr/>
+                <p:nvPr/>
+              </p:nvCxnSpPr>
+              <p:spPr>
+                <a:xfrm rot="5400000">
+                  <a:off x="2184865" y="4344462"/>
+                  <a:ext cx="0" cy="91440"/>
+                </a:xfrm>
+                <a:prstGeom prst="line">
+                  <a:avLst/>
+                </a:prstGeom>
+                <a:ln w="6350">
+                  <a:solidFill>
+                    <a:schemeClr val="tx1">
+                      <a:lumMod val="65000"/>
+                      <a:lumOff val="35000"/>
+                    </a:schemeClr>
+                  </a:solidFill>
+                </a:ln>
+              </p:spPr>
+              <p:style>
+                <a:lnRef idx="1">
+                  <a:schemeClr val="accent1"/>
+                </a:lnRef>
+                <a:fillRef idx="0">
+                  <a:schemeClr val="accent1"/>
+                </a:fillRef>
+                <a:effectRef idx="0">
+                  <a:schemeClr val="accent1"/>
+                </a:effectRef>
+                <a:fontRef idx="minor">
+                  <a:schemeClr val="tx1"/>
+                </a:fontRef>
+              </p:style>
+            </p:cxnSp>
+            <p:cxnSp>
+              <p:nvCxnSpPr>
+                <p:cNvPr id="36" name="Straight Connector 35"/>
+                <p:cNvCxnSpPr/>
+                <p:nvPr/>
+              </p:nvCxnSpPr>
+              <p:spPr>
+                <a:xfrm rot="5400000">
+                  <a:off x="996145" y="3204651"/>
+                  <a:ext cx="2377440" cy="0"/>
+                </a:xfrm>
+                <a:prstGeom prst="line">
+                  <a:avLst/>
+                </a:prstGeom>
+                <a:ln w="6350">
+                  <a:solidFill>
+                    <a:schemeClr val="tx1">
+                      <a:lumMod val="65000"/>
+                      <a:lumOff val="35000"/>
+                    </a:schemeClr>
+                  </a:solidFill>
+                  <a:headEnd type="arrow" w="sm" len="sm"/>
+                  <a:tailEnd type="arrow" w="sm" len="sm"/>
+                </a:ln>
+              </p:spPr>
+              <p:style>
+                <a:lnRef idx="1">
+                  <a:schemeClr val="accent1"/>
+                </a:lnRef>
+                <a:fillRef idx="0">
+                  <a:schemeClr val="accent1"/>
+                </a:fillRef>
+                <a:effectRef idx="0">
+                  <a:schemeClr val="accent1"/>
+                </a:effectRef>
+                <a:fontRef idx="minor">
+                  <a:schemeClr val="tx1"/>
+                </a:fontRef>
+              </p:style>
+            </p:cxnSp>
+          </p:grpSp>
+          <p:grpSp>
+            <p:nvGrpSpPr>
+              <p:cNvPr id="28" name="Group 27"/>
+              <p:cNvGrpSpPr/>
+              <p:nvPr/>
+            </p:nvGrpSpPr>
+            <p:grpSpPr>
+              <a:xfrm>
+                <a:off x="707602" y="722917"/>
+                <a:ext cx="474063" cy="369549"/>
+                <a:chOff x="2075978" y="1059714"/>
+                <a:chExt cx="1161288" cy="905269"/>
+              </a:xfrm>
+            </p:grpSpPr>
+            <p:cxnSp>
+              <p:nvCxnSpPr>
+                <p:cNvPr id="31" name="Straight Connector 30"/>
+                <p:cNvCxnSpPr/>
+                <p:nvPr/>
+              </p:nvCxnSpPr>
+              <p:spPr>
+                <a:xfrm rot="8113105">
+                  <a:off x="3064905" y="1059714"/>
+                  <a:ext cx="0" cy="91440"/>
+                </a:xfrm>
+                <a:prstGeom prst="line">
+                  <a:avLst/>
+                </a:prstGeom>
+                <a:ln w="6350">
+                  <a:solidFill>
+                    <a:schemeClr val="tx1">
+                      <a:lumMod val="65000"/>
+                      <a:lumOff val="35000"/>
+                    </a:schemeClr>
+                  </a:solidFill>
+                </a:ln>
+              </p:spPr>
+              <p:style>
+                <a:lnRef idx="1">
+                  <a:schemeClr val="accent1"/>
+                </a:lnRef>
+                <a:fillRef idx="0">
+                  <a:schemeClr val="accent1"/>
+                </a:fillRef>
+                <a:effectRef idx="0">
+                  <a:schemeClr val="accent1"/>
+                </a:effectRef>
+                <a:fontRef idx="minor">
+                  <a:schemeClr val="tx1"/>
+                </a:fontRef>
+              </p:style>
+            </p:cxnSp>
+            <p:cxnSp>
+              <p:nvCxnSpPr>
+                <p:cNvPr id="32" name="Straight Connector 31"/>
+                <p:cNvCxnSpPr/>
+                <p:nvPr/>
+              </p:nvCxnSpPr>
+              <p:spPr>
+                <a:xfrm rot="8113105">
+                  <a:off x="2233511" y="1873543"/>
+                  <a:ext cx="0" cy="91440"/>
+                </a:xfrm>
+                <a:prstGeom prst="line">
+                  <a:avLst/>
+                </a:prstGeom>
+                <a:ln w="6350">
+                  <a:solidFill>
+                    <a:schemeClr val="tx1">
+                      <a:lumMod val="65000"/>
+                      <a:lumOff val="35000"/>
+                    </a:schemeClr>
+                  </a:solidFill>
+                </a:ln>
+              </p:spPr>
+              <p:style>
+                <a:lnRef idx="1">
+                  <a:schemeClr val="accent1"/>
+                </a:lnRef>
+                <a:fillRef idx="0">
+                  <a:schemeClr val="accent1"/>
+                </a:fillRef>
+                <a:effectRef idx="0">
+                  <a:schemeClr val="accent1"/>
+                </a:effectRef>
+                <a:fontRef idx="minor">
+                  <a:schemeClr val="tx1"/>
+                </a:fontRef>
+              </p:style>
+            </p:cxnSp>
+            <p:cxnSp>
+              <p:nvCxnSpPr>
+                <p:cNvPr id="33" name="Straight Connector 32"/>
+                <p:cNvCxnSpPr/>
+                <p:nvPr/>
+              </p:nvCxnSpPr>
+              <p:spPr>
+                <a:xfrm rot="8113105">
+                  <a:off x="2075978" y="1510320"/>
+                  <a:ext cx="1161288" cy="0"/>
+                </a:xfrm>
+                <a:prstGeom prst="line">
+                  <a:avLst/>
+                </a:prstGeom>
+                <a:ln w="6350">
+                  <a:solidFill>
+                    <a:schemeClr val="tx1">
+                      <a:lumMod val="65000"/>
+                      <a:lumOff val="35000"/>
+                    </a:schemeClr>
+                  </a:solidFill>
+                  <a:headEnd type="arrow" w="sm" len="sm"/>
+                  <a:tailEnd type="arrow" w="sm" len="sm"/>
+                </a:ln>
+              </p:spPr>
+              <p:style>
+                <a:lnRef idx="1">
+                  <a:schemeClr val="accent1"/>
+                </a:lnRef>
+                <a:fillRef idx="0">
+                  <a:schemeClr val="accent1"/>
+                </a:fillRef>
+                <a:effectRef idx="0">
+                  <a:schemeClr val="accent1"/>
+                </a:effectRef>
+                <a:fontRef idx="minor">
+                  <a:schemeClr val="tx1"/>
+                </a:fontRef>
+              </p:style>
+            </p:cxnSp>
+          </p:grpSp>
+          <p:sp>
+            <p:nvSpPr>
+              <p:cNvPr id="29" name="TextBox 28"/>
+              <p:cNvSpPr txBox="1"/>
+              <p:nvPr/>
+            </p:nvSpPr>
+            <p:spPr>
+              <a:xfrm rot="16200000">
+                <a:off x="439089" y="1498747"/>
+                <a:ext cx="495649" cy="230832"/>
+              </a:xfrm>
+              <a:prstGeom prst="rect">
+                <a:avLst/>
+              </a:prstGeom>
+              <a:noFill/>
+            </p:spPr>
+            <p:txBody>
+              <a:bodyPr wrap="none" rtlCol="0">
+                <a:spAutoFit/>
+              </a:bodyPr>
+              <a:lstStyle/>
+              <a:p>
+                <a:r>
+                  <a:rPr lang="en-US" sz="900" dirty="0">
+                    <a:solidFill>
+                      <a:schemeClr val="tx1">
+                        <a:lumMod val="75000"/>
+                        <a:lumOff val="25000"/>
+                      </a:schemeClr>
+                    </a:solidFill>
+                    <a:ea typeface="Verdana" panose="020B0604030504040204" pitchFamily="34" charset="0"/>
+                    <a:cs typeface="Times New Roman" panose="02020603050405020304" pitchFamily="18" charset="0"/>
+                  </a:rPr>
+                  <a:t>89</a:t>
+                </a:r>
+                <a:r>
+                  <a:rPr lang="en-US" sz="900" dirty="0">
+                    <a:solidFill>
+                      <a:schemeClr val="tx1">
+                        <a:lumMod val="75000"/>
+                        <a:lumOff val="25000"/>
+                      </a:schemeClr>
+                    </a:solidFill>
+                    <a:latin typeface="Times New Roman" panose="02020603050405020304" pitchFamily="18" charset="0"/>
+                    <a:ea typeface="Verdana" panose="020B0604030504040204" pitchFamily="34" charset="0"/>
+                    <a:cs typeface="Times New Roman" panose="02020603050405020304" pitchFamily="18" charset="0"/>
+                  </a:rPr>
+                  <a:t> </a:t>
+                </a:r>
+                <a:r>
+                  <a:rPr lang="en-US" sz="900" i="1" dirty="0">
+                    <a:solidFill>
+                      <a:schemeClr val="tx1">
+                        <a:lumMod val="75000"/>
+                        <a:lumOff val="25000"/>
+                      </a:schemeClr>
+                    </a:solidFill>
+                    <a:latin typeface="Times New Roman" panose="02020603050405020304" pitchFamily="18" charset="0"/>
+                    <a:ea typeface="Verdana" panose="020B0604030504040204" pitchFamily="34" charset="0"/>
+                    <a:cs typeface="Times New Roman" panose="02020603050405020304" pitchFamily="18" charset="0"/>
+                  </a:rPr>
+                  <a:t>mm</a:t>
+                </a:r>
+              </a:p>
+            </p:txBody>
+          </p:sp>
+          <p:sp>
+            <p:nvSpPr>
+              <p:cNvPr id="30" name="TextBox 29"/>
+              <p:cNvSpPr txBox="1"/>
+              <p:nvPr/>
+            </p:nvSpPr>
+            <p:spPr>
+              <a:xfrm rot="18964025">
+                <a:off x="641642" y="731292"/>
+                <a:ext cx="495649" cy="230832"/>
+              </a:xfrm>
+              <a:prstGeom prst="rect">
+                <a:avLst/>
+              </a:prstGeom>
+              <a:noFill/>
+            </p:spPr>
+            <p:txBody>
+              <a:bodyPr wrap="none" rtlCol="0">
+                <a:spAutoFit/>
+              </a:bodyPr>
+              <a:lstStyle/>
+              <a:p>
+                <a:r>
+                  <a:rPr lang="en-US" sz="900" dirty="0">
+                    <a:solidFill>
+                      <a:schemeClr val="tx1">
+                        <a:lumMod val="75000"/>
+                        <a:lumOff val="25000"/>
+                      </a:schemeClr>
+                    </a:solidFill>
+                    <a:ea typeface="Verdana" panose="020B0604030504040204" pitchFamily="34" charset="0"/>
+                    <a:cs typeface="Times New Roman" panose="02020603050405020304" pitchFamily="18" charset="0"/>
+                  </a:rPr>
+                  <a:t>64</a:t>
+                </a:r>
+                <a:r>
+                  <a:rPr lang="en-US" sz="900" dirty="0">
+                    <a:solidFill>
+                      <a:schemeClr val="tx1">
+                        <a:lumMod val="75000"/>
+                        <a:lumOff val="25000"/>
+                      </a:schemeClr>
+                    </a:solidFill>
+                    <a:latin typeface="Times New Roman" panose="02020603050405020304" pitchFamily="18" charset="0"/>
+                    <a:ea typeface="Verdana" panose="020B0604030504040204" pitchFamily="34" charset="0"/>
+                    <a:cs typeface="Times New Roman" panose="02020603050405020304" pitchFamily="18" charset="0"/>
+                  </a:rPr>
+                  <a:t> </a:t>
+                </a:r>
+                <a:r>
+                  <a:rPr lang="en-US" sz="900" i="1" dirty="0">
+                    <a:solidFill>
+                      <a:schemeClr val="tx1">
+                        <a:lumMod val="75000"/>
+                        <a:lumOff val="25000"/>
+                      </a:schemeClr>
+                    </a:solidFill>
+                    <a:latin typeface="Times New Roman" panose="02020603050405020304" pitchFamily="18" charset="0"/>
+                    <a:ea typeface="Verdana" panose="020B0604030504040204" pitchFamily="34" charset="0"/>
+                    <a:cs typeface="Times New Roman" panose="02020603050405020304" pitchFamily="18" charset="0"/>
+                  </a:rPr>
+                  <a:t>mm</a:t>
+                </a:r>
+              </a:p>
+            </p:txBody>
+          </p:sp>
+          <p:sp>
+            <p:nvSpPr>
+              <p:cNvPr id="75" name="Rectangle 74"/>
+              <p:cNvSpPr/>
+              <p:nvPr/>
+            </p:nvSpPr>
+            <p:spPr>
+              <a:xfrm>
+                <a:off x="4762" y="357188"/>
+                <a:ext cx="3983038" cy="2271712"/>
+              </a:xfrm>
+              <a:prstGeom prst="rect">
+                <a:avLst/>
+              </a:prstGeom>
+              <a:noFill/>
+              <a:ln w="6350">
+                <a:solidFill>
+                  <a:schemeClr val="bg1">
+                    <a:lumMod val="65000"/>
+                  </a:schemeClr>
+                </a:solidFill>
+              </a:ln>
+            </p:spPr>
+            <p:style>
+              <a:lnRef idx="2">
+                <a:schemeClr val="accent1">
+                  <a:shade val="50000"/>
+                </a:schemeClr>
+              </a:lnRef>
+              <a:fillRef idx="1">
+                <a:schemeClr val="accent1"/>
+              </a:fillRef>
+              <a:effectRef idx="0">
+                <a:schemeClr val="accent1"/>
+              </a:effectRef>
+              <a:fontRef idx="minor">
+                <a:schemeClr val="lt1"/>
+              </a:fontRef>
+            </p:style>
+            <p:txBody>
+              <a:bodyPr rtlCol="0" anchor="ctr"/>
+              <a:lstStyle/>
+              <a:p>
+                <a:pPr algn="ctr"/>
+                <a:endParaRPr lang="en-US"/>
+              </a:p>
+            </p:txBody>
+          </p:sp>
+          <p:sp>
+            <p:nvSpPr>
+              <p:cNvPr id="98" name="Rectangle 97"/>
+              <p:cNvSpPr/>
+              <p:nvPr/>
+            </p:nvSpPr>
+            <p:spPr>
+              <a:xfrm>
+                <a:off x="12700" y="361294"/>
+                <a:ext cx="1572259" cy="230832"/>
+              </a:xfrm>
+              <a:prstGeom prst="rect">
+                <a:avLst/>
+              </a:prstGeom>
+            </p:spPr>
+            <p:txBody>
+              <a:bodyPr wrap="square">
+                <a:spAutoFit/>
+              </a:bodyPr>
+              <a:lstStyle/>
+              <a:p>
+                <a:r>
+                  <a:rPr lang="en-US" sz="900" dirty="0">
+                    <a:solidFill>
+                      <a:schemeClr val="tx1">
+                        <a:lumMod val="75000"/>
+                        <a:lumOff val="25000"/>
+                      </a:schemeClr>
+                    </a:solidFill>
+                    <a:latin typeface="Times New Roman" panose="02020603050405020304" pitchFamily="18" charset="0"/>
+                    <a:cs typeface="Times New Roman" panose="02020603050405020304" pitchFamily="18" charset="0"/>
+                  </a:rPr>
+                  <a:t>Setup of simulation in Zemax</a:t>
+                </a:r>
+              </a:p>
+            </p:txBody>
+          </p:sp>
+          <p:grpSp>
+            <p:nvGrpSpPr>
+              <p:cNvPr id="102" name="Group 101"/>
+              <p:cNvGrpSpPr/>
+              <p:nvPr/>
+            </p:nvGrpSpPr>
+            <p:grpSpPr>
+              <a:xfrm>
+                <a:off x="-49812" y="2404465"/>
+                <a:ext cx="283415" cy="209076"/>
+                <a:chOff x="2001238" y="4855565"/>
+                <a:chExt cx="283415" cy="209076"/>
+              </a:xfrm>
+            </p:grpSpPr>
+            <p:sp>
+              <p:nvSpPr>
+                <p:cNvPr id="100" name="Rounded Rectangle 99"/>
+                <p:cNvSpPr/>
+                <p:nvPr/>
+              </p:nvSpPr>
+              <p:spPr>
+                <a:xfrm>
+                  <a:off x="2082370" y="4908726"/>
+                  <a:ext cx="146304" cy="141883"/>
+                </a:xfrm>
+                <a:prstGeom prst="roundRect">
+                  <a:avLst/>
+                </a:prstGeom>
+                <a:solidFill>
+                  <a:schemeClr val="bg1"/>
+                </a:solidFill>
+                <a:ln w="6350">
+                  <a:solidFill>
+                    <a:schemeClr val="bg1">
+                      <a:lumMod val="75000"/>
+                    </a:schemeClr>
+                  </a:solidFill>
+                </a:ln>
+                <a:effectLst>
+                  <a:outerShdw blurRad="25400" dist="25400" dir="2700000" algn="tl" rotWithShape="0">
+                    <a:prstClr val="black">
+                      <a:alpha val="40000"/>
+                    </a:prstClr>
+                  </a:outerShdw>
+                </a:effectLst>
+              </p:spPr>
+              <p:style>
+                <a:lnRef idx="2">
+                  <a:schemeClr val="accent1">
+                    <a:shade val="50000"/>
+                  </a:schemeClr>
+                </a:lnRef>
+                <a:fillRef idx="1">
+                  <a:schemeClr val="accent1"/>
+                </a:fillRef>
+                <a:effectRef idx="0">
+                  <a:schemeClr val="accent1"/>
+                </a:effectRef>
+                <a:fontRef idx="minor">
+                  <a:schemeClr val="lt1"/>
+                </a:fontRef>
+              </p:style>
+              <p:txBody>
+                <a:bodyPr rtlCol="0" anchor="ctr"/>
+                <a:lstStyle/>
+                <a:p>
+                  <a:pPr algn="ctr"/>
+                  <a:endParaRPr lang="en-US"/>
+                </a:p>
+              </p:txBody>
+            </p:sp>
+            <p:sp>
+              <p:nvSpPr>
+                <p:cNvPr id="101" name="TextBox 100"/>
+                <p:cNvSpPr txBox="1"/>
+                <p:nvPr/>
+              </p:nvSpPr>
+              <p:spPr>
+                <a:xfrm>
+                  <a:off x="2001238" y="4855565"/>
+                  <a:ext cx="283415" cy="209076"/>
+                </a:xfrm>
+                <a:prstGeom prst="rect">
+                  <a:avLst/>
+                </a:prstGeom>
+                <a:noFill/>
+              </p:spPr>
+              <p:txBody>
+                <a:bodyPr wrap="none" rtlCol="0">
+                  <a:spAutoFit/>
+                </a:bodyPr>
+                <a:lstStyle/>
+                <a:p>
+                  <a:r>
+                    <a:rPr lang="en-US" sz="900" dirty="0">
+                      <a:latin typeface="Times New Roman" panose="02020603050405020304" pitchFamily="18" charset="0"/>
+                      <a:cs typeface="Times New Roman" panose="02020603050405020304" pitchFamily="18" charset="0"/>
+                    </a:rPr>
+                    <a:t>(a)</a:t>
+                  </a:r>
+                  <a:endParaRPr lang="en-US" sz="1100" dirty="0">
+                    <a:latin typeface="Times New Roman" panose="02020603050405020304" pitchFamily="18" charset="0"/>
+                    <a:cs typeface="Times New Roman" panose="02020603050405020304" pitchFamily="18" charset="0"/>
+                  </a:endParaRPr>
+                </a:p>
+              </p:txBody>
+            </p:sp>
+          </p:grpSp>
+          <mc:AlternateContent xmlns:mc="http://schemas.openxmlformats.org/markup-compatibility/2006" xmlns:a14="http://schemas.microsoft.com/office/drawing/2010/main">
+            <mc:Choice Requires="a14">
+              <p:sp>
+                <p:nvSpPr>
+                  <p:cNvPr id="99" name="TextBox 98"/>
+                  <p:cNvSpPr txBox="1"/>
+                  <p:nvPr/>
+                </p:nvSpPr>
+                <p:spPr>
+                  <a:xfrm>
+                    <a:off x="1974812" y="1244092"/>
+                    <a:ext cx="454355" cy="230832"/>
+                  </a:xfrm>
+                  <a:prstGeom prst="rect">
+                    <a:avLst/>
+                  </a:prstGeom>
+                  <a:noFill/>
+                </p:spPr>
+                <p:txBody>
+                  <a:bodyPr wrap="none" rtlCol="0">
+                    <a:spAutoFit/>
+                  </a:bodyPr>
+                  <a:lstStyle/>
+                  <a:p>
+                    <a14:m>
+                      <m:oMath xmlns:m="http://schemas.openxmlformats.org/officeDocument/2006/math">
+                        <m:r>
+                          <a:rPr lang="en-US" sz="900" i="1" dirty="0" smtClean="0">
+                            <a:solidFill>
+                              <a:schemeClr val="tx1">
+                                <a:lumMod val="75000"/>
+                                <a:lumOff val="25000"/>
+                              </a:schemeClr>
+                            </a:solidFill>
+                            <a:latin typeface="Cambria Math" panose="02040503050406030204" pitchFamily="18" charset="0"/>
+                            <a:ea typeface="Verdana" panose="020B0604030504040204" pitchFamily="34" charset="0"/>
+                            <a:cs typeface="Times New Roman" panose="02020603050405020304" pitchFamily="18" charset="0"/>
+                          </a:rPr>
+                          <m:t>𝑧</m:t>
+                        </m:r>
+                      </m:oMath>
+                    </a14:m>
+                    <a:r>
+                      <a:rPr lang="en-US" sz="900" dirty="0">
+                        <a:solidFill>
+                          <a:schemeClr val="tx1">
+                            <a:lumMod val="75000"/>
+                            <a:lumOff val="25000"/>
+                          </a:schemeClr>
+                        </a:solidFill>
+                        <a:ea typeface="Verdana" panose="020B0604030504040204" pitchFamily="34" charset="0"/>
+                        <a:cs typeface="Times New Roman" panose="02020603050405020304" pitchFamily="18" charset="0"/>
+                      </a:rPr>
+                      <a:t>-axis</a:t>
+                    </a:r>
+                    <a:endParaRPr lang="en-US" sz="900" i="1" dirty="0">
+                      <a:solidFill>
+                        <a:schemeClr val="tx1">
+                          <a:lumMod val="75000"/>
+                          <a:lumOff val="25000"/>
+                        </a:schemeClr>
+                      </a:solidFill>
+                      <a:latin typeface="Times New Roman" panose="02020603050405020304" pitchFamily="18" charset="0"/>
+                      <a:ea typeface="Verdana" panose="020B0604030504040204" pitchFamily="34" charset="0"/>
+                      <a:cs typeface="Times New Roman" panose="02020603050405020304" pitchFamily="18" charset="0"/>
+                    </a:endParaRPr>
+                  </a:p>
+                </p:txBody>
+              </p:sp>
+            </mc:Choice>
+            <mc:Fallback xmlns="">
+              <p:sp>
+                <p:nvSpPr>
+                  <p:cNvPr id="99" name="TextBox 98"/>
+                  <p:cNvSpPr txBox="1">
+                    <a:spLocks noRot="1" noChangeAspect="1" noMove="1" noResize="1" noEditPoints="1" noAdjustHandles="1" noChangeArrowheads="1" noChangeShapeType="1" noTextEdit="1"/>
+                  </p:cNvSpPr>
+                  <p:nvPr/>
+                </p:nvSpPr>
+                <p:spPr>
+                  <a:xfrm>
+                    <a:off x="1974812" y="1244092"/>
+                    <a:ext cx="454355" cy="230832"/>
+                  </a:xfrm>
+                  <a:prstGeom prst="rect">
+                    <a:avLst/>
+                  </a:prstGeom>
+                  <a:blipFill>
+                    <a:blip r:embed="rId19"/>
+                    <a:stretch>
+                      <a:fillRect b="-13158"/>
+                    </a:stretch>
+                  </a:blipFill>
+                </p:spPr>
+                <p:txBody>
+                  <a:bodyPr/>
+                  <a:lstStyle/>
+                  <a:p>
+                    <a:r>
+                      <a:rPr lang="en-US">
+                        <a:noFill/>
+                      </a:rPr>
+                      <a:t> </a:t>
+                    </a:r>
+                  </a:p>
+                </p:txBody>
+              </p:sp>
+            </mc:Fallback>
+          </mc:AlternateContent>
+          <p:sp>
+            <p:nvSpPr>
+              <p:cNvPr id="119" name="TextBox 118"/>
+              <p:cNvSpPr txBox="1"/>
+              <p:nvPr/>
+            </p:nvSpPr>
+            <p:spPr>
+              <a:xfrm>
+                <a:off x="2390749" y="1734325"/>
+                <a:ext cx="1443726" cy="523220"/>
+              </a:xfrm>
+              <a:prstGeom prst="rect">
+                <a:avLst/>
+              </a:prstGeom>
+              <a:noFill/>
+            </p:spPr>
+            <p:txBody>
+              <a:bodyPr wrap="square" rtlCol="0">
+                <a:spAutoFit/>
+              </a:bodyPr>
+              <a:lstStyle/>
+              <a:p>
+                <a:pPr algn="ctr"/>
+                <a:r>
+                  <a:rPr lang="en-US" sz="900" i="1" dirty="0">
+                    <a:solidFill>
+                      <a:schemeClr val="tx1">
+                        <a:lumMod val="65000"/>
+                        <a:lumOff val="35000"/>
+                      </a:schemeClr>
+                    </a:solidFill>
+                  </a:rPr>
+                  <a:t>13 tilts </a:t>
+                </a:r>
+              </a:p>
+              <a:p>
+                <a:pPr algn="ctr"/>
+                <a:r>
+                  <a:rPr lang="en-US" sz="900" i="1" dirty="0">
+                    <a:solidFill>
+                      <a:schemeClr val="tx1">
+                        <a:lumMod val="65000"/>
+                        <a:lumOff val="35000"/>
+                      </a:schemeClr>
+                    </a:solidFill>
+                  </a:rPr>
+                  <a:t>between -8° &amp; +8°</a:t>
+                </a:r>
+                <a:endParaRPr lang="en-US" sz="900" dirty="0">
+                  <a:solidFill>
+                    <a:schemeClr val="tx1">
+                      <a:lumMod val="75000"/>
+                      <a:lumOff val="25000"/>
+                    </a:schemeClr>
+                  </a:solidFill>
+                </a:endParaRPr>
+              </a:p>
+              <a:p>
+                <a:pPr algn="ctr"/>
+                <a:endParaRPr lang="en-US" sz="1000" i="1" dirty="0">
+                  <a:solidFill>
+                    <a:schemeClr val="tx1">
+                      <a:lumMod val="65000"/>
+                      <a:lumOff val="35000"/>
+                    </a:schemeClr>
+                  </a:solidFill>
+                </a:endParaRPr>
+              </a:p>
+            </p:txBody>
+          </p:sp>
+          <mc:AlternateContent xmlns:mc="http://schemas.openxmlformats.org/markup-compatibility/2006" xmlns:a14="http://schemas.microsoft.com/office/drawing/2010/main">
+            <mc:Choice Requires="a14">
+              <p:sp>
+                <p:nvSpPr>
+                  <p:cNvPr id="120" name="TextBox 119"/>
+                  <p:cNvSpPr txBox="1"/>
+                  <p:nvPr/>
+                </p:nvSpPr>
+                <p:spPr>
+                  <a:xfrm rot="16200000">
+                    <a:off x="3188554" y="1312692"/>
+                    <a:ext cx="1395716" cy="230832"/>
+                  </a:xfrm>
+                  <a:prstGeom prst="rect">
+                    <a:avLst/>
+                  </a:prstGeom>
+                  <a:noFill/>
+                </p:spPr>
+                <p:txBody>
+                  <a:bodyPr wrap="square" rtlCol="0">
+                    <a:spAutoFit/>
+                  </a:bodyPr>
+                  <a:lstStyle/>
+                  <a:p>
+                    <a:pPr algn="ctr"/>
+                    <a:r>
+                      <a:rPr lang="en-US" sz="900" i="1" dirty="0">
+                        <a:solidFill>
+                          <a:schemeClr val="tx1">
+                            <a:lumMod val="65000"/>
+                            <a:lumOff val="35000"/>
+                          </a:schemeClr>
+                        </a:solidFill>
+                      </a:rPr>
+                      <a:t>6 x 5 sq. mm, 1.78 </a:t>
+                    </a:r>
+                    <a14:m>
+                      <m:oMath xmlns:m="http://schemas.openxmlformats.org/officeDocument/2006/math">
+                        <m:r>
+                          <a:rPr lang="en-US" sz="900" b="0" i="1" smtClean="0">
+                            <a:solidFill>
+                              <a:schemeClr val="tx1">
+                                <a:lumMod val="65000"/>
+                                <a:lumOff val="35000"/>
+                              </a:schemeClr>
+                            </a:solidFill>
+                            <a:latin typeface="Cambria Math" panose="02040503050406030204" pitchFamily="18" charset="0"/>
+                          </a:rPr>
+                          <m:t>𝜇</m:t>
+                        </m:r>
+                        <m:r>
+                          <a:rPr lang="en-US" sz="900" b="0" i="1" smtClean="0">
+                            <a:solidFill>
+                              <a:schemeClr val="tx1">
+                                <a:lumMod val="65000"/>
+                                <a:lumOff val="35000"/>
+                              </a:schemeClr>
+                            </a:solidFill>
+                            <a:latin typeface="Cambria Math" panose="02040503050406030204" pitchFamily="18" charset="0"/>
+                          </a:rPr>
+                          <m:t>𝑚</m:t>
+                        </m:r>
+                      </m:oMath>
+                    </a14:m>
+                    <a:endParaRPr lang="en-US" sz="900" dirty="0">
+                      <a:solidFill>
+                        <a:schemeClr val="tx1">
+                          <a:lumMod val="75000"/>
+                          <a:lumOff val="25000"/>
+                        </a:schemeClr>
+                      </a:solidFill>
+                    </a:endParaRPr>
+                  </a:p>
+                </p:txBody>
+              </p:sp>
+            </mc:Choice>
+            <mc:Fallback xmlns="">
+              <p:sp>
+                <p:nvSpPr>
+                  <p:cNvPr id="120" name="TextBox 119"/>
+                  <p:cNvSpPr txBox="1">
+                    <a:spLocks noRot="1" noChangeAspect="1" noMove="1" noResize="1" noEditPoints="1" noAdjustHandles="1" noChangeArrowheads="1" noChangeShapeType="1" noTextEdit="1"/>
+                  </p:cNvSpPr>
+                  <p:nvPr/>
+                </p:nvSpPr>
+                <p:spPr>
+                  <a:xfrm rot="16200000">
+                    <a:off x="3188554" y="1312692"/>
+                    <a:ext cx="1395716" cy="230832"/>
+                  </a:xfrm>
+                  <a:prstGeom prst="rect">
+                    <a:avLst/>
+                  </a:prstGeom>
+                  <a:blipFill>
+                    <a:blip r:embed="rId20"/>
+                    <a:stretch>
+                      <a:fillRect r="-13514"/>
+                    </a:stretch>
+                  </a:blipFill>
+                </p:spPr>
+                <p:txBody>
+                  <a:bodyPr/>
+                  <a:lstStyle/>
+                  <a:p>
+                    <a:r>
+                      <a:rPr lang="en-US">
+                        <a:noFill/>
+                      </a:rPr>
+                      <a:t> </a:t>
+                    </a:r>
+                  </a:p>
+                </p:txBody>
+              </p:sp>
+            </mc:Fallback>
+          </mc:AlternateContent>
+          <mc:AlternateContent xmlns:mc="http://schemas.openxmlformats.org/markup-compatibility/2006" xmlns:a14="http://schemas.microsoft.com/office/drawing/2010/main">
+            <mc:Choice Requires="a14">
+              <p:sp>
+                <p:nvSpPr>
+                  <p:cNvPr id="26" name="TextBox 25"/>
+                  <p:cNvSpPr txBox="1"/>
+                  <p:nvPr/>
+                </p:nvSpPr>
+                <p:spPr>
+                  <a:xfrm>
+                    <a:off x="2201361" y="2407698"/>
+                    <a:ext cx="1911101" cy="230832"/>
+                  </a:xfrm>
+                  <a:prstGeom prst="rect">
+                    <a:avLst/>
+                  </a:prstGeom>
+                  <a:noFill/>
+                </p:spPr>
+                <p:txBody>
+                  <a:bodyPr wrap="none" rtlCol="0">
+                    <a:spAutoFit/>
+                  </a:bodyPr>
+                  <a:lstStyle/>
+                  <a:p>
+                    <a:r>
+                      <a:rPr lang="en-US" sz="1200" baseline="12000" dirty="0">
+                        <a:solidFill>
+                          <a:schemeClr val="tx1">
+                            <a:lumMod val="65000"/>
+                            <a:lumOff val="35000"/>
+                          </a:schemeClr>
+                        </a:solidFill>
+                      </a:rPr>
+                      <a:t>*</a:t>
+                    </a:r>
+                    <a:r>
+                      <a:rPr lang="en-US" sz="900" dirty="0">
+                        <a:solidFill>
+                          <a:schemeClr val="tx1">
+                            <a:lumMod val="65000"/>
+                            <a:lumOff val="35000"/>
+                          </a:schemeClr>
+                        </a:solidFill>
+                      </a:rPr>
+                      <a:t> </a:t>
+                    </a:r>
+                    <a14:m>
+                      <m:oMath xmlns:m="http://schemas.openxmlformats.org/officeDocument/2006/math">
+                        <m:r>
+                          <a:rPr lang="en-US" sz="800" i="1" dirty="0" smtClean="0">
+                            <a:solidFill>
+                              <a:schemeClr val="tx1">
+                                <a:lumMod val="65000"/>
+                                <a:lumOff val="35000"/>
+                              </a:schemeClr>
+                            </a:solidFill>
+                            <a:latin typeface="Cambria Math" panose="02040503050406030204" pitchFamily="18" charset="0"/>
+                          </a:rPr>
+                          <m:t>𝑑</m:t>
+                        </m:r>
+                      </m:oMath>
+                    </a14:m>
+                    <a:r>
+                      <a:rPr lang="en-US" sz="800" dirty="0">
+                        <a:solidFill>
+                          <a:schemeClr val="tx1">
+                            <a:lumMod val="65000"/>
+                            <a:lumOff val="35000"/>
+                          </a:schemeClr>
+                        </a:solidFill>
+                      </a:rPr>
+                      <a:t> </a:t>
+                    </a:r>
+                    <a:r>
+                      <a:rPr lang="en-US" sz="800" i="1" dirty="0">
+                        <a:solidFill>
+                          <a:schemeClr val="tx1">
+                            <a:lumMod val="65000"/>
+                            <a:lumOff val="35000"/>
+                          </a:schemeClr>
+                        </a:solidFill>
+                        <a:latin typeface="Times New Roman" panose="02020603050405020304" pitchFamily="18" charset="0"/>
+                        <a:cs typeface="Times New Roman" panose="02020603050405020304" pitchFamily="18" charset="0"/>
+                      </a:rPr>
+                      <a:t>is the separation between the pupils. </a:t>
+                    </a:r>
+                    <a:endParaRPr lang="en-US" sz="900" i="1" dirty="0">
+                      <a:solidFill>
+                        <a:schemeClr val="tx1">
+                          <a:lumMod val="65000"/>
+                          <a:lumOff val="35000"/>
+                        </a:schemeClr>
+                      </a:solidFill>
+                      <a:latin typeface="Times New Roman" panose="02020603050405020304" pitchFamily="18" charset="0"/>
+                      <a:cs typeface="Times New Roman" panose="02020603050405020304" pitchFamily="18" charset="0"/>
+                    </a:endParaRPr>
+                  </a:p>
+                </p:txBody>
+              </p:sp>
+            </mc:Choice>
+            <mc:Fallback xmlns="">
+              <p:sp>
+                <p:nvSpPr>
+                  <p:cNvPr id="26" name="TextBox 25"/>
+                  <p:cNvSpPr txBox="1">
+                    <a:spLocks noRot="1" noChangeAspect="1" noMove="1" noResize="1" noEditPoints="1" noAdjustHandles="1" noChangeArrowheads="1" noChangeShapeType="1" noTextEdit="1"/>
+                  </p:cNvSpPr>
+                  <p:nvPr/>
+                </p:nvSpPr>
+                <p:spPr>
+                  <a:xfrm>
+                    <a:off x="2201361" y="2407698"/>
+                    <a:ext cx="1911101" cy="230832"/>
+                  </a:xfrm>
+                  <a:prstGeom prst="rect">
+                    <a:avLst/>
+                  </a:prstGeom>
+                  <a:blipFill>
+                    <a:blip r:embed="rId21"/>
+                    <a:stretch>
+                      <a:fillRect b="-5263"/>
+                    </a:stretch>
+                  </a:blipFill>
+                </p:spPr>
+                <p:txBody>
+                  <a:bodyPr/>
+                  <a:lstStyle/>
+                  <a:p>
+                    <a:r>
+                      <a:rPr lang="en-US">
+                        <a:noFill/>
+                      </a:rPr>
+                      <a:t> </a:t>
+                    </a:r>
+                  </a:p>
+                </p:txBody>
+              </p:sp>
+            </mc:Fallback>
+          </mc:AlternateContent>
+        </p:grpSp>
+      </p:grpSp>
+    </p:spTree>
+    <p:extLst>
+      <p:ext uri="{BB962C8B-B14F-4D97-AF65-F5344CB8AC3E}">
+        <p14:creationId xmlns:p14="http://schemas.microsoft.com/office/powerpoint/2010/main" val="1774549553"/>
+      </p:ext>
+    </p:extLst>
+  </p:cSld>
+  <p:clrMapOvr>
+    <a:masterClrMapping/>
+  </p:clrMapOvr>
+</p:sld>
+</file>
+
 <file path=ppt/theme/theme1.xml><?xml version="1.0" encoding="utf-8"?>
 <a:theme xmlns:a="http://schemas.openxmlformats.org/drawingml/2006/main" name="Office Theme">
   <a:themeElements>

--- a/talks/imaging_applied_optics_2016/images/figures_ppt.pptx
+++ b/talks/imaging_applied_optics_2016/images/figures_ppt.pptx
@@ -9838,21 +9838,21 @@
       </p:grpSpPr>
       <p:grpSp>
         <p:nvGrpSpPr>
-          <p:cNvPr id="624" name="Group 623"/>
+          <p:cNvPr id="4" name="Group 3"/>
           <p:cNvGrpSpPr/>
           <p:nvPr/>
         </p:nvGrpSpPr>
         <p:grpSpPr>
           <a:xfrm>
-            <a:off x="91157" y="3237028"/>
-            <a:ext cx="5176167" cy="1721377"/>
-            <a:chOff x="91157" y="3237028"/>
-            <a:chExt cx="5176167" cy="1721377"/>
+            <a:off x="95836" y="3239333"/>
+            <a:ext cx="5171488" cy="1719072"/>
+            <a:chOff x="95836" y="3239333"/>
+            <a:chExt cx="5171488" cy="1719072"/>
           </a:xfrm>
         </p:grpSpPr>
         <p:pic>
           <p:nvPicPr>
-            <p:cNvPr id="612" name="Picture 611"/>
+            <p:cNvPr id="2" name="Picture 1"/>
             <p:cNvPicPr>
               <a:picLocks noChangeAspect="1"/>
             </p:cNvPicPr>
@@ -9866,8 +9866,8 @@
           </p:blipFill>
           <p:spPr>
             <a:xfrm>
-              <a:off x="91157" y="3237028"/>
-              <a:ext cx="3495015" cy="1721377"/>
+              <a:off x="95836" y="3239333"/>
+              <a:ext cx="3490336" cy="1719072"/>
             </a:xfrm>
             <a:prstGeom prst="rect">
               <a:avLst/>
@@ -9876,7 +9876,7 @@
         </p:pic>
         <p:grpSp>
           <p:nvGrpSpPr>
-            <p:cNvPr id="621" name="Group 620"/>
+            <p:cNvPr id="3" name="Group 2"/>
             <p:cNvGrpSpPr/>
             <p:nvPr/>
           </p:nvGrpSpPr>
@@ -9884,814 +9884,10 @@
             <a:xfrm>
               <a:off x="3604648" y="3424100"/>
               <a:ext cx="1662676" cy="1325297"/>
-              <a:chOff x="3842772" y="3452673"/>
+              <a:chOff x="3604648" y="3424100"/>
               <a:chExt cx="1662676" cy="1325297"/>
             </a:xfrm>
           </p:grpSpPr>
-          <mc:AlternateContent xmlns:mc="http://schemas.openxmlformats.org/markup-compatibility/2006">
-            <mc:Choice xmlns:a14="http://schemas.microsoft.com/office/drawing/2010/main" Requires="a14">
-              <p:sp>
-                <p:nvSpPr>
-                  <p:cNvPr id="614" name="Text Box 15"/>
-                  <p:cNvSpPr txBox="1">
-                    <a:spLocks noChangeAspect="1"/>
-                  </p:cNvSpPr>
-                  <p:nvPr/>
-                </p:nvSpPr>
-                <p:spPr>
-                  <a:xfrm flipH="1">
-                    <a:off x="3842772" y="3452673"/>
-                    <a:ext cx="1550934" cy="326409"/>
-                  </a:xfrm>
-                  <a:prstGeom prst="rect">
-                    <a:avLst/>
-                  </a:prstGeom>
-                  <a:noFill/>
-                  <a:ln w="6350">
-                    <a:noFill/>
-                  </a:ln>
-                  <a:effectLst/>
-                </p:spPr>
-                <p:style>
-                  <a:lnRef idx="0">
-                    <a:schemeClr val="accent1"/>
-                  </a:lnRef>
-                  <a:fillRef idx="0">
-                    <a:schemeClr val="accent1"/>
-                  </a:fillRef>
-                  <a:effectRef idx="0">
-                    <a:schemeClr val="accent1"/>
-                  </a:effectRef>
-                  <a:fontRef idx="minor">
-                    <a:schemeClr val="dk1"/>
-                  </a:fontRef>
-                </p:style>
-                <p:txBody>
-                  <a:bodyPr rot="0" spcFirstLastPara="0" vert="horz" wrap="square" lIns="91440" tIns="45720" rIns="91440" bIns="45720" numCol="1" spcCol="0" rtlCol="0" fromWordArt="0" anchor="t" anchorCtr="0" forceAA="0" compatLnSpc="1">
-                    <a:prstTxWarp prst="textNoShape">
-                      <a:avLst/>
-                    </a:prstTxWarp>
-                    <a:noAutofit/>
-                  </a:bodyPr>
-                  <a:lstStyle/>
-                  <a:p>
-                    <a:pPr>
-                      <a:lnSpc>
-                        <a:spcPct val="115000"/>
-                      </a:lnSpc>
-                    </a:pPr>
-                    <a14:m>
-                      <m:oMath xmlns:m="http://schemas.openxmlformats.org/officeDocument/2006/math">
-                        <m:r>
-                          <a:rPr lang="en-US" sz="800" i="1" dirty="0" smtClean="0">
-                            <a:solidFill>
-                              <a:schemeClr val="tx1">
-                                <a:lumMod val="85000"/>
-                                <a:lumOff val="15000"/>
-                              </a:schemeClr>
-                            </a:solidFill>
-                            <a:effectLst/>
-                            <a:latin typeface="Cambria Math" panose="02040503050406030204" pitchFamily="18" charset="0"/>
-                            <a:ea typeface="Calibri"/>
-                            <a:cs typeface="Times New Roman"/>
-                          </a:rPr>
-                          <m:t>𝐸</m:t>
-                        </m:r>
-                      </m:oMath>
-                    </a14:m>
-                    <a:r>
-                      <a:rPr lang="en-US" sz="800" dirty="0">
-                        <a:solidFill>
-                          <a:schemeClr val="tx1">
-                            <a:lumMod val="85000"/>
-                            <a:lumOff val="15000"/>
-                          </a:schemeClr>
-                        </a:solidFill>
-                        <a:effectLst/>
-                        <a:ea typeface="Calibri"/>
-                        <a:cs typeface="Times New Roman"/>
-                      </a:rPr>
-                      <a:t> : </a:t>
-                    </a:r>
-                    <a:r>
-                      <a:rPr lang="en-US" sz="800" i="1" dirty="0">
-                        <a:solidFill>
-                          <a:schemeClr val="tx1">
-                            <a:lumMod val="85000"/>
-                            <a:lumOff val="15000"/>
-                          </a:schemeClr>
-                        </a:solidFill>
-                      </a:rPr>
-                      <a:t>Center of entrance pupil</a:t>
-                    </a:r>
-                  </a:p>
-                  <a:p>
-                    <a:pPr>
-                      <a:lnSpc>
-                        <a:spcPct val="115000"/>
-                      </a:lnSpc>
-                    </a:pPr>
-                    <a:endParaRPr lang="en-US" sz="800" i="1" dirty="0">
-                      <a:solidFill>
-                        <a:schemeClr val="tx1">
-                          <a:lumMod val="85000"/>
-                          <a:lumOff val="15000"/>
-                        </a:schemeClr>
-                      </a:solidFill>
-                    </a:endParaRPr>
-                  </a:p>
-                  <a:p>
-                    <a:pPr marL="0" marR="0">
-                      <a:lnSpc>
-                        <a:spcPct val="115000"/>
-                      </a:lnSpc>
-                      <a:spcBef>
-                        <a:spcPts val="0"/>
-                      </a:spcBef>
-                      <a:spcAft>
-                        <a:spcPts val="0"/>
-                      </a:spcAft>
-                    </a:pPr>
-                    <a:endParaRPr lang="en-US" sz="800" dirty="0">
-                      <a:solidFill>
-                        <a:schemeClr val="tx1">
-                          <a:lumMod val="85000"/>
-                          <a:lumOff val="15000"/>
-                        </a:schemeClr>
-                      </a:solidFill>
-                      <a:effectLst/>
-                      <a:ea typeface="Calibri"/>
-                      <a:cs typeface="Times New Roman"/>
-                    </a:endParaRPr>
-                  </a:p>
-                </p:txBody>
-              </p:sp>
-            </mc:Choice>
-            <mc:Fallback>
-              <p:sp>
-                <p:nvSpPr>
-                  <p:cNvPr id="614" name="Text Box 15"/>
-                  <p:cNvSpPr txBox="1">
-                    <a:spLocks noRot="1" noChangeAspect="1" noMove="1" noResize="1" noEditPoints="1" noAdjustHandles="1" noChangeArrowheads="1" noChangeShapeType="1" noTextEdit="1"/>
-                  </p:cNvSpPr>
-                  <p:nvPr/>
-                </p:nvSpPr>
-                <p:spPr>
-                  <a:xfrm flipH="1">
-                    <a:off x="3842772" y="3452673"/>
-                    <a:ext cx="1550934" cy="326409"/>
-                  </a:xfrm>
-                  <a:prstGeom prst="rect">
-                    <a:avLst/>
-                  </a:prstGeom>
-                  <a:blipFill>
-                    <a:blip r:embed="rId3"/>
-                    <a:stretch>
-                      <a:fillRect/>
-                    </a:stretch>
-                  </a:blipFill>
-                  <a:ln w="6350">
-                    <a:noFill/>
-                  </a:ln>
-                  <a:effectLst/>
-                </p:spPr>
-                <p:txBody>
-                  <a:bodyPr/>
-                  <a:lstStyle/>
-                  <a:p>
-                    <a:r>
-                      <a:rPr lang="en-US">
-                        <a:noFill/>
-                      </a:rPr>
-                      <a:t> </a:t>
-                    </a:r>
-                  </a:p>
-                </p:txBody>
-              </p:sp>
-            </mc:Fallback>
-          </mc:AlternateContent>
-          <mc:AlternateContent xmlns:mc="http://schemas.openxmlformats.org/markup-compatibility/2006">
-            <mc:Choice xmlns:a14="http://schemas.microsoft.com/office/drawing/2010/main" Requires="a14">
-              <p:sp>
-                <p:nvSpPr>
-                  <p:cNvPr id="615" name="Text Box 15"/>
-                  <p:cNvSpPr txBox="1">
-                    <a:spLocks noChangeAspect="1"/>
-                  </p:cNvSpPr>
-                  <p:nvPr/>
-                </p:nvSpPr>
-                <p:spPr>
-                  <a:xfrm flipH="1">
-                    <a:off x="3842772" y="3621736"/>
-                    <a:ext cx="1391211" cy="326409"/>
-                  </a:xfrm>
-                  <a:prstGeom prst="rect">
-                    <a:avLst/>
-                  </a:prstGeom>
-                  <a:noFill/>
-                  <a:ln w="6350">
-                    <a:noFill/>
-                  </a:ln>
-                  <a:effectLst/>
-                </p:spPr>
-                <p:style>
-                  <a:lnRef idx="0">
-                    <a:schemeClr val="accent1"/>
-                  </a:lnRef>
-                  <a:fillRef idx="0">
-                    <a:schemeClr val="accent1"/>
-                  </a:fillRef>
-                  <a:effectRef idx="0">
-                    <a:schemeClr val="accent1"/>
-                  </a:effectRef>
-                  <a:fontRef idx="minor">
-                    <a:schemeClr val="dk1"/>
-                  </a:fontRef>
-                </p:style>
-                <p:txBody>
-                  <a:bodyPr rot="0" spcFirstLastPara="0" vert="horz" wrap="square" lIns="91440" tIns="45720" rIns="91440" bIns="45720" numCol="1" spcCol="0" rtlCol="0" fromWordArt="0" anchor="t" anchorCtr="0" forceAA="0" compatLnSpc="1">
-                    <a:prstTxWarp prst="textNoShape">
-                      <a:avLst/>
-                    </a:prstTxWarp>
-                    <a:noAutofit/>
-                  </a:bodyPr>
-                  <a:lstStyle/>
-                  <a:p>
-                    <a:pPr marL="0" marR="0">
-                      <a:lnSpc>
-                        <a:spcPct val="115000"/>
-                      </a:lnSpc>
-                      <a:spcBef>
-                        <a:spcPts val="0"/>
-                      </a:spcBef>
-                      <a:spcAft>
-                        <a:spcPts val="0"/>
-                      </a:spcAft>
-                    </a:pPr>
-                    <a14:m>
-                      <m:oMath xmlns:m="http://schemas.openxmlformats.org/officeDocument/2006/math">
-                        <m:acc>
-                          <m:accPr>
-                            <m:chr m:val="́"/>
-                            <m:ctrlPr>
-                              <a:rPr lang="en-US" sz="800" b="0" i="1" dirty="0" smtClean="0">
-                                <a:solidFill>
-                                  <a:schemeClr val="tx1">
-                                    <a:lumMod val="85000"/>
-                                    <a:lumOff val="15000"/>
-                                  </a:schemeClr>
-                                </a:solidFill>
-                                <a:effectLst/>
-                                <a:latin typeface="Cambria Math" panose="02040503050406030204" pitchFamily="18" charset="0"/>
-                                <a:ea typeface="Calibri"/>
-                                <a:cs typeface="Times New Roman"/>
-                              </a:rPr>
-                            </m:ctrlPr>
-                          </m:accPr>
-                          <m:e>
-                            <m:r>
-                              <a:rPr lang="en-US" sz="800" i="1" dirty="0" smtClean="0">
-                                <a:solidFill>
-                                  <a:schemeClr val="tx1">
-                                    <a:lumMod val="85000"/>
-                                    <a:lumOff val="15000"/>
-                                  </a:schemeClr>
-                                </a:solidFill>
-                                <a:effectLst/>
-                                <a:latin typeface="Cambria Math" panose="02040503050406030204" pitchFamily="18" charset="0"/>
-                                <a:ea typeface="Calibri"/>
-                                <a:cs typeface="Times New Roman"/>
-                              </a:rPr>
-                              <m:t>𝐸</m:t>
-                            </m:r>
-                          </m:e>
-                        </m:acc>
-                      </m:oMath>
-                    </a14:m>
-                    <a:r>
-                      <a:rPr lang="en-US" sz="800" dirty="0">
-                        <a:solidFill>
-                          <a:schemeClr val="tx1">
-                            <a:lumMod val="85000"/>
-                            <a:lumOff val="15000"/>
-                          </a:schemeClr>
-                        </a:solidFill>
-                        <a:effectLst/>
-                        <a:ea typeface="Calibri"/>
-                        <a:cs typeface="Times New Roman"/>
-                      </a:rPr>
-                      <a:t>: </a:t>
-                    </a:r>
-                    <a:r>
-                      <a:rPr lang="en-US" sz="800" i="1" dirty="0">
-                        <a:solidFill>
-                          <a:schemeClr val="tx1">
-                            <a:lumMod val="85000"/>
-                            <a:lumOff val="15000"/>
-                          </a:schemeClr>
-                        </a:solidFill>
-                        <a:effectLst/>
-                        <a:ea typeface="Calibri"/>
-                        <a:cs typeface="Times New Roman"/>
-                      </a:rPr>
-                      <a:t>Center of exit pupil</a:t>
-                    </a:r>
-                  </a:p>
-                </p:txBody>
-              </p:sp>
-            </mc:Choice>
-            <mc:Fallback>
-              <p:sp>
-                <p:nvSpPr>
-                  <p:cNvPr id="615" name="Text Box 15"/>
-                  <p:cNvSpPr txBox="1">
-                    <a:spLocks noRot="1" noChangeAspect="1" noMove="1" noResize="1" noEditPoints="1" noAdjustHandles="1" noChangeArrowheads="1" noChangeShapeType="1" noTextEdit="1"/>
-                  </p:cNvSpPr>
-                  <p:nvPr/>
-                </p:nvSpPr>
-                <p:spPr>
-                  <a:xfrm flipH="1">
-                    <a:off x="3842772" y="3621736"/>
-                    <a:ext cx="1391211" cy="326409"/>
-                  </a:xfrm>
-                  <a:prstGeom prst="rect">
-                    <a:avLst/>
-                  </a:prstGeom>
-                  <a:blipFill>
-                    <a:blip r:embed="rId4"/>
-                    <a:stretch>
-                      <a:fillRect/>
-                    </a:stretch>
-                  </a:blipFill>
-                  <a:ln w="6350">
-                    <a:noFill/>
-                  </a:ln>
-                  <a:effectLst/>
-                </p:spPr>
-                <p:txBody>
-                  <a:bodyPr/>
-                  <a:lstStyle/>
-                  <a:p>
-                    <a:r>
-                      <a:rPr lang="en-US">
-                        <a:noFill/>
-                      </a:rPr>
-                      <a:t> </a:t>
-                    </a:r>
-                  </a:p>
-                </p:txBody>
-              </p:sp>
-            </mc:Fallback>
-          </mc:AlternateContent>
-          <mc:AlternateContent xmlns:mc="http://schemas.openxmlformats.org/markup-compatibility/2006">
-            <mc:Choice xmlns:a14="http://schemas.microsoft.com/office/drawing/2010/main" Requires="a14">
-              <p:sp>
-                <p:nvSpPr>
-                  <p:cNvPr id="616" name="Text Box 15"/>
-                  <p:cNvSpPr txBox="1">
-                    <a:spLocks noChangeAspect="1"/>
-                  </p:cNvSpPr>
-                  <p:nvPr/>
-                </p:nvSpPr>
-                <p:spPr>
-                  <a:xfrm flipH="1">
-                    <a:off x="3842772" y="4282498"/>
-                    <a:ext cx="1391211" cy="326409"/>
-                  </a:xfrm>
-                  <a:prstGeom prst="rect">
-                    <a:avLst/>
-                  </a:prstGeom>
-                  <a:noFill/>
-                  <a:ln w="6350">
-                    <a:noFill/>
-                  </a:ln>
-                  <a:effectLst/>
-                </p:spPr>
-                <p:style>
-                  <a:lnRef idx="0">
-                    <a:schemeClr val="accent1"/>
-                  </a:lnRef>
-                  <a:fillRef idx="0">
-                    <a:schemeClr val="accent1"/>
-                  </a:fillRef>
-                  <a:effectRef idx="0">
-                    <a:schemeClr val="accent1"/>
-                  </a:effectRef>
-                  <a:fontRef idx="minor">
-                    <a:schemeClr val="dk1"/>
-                  </a:fontRef>
-                </p:style>
-                <p:txBody>
-                  <a:bodyPr rot="0" spcFirstLastPara="0" vert="horz" wrap="square" lIns="91440" tIns="45720" rIns="91440" bIns="45720" numCol="1" spcCol="0" rtlCol="0" fromWordArt="0" anchor="t" anchorCtr="0" forceAA="0" compatLnSpc="1">
-                    <a:prstTxWarp prst="textNoShape">
-                      <a:avLst/>
-                    </a:prstTxWarp>
-                    <a:noAutofit/>
-                  </a:bodyPr>
-                  <a:lstStyle/>
-                  <a:p>
-                    <a:pPr marL="0" marR="0">
-                      <a:lnSpc>
-                        <a:spcPct val="115000"/>
-                      </a:lnSpc>
-                      <a:spcBef>
-                        <a:spcPts val="0"/>
-                      </a:spcBef>
-                      <a:spcAft>
-                        <a:spcPts val="0"/>
-                      </a:spcAft>
-                    </a:pPr>
-                    <a14:m>
-                      <m:oMath xmlns:m="http://schemas.openxmlformats.org/officeDocument/2006/math">
-                        <m:sSub>
-                          <m:sSubPr>
-                            <m:ctrlPr>
-                              <a:rPr lang="en-US" sz="800" b="0" i="1" dirty="0" smtClean="0">
-                                <a:solidFill>
-                                  <a:schemeClr val="tx1">
-                                    <a:lumMod val="85000"/>
-                                    <a:lumOff val="15000"/>
-                                  </a:schemeClr>
-                                </a:solidFill>
-                                <a:effectLst/>
-                                <a:latin typeface="Cambria Math" panose="02040503050406030204" pitchFamily="18" charset="0"/>
-                                <a:ea typeface="Calibri"/>
-                                <a:cs typeface="Times New Roman"/>
-                              </a:rPr>
-                            </m:ctrlPr>
-                          </m:sSubPr>
-                          <m:e>
-                            <m:acc>
-                              <m:accPr>
-                                <m:chr m:val="̂"/>
-                                <m:ctrlPr>
-                                  <a:rPr lang="en-US" sz="800" b="0" i="1" dirty="0" smtClean="0">
-                                    <a:solidFill>
-                                      <a:schemeClr val="tx1">
-                                        <a:lumMod val="85000"/>
-                                        <a:lumOff val="15000"/>
-                                      </a:schemeClr>
-                                    </a:solidFill>
-                                    <a:effectLst/>
-                                    <a:latin typeface="Cambria Math" panose="02040503050406030204" pitchFamily="18" charset="0"/>
-                                    <a:ea typeface="Calibri"/>
-                                    <a:cs typeface="Times New Roman"/>
-                                  </a:rPr>
-                                </m:ctrlPr>
-                              </m:accPr>
-                              <m:e>
-                                <m:r>
-                                  <a:rPr lang="en-US" sz="800" b="0" i="1" dirty="0" smtClean="0">
-                                    <a:solidFill>
-                                      <a:schemeClr val="tx1">
-                                        <a:lumMod val="85000"/>
-                                        <a:lumOff val="15000"/>
-                                      </a:schemeClr>
-                                    </a:solidFill>
-                                    <a:effectLst/>
-                                    <a:latin typeface="Cambria Math" panose="02040503050406030204" pitchFamily="18" charset="0"/>
-                                    <a:ea typeface="Calibri"/>
-                                    <a:cs typeface="Times New Roman"/>
-                                  </a:rPr>
-                                  <m:t>𝑛</m:t>
-                                </m:r>
-                              </m:e>
-                            </m:acc>
-                          </m:e>
-                          <m:sub>
-                            <m:r>
-                              <a:rPr lang="en-US" sz="800" b="0" i="1" dirty="0" smtClean="0">
-                                <a:solidFill>
-                                  <a:schemeClr val="tx1">
-                                    <a:lumMod val="85000"/>
-                                    <a:lumOff val="15000"/>
-                                  </a:schemeClr>
-                                </a:solidFill>
-                                <a:effectLst/>
-                                <a:latin typeface="Cambria Math" panose="02040503050406030204" pitchFamily="18" charset="0"/>
-                                <a:ea typeface="Calibri"/>
-                                <a:cs typeface="Times New Roman"/>
-                              </a:rPr>
-                              <m:t>𝑖</m:t>
-                            </m:r>
-                          </m:sub>
-                        </m:sSub>
-                      </m:oMath>
-                    </a14:m>
-                    <a:r>
-                      <a:rPr lang="en-US" sz="800" dirty="0">
-                        <a:solidFill>
-                          <a:schemeClr val="tx1">
-                            <a:lumMod val="85000"/>
-                            <a:lumOff val="15000"/>
-                          </a:schemeClr>
-                        </a:solidFill>
-                        <a:effectLst/>
-                        <a:ea typeface="Calibri"/>
-                        <a:cs typeface="Times New Roman"/>
-                      </a:rPr>
-                      <a:t>: </a:t>
-                    </a:r>
-                    <a:r>
-                      <a:rPr lang="en-US" sz="800" i="1" dirty="0">
-                        <a:solidFill>
-                          <a:schemeClr val="tx1">
-                            <a:lumMod val="85000"/>
-                            <a:lumOff val="15000"/>
-                          </a:schemeClr>
-                        </a:solidFill>
-                        <a:effectLst/>
-                        <a:ea typeface="Calibri"/>
-                        <a:cs typeface="Times New Roman"/>
-                      </a:rPr>
-                      <a:t>Normal to image plane</a:t>
-                    </a:r>
-                  </a:p>
-                </p:txBody>
-              </p:sp>
-            </mc:Choice>
-            <mc:Fallback>
-              <p:sp>
-                <p:nvSpPr>
-                  <p:cNvPr id="616" name="Text Box 15"/>
-                  <p:cNvSpPr txBox="1">
-                    <a:spLocks noRot="1" noChangeAspect="1" noMove="1" noResize="1" noEditPoints="1" noAdjustHandles="1" noChangeArrowheads="1" noChangeShapeType="1" noTextEdit="1"/>
-                  </p:cNvSpPr>
-                  <p:nvPr/>
-                </p:nvSpPr>
-                <p:spPr>
-                  <a:xfrm flipH="1">
-                    <a:off x="3842772" y="4282498"/>
-                    <a:ext cx="1391211" cy="326409"/>
-                  </a:xfrm>
-                  <a:prstGeom prst="rect">
-                    <a:avLst/>
-                  </a:prstGeom>
-                  <a:blipFill>
-                    <a:blip r:embed="rId5"/>
-                    <a:stretch>
-                      <a:fillRect/>
-                    </a:stretch>
-                  </a:blipFill>
-                  <a:ln w="6350">
-                    <a:noFill/>
-                  </a:ln>
-                  <a:effectLst/>
-                </p:spPr>
-                <p:txBody>
-                  <a:bodyPr/>
-                  <a:lstStyle/>
-                  <a:p>
-                    <a:r>
-                      <a:rPr lang="en-US">
-                        <a:noFill/>
-                      </a:rPr>
-                      <a:t> </a:t>
-                    </a:r>
-                  </a:p>
-                </p:txBody>
-              </p:sp>
-            </mc:Fallback>
-          </mc:AlternateContent>
-          <mc:AlternateContent xmlns:mc="http://schemas.openxmlformats.org/markup-compatibility/2006">
-            <mc:Choice xmlns:a14="http://schemas.microsoft.com/office/drawing/2010/main" Requires="a14">
-              <p:sp>
-                <p:nvSpPr>
-                  <p:cNvPr id="617" name="Text Box 15"/>
-                  <p:cNvSpPr txBox="1">
-                    <a:spLocks noChangeAspect="1"/>
-                  </p:cNvSpPr>
-                  <p:nvPr/>
-                </p:nvSpPr>
-                <p:spPr>
-                  <a:xfrm flipH="1">
-                    <a:off x="3842772" y="3795562"/>
-                    <a:ext cx="1643627" cy="551427"/>
-                  </a:xfrm>
-                  <a:prstGeom prst="rect">
-                    <a:avLst/>
-                  </a:prstGeom>
-                  <a:noFill/>
-                  <a:ln w="6350">
-                    <a:noFill/>
-                  </a:ln>
-                  <a:effectLst/>
-                </p:spPr>
-                <p:style>
-                  <a:lnRef idx="0">
-                    <a:schemeClr val="accent1"/>
-                  </a:lnRef>
-                  <a:fillRef idx="0">
-                    <a:schemeClr val="accent1"/>
-                  </a:fillRef>
-                  <a:effectRef idx="0">
-                    <a:schemeClr val="accent1"/>
-                  </a:effectRef>
-                  <a:fontRef idx="minor">
-                    <a:schemeClr val="dk1"/>
-                  </a:fontRef>
-                </p:style>
-                <p:txBody>
-                  <a:bodyPr rot="0" spcFirstLastPara="0" vert="horz" wrap="square" lIns="91440" tIns="45720" rIns="91440" bIns="45720" numCol="1" spcCol="0" rtlCol="0" fromWordArt="0" anchor="t" anchorCtr="0" forceAA="0" compatLnSpc="1">
-                    <a:prstTxWarp prst="textNoShape">
-                      <a:avLst/>
-                    </a:prstTxWarp>
-                    <a:noAutofit/>
-                  </a:bodyPr>
-                  <a:lstStyle/>
-                  <a:p>
-                    <a:pPr marL="171450" marR="0" indent="-171450">
-                      <a:lnSpc>
-                        <a:spcPct val="115000"/>
-                      </a:lnSpc>
-                      <a:spcBef>
-                        <a:spcPts val="0"/>
-                      </a:spcBef>
-                      <a:spcAft>
-                        <a:spcPts val="0"/>
-                      </a:spcAft>
-                    </a:pPr>
-                    <a14:m>
-                      <m:oMath xmlns:m="http://schemas.openxmlformats.org/officeDocument/2006/math">
-                        <m:sSub>
-                          <m:sSubPr>
-                            <m:ctrlPr>
-                              <a:rPr lang="en-US" sz="800" b="0" i="1" dirty="0" smtClean="0">
-                                <a:solidFill>
-                                  <a:schemeClr val="tx1">
-                                    <a:lumMod val="85000"/>
-                                    <a:lumOff val="15000"/>
-                                  </a:schemeClr>
-                                </a:solidFill>
-                                <a:effectLst/>
-                                <a:latin typeface="Cambria Math" panose="02040503050406030204" pitchFamily="18" charset="0"/>
-                                <a:ea typeface="Calibri"/>
-                                <a:cs typeface="Times New Roman"/>
-                              </a:rPr>
-                            </m:ctrlPr>
-                          </m:sSubPr>
-                          <m:e>
-                            <m:r>
-                              <a:rPr lang="en-US" sz="800" b="0" i="1" dirty="0" smtClean="0">
-                                <a:solidFill>
-                                  <a:schemeClr val="tx1">
-                                    <a:lumMod val="85000"/>
-                                    <a:lumOff val="15000"/>
-                                  </a:schemeClr>
-                                </a:solidFill>
-                                <a:effectLst/>
-                                <a:latin typeface="Cambria Math" panose="02040503050406030204" pitchFamily="18" charset="0"/>
-                                <a:ea typeface="Calibri"/>
-                                <a:cs typeface="Times New Roman"/>
-                              </a:rPr>
-                              <m:t>𝑅</m:t>
-                            </m:r>
-                          </m:e>
-                          <m:sub>
-                            <m:r>
-                              <a:rPr lang="en-US" sz="800" b="0" i="1" dirty="0" smtClean="0">
-                                <a:solidFill>
-                                  <a:schemeClr val="tx1">
-                                    <a:lumMod val="85000"/>
-                                    <a:lumOff val="15000"/>
-                                  </a:schemeClr>
-                                </a:solidFill>
-                                <a:effectLst/>
-                                <a:latin typeface="Cambria Math" panose="02040503050406030204" pitchFamily="18" charset="0"/>
-                                <a:ea typeface="Calibri"/>
-                                <a:cs typeface="Times New Roman"/>
-                              </a:rPr>
-                              <m:t>ℓ</m:t>
-                            </m:r>
-                          </m:sub>
-                        </m:sSub>
-                      </m:oMath>
-                    </a14:m>
-                    <a:r>
-                      <a:rPr lang="en-US" sz="800" dirty="0">
-                        <a:solidFill>
-                          <a:schemeClr val="tx1">
-                            <a:lumMod val="85000"/>
-                            <a:lumOff val="15000"/>
-                          </a:schemeClr>
-                        </a:solidFill>
-                        <a:effectLst/>
-                        <a:ea typeface="Calibri"/>
-                        <a:cs typeface="Times New Roman"/>
-                      </a:rPr>
-                      <a:t>: </a:t>
-                    </a:r>
-                    <a:r>
-                      <a:rPr lang="en-US" sz="800" i="1" dirty="0">
-                        <a:solidFill>
-                          <a:schemeClr val="tx1">
-                            <a:lumMod val="85000"/>
-                            <a:lumOff val="15000"/>
-                          </a:schemeClr>
-                        </a:solidFill>
-                        <a:effectLst/>
-                        <a:ea typeface="Calibri"/>
-                        <a:cs typeface="Times New Roman"/>
-                      </a:rPr>
-                      <a:t>Rotation of lens plane (about the pivot at the origin of </a:t>
-                    </a:r>
-                    <a14:m>
-                      <m:oMath xmlns:m="http://schemas.openxmlformats.org/officeDocument/2006/math">
-                        <m:d>
-                          <m:dPr>
-                            <m:begChr m:val="{"/>
-                            <m:endChr m:val="}"/>
-                            <m:ctrlPr>
-                              <a:rPr lang="en-US" sz="800" b="0" i="1" smtClean="0">
-                                <a:solidFill>
-                                  <a:schemeClr val="tx1">
-                                    <a:lumMod val="85000"/>
-                                    <a:lumOff val="15000"/>
-                                  </a:schemeClr>
-                                </a:solidFill>
-                                <a:effectLst/>
-                                <a:latin typeface="Cambria Math" panose="02040503050406030204" pitchFamily="18" charset="0"/>
-                                <a:cs typeface="Times New Roman"/>
-                              </a:rPr>
-                            </m:ctrlPr>
-                          </m:dPr>
-                          <m:e>
-                            <m:r>
-                              <a:rPr lang="en-US" sz="800" b="0" i="1" smtClean="0">
-                                <a:solidFill>
-                                  <a:schemeClr val="tx1">
-                                    <a:lumMod val="85000"/>
-                                    <a:lumOff val="15000"/>
-                                  </a:schemeClr>
-                                </a:solidFill>
-                                <a:effectLst/>
-                                <a:latin typeface="Cambria Math" panose="02040503050406030204" pitchFamily="18" charset="0"/>
-                                <a:cs typeface="Times New Roman"/>
-                              </a:rPr>
-                              <m:t>𝐶</m:t>
-                            </m:r>
-                          </m:e>
-                        </m:d>
-                      </m:oMath>
-                    </a14:m>
-                    <a:endParaRPr lang="en-US" sz="800" i="1" dirty="0">
-                      <a:solidFill>
-                        <a:schemeClr val="tx1">
-                          <a:lumMod val="85000"/>
-                          <a:lumOff val="15000"/>
-                        </a:schemeClr>
-                      </a:solidFill>
-                      <a:effectLst/>
-                      <a:ea typeface="Calibri"/>
-                      <a:cs typeface="Times New Roman"/>
-                    </a:endParaRPr>
-                  </a:p>
-                </p:txBody>
-              </p:sp>
-            </mc:Choice>
-            <mc:Fallback>
-              <p:sp>
-                <p:nvSpPr>
-                  <p:cNvPr id="617" name="Text Box 15"/>
-                  <p:cNvSpPr txBox="1">
-                    <a:spLocks noRot="1" noChangeAspect="1" noMove="1" noResize="1" noEditPoints="1" noAdjustHandles="1" noChangeArrowheads="1" noChangeShapeType="1" noTextEdit="1"/>
-                  </p:cNvSpPr>
-                  <p:nvPr/>
-                </p:nvSpPr>
-                <p:spPr>
-                  <a:xfrm flipH="1">
-                    <a:off x="3842772" y="3795562"/>
-                    <a:ext cx="1643627" cy="551427"/>
-                  </a:xfrm>
-                  <a:prstGeom prst="rect">
-                    <a:avLst/>
-                  </a:prstGeom>
-                  <a:blipFill>
-                    <a:blip r:embed="rId6"/>
-                    <a:stretch>
-                      <a:fillRect/>
-                    </a:stretch>
-                  </a:blipFill>
-                  <a:ln w="6350">
-                    <a:noFill/>
-                  </a:ln>
-                  <a:effectLst/>
-                </p:spPr>
-                <p:txBody>
-                  <a:bodyPr/>
-                  <a:lstStyle/>
-                  <a:p>
-                    <a:r>
-                      <a:rPr lang="en-US">
-                        <a:noFill/>
-                      </a:rPr>
-                      <a:t> </a:t>
-                    </a:r>
-                  </a:p>
-                </p:txBody>
-              </p:sp>
-            </mc:Fallback>
-          </mc:AlternateContent>
           <mc:AlternateContent xmlns:mc="http://schemas.openxmlformats.org/markup-compatibility/2006">
             <mc:Choice xmlns:a14="http://schemas.microsoft.com/office/drawing/2010/main" Requires="a14">
               <p:sp>
@@ -10704,7 +9900,7 @@
                 </p:nvSpPr>
                 <p:spPr>
                   <a:xfrm flipH="1">
-                    <a:off x="3842772" y="4108672"/>
+                    <a:off x="3604648" y="4080099"/>
                     <a:ext cx="1662676" cy="326409"/>
                   </a:xfrm>
                   <a:prstGeom prst="rect">
@@ -10756,6 +9952,7 @@
                                     <a:lumOff val="15000"/>
                                   </a:schemeClr>
                                 </a:solidFill>
+                                <a:latin typeface="Cambria Math" panose="02040503050406030204" pitchFamily="18" charset="0"/>
                               </a:rPr>
                             </m:ctrlPr>
                           </m:sSubPr>
@@ -10768,6 +9965,7 @@
                                     <a:lumOff val="15000"/>
                                   </a:schemeClr>
                                 </a:solidFill>
+                                <a:latin typeface="Cambria Math" panose="02040503050406030204" pitchFamily="18" charset="0"/>
                               </a:rPr>
                               <m:t>𝒓</m:t>
                             </m:r>
@@ -10781,6 +9979,7 @@
                                     <a:lumOff val="15000"/>
                                   </a:schemeClr>
                                 </a:solidFill>
+                                <a:latin typeface="Cambria Math" panose="02040503050406030204" pitchFamily="18" charset="0"/>
                               </a:rPr>
                               <m:t>𝓁</m:t>
                             </m:r>
@@ -10792,6 +9991,7 @@
                                     <a:lumOff val="15000"/>
                                   </a:schemeClr>
                                 </a:solidFill>
+                                <a:latin typeface="Cambria Math" panose="02040503050406030204" pitchFamily="18" charset="0"/>
                               </a:rPr>
                               <m:t>,3</m:t>
                             </m:r>
@@ -10955,14 +10155,14 @@
                 </p:nvSpPr>
                 <p:spPr>
                   <a:xfrm flipH="1">
-                    <a:off x="3842772" y="4108672"/>
+                    <a:off x="3604648" y="4080099"/>
                     <a:ext cx="1662676" cy="326409"/>
                   </a:xfrm>
                   <a:prstGeom prst="rect">
                     <a:avLst/>
                   </a:prstGeom>
                   <a:blipFill>
-                    <a:blip r:embed="rId7"/>
+                    <a:blip r:embed="rId3"/>
                     <a:stretch>
                       <a:fillRect/>
                     </a:stretch>
@@ -10999,7 +10199,7 @@
                 </p:nvSpPr>
                 <p:spPr>
                   <a:xfrm flipH="1">
-                    <a:off x="3842772" y="4451561"/>
+                    <a:off x="3604648" y="4422988"/>
                     <a:ext cx="1619812" cy="326409"/>
                   </a:xfrm>
                   <a:prstGeom prst="rect">
@@ -11352,8 +10552,812 @@
                 </p:nvSpPr>
                 <p:spPr>
                   <a:xfrm flipH="1">
-                    <a:off x="3842772" y="4451561"/>
+                    <a:off x="3604648" y="4422988"/>
                     <a:ext cx="1619812" cy="326409"/>
+                  </a:xfrm>
+                  <a:prstGeom prst="rect">
+                    <a:avLst/>
+                  </a:prstGeom>
+                  <a:blipFill>
+                    <a:blip r:embed="rId4"/>
+                    <a:stretch>
+                      <a:fillRect/>
+                    </a:stretch>
+                  </a:blipFill>
+                  <a:ln w="6350">
+                    <a:noFill/>
+                  </a:ln>
+                  <a:effectLst/>
+                </p:spPr>
+                <p:txBody>
+                  <a:bodyPr/>
+                  <a:lstStyle/>
+                  <a:p>
+                    <a:r>
+                      <a:rPr lang="en-US">
+                        <a:noFill/>
+                      </a:rPr>
+                      <a:t> </a:t>
+                    </a:r>
+                  </a:p>
+                </p:txBody>
+              </p:sp>
+            </mc:Fallback>
+          </mc:AlternateContent>
+          <mc:AlternateContent xmlns:mc="http://schemas.openxmlformats.org/markup-compatibility/2006">
+            <mc:Choice xmlns:a14="http://schemas.microsoft.com/office/drawing/2010/main" Requires="a14">
+              <p:sp>
+                <p:nvSpPr>
+                  <p:cNvPr id="614" name="Text Box 15"/>
+                  <p:cNvSpPr txBox="1">
+                    <a:spLocks noChangeAspect="1"/>
+                  </p:cNvSpPr>
+                  <p:nvPr/>
+                </p:nvSpPr>
+                <p:spPr>
+                  <a:xfrm flipH="1">
+                    <a:off x="3604648" y="3424100"/>
+                    <a:ext cx="1550934" cy="326409"/>
+                  </a:xfrm>
+                  <a:prstGeom prst="rect">
+                    <a:avLst/>
+                  </a:prstGeom>
+                  <a:noFill/>
+                  <a:ln w="6350">
+                    <a:noFill/>
+                  </a:ln>
+                  <a:effectLst/>
+                </p:spPr>
+                <p:style>
+                  <a:lnRef idx="0">
+                    <a:schemeClr val="accent1"/>
+                  </a:lnRef>
+                  <a:fillRef idx="0">
+                    <a:schemeClr val="accent1"/>
+                  </a:fillRef>
+                  <a:effectRef idx="0">
+                    <a:schemeClr val="accent1"/>
+                  </a:effectRef>
+                  <a:fontRef idx="minor">
+                    <a:schemeClr val="dk1"/>
+                  </a:fontRef>
+                </p:style>
+                <p:txBody>
+                  <a:bodyPr rot="0" spcFirstLastPara="0" vert="horz" wrap="square" lIns="91440" tIns="45720" rIns="91440" bIns="45720" numCol="1" spcCol="0" rtlCol="0" fromWordArt="0" anchor="t" anchorCtr="0" forceAA="0" compatLnSpc="1">
+                    <a:prstTxWarp prst="textNoShape">
+                      <a:avLst/>
+                    </a:prstTxWarp>
+                    <a:noAutofit/>
+                  </a:bodyPr>
+                  <a:lstStyle/>
+                  <a:p>
+                    <a:pPr>
+                      <a:lnSpc>
+                        <a:spcPct val="115000"/>
+                      </a:lnSpc>
+                    </a:pPr>
+                    <a14:m>
+                      <m:oMath xmlns:m="http://schemas.openxmlformats.org/officeDocument/2006/math">
+                        <m:r>
+                          <a:rPr lang="en-US" sz="800" i="1" dirty="0" smtClean="0">
+                            <a:solidFill>
+                              <a:schemeClr val="tx1">
+                                <a:lumMod val="85000"/>
+                                <a:lumOff val="15000"/>
+                              </a:schemeClr>
+                            </a:solidFill>
+                            <a:effectLst/>
+                            <a:latin typeface="Cambria Math" panose="02040503050406030204" pitchFamily="18" charset="0"/>
+                            <a:ea typeface="Calibri"/>
+                            <a:cs typeface="Times New Roman"/>
+                          </a:rPr>
+                          <m:t>𝐸</m:t>
+                        </m:r>
+                      </m:oMath>
+                    </a14:m>
+                    <a:r>
+                      <a:rPr lang="en-US" sz="800" dirty="0">
+                        <a:solidFill>
+                          <a:schemeClr val="tx1">
+                            <a:lumMod val="85000"/>
+                            <a:lumOff val="15000"/>
+                          </a:schemeClr>
+                        </a:solidFill>
+                        <a:effectLst/>
+                        <a:ea typeface="Calibri"/>
+                        <a:cs typeface="Times New Roman"/>
+                      </a:rPr>
+                      <a:t> : </a:t>
+                    </a:r>
+                    <a:r>
+                      <a:rPr lang="en-US" sz="800" i="1" dirty="0">
+                        <a:solidFill>
+                          <a:schemeClr val="tx1">
+                            <a:lumMod val="85000"/>
+                            <a:lumOff val="15000"/>
+                          </a:schemeClr>
+                        </a:solidFill>
+                      </a:rPr>
+                      <a:t>Center of entrance pupil</a:t>
+                    </a:r>
+                  </a:p>
+                  <a:p>
+                    <a:pPr>
+                      <a:lnSpc>
+                        <a:spcPct val="115000"/>
+                      </a:lnSpc>
+                    </a:pPr>
+                    <a:endParaRPr lang="en-US" sz="800" i="1" dirty="0">
+                      <a:solidFill>
+                        <a:schemeClr val="tx1">
+                          <a:lumMod val="85000"/>
+                          <a:lumOff val="15000"/>
+                        </a:schemeClr>
+                      </a:solidFill>
+                    </a:endParaRPr>
+                  </a:p>
+                  <a:p>
+                    <a:pPr marL="0" marR="0">
+                      <a:lnSpc>
+                        <a:spcPct val="115000"/>
+                      </a:lnSpc>
+                      <a:spcBef>
+                        <a:spcPts val="0"/>
+                      </a:spcBef>
+                      <a:spcAft>
+                        <a:spcPts val="0"/>
+                      </a:spcAft>
+                    </a:pPr>
+                    <a:endParaRPr lang="en-US" sz="800" dirty="0">
+                      <a:solidFill>
+                        <a:schemeClr val="tx1">
+                          <a:lumMod val="85000"/>
+                          <a:lumOff val="15000"/>
+                        </a:schemeClr>
+                      </a:solidFill>
+                      <a:effectLst/>
+                      <a:ea typeface="Calibri"/>
+                      <a:cs typeface="Times New Roman"/>
+                    </a:endParaRPr>
+                  </a:p>
+                </p:txBody>
+              </p:sp>
+            </mc:Choice>
+            <mc:Fallback>
+              <p:sp>
+                <p:nvSpPr>
+                  <p:cNvPr id="614" name="Text Box 15"/>
+                  <p:cNvSpPr txBox="1">
+                    <a:spLocks noRot="1" noChangeAspect="1" noMove="1" noResize="1" noEditPoints="1" noAdjustHandles="1" noChangeArrowheads="1" noChangeShapeType="1" noTextEdit="1"/>
+                  </p:cNvSpPr>
+                  <p:nvPr/>
+                </p:nvSpPr>
+                <p:spPr>
+                  <a:xfrm flipH="1">
+                    <a:off x="3604648" y="3424100"/>
+                    <a:ext cx="1550934" cy="326409"/>
+                  </a:xfrm>
+                  <a:prstGeom prst="rect">
+                    <a:avLst/>
+                  </a:prstGeom>
+                  <a:blipFill>
+                    <a:blip r:embed="rId5"/>
+                    <a:stretch>
+                      <a:fillRect/>
+                    </a:stretch>
+                  </a:blipFill>
+                  <a:ln w="6350">
+                    <a:noFill/>
+                  </a:ln>
+                  <a:effectLst/>
+                </p:spPr>
+                <p:txBody>
+                  <a:bodyPr/>
+                  <a:lstStyle/>
+                  <a:p>
+                    <a:r>
+                      <a:rPr lang="en-US">
+                        <a:noFill/>
+                      </a:rPr>
+                      <a:t> </a:t>
+                    </a:r>
+                  </a:p>
+                </p:txBody>
+              </p:sp>
+            </mc:Fallback>
+          </mc:AlternateContent>
+          <mc:AlternateContent xmlns:mc="http://schemas.openxmlformats.org/markup-compatibility/2006">
+            <mc:Choice xmlns:a14="http://schemas.microsoft.com/office/drawing/2010/main" Requires="a14">
+              <p:sp>
+                <p:nvSpPr>
+                  <p:cNvPr id="615" name="Text Box 15"/>
+                  <p:cNvSpPr txBox="1">
+                    <a:spLocks noChangeAspect="1"/>
+                  </p:cNvSpPr>
+                  <p:nvPr/>
+                </p:nvSpPr>
+                <p:spPr>
+                  <a:xfrm flipH="1">
+                    <a:off x="3604648" y="3593163"/>
+                    <a:ext cx="1391211" cy="326409"/>
+                  </a:xfrm>
+                  <a:prstGeom prst="rect">
+                    <a:avLst/>
+                  </a:prstGeom>
+                  <a:noFill/>
+                  <a:ln w="6350">
+                    <a:noFill/>
+                  </a:ln>
+                  <a:effectLst/>
+                </p:spPr>
+                <p:style>
+                  <a:lnRef idx="0">
+                    <a:schemeClr val="accent1"/>
+                  </a:lnRef>
+                  <a:fillRef idx="0">
+                    <a:schemeClr val="accent1"/>
+                  </a:fillRef>
+                  <a:effectRef idx="0">
+                    <a:schemeClr val="accent1"/>
+                  </a:effectRef>
+                  <a:fontRef idx="minor">
+                    <a:schemeClr val="dk1"/>
+                  </a:fontRef>
+                </p:style>
+                <p:txBody>
+                  <a:bodyPr rot="0" spcFirstLastPara="0" vert="horz" wrap="square" lIns="91440" tIns="45720" rIns="91440" bIns="45720" numCol="1" spcCol="0" rtlCol="0" fromWordArt="0" anchor="t" anchorCtr="0" forceAA="0" compatLnSpc="1">
+                    <a:prstTxWarp prst="textNoShape">
+                      <a:avLst/>
+                    </a:prstTxWarp>
+                    <a:noAutofit/>
+                  </a:bodyPr>
+                  <a:lstStyle/>
+                  <a:p>
+                    <a:pPr marL="0" marR="0">
+                      <a:lnSpc>
+                        <a:spcPct val="115000"/>
+                      </a:lnSpc>
+                      <a:spcBef>
+                        <a:spcPts val="0"/>
+                      </a:spcBef>
+                      <a:spcAft>
+                        <a:spcPts val="0"/>
+                      </a:spcAft>
+                    </a:pPr>
+                    <a14:m>
+                      <m:oMath xmlns:m="http://schemas.openxmlformats.org/officeDocument/2006/math">
+                        <m:acc>
+                          <m:accPr>
+                            <m:chr m:val="́"/>
+                            <m:ctrlPr>
+                              <a:rPr lang="en-US" sz="800" b="0" i="1" dirty="0" smtClean="0">
+                                <a:solidFill>
+                                  <a:schemeClr val="tx1">
+                                    <a:lumMod val="85000"/>
+                                    <a:lumOff val="15000"/>
+                                  </a:schemeClr>
+                                </a:solidFill>
+                                <a:effectLst/>
+                                <a:latin typeface="Cambria Math" panose="02040503050406030204" pitchFamily="18" charset="0"/>
+                                <a:ea typeface="Calibri"/>
+                                <a:cs typeface="Times New Roman"/>
+                              </a:rPr>
+                            </m:ctrlPr>
+                          </m:accPr>
+                          <m:e>
+                            <m:r>
+                              <a:rPr lang="en-US" sz="800" i="1" dirty="0" smtClean="0">
+                                <a:solidFill>
+                                  <a:schemeClr val="tx1">
+                                    <a:lumMod val="85000"/>
+                                    <a:lumOff val="15000"/>
+                                  </a:schemeClr>
+                                </a:solidFill>
+                                <a:effectLst/>
+                                <a:latin typeface="Cambria Math" panose="02040503050406030204" pitchFamily="18" charset="0"/>
+                                <a:ea typeface="Calibri"/>
+                                <a:cs typeface="Times New Roman"/>
+                              </a:rPr>
+                              <m:t>𝐸</m:t>
+                            </m:r>
+                          </m:e>
+                        </m:acc>
+                      </m:oMath>
+                    </a14:m>
+                    <a:r>
+                      <a:rPr lang="en-US" sz="800" dirty="0">
+                        <a:solidFill>
+                          <a:schemeClr val="tx1">
+                            <a:lumMod val="85000"/>
+                            <a:lumOff val="15000"/>
+                          </a:schemeClr>
+                        </a:solidFill>
+                        <a:effectLst/>
+                        <a:ea typeface="Calibri"/>
+                        <a:cs typeface="Times New Roman"/>
+                      </a:rPr>
+                      <a:t>: </a:t>
+                    </a:r>
+                    <a:r>
+                      <a:rPr lang="en-US" sz="800" i="1" dirty="0">
+                        <a:solidFill>
+                          <a:schemeClr val="tx1">
+                            <a:lumMod val="85000"/>
+                            <a:lumOff val="15000"/>
+                          </a:schemeClr>
+                        </a:solidFill>
+                        <a:effectLst/>
+                        <a:ea typeface="Calibri"/>
+                        <a:cs typeface="Times New Roman"/>
+                      </a:rPr>
+                      <a:t>Center of exit pupil</a:t>
+                    </a:r>
+                  </a:p>
+                </p:txBody>
+              </p:sp>
+            </mc:Choice>
+            <mc:Fallback>
+              <p:sp>
+                <p:nvSpPr>
+                  <p:cNvPr id="615" name="Text Box 15"/>
+                  <p:cNvSpPr txBox="1">
+                    <a:spLocks noRot="1" noChangeAspect="1" noMove="1" noResize="1" noEditPoints="1" noAdjustHandles="1" noChangeArrowheads="1" noChangeShapeType="1" noTextEdit="1"/>
+                  </p:cNvSpPr>
+                  <p:nvPr/>
+                </p:nvSpPr>
+                <p:spPr>
+                  <a:xfrm flipH="1">
+                    <a:off x="3604648" y="3593163"/>
+                    <a:ext cx="1391211" cy="326409"/>
+                  </a:xfrm>
+                  <a:prstGeom prst="rect">
+                    <a:avLst/>
+                  </a:prstGeom>
+                  <a:blipFill>
+                    <a:blip r:embed="rId6"/>
+                    <a:stretch>
+                      <a:fillRect/>
+                    </a:stretch>
+                  </a:blipFill>
+                  <a:ln w="6350">
+                    <a:noFill/>
+                  </a:ln>
+                  <a:effectLst/>
+                </p:spPr>
+                <p:txBody>
+                  <a:bodyPr/>
+                  <a:lstStyle/>
+                  <a:p>
+                    <a:r>
+                      <a:rPr lang="en-US">
+                        <a:noFill/>
+                      </a:rPr>
+                      <a:t> </a:t>
+                    </a:r>
+                  </a:p>
+                </p:txBody>
+              </p:sp>
+            </mc:Fallback>
+          </mc:AlternateContent>
+          <mc:AlternateContent xmlns:mc="http://schemas.openxmlformats.org/markup-compatibility/2006">
+            <mc:Choice xmlns:a14="http://schemas.microsoft.com/office/drawing/2010/main" Requires="a14">
+              <p:sp>
+                <p:nvSpPr>
+                  <p:cNvPr id="616" name="Text Box 15"/>
+                  <p:cNvSpPr txBox="1">
+                    <a:spLocks noChangeAspect="1"/>
+                  </p:cNvSpPr>
+                  <p:nvPr/>
+                </p:nvSpPr>
+                <p:spPr>
+                  <a:xfrm flipH="1">
+                    <a:off x="3604648" y="4253925"/>
+                    <a:ext cx="1391211" cy="326409"/>
+                  </a:xfrm>
+                  <a:prstGeom prst="rect">
+                    <a:avLst/>
+                  </a:prstGeom>
+                  <a:noFill/>
+                  <a:ln w="6350">
+                    <a:noFill/>
+                  </a:ln>
+                  <a:effectLst/>
+                </p:spPr>
+                <p:style>
+                  <a:lnRef idx="0">
+                    <a:schemeClr val="accent1"/>
+                  </a:lnRef>
+                  <a:fillRef idx="0">
+                    <a:schemeClr val="accent1"/>
+                  </a:fillRef>
+                  <a:effectRef idx="0">
+                    <a:schemeClr val="accent1"/>
+                  </a:effectRef>
+                  <a:fontRef idx="minor">
+                    <a:schemeClr val="dk1"/>
+                  </a:fontRef>
+                </p:style>
+                <p:txBody>
+                  <a:bodyPr rot="0" spcFirstLastPara="0" vert="horz" wrap="square" lIns="91440" tIns="45720" rIns="91440" bIns="45720" numCol="1" spcCol="0" rtlCol="0" fromWordArt="0" anchor="t" anchorCtr="0" forceAA="0" compatLnSpc="1">
+                    <a:prstTxWarp prst="textNoShape">
+                      <a:avLst/>
+                    </a:prstTxWarp>
+                    <a:noAutofit/>
+                  </a:bodyPr>
+                  <a:lstStyle/>
+                  <a:p>
+                    <a:pPr marL="0" marR="0">
+                      <a:lnSpc>
+                        <a:spcPct val="115000"/>
+                      </a:lnSpc>
+                      <a:spcBef>
+                        <a:spcPts val="0"/>
+                      </a:spcBef>
+                      <a:spcAft>
+                        <a:spcPts val="0"/>
+                      </a:spcAft>
+                    </a:pPr>
+                    <a14:m>
+                      <m:oMath xmlns:m="http://schemas.openxmlformats.org/officeDocument/2006/math">
+                        <m:sSub>
+                          <m:sSubPr>
+                            <m:ctrlPr>
+                              <a:rPr lang="en-US" sz="800" b="0" i="1" dirty="0" smtClean="0">
+                                <a:solidFill>
+                                  <a:schemeClr val="tx1">
+                                    <a:lumMod val="85000"/>
+                                    <a:lumOff val="15000"/>
+                                  </a:schemeClr>
+                                </a:solidFill>
+                                <a:effectLst/>
+                                <a:latin typeface="Cambria Math" panose="02040503050406030204" pitchFamily="18" charset="0"/>
+                                <a:ea typeface="Calibri"/>
+                                <a:cs typeface="Times New Roman"/>
+                              </a:rPr>
+                            </m:ctrlPr>
+                          </m:sSubPr>
+                          <m:e>
+                            <m:acc>
+                              <m:accPr>
+                                <m:chr m:val="̂"/>
+                                <m:ctrlPr>
+                                  <a:rPr lang="en-US" sz="800" b="0" i="1" dirty="0" smtClean="0">
+                                    <a:solidFill>
+                                      <a:schemeClr val="tx1">
+                                        <a:lumMod val="85000"/>
+                                        <a:lumOff val="15000"/>
+                                      </a:schemeClr>
+                                    </a:solidFill>
+                                    <a:effectLst/>
+                                    <a:latin typeface="Cambria Math" panose="02040503050406030204" pitchFamily="18" charset="0"/>
+                                    <a:ea typeface="Calibri"/>
+                                    <a:cs typeface="Times New Roman"/>
+                                  </a:rPr>
+                                </m:ctrlPr>
+                              </m:accPr>
+                              <m:e>
+                                <m:r>
+                                  <a:rPr lang="en-US" sz="800" b="0" i="1" dirty="0" smtClean="0">
+                                    <a:solidFill>
+                                      <a:schemeClr val="tx1">
+                                        <a:lumMod val="85000"/>
+                                        <a:lumOff val="15000"/>
+                                      </a:schemeClr>
+                                    </a:solidFill>
+                                    <a:effectLst/>
+                                    <a:latin typeface="Cambria Math" panose="02040503050406030204" pitchFamily="18" charset="0"/>
+                                    <a:ea typeface="Calibri"/>
+                                    <a:cs typeface="Times New Roman"/>
+                                  </a:rPr>
+                                  <m:t>𝑛</m:t>
+                                </m:r>
+                              </m:e>
+                            </m:acc>
+                          </m:e>
+                          <m:sub>
+                            <m:r>
+                              <a:rPr lang="en-US" sz="800" b="0" i="1" dirty="0" smtClean="0">
+                                <a:solidFill>
+                                  <a:schemeClr val="tx1">
+                                    <a:lumMod val="85000"/>
+                                    <a:lumOff val="15000"/>
+                                  </a:schemeClr>
+                                </a:solidFill>
+                                <a:effectLst/>
+                                <a:latin typeface="Cambria Math" panose="02040503050406030204" pitchFamily="18" charset="0"/>
+                                <a:ea typeface="Calibri"/>
+                                <a:cs typeface="Times New Roman"/>
+                              </a:rPr>
+                              <m:t>𝑖</m:t>
+                            </m:r>
+                          </m:sub>
+                        </m:sSub>
+                      </m:oMath>
+                    </a14:m>
+                    <a:r>
+                      <a:rPr lang="en-US" sz="800" dirty="0">
+                        <a:solidFill>
+                          <a:schemeClr val="tx1">
+                            <a:lumMod val="85000"/>
+                            <a:lumOff val="15000"/>
+                          </a:schemeClr>
+                        </a:solidFill>
+                        <a:effectLst/>
+                        <a:ea typeface="Calibri"/>
+                        <a:cs typeface="Times New Roman"/>
+                      </a:rPr>
+                      <a:t>: </a:t>
+                    </a:r>
+                    <a:r>
+                      <a:rPr lang="en-US" sz="800" i="1" dirty="0">
+                        <a:solidFill>
+                          <a:schemeClr val="tx1">
+                            <a:lumMod val="85000"/>
+                            <a:lumOff val="15000"/>
+                          </a:schemeClr>
+                        </a:solidFill>
+                        <a:effectLst/>
+                        <a:ea typeface="Calibri"/>
+                        <a:cs typeface="Times New Roman"/>
+                      </a:rPr>
+                      <a:t>Normal to sensor plane</a:t>
+                    </a:r>
+                  </a:p>
+                </p:txBody>
+              </p:sp>
+            </mc:Choice>
+            <mc:Fallback>
+              <p:sp>
+                <p:nvSpPr>
+                  <p:cNvPr id="616" name="Text Box 15"/>
+                  <p:cNvSpPr txBox="1">
+                    <a:spLocks noRot="1" noChangeAspect="1" noMove="1" noResize="1" noEditPoints="1" noAdjustHandles="1" noChangeArrowheads="1" noChangeShapeType="1" noTextEdit="1"/>
+                  </p:cNvSpPr>
+                  <p:nvPr/>
+                </p:nvSpPr>
+                <p:spPr>
+                  <a:xfrm flipH="1">
+                    <a:off x="3604648" y="4253925"/>
+                    <a:ext cx="1391211" cy="326409"/>
+                  </a:xfrm>
+                  <a:prstGeom prst="rect">
+                    <a:avLst/>
+                  </a:prstGeom>
+                  <a:blipFill>
+                    <a:blip r:embed="rId7"/>
+                    <a:stretch>
+                      <a:fillRect/>
+                    </a:stretch>
+                  </a:blipFill>
+                  <a:ln w="6350">
+                    <a:noFill/>
+                  </a:ln>
+                  <a:effectLst/>
+                </p:spPr>
+                <p:txBody>
+                  <a:bodyPr/>
+                  <a:lstStyle/>
+                  <a:p>
+                    <a:r>
+                      <a:rPr lang="en-US">
+                        <a:noFill/>
+                      </a:rPr>
+                      <a:t> </a:t>
+                    </a:r>
+                  </a:p>
+                </p:txBody>
+              </p:sp>
+            </mc:Fallback>
+          </mc:AlternateContent>
+          <mc:AlternateContent xmlns:mc="http://schemas.openxmlformats.org/markup-compatibility/2006">
+            <mc:Choice xmlns:a14="http://schemas.microsoft.com/office/drawing/2010/main" Requires="a14">
+              <p:sp>
+                <p:nvSpPr>
+                  <p:cNvPr id="617" name="Text Box 15"/>
+                  <p:cNvSpPr txBox="1">
+                    <a:spLocks noChangeAspect="1"/>
+                  </p:cNvSpPr>
+                  <p:nvPr/>
+                </p:nvSpPr>
+                <p:spPr>
+                  <a:xfrm flipH="1">
+                    <a:off x="3604648" y="3766989"/>
+                    <a:ext cx="1643627" cy="551427"/>
+                  </a:xfrm>
+                  <a:prstGeom prst="rect">
+                    <a:avLst/>
+                  </a:prstGeom>
+                  <a:noFill/>
+                  <a:ln w="6350">
+                    <a:noFill/>
+                  </a:ln>
+                  <a:effectLst/>
+                </p:spPr>
+                <p:style>
+                  <a:lnRef idx="0">
+                    <a:schemeClr val="accent1"/>
+                  </a:lnRef>
+                  <a:fillRef idx="0">
+                    <a:schemeClr val="accent1"/>
+                  </a:fillRef>
+                  <a:effectRef idx="0">
+                    <a:schemeClr val="accent1"/>
+                  </a:effectRef>
+                  <a:fontRef idx="minor">
+                    <a:schemeClr val="dk1"/>
+                  </a:fontRef>
+                </p:style>
+                <p:txBody>
+                  <a:bodyPr rot="0" spcFirstLastPara="0" vert="horz" wrap="square" lIns="91440" tIns="45720" rIns="91440" bIns="45720" numCol="1" spcCol="0" rtlCol="0" fromWordArt="0" anchor="t" anchorCtr="0" forceAA="0" compatLnSpc="1">
+                    <a:prstTxWarp prst="textNoShape">
+                      <a:avLst/>
+                    </a:prstTxWarp>
+                    <a:noAutofit/>
+                  </a:bodyPr>
+                  <a:lstStyle/>
+                  <a:p>
+                    <a:pPr marL="171450" marR="0" indent="-171450">
+                      <a:lnSpc>
+                        <a:spcPct val="115000"/>
+                      </a:lnSpc>
+                      <a:spcBef>
+                        <a:spcPts val="0"/>
+                      </a:spcBef>
+                      <a:spcAft>
+                        <a:spcPts val="0"/>
+                      </a:spcAft>
+                    </a:pPr>
+                    <a14:m>
+                      <m:oMath xmlns:m="http://schemas.openxmlformats.org/officeDocument/2006/math">
+                        <m:sSub>
+                          <m:sSubPr>
+                            <m:ctrlPr>
+                              <a:rPr lang="en-US" sz="800" b="0" i="1" dirty="0" smtClean="0">
+                                <a:solidFill>
+                                  <a:schemeClr val="tx1">
+                                    <a:lumMod val="85000"/>
+                                    <a:lumOff val="15000"/>
+                                  </a:schemeClr>
+                                </a:solidFill>
+                                <a:effectLst/>
+                                <a:latin typeface="Cambria Math" panose="02040503050406030204" pitchFamily="18" charset="0"/>
+                                <a:ea typeface="Calibri"/>
+                                <a:cs typeface="Times New Roman"/>
+                              </a:rPr>
+                            </m:ctrlPr>
+                          </m:sSubPr>
+                          <m:e>
+                            <m:r>
+                              <a:rPr lang="en-US" sz="800" b="0" i="1" dirty="0" smtClean="0">
+                                <a:solidFill>
+                                  <a:schemeClr val="tx1">
+                                    <a:lumMod val="85000"/>
+                                    <a:lumOff val="15000"/>
+                                  </a:schemeClr>
+                                </a:solidFill>
+                                <a:effectLst/>
+                                <a:latin typeface="Cambria Math" panose="02040503050406030204" pitchFamily="18" charset="0"/>
+                                <a:ea typeface="Calibri"/>
+                                <a:cs typeface="Times New Roman"/>
+                              </a:rPr>
+                              <m:t>𝑅</m:t>
+                            </m:r>
+                          </m:e>
+                          <m:sub>
+                            <m:r>
+                              <a:rPr lang="en-US" sz="800" b="0" i="1" dirty="0" smtClean="0">
+                                <a:solidFill>
+                                  <a:schemeClr val="tx1">
+                                    <a:lumMod val="85000"/>
+                                    <a:lumOff val="15000"/>
+                                  </a:schemeClr>
+                                </a:solidFill>
+                                <a:effectLst/>
+                                <a:latin typeface="Cambria Math" panose="02040503050406030204" pitchFamily="18" charset="0"/>
+                                <a:ea typeface="Calibri"/>
+                                <a:cs typeface="Times New Roman"/>
+                              </a:rPr>
+                              <m:t>ℓ</m:t>
+                            </m:r>
+                          </m:sub>
+                        </m:sSub>
+                      </m:oMath>
+                    </a14:m>
+                    <a:r>
+                      <a:rPr lang="en-US" sz="800" dirty="0">
+                        <a:solidFill>
+                          <a:schemeClr val="tx1">
+                            <a:lumMod val="85000"/>
+                            <a:lumOff val="15000"/>
+                          </a:schemeClr>
+                        </a:solidFill>
+                        <a:effectLst/>
+                        <a:ea typeface="Calibri"/>
+                        <a:cs typeface="Times New Roman"/>
+                      </a:rPr>
+                      <a:t>: </a:t>
+                    </a:r>
+                    <a:r>
+                      <a:rPr lang="en-US" sz="800" i="1" dirty="0">
+                        <a:solidFill>
+                          <a:schemeClr val="tx1">
+                            <a:lumMod val="85000"/>
+                            <a:lumOff val="15000"/>
+                          </a:schemeClr>
+                        </a:solidFill>
+                        <a:effectLst/>
+                        <a:ea typeface="Calibri"/>
+                        <a:cs typeface="Times New Roman"/>
+                      </a:rPr>
+                      <a:t>Rotation of lens plane (about the pivot at the origin of </a:t>
+                    </a:r>
+                    <a14:m>
+                      <m:oMath xmlns:m="http://schemas.openxmlformats.org/officeDocument/2006/math">
+                        <m:d>
+                          <m:dPr>
+                            <m:begChr m:val="{"/>
+                            <m:endChr m:val="}"/>
+                            <m:ctrlPr>
+                              <a:rPr lang="en-US" sz="800" b="0" i="1" smtClean="0">
+                                <a:solidFill>
+                                  <a:schemeClr val="tx1">
+                                    <a:lumMod val="85000"/>
+                                    <a:lumOff val="15000"/>
+                                  </a:schemeClr>
+                                </a:solidFill>
+                                <a:effectLst/>
+                                <a:latin typeface="Cambria Math" panose="02040503050406030204" pitchFamily="18" charset="0"/>
+                                <a:cs typeface="Times New Roman"/>
+                              </a:rPr>
+                            </m:ctrlPr>
+                          </m:dPr>
+                          <m:e>
+                            <m:r>
+                              <a:rPr lang="en-US" sz="800" b="0" i="1" smtClean="0">
+                                <a:solidFill>
+                                  <a:schemeClr val="tx1">
+                                    <a:lumMod val="85000"/>
+                                    <a:lumOff val="15000"/>
+                                  </a:schemeClr>
+                                </a:solidFill>
+                                <a:effectLst/>
+                                <a:latin typeface="Cambria Math" panose="02040503050406030204" pitchFamily="18" charset="0"/>
+                                <a:cs typeface="Times New Roman"/>
+                              </a:rPr>
+                              <m:t>𝐶</m:t>
+                            </m:r>
+                          </m:e>
+                        </m:d>
+                      </m:oMath>
+                    </a14:m>
+                    <a:endParaRPr lang="en-US" sz="800" i="1" dirty="0">
+                      <a:solidFill>
+                        <a:schemeClr val="tx1">
+                          <a:lumMod val="85000"/>
+                          <a:lumOff val="15000"/>
+                        </a:schemeClr>
+                      </a:solidFill>
+                      <a:effectLst/>
+                      <a:ea typeface="Calibri"/>
+                      <a:cs typeface="Times New Roman"/>
+                    </a:endParaRPr>
+                  </a:p>
+                </p:txBody>
+              </p:sp>
+            </mc:Choice>
+            <mc:Fallback>
+              <p:sp>
+                <p:nvSpPr>
+                  <p:cNvPr id="617" name="Text Box 15"/>
+                  <p:cNvSpPr txBox="1">
+                    <a:spLocks noRot="1" noChangeAspect="1" noMove="1" noResize="1" noEditPoints="1" noAdjustHandles="1" noChangeArrowheads="1" noChangeShapeType="1" noTextEdit="1"/>
+                  </p:cNvSpPr>
+                  <p:nvPr/>
+                </p:nvSpPr>
+                <p:spPr>
+                  <a:xfrm flipH="1">
+                    <a:off x="3604648" y="3766989"/>
+                    <a:ext cx="1643627" cy="551427"/>
                   </a:xfrm>
                   <a:prstGeom prst="rect">
                     <a:avLst/>

--- a/talks/imaging_applied_optics_2016/images/figures_ppt.pptx
+++ b/talks/imaging_applied_optics_2016/images/figures_ppt.pptx
@@ -374,7 +374,7 @@
           <a:p>
             <a:fld id="{9D9501FF-ABFD-4A20-9D6D-E502A59752B5}" type="datetimeFigureOut">
               <a:rPr lang="en-US" smtClean="0"/>
-              <a:t>3/21/2016</a:t>
+              <a:t>7/21/2016</a:t>
             </a:fld>
             <a:endParaRPr lang="en-US"/>
           </a:p>
@@ -542,7 +542,7 @@
           <a:p>
             <a:fld id="{9D9501FF-ABFD-4A20-9D6D-E502A59752B5}" type="datetimeFigureOut">
               <a:rPr lang="en-US" smtClean="0"/>
-              <a:t>3/21/2016</a:t>
+              <a:t>7/21/2016</a:t>
             </a:fld>
             <a:endParaRPr lang="en-US"/>
           </a:p>
@@ -720,7 +720,7 @@
           <a:p>
             <a:fld id="{9D9501FF-ABFD-4A20-9D6D-E502A59752B5}" type="datetimeFigureOut">
               <a:rPr lang="en-US" smtClean="0"/>
-              <a:t>3/21/2016</a:t>
+              <a:t>7/21/2016</a:t>
             </a:fld>
             <a:endParaRPr lang="en-US"/>
           </a:p>
@@ -888,7 +888,7 @@
           <a:p>
             <a:fld id="{9D9501FF-ABFD-4A20-9D6D-E502A59752B5}" type="datetimeFigureOut">
               <a:rPr lang="en-US" smtClean="0"/>
-              <a:t>3/21/2016</a:t>
+              <a:t>7/21/2016</a:t>
             </a:fld>
             <a:endParaRPr lang="en-US"/>
           </a:p>
@@ -1133,7 +1133,7 @@
           <a:p>
             <a:fld id="{9D9501FF-ABFD-4A20-9D6D-E502A59752B5}" type="datetimeFigureOut">
               <a:rPr lang="en-US" smtClean="0"/>
-              <a:t>3/21/2016</a:t>
+              <a:t>7/21/2016</a:t>
             </a:fld>
             <a:endParaRPr lang="en-US"/>
           </a:p>
@@ -1362,7 +1362,7 @@
           <a:p>
             <a:fld id="{9D9501FF-ABFD-4A20-9D6D-E502A59752B5}" type="datetimeFigureOut">
               <a:rPr lang="en-US" smtClean="0"/>
-              <a:t>3/21/2016</a:t>
+              <a:t>7/21/2016</a:t>
             </a:fld>
             <a:endParaRPr lang="en-US"/>
           </a:p>
@@ -1726,7 +1726,7 @@
           <a:p>
             <a:fld id="{9D9501FF-ABFD-4A20-9D6D-E502A59752B5}" type="datetimeFigureOut">
               <a:rPr lang="en-US" smtClean="0"/>
-              <a:t>3/21/2016</a:t>
+              <a:t>7/21/2016</a:t>
             </a:fld>
             <a:endParaRPr lang="en-US"/>
           </a:p>
@@ -1843,7 +1843,7 @@
           <a:p>
             <a:fld id="{9D9501FF-ABFD-4A20-9D6D-E502A59752B5}" type="datetimeFigureOut">
               <a:rPr lang="en-US" smtClean="0"/>
-              <a:t>3/21/2016</a:t>
+              <a:t>7/21/2016</a:t>
             </a:fld>
             <a:endParaRPr lang="en-US"/>
           </a:p>
@@ -1938,7 +1938,7 @@
           <a:p>
             <a:fld id="{9D9501FF-ABFD-4A20-9D6D-E502A59752B5}" type="datetimeFigureOut">
               <a:rPr lang="en-US" smtClean="0"/>
-              <a:t>3/21/2016</a:t>
+              <a:t>7/21/2016</a:t>
             </a:fld>
             <a:endParaRPr lang="en-US"/>
           </a:p>
@@ -2213,7 +2213,7 @@
           <a:p>
             <a:fld id="{9D9501FF-ABFD-4A20-9D6D-E502A59752B5}" type="datetimeFigureOut">
               <a:rPr lang="en-US" smtClean="0"/>
-              <a:t>3/21/2016</a:t>
+              <a:t>7/21/2016</a:t>
             </a:fld>
             <a:endParaRPr lang="en-US"/>
           </a:p>
@@ -2468,7 +2468,7 @@
           <a:p>
             <a:fld id="{9D9501FF-ABFD-4A20-9D6D-E502A59752B5}" type="datetimeFigureOut">
               <a:rPr lang="en-US" smtClean="0"/>
-              <a:t>3/21/2016</a:t>
+              <a:t>7/21/2016</a:t>
             </a:fld>
             <a:endParaRPr lang="en-US"/>
           </a:p>
@@ -2679,7 +2679,7 @@
           <a:p>
             <a:fld id="{9D9501FF-ABFD-4A20-9D6D-E502A59752B5}" type="datetimeFigureOut">
               <a:rPr lang="en-US" smtClean="0"/>
-              <a:t>3/21/2016</a:t>
+              <a:t>7/21/2016</a:t>
             </a:fld>
             <a:endParaRPr lang="en-US"/>
           </a:p>
@@ -9888,8 +9888,8 @@
               <a:chExt cx="1662676" cy="1325297"/>
             </a:xfrm>
           </p:grpSpPr>
-          <mc:AlternateContent xmlns:mc="http://schemas.openxmlformats.org/markup-compatibility/2006">
-            <mc:Choice xmlns:a14="http://schemas.microsoft.com/office/drawing/2010/main" Requires="a14">
+          <mc:AlternateContent xmlns:mc="http://schemas.openxmlformats.org/markup-compatibility/2006" xmlns:a14="http://schemas.microsoft.com/office/drawing/2010/main">
+            <mc:Choice Requires="a14">
               <p:sp>
                 <p:nvSpPr>
                   <p:cNvPr id="618" name="Text Box 15"/>
@@ -10144,7 +10144,7 @@
                 </p:txBody>
               </p:sp>
             </mc:Choice>
-            <mc:Fallback>
+            <mc:Fallback xmlns="">
               <p:sp>
                 <p:nvSpPr>
                   <p:cNvPr id="618" name="Text Box 15"/>
@@ -10187,8 +10187,8 @@
               </p:sp>
             </mc:Fallback>
           </mc:AlternateContent>
-          <mc:AlternateContent xmlns:mc="http://schemas.openxmlformats.org/markup-compatibility/2006">
-            <mc:Choice xmlns:a14="http://schemas.microsoft.com/office/drawing/2010/main" Requires="a14">
+          <mc:AlternateContent xmlns:mc="http://schemas.openxmlformats.org/markup-compatibility/2006" xmlns:a14="http://schemas.microsoft.com/office/drawing/2010/main">
+            <mc:Choice Requires="a14">
               <p:sp>
                 <p:nvSpPr>
                   <p:cNvPr id="619" name="Text Box 15"/>
@@ -10541,7 +10541,7 @@
                 </p:txBody>
               </p:sp>
             </mc:Choice>
-            <mc:Fallback>
+            <mc:Fallback xmlns="">
               <p:sp>
                 <p:nvSpPr>
                   <p:cNvPr id="619" name="Text Box 15"/>
@@ -10584,8 +10584,8 @@
               </p:sp>
             </mc:Fallback>
           </mc:AlternateContent>
-          <mc:AlternateContent xmlns:mc="http://schemas.openxmlformats.org/markup-compatibility/2006">
-            <mc:Choice xmlns:a14="http://schemas.microsoft.com/office/drawing/2010/main" Requires="a14">
+          <mc:AlternateContent xmlns:mc="http://schemas.openxmlformats.org/markup-compatibility/2006" xmlns:a14="http://schemas.microsoft.com/office/drawing/2010/main">
+            <mc:Choice Requires="a14">
               <p:sp>
                 <p:nvSpPr>
                   <p:cNvPr id="614" name="Text Box 15"/>
@@ -10723,7 +10723,7 @@
                 </p:txBody>
               </p:sp>
             </mc:Choice>
-            <mc:Fallback>
+            <mc:Fallback xmlns="">
               <p:sp>
                 <p:nvSpPr>
                   <p:cNvPr id="614" name="Text Box 15"/>
@@ -10766,8 +10766,8 @@
               </p:sp>
             </mc:Fallback>
           </mc:AlternateContent>
-          <mc:AlternateContent xmlns:mc="http://schemas.openxmlformats.org/markup-compatibility/2006">
-            <mc:Choice xmlns:a14="http://schemas.microsoft.com/office/drawing/2010/main" Requires="a14">
+          <mc:AlternateContent xmlns:mc="http://schemas.openxmlformats.org/markup-compatibility/2006" xmlns:a14="http://schemas.microsoft.com/office/drawing/2010/main">
+            <mc:Choice Requires="a14">
               <p:sp>
                 <p:nvSpPr>
                   <p:cNvPr id="615" name="Text Box 15"/>
@@ -10896,7 +10896,7 @@
                 </p:txBody>
               </p:sp>
             </mc:Choice>
-            <mc:Fallback>
+            <mc:Fallback xmlns="">
               <p:sp>
                 <p:nvSpPr>
                   <p:cNvPr id="615" name="Text Box 15"/>
@@ -10939,8 +10939,8 @@
               </p:sp>
             </mc:Fallback>
           </mc:AlternateContent>
-          <mc:AlternateContent xmlns:mc="http://schemas.openxmlformats.org/markup-compatibility/2006">
-            <mc:Choice xmlns:a14="http://schemas.microsoft.com/office/drawing/2010/main" Requires="a14">
+          <mc:AlternateContent xmlns:mc="http://schemas.openxmlformats.org/markup-compatibility/2006" xmlns:a14="http://schemas.microsoft.com/office/drawing/2010/main">
+            <mc:Choice Requires="a14">
               <p:sp>
                 <p:nvSpPr>
                   <p:cNvPr id="616" name="Text Box 15"/>
@@ -11106,7 +11106,7 @@
                 </p:txBody>
               </p:sp>
             </mc:Choice>
-            <mc:Fallback>
+            <mc:Fallback xmlns="">
               <p:sp>
                 <p:nvSpPr>
                   <p:cNvPr id="616" name="Text Box 15"/>
@@ -11149,8 +11149,8 @@
               </p:sp>
             </mc:Fallback>
           </mc:AlternateContent>
-          <mc:AlternateContent xmlns:mc="http://schemas.openxmlformats.org/markup-compatibility/2006">
-            <mc:Choice xmlns:a14="http://schemas.microsoft.com/office/drawing/2010/main" Requires="a14">
+          <mc:AlternateContent xmlns:mc="http://schemas.openxmlformats.org/markup-compatibility/2006" xmlns:a14="http://schemas.microsoft.com/office/drawing/2010/main">
+            <mc:Choice Requires="a14">
               <p:sp>
                 <p:nvSpPr>
                   <p:cNvPr id="617" name="Text Box 15"/>
@@ -11345,7 +11345,7 @@
                 </p:txBody>
               </p:sp>
             </mc:Choice>
-            <mc:Fallback>
+            <mc:Fallback xmlns="">
               <p:sp>
                 <p:nvSpPr>
                   <p:cNvPr id="617" name="Text Box 15"/>
@@ -11389,6 +11389,1521 @@
             </mc:Fallback>
           </mc:AlternateContent>
         </p:grpSp>
+      </p:grpSp>
+      <p:grpSp>
+        <p:nvGrpSpPr>
+          <p:cNvPr id="13" name="Group 12"/>
+          <p:cNvGrpSpPr/>
+          <p:nvPr/>
+        </p:nvGrpSpPr>
+        <p:grpSpPr>
+          <a:xfrm>
+            <a:off x="437545" y="5277156"/>
+            <a:ext cx="1662676" cy="1325297"/>
+            <a:chOff x="3604648" y="3424100"/>
+            <a:chExt cx="1662676" cy="1325297"/>
+          </a:xfrm>
+        </p:grpSpPr>
+        <mc:AlternateContent xmlns:mc="http://schemas.openxmlformats.org/markup-compatibility/2006" xmlns:a14="http://schemas.microsoft.com/office/drawing/2010/main">
+          <mc:Choice Requires="a14">
+            <p:sp>
+              <p:nvSpPr>
+                <p:cNvPr id="14" name="Text Box 15"/>
+                <p:cNvSpPr txBox="1">
+                  <a:spLocks noChangeAspect="1"/>
+                </p:cNvSpPr>
+                <p:nvPr/>
+              </p:nvSpPr>
+              <p:spPr>
+                <a:xfrm flipH="1">
+                  <a:off x="3604648" y="4080099"/>
+                  <a:ext cx="1662676" cy="326409"/>
+                </a:xfrm>
+                <a:prstGeom prst="rect">
+                  <a:avLst/>
+                </a:prstGeom>
+                <a:noFill/>
+                <a:ln w="6350">
+                  <a:noFill/>
+                </a:ln>
+                <a:effectLst/>
+              </p:spPr>
+              <p:style>
+                <a:lnRef idx="0">
+                  <a:schemeClr val="accent1"/>
+                </a:lnRef>
+                <a:fillRef idx="0">
+                  <a:schemeClr val="accent1"/>
+                </a:fillRef>
+                <a:effectRef idx="0">
+                  <a:schemeClr val="accent1"/>
+                </a:effectRef>
+                <a:fontRef idx="minor">
+                  <a:schemeClr val="dk1"/>
+                </a:fontRef>
+              </p:style>
+              <p:txBody>
+                <a:bodyPr rot="0" spcFirstLastPara="0" vert="horz" wrap="square" lIns="91440" tIns="45720" rIns="91440" bIns="45720" numCol="1" spcCol="0" rtlCol="0" fromWordArt="0" anchor="t" anchorCtr="0" forceAA="0" compatLnSpc="1">
+                  <a:prstTxWarp prst="textNoShape">
+                    <a:avLst/>
+                  </a:prstTxWarp>
+                  <a:noAutofit/>
+                </a:bodyPr>
+                <a:lstStyle/>
+                <a:p>
+                  <a:pPr>
+                    <a:lnSpc>
+                      <a:spcPct val="115000"/>
+                    </a:lnSpc>
+                  </a:pPr>
+                  <a14:m>
+                    <m:oMath xmlns:m="http://schemas.openxmlformats.org/officeDocument/2006/math">
+                      <m:sSub>
+                        <m:sSubPr>
+                          <m:ctrlPr>
+                            <a:rPr lang="en-US" sz="800" i="1" smtClean="0">
+                              <a:solidFill>
+                                <a:schemeClr val="tx1">
+                                  <a:lumMod val="85000"/>
+                                  <a:lumOff val="15000"/>
+                                </a:schemeClr>
+                              </a:solidFill>
+                              <a:latin typeface="Cambria Math" panose="02040503050406030204" pitchFamily="18" charset="0"/>
+                            </a:rPr>
+                          </m:ctrlPr>
+                        </m:sSubPr>
+                        <m:e>
+                          <m:r>
+                            <a:rPr lang="en-US" sz="800" b="1" i="1">
+                              <a:solidFill>
+                                <a:schemeClr val="tx1">
+                                  <a:lumMod val="85000"/>
+                                  <a:lumOff val="15000"/>
+                                </a:schemeClr>
+                              </a:solidFill>
+                              <a:latin typeface="Cambria Math" panose="02040503050406030204" pitchFamily="18" charset="0"/>
+                            </a:rPr>
+                            <m:t>𝒓</m:t>
+                          </m:r>
+                        </m:e>
+                        <m:sub>
+                          <m:r>
+                            <a:rPr lang="en-US" sz="800" i="1">
+                              <a:solidFill>
+                                <a:schemeClr val="tx1">
+                                  <a:lumMod val="85000"/>
+                                  <a:lumOff val="15000"/>
+                                </a:schemeClr>
+                              </a:solidFill>
+                              <a:latin typeface="Cambria Math" panose="02040503050406030204" pitchFamily="18" charset="0"/>
+                            </a:rPr>
+                            <m:t>𝓁</m:t>
+                          </m:r>
+                          <m:r>
+                            <a:rPr lang="en-US" sz="800">
+                              <a:solidFill>
+                                <a:schemeClr val="tx1">
+                                  <a:lumMod val="85000"/>
+                                  <a:lumOff val="15000"/>
+                                </a:schemeClr>
+                              </a:solidFill>
+                              <a:latin typeface="Cambria Math" panose="02040503050406030204" pitchFamily="18" charset="0"/>
+                            </a:rPr>
+                            <m:t>,3</m:t>
+                          </m:r>
+                        </m:sub>
+                      </m:sSub>
+                    </m:oMath>
+                  </a14:m>
+                  <a:r>
+                    <a:rPr lang="en-US" sz="800" dirty="0">
+                      <a:solidFill>
+                        <a:schemeClr val="tx1">
+                          <a:lumMod val="85000"/>
+                          <a:lumOff val="15000"/>
+                        </a:schemeClr>
+                      </a:solidFill>
+                      <a:effectLst/>
+                      <a:ea typeface="Calibri"/>
+                      <a:cs typeface="Times New Roman"/>
+                    </a:rPr>
+                    <a:t>: </a:t>
+                  </a:r>
+                  <a:r>
+                    <a:rPr lang="en-US" sz="800" i="1" dirty="0">
+                      <a:solidFill>
+                        <a:schemeClr val="tx1">
+                          <a:lumMod val="85000"/>
+                          <a:lumOff val="15000"/>
+                        </a:schemeClr>
+                      </a:solidFill>
+                      <a:effectLst/>
+                      <a:ea typeface="Calibri"/>
+                      <a:cs typeface="Times New Roman"/>
+                    </a:rPr>
+                    <a:t>3</a:t>
+                  </a:r>
+                  <a:r>
+                    <a:rPr lang="en-US" sz="800" i="1" baseline="30000" dirty="0">
+                      <a:solidFill>
+                        <a:schemeClr val="tx1">
+                          <a:lumMod val="85000"/>
+                          <a:lumOff val="15000"/>
+                        </a:schemeClr>
+                      </a:solidFill>
+                      <a:effectLst/>
+                      <a:ea typeface="Calibri"/>
+                      <a:cs typeface="Times New Roman"/>
+                    </a:rPr>
+                    <a:t>rd</a:t>
+                  </a:r>
+                  <a:r>
+                    <a:rPr lang="en-US" sz="800" i="1" dirty="0">
+                      <a:solidFill>
+                        <a:schemeClr val="tx1">
+                          <a:lumMod val="85000"/>
+                          <a:lumOff val="15000"/>
+                        </a:schemeClr>
+                      </a:solidFill>
+                      <a:effectLst/>
+                      <a:ea typeface="Calibri"/>
+                      <a:cs typeface="Times New Roman"/>
+                    </a:rPr>
+                    <a:t> column of </a:t>
+                  </a:r>
+                  <a14:m>
+                    <m:oMath xmlns:m="http://schemas.openxmlformats.org/officeDocument/2006/math">
+                      <m:sSub>
+                        <m:sSubPr>
+                          <m:ctrlPr>
+                            <a:rPr lang="en-US" sz="800" b="0" i="1" smtClean="0">
+                              <a:solidFill>
+                                <a:schemeClr val="tx1">
+                                  <a:lumMod val="85000"/>
+                                  <a:lumOff val="15000"/>
+                                </a:schemeClr>
+                              </a:solidFill>
+                              <a:effectLst/>
+                              <a:latin typeface="Cambria Math" panose="02040503050406030204" pitchFamily="18" charset="0"/>
+                              <a:ea typeface="Calibri"/>
+                              <a:cs typeface="Times New Roman"/>
+                            </a:rPr>
+                          </m:ctrlPr>
+                        </m:sSubPr>
+                        <m:e>
+                          <m:r>
+                            <a:rPr lang="en-US" sz="800" b="0" i="1" smtClean="0">
+                              <a:solidFill>
+                                <a:schemeClr val="tx1">
+                                  <a:lumMod val="85000"/>
+                                  <a:lumOff val="15000"/>
+                                </a:schemeClr>
+                              </a:solidFill>
+                              <a:effectLst/>
+                              <a:latin typeface="Cambria Math" panose="02040503050406030204" pitchFamily="18" charset="0"/>
+                              <a:ea typeface="Calibri"/>
+                              <a:cs typeface="Times New Roman"/>
+                            </a:rPr>
+                            <m:t>𝑅</m:t>
+                          </m:r>
+                        </m:e>
+                        <m:sub>
+                          <m:r>
+                            <a:rPr lang="en-US" sz="800" b="0" i="1" smtClean="0">
+                              <a:solidFill>
+                                <a:schemeClr val="tx1">
+                                  <a:lumMod val="85000"/>
+                                  <a:lumOff val="15000"/>
+                                </a:schemeClr>
+                              </a:solidFill>
+                              <a:effectLst/>
+                              <a:latin typeface="Cambria Math" panose="02040503050406030204" pitchFamily="18" charset="0"/>
+                              <a:ea typeface="Calibri"/>
+                              <a:cs typeface="Times New Roman"/>
+                            </a:rPr>
+                            <m:t>ℓ</m:t>
+                          </m:r>
+                        </m:sub>
+                      </m:sSub>
+                      <m:r>
+                        <a:rPr lang="en-US" sz="800" b="0" i="1" smtClean="0">
+                          <a:solidFill>
+                            <a:schemeClr val="tx1">
+                              <a:lumMod val="85000"/>
+                              <a:lumOff val="15000"/>
+                            </a:schemeClr>
+                          </a:solidFill>
+                          <a:effectLst/>
+                          <a:latin typeface="Cambria Math" panose="02040503050406030204" pitchFamily="18" charset="0"/>
+                          <a:ea typeface="Calibri"/>
+                          <a:cs typeface="Times New Roman"/>
+                        </a:rPr>
+                        <m:t> </m:t>
+                      </m:r>
+                    </m:oMath>
+                  </a14:m>
+                  <a:r>
+                    <a:rPr lang="en-US" sz="800" i="1" dirty="0">
+                      <a:solidFill>
+                        <a:schemeClr val="tx1">
+                          <a:lumMod val="85000"/>
+                          <a:lumOff val="15000"/>
+                        </a:schemeClr>
+                      </a:solidFill>
+                      <a:effectLst/>
+                      <a:ea typeface="Calibri"/>
+                      <a:cs typeface="Times New Roman"/>
+                    </a:rPr>
+                    <a:t>(optical axis)</a:t>
+                  </a:r>
+                </a:p>
+              </p:txBody>
+            </p:sp>
+          </mc:Choice>
+          <mc:Fallback xmlns="">
+            <p:sp>
+              <p:nvSpPr>
+                <p:cNvPr id="618" name="Text Box 15"/>
+                <p:cNvSpPr txBox="1">
+                  <a:spLocks noRot="1" noChangeAspect="1" noMove="1" noResize="1" noEditPoints="1" noAdjustHandles="1" noChangeArrowheads="1" noChangeShapeType="1" noTextEdit="1"/>
+                </p:cNvSpPr>
+                <p:nvPr/>
+              </p:nvSpPr>
+              <p:spPr>
+                <a:xfrm flipH="1">
+                  <a:off x="3604648" y="4080099"/>
+                  <a:ext cx="1662676" cy="326409"/>
+                </a:xfrm>
+                <a:prstGeom prst="rect">
+                  <a:avLst/>
+                </a:prstGeom>
+                <a:blipFill>
+                  <a:blip r:embed="rId3"/>
+                  <a:stretch>
+                    <a:fillRect/>
+                  </a:stretch>
+                </a:blipFill>
+                <a:ln w="6350">
+                  <a:noFill/>
+                </a:ln>
+                <a:effectLst/>
+              </p:spPr>
+              <p:txBody>
+                <a:bodyPr/>
+                <a:lstStyle/>
+                <a:p>
+                  <a:r>
+                    <a:rPr lang="en-US">
+                      <a:noFill/>
+                    </a:rPr>
+                    <a:t> </a:t>
+                  </a:r>
+                </a:p>
+              </p:txBody>
+            </p:sp>
+          </mc:Fallback>
+        </mc:AlternateContent>
+        <mc:AlternateContent xmlns:mc="http://schemas.openxmlformats.org/markup-compatibility/2006" xmlns:a14="http://schemas.microsoft.com/office/drawing/2010/main">
+          <mc:Choice Requires="a14">
+            <p:sp>
+              <p:nvSpPr>
+                <p:cNvPr id="15" name="Text Box 15"/>
+                <p:cNvSpPr txBox="1">
+                  <a:spLocks noChangeAspect="1"/>
+                </p:cNvSpPr>
+                <p:nvPr/>
+              </p:nvSpPr>
+              <p:spPr>
+                <a:xfrm flipH="1">
+                  <a:off x="3604648" y="4422988"/>
+                  <a:ext cx="1619812" cy="326409"/>
+                </a:xfrm>
+                <a:prstGeom prst="rect">
+                  <a:avLst/>
+                </a:prstGeom>
+                <a:noFill/>
+                <a:ln w="6350">
+                  <a:noFill/>
+                </a:ln>
+                <a:effectLst/>
+              </p:spPr>
+              <p:style>
+                <a:lnRef idx="0">
+                  <a:schemeClr val="accent1"/>
+                </a:lnRef>
+                <a:fillRef idx="0">
+                  <a:schemeClr val="accent1"/>
+                </a:fillRef>
+                <a:effectRef idx="0">
+                  <a:schemeClr val="accent1"/>
+                </a:effectRef>
+                <a:fontRef idx="minor">
+                  <a:schemeClr val="dk1"/>
+                </a:fontRef>
+              </p:style>
+              <p:txBody>
+                <a:bodyPr rot="0" spcFirstLastPara="0" vert="horz" wrap="square" lIns="91440" tIns="45720" rIns="91440" bIns="45720" numCol="1" spcCol="0" rtlCol="0" fromWordArt="0" anchor="t" anchorCtr="0" forceAA="0" compatLnSpc="1">
+                  <a:prstTxWarp prst="textNoShape">
+                    <a:avLst/>
+                  </a:prstTxWarp>
+                  <a:noAutofit/>
+                </a:bodyPr>
+                <a:lstStyle/>
+                <a:p>
+                  <a:pPr>
+                    <a:lnSpc>
+                      <a:spcPct val="115000"/>
+                    </a:lnSpc>
+                  </a:pPr>
+                  <a14:m>
+                    <m:oMath xmlns:m="http://schemas.openxmlformats.org/officeDocument/2006/math">
+                      <m:sSub>
+                        <m:sSubPr>
+                          <m:ctrlPr>
+                            <a:rPr lang="en-US" sz="800" i="1" smtClean="0">
+                              <a:solidFill>
+                                <a:schemeClr val="tx1">
+                                  <a:lumMod val="85000"/>
+                                  <a:lumOff val="15000"/>
+                                </a:schemeClr>
+                              </a:solidFill>
+                              <a:latin typeface="Cambria Math" panose="02040503050406030204" pitchFamily="18" charset="0"/>
+                            </a:rPr>
+                          </m:ctrlPr>
+                        </m:sSubPr>
+                        <m:e>
+                          <m:acc>
+                            <m:accPr>
+                              <m:chr m:val="̂"/>
+                              <m:ctrlPr>
+                                <a:rPr lang="en-US" sz="800" i="1">
+                                  <a:solidFill>
+                                    <a:schemeClr val="tx1">
+                                      <a:lumMod val="85000"/>
+                                      <a:lumOff val="15000"/>
+                                    </a:schemeClr>
+                                  </a:solidFill>
+                                  <a:latin typeface="Cambria Math" panose="02040503050406030204" pitchFamily="18" charset="0"/>
+                                </a:rPr>
+                              </m:ctrlPr>
+                            </m:accPr>
+                            <m:e>
+                              <m:r>
+                                <a:rPr lang="en-US" sz="800" i="1">
+                                  <a:solidFill>
+                                    <a:schemeClr val="tx1">
+                                      <a:lumMod val="85000"/>
+                                      <a:lumOff val="15000"/>
+                                    </a:schemeClr>
+                                  </a:solidFill>
+                                  <a:latin typeface="Cambria Math" panose="02040503050406030204" pitchFamily="18" charset="0"/>
+                                </a:rPr>
+                                <m:t>𝑐</m:t>
+                              </m:r>
+                            </m:e>
+                          </m:acc>
+                        </m:e>
+                        <m:sub>
+                          <m:r>
+                            <a:rPr lang="en-US" sz="800" b="0" i="1" smtClean="0">
+                              <a:solidFill>
+                                <a:schemeClr val="tx1">
+                                  <a:lumMod val="85000"/>
+                                  <a:lumOff val="15000"/>
+                                </a:schemeClr>
+                              </a:solidFill>
+                              <a:latin typeface="Cambria Math" panose="02040503050406030204" pitchFamily="18" charset="0"/>
+                            </a:rPr>
+                            <m:t>𝑥</m:t>
+                          </m:r>
+                        </m:sub>
+                      </m:sSub>
+                    </m:oMath>
+                  </a14:m>
+                  <a:r>
+                    <a:rPr lang="en-US" sz="800" dirty="0">
+                      <a:solidFill>
+                        <a:schemeClr val="tx1">
+                          <a:lumMod val="85000"/>
+                          <a:lumOff val="15000"/>
+                        </a:schemeClr>
+                      </a:solidFill>
+                      <a:effectLst/>
+                      <a:ea typeface="Calibri"/>
+                      <a:cs typeface="Times New Roman"/>
+                    </a:rPr>
+                    <a:t>, </a:t>
+                  </a:r>
+                  <a14:m>
+                    <m:oMath xmlns:m="http://schemas.openxmlformats.org/officeDocument/2006/math">
+                      <m:sSub>
+                        <m:sSubPr>
+                          <m:ctrlPr>
+                            <a:rPr lang="en-US" sz="800" i="1">
+                              <a:solidFill>
+                                <a:schemeClr val="tx1">
+                                  <a:lumMod val="85000"/>
+                                  <a:lumOff val="15000"/>
+                                </a:schemeClr>
+                              </a:solidFill>
+                              <a:latin typeface="Cambria Math" panose="02040503050406030204" pitchFamily="18" charset="0"/>
+                            </a:rPr>
+                          </m:ctrlPr>
+                        </m:sSubPr>
+                        <m:e>
+                          <m:acc>
+                            <m:accPr>
+                              <m:chr m:val="̂"/>
+                              <m:ctrlPr>
+                                <a:rPr lang="en-US" sz="800" i="1">
+                                  <a:solidFill>
+                                    <a:schemeClr val="tx1">
+                                      <a:lumMod val="85000"/>
+                                      <a:lumOff val="15000"/>
+                                    </a:schemeClr>
+                                  </a:solidFill>
+                                  <a:latin typeface="Cambria Math" panose="02040503050406030204" pitchFamily="18" charset="0"/>
+                                </a:rPr>
+                              </m:ctrlPr>
+                            </m:accPr>
+                            <m:e>
+                              <m:r>
+                                <a:rPr lang="en-US" sz="800" i="1">
+                                  <a:solidFill>
+                                    <a:schemeClr val="tx1">
+                                      <a:lumMod val="85000"/>
+                                      <a:lumOff val="15000"/>
+                                    </a:schemeClr>
+                                  </a:solidFill>
+                                  <a:latin typeface="Cambria Math" panose="02040503050406030204" pitchFamily="18" charset="0"/>
+                                </a:rPr>
+                                <m:t>𝑐</m:t>
+                              </m:r>
+                            </m:e>
+                          </m:acc>
+                        </m:e>
+                        <m:sub>
+                          <m:r>
+                            <a:rPr lang="en-US" sz="800" i="1">
+                              <a:solidFill>
+                                <a:schemeClr val="tx1">
+                                  <a:lumMod val="85000"/>
+                                  <a:lumOff val="15000"/>
+                                </a:schemeClr>
+                              </a:solidFill>
+                              <a:latin typeface="Cambria Math" panose="02040503050406030204" pitchFamily="18" charset="0"/>
+                            </a:rPr>
+                            <m:t>𝑦</m:t>
+                          </m:r>
+                        </m:sub>
+                      </m:sSub>
+                    </m:oMath>
+                  </a14:m>
+                  <a:r>
+                    <a:rPr lang="en-US" sz="800" dirty="0">
+                      <a:solidFill>
+                        <a:schemeClr val="tx1">
+                          <a:lumMod val="85000"/>
+                          <a:lumOff val="15000"/>
+                        </a:schemeClr>
+                      </a:solidFill>
+                      <a:effectLst/>
+                      <a:ea typeface="Calibri"/>
+                      <a:cs typeface="Times New Roman"/>
+                    </a:rPr>
+                    <a:t>, </a:t>
+                  </a:r>
+                  <a14:m>
+                    <m:oMath xmlns:m="http://schemas.openxmlformats.org/officeDocument/2006/math">
+                      <m:sSub>
+                        <m:sSubPr>
+                          <m:ctrlPr>
+                            <a:rPr lang="en-US" sz="800" i="1">
+                              <a:solidFill>
+                                <a:schemeClr val="tx1">
+                                  <a:lumMod val="85000"/>
+                                  <a:lumOff val="15000"/>
+                                </a:schemeClr>
+                              </a:solidFill>
+                              <a:latin typeface="Cambria Math" panose="02040503050406030204" pitchFamily="18" charset="0"/>
+                            </a:rPr>
+                          </m:ctrlPr>
+                        </m:sSubPr>
+                        <m:e>
+                          <m:acc>
+                            <m:accPr>
+                              <m:chr m:val="̂"/>
+                              <m:ctrlPr>
+                                <a:rPr lang="en-US" sz="800" i="1">
+                                  <a:solidFill>
+                                    <a:schemeClr val="tx1">
+                                      <a:lumMod val="85000"/>
+                                      <a:lumOff val="15000"/>
+                                    </a:schemeClr>
+                                  </a:solidFill>
+                                  <a:latin typeface="Cambria Math" panose="02040503050406030204" pitchFamily="18" charset="0"/>
+                                </a:rPr>
+                              </m:ctrlPr>
+                            </m:accPr>
+                            <m:e>
+                              <m:r>
+                                <a:rPr lang="en-US" sz="800" i="1">
+                                  <a:solidFill>
+                                    <a:schemeClr val="tx1">
+                                      <a:lumMod val="85000"/>
+                                      <a:lumOff val="15000"/>
+                                    </a:schemeClr>
+                                  </a:solidFill>
+                                  <a:latin typeface="Cambria Math" panose="02040503050406030204" pitchFamily="18" charset="0"/>
+                                </a:rPr>
+                                <m:t>𝑐</m:t>
+                              </m:r>
+                            </m:e>
+                          </m:acc>
+                        </m:e>
+                        <m:sub>
+                          <m:r>
+                            <a:rPr lang="en-US" sz="800" b="0" i="1" smtClean="0">
+                              <a:solidFill>
+                                <a:schemeClr val="tx1">
+                                  <a:lumMod val="85000"/>
+                                  <a:lumOff val="15000"/>
+                                </a:schemeClr>
+                              </a:solidFill>
+                              <a:latin typeface="Cambria Math" panose="02040503050406030204" pitchFamily="18" charset="0"/>
+                            </a:rPr>
+                            <m:t>𝑧</m:t>
+                          </m:r>
+                        </m:sub>
+                      </m:sSub>
+                    </m:oMath>
+                  </a14:m>
+                  <a:r>
+                    <a:rPr lang="en-US" sz="800" dirty="0">
+                      <a:solidFill>
+                        <a:schemeClr val="tx1">
+                          <a:lumMod val="85000"/>
+                          <a:lumOff val="15000"/>
+                        </a:schemeClr>
+                      </a:solidFill>
+                      <a:effectLst/>
+                      <a:ea typeface="Calibri"/>
+                      <a:cs typeface="Times New Roman"/>
+                    </a:rPr>
+                    <a:t>: </a:t>
+                  </a:r>
+                  <a:r>
+                    <a:rPr lang="en-US" sz="800" i="1" dirty="0">
+                      <a:solidFill>
+                        <a:schemeClr val="tx1">
+                          <a:lumMod val="85000"/>
+                          <a:lumOff val="15000"/>
+                        </a:schemeClr>
+                      </a:solidFill>
+                      <a:ea typeface="Calibri"/>
+                      <a:cs typeface="Times New Roman"/>
+                    </a:rPr>
+                    <a:t>Standard basis of </a:t>
+                  </a:r>
+                  <a14:m>
+                    <m:oMath xmlns:m="http://schemas.openxmlformats.org/officeDocument/2006/math">
+                      <m:d>
+                        <m:dPr>
+                          <m:begChr m:val="{"/>
+                          <m:endChr m:val="}"/>
+                          <m:ctrlPr>
+                            <a:rPr lang="en-US" sz="800" b="0" i="1" smtClean="0">
+                              <a:solidFill>
+                                <a:schemeClr val="tx1">
+                                  <a:lumMod val="85000"/>
+                                  <a:lumOff val="15000"/>
+                                </a:schemeClr>
+                              </a:solidFill>
+                              <a:latin typeface="Cambria Math" panose="02040503050406030204" pitchFamily="18" charset="0"/>
+                              <a:cs typeface="Times New Roman"/>
+                            </a:rPr>
+                          </m:ctrlPr>
+                        </m:dPr>
+                        <m:e>
+                          <m:r>
+                            <a:rPr lang="en-US" sz="800" b="0" i="1" smtClean="0">
+                              <a:solidFill>
+                                <a:schemeClr val="tx1">
+                                  <a:lumMod val="85000"/>
+                                  <a:lumOff val="15000"/>
+                                </a:schemeClr>
+                              </a:solidFill>
+                              <a:latin typeface="Cambria Math" panose="02040503050406030204" pitchFamily="18" charset="0"/>
+                              <a:cs typeface="Times New Roman"/>
+                            </a:rPr>
+                            <m:t>𝐶</m:t>
+                          </m:r>
+                        </m:e>
+                      </m:d>
+                    </m:oMath>
+                  </a14:m>
+                  <a:endParaRPr lang="en-US" sz="800" i="1" dirty="0">
+                    <a:solidFill>
+                      <a:schemeClr val="tx1">
+                        <a:lumMod val="85000"/>
+                        <a:lumOff val="15000"/>
+                      </a:schemeClr>
+                    </a:solidFill>
+                    <a:effectLst/>
+                    <a:ea typeface="Calibri"/>
+                    <a:cs typeface="Times New Roman"/>
+                  </a:endParaRPr>
+                </a:p>
+              </p:txBody>
+            </p:sp>
+          </mc:Choice>
+          <mc:Fallback xmlns="">
+            <p:sp>
+              <p:nvSpPr>
+                <p:cNvPr id="619" name="Text Box 15"/>
+                <p:cNvSpPr txBox="1">
+                  <a:spLocks noRot="1" noChangeAspect="1" noMove="1" noResize="1" noEditPoints="1" noAdjustHandles="1" noChangeArrowheads="1" noChangeShapeType="1" noTextEdit="1"/>
+                </p:cNvSpPr>
+                <p:nvPr/>
+              </p:nvSpPr>
+              <p:spPr>
+                <a:xfrm flipH="1">
+                  <a:off x="3604648" y="4422988"/>
+                  <a:ext cx="1619812" cy="326409"/>
+                </a:xfrm>
+                <a:prstGeom prst="rect">
+                  <a:avLst/>
+                </a:prstGeom>
+                <a:blipFill>
+                  <a:blip r:embed="rId4"/>
+                  <a:stretch>
+                    <a:fillRect/>
+                  </a:stretch>
+                </a:blipFill>
+                <a:ln w="6350">
+                  <a:noFill/>
+                </a:ln>
+                <a:effectLst/>
+              </p:spPr>
+              <p:txBody>
+                <a:bodyPr/>
+                <a:lstStyle/>
+                <a:p>
+                  <a:r>
+                    <a:rPr lang="en-US">
+                      <a:noFill/>
+                    </a:rPr>
+                    <a:t> </a:t>
+                  </a:r>
+                </a:p>
+              </p:txBody>
+            </p:sp>
+          </mc:Fallback>
+        </mc:AlternateContent>
+        <mc:AlternateContent xmlns:mc="http://schemas.openxmlformats.org/markup-compatibility/2006" xmlns:a14="http://schemas.microsoft.com/office/drawing/2010/main">
+          <mc:Choice Requires="a14">
+            <p:sp>
+              <p:nvSpPr>
+                <p:cNvPr id="16" name="Text Box 15"/>
+                <p:cNvSpPr txBox="1">
+                  <a:spLocks noChangeAspect="1"/>
+                </p:cNvSpPr>
+                <p:nvPr/>
+              </p:nvSpPr>
+              <p:spPr>
+                <a:xfrm flipH="1">
+                  <a:off x="3604648" y="3424100"/>
+                  <a:ext cx="1550934" cy="326409"/>
+                </a:xfrm>
+                <a:prstGeom prst="rect">
+                  <a:avLst/>
+                </a:prstGeom>
+                <a:noFill/>
+                <a:ln w="6350">
+                  <a:noFill/>
+                </a:ln>
+                <a:effectLst/>
+              </p:spPr>
+              <p:style>
+                <a:lnRef idx="0">
+                  <a:schemeClr val="accent1"/>
+                </a:lnRef>
+                <a:fillRef idx="0">
+                  <a:schemeClr val="accent1"/>
+                </a:fillRef>
+                <a:effectRef idx="0">
+                  <a:schemeClr val="accent1"/>
+                </a:effectRef>
+                <a:fontRef idx="minor">
+                  <a:schemeClr val="dk1"/>
+                </a:fontRef>
+              </p:style>
+              <p:txBody>
+                <a:bodyPr rot="0" spcFirstLastPara="0" vert="horz" wrap="square" lIns="91440" tIns="45720" rIns="91440" bIns="45720" numCol="1" spcCol="0" rtlCol="0" fromWordArt="0" anchor="t" anchorCtr="0" forceAA="0" compatLnSpc="1">
+                  <a:prstTxWarp prst="textNoShape">
+                    <a:avLst/>
+                  </a:prstTxWarp>
+                  <a:noAutofit/>
+                </a:bodyPr>
+                <a:lstStyle/>
+                <a:p>
+                  <a:pPr>
+                    <a:lnSpc>
+                      <a:spcPct val="115000"/>
+                    </a:lnSpc>
+                  </a:pPr>
+                  <a14:m>
+                    <m:oMath xmlns:m="http://schemas.openxmlformats.org/officeDocument/2006/math">
+                      <m:r>
+                        <a:rPr lang="en-US" sz="800" i="1" dirty="0" smtClean="0">
+                          <a:solidFill>
+                            <a:schemeClr val="tx1">
+                              <a:lumMod val="85000"/>
+                              <a:lumOff val="15000"/>
+                            </a:schemeClr>
+                          </a:solidFill>
+                          <a:effectLst/>
+                          <a:latin typeface="Cambria Math" panose="02040503050406030204" pitchFamily="18" charset="0"/>
+                          <a:ea typeface="Calibri"/>
+                          <a:cs typeface="Times New Roman"/>
+                        </a:rPr>
+                        <m:t>𝐸</m:t>
+                      </m:r>
+                    </m:oMath>
+                  </a14:m>
+                  <a:r>
+                    <a:rPr lang="en-US" sz="800" dirty="0">
+                      <a:solidFill>
+                        <a:schemeClr val="tx1">
+                          <a:lumMod val="85000"/>
+                          <a:lumOff val="15000"/>
+                        </a:schemeClr>
+                      </a:solidFill>
+                      <a:effectLst/>
+                      <a:ea typeface="Calibri"/>
+                      <a:cs typeface="Times New Roman"/>
+                    </a:rPr>
+                    <a:t> : </a:t>
+                  </a:r>
+                  <a:r>
+                    <a:rPr lang="en-US" sz="800" i="1" dirty="0">
+                      <a:solidFill>
+                        <a:schemeClr val="tx1">
+                          <a:lumMod val="85000"/>
+                          <a:lumOff val="15000"/>
+                        </a:schemeClr>
+                      </a:solidFill>
+                    </a:rPr>
+                    <a:t>Center of entrance pupil</a:t>
+                  </a:r>
+                </a:p>
+                <a:p>
+                  <a:pPr>
+                    <a:lnSpc>
+                      <a:spcPct val="115000"/>
+                    </a:lnSpc>
+                  </a:pPr>
+                  <a:endParaRPr lang="en-US" sz="800" i="1" dirty="0">
+                    <a:solidFill>
+                      <a:schemeClr val="tx1">
+                        <a:lumMod val="85000"/>
+                        <a:lumOff val="15000"/>
+                      </a:schemeClr>
+                    </a:solidFill>
+                  </a:endParaRPr>
+                </a:p>
+                <a:p>
+                  <a:pPr marL="0" marR="0">
+                    <a:lnSpc>
+                      <a:spcPct val="115000"/>
+                    </a:lnSpc>
+                    <a:spcBef>
+                      <a:spcPts val="0"/>
+                    </a:spcBef>
+                    <a:spcAft>
+                      <a:spcPts val="0"/>
+                    </a:spcAft>
+                  </a:pPr>
+                  <a:endParaRPr lang="en-US" sz="800" dirty="0">
+                    <a:solidFill>
+                      <a:schemeClr val="tx1">
+                        <a:lumMod val="85000"/>
+                        <a:lumOff val="15000"/>
+                      </a:schemeClr>
+                    </a:solidFill>
+                    <a:effectLst/>
+                    <a:ea typeface="Calibri"/>
+                    <a:cs typeface="Times New Roman"/>
+                  </a:endParaRPr>
+                </a:p>
+              </p:txBody>
+            </p:sp>
+          </mc:Choice>
+          <mc:Fallback xmlns="">
+            <p:sp>
+              <p:nvSpPr>
+                <p:cNvPr id="614" name="Text Box 15"/>
+                <p:cNvSpPr txBox="1">
+                  <a:spLocks noRot="1" noChangeAspect="1" noMove="1" noResize="1" noEditPoints="1" noAdjustHandles="1" noChangeArrowheads="1" noChangeShapeType="1" noTextEdit="1"/>
+                </p:cNvSpPr>
+                <p:nvPr/>
+              </p:nvSpPr>
+              <p:spPr>
+                <a:xfrm flipH="1">
+                  <a:off x="3604648" y="3424100"/>
+                  <a:ext cx="1550934" cy="326409"/>
+                </a:xfrm>
+                <a:prstGeom prst="rect">
+                  <a:avLst/>
+                </a:prstGeom>
+                <a:blipFill>
+                  <a:blip r:embed="rId5"/>
+                  <a:stretch>
+                    <a:fillRect/>
+                  </a:stretch>
+                </a:blipFill>
+                <a:ln w="6350">
+                  <a:noFill/>
+                </a:ln>
+                <a:effectLst/>
+              </p:spPr>
+              <p:txBody>
+                <a:bodyPr/>
+                <a:lstStyle/>
+                <a:p>
+                  <a:r>
+                    <a:rPr lang="en-US">
+                      <a:noFill/>
+                    </a:rPr>
+                    <a:t> </a:t>
+                  </a:r>
+                </a:p>
+              </p:txBody>
+            </p:sp>
+          </mc:Fallback>
+        </mc:AlternateContent>
+        <mc:AlternateContent xmlns:mc="http://schemas.openxmlformats.org/markup-compatibility/2006" xmlns:a14="http://schemas.microsoft.com/office/drawing/2010/main">
+          <mc:Choice Requires="a14">
+            <p:sp>
+              <p:nvSpPr>
+                <p:cNvPr id="17" name="Text Box 15"/>
+                <p:cNvSpPr txBox="1">
+                  <a:spLocks noChangeAspect="1"/>
+                </p:cNvSpPr>
+                <p:nvPr/>
+              </p:nvSpPr>
+              <p:spPr>
+                <a:xfrm flipH="1">
+                  <a:off x="3604648" y="3593163"/>
+                  <a:ext cx="1391211" cy="326409"/>
+                </a:xfrm>
+                <a:prstGeom prst="rect">
+                  <a:avLst/>
+                </a:prstGeom>
+                <a:noFill/>
+                <a:ln w="6350">
+                  <a:noFill/>
+                </a:ln>
+                <a:effectLst/>
+              </p:spPr>
+              <p:style>
+                <a:lnRef idx="0">
+                  <a:schemeClr val="accent1"/>
+                </a:lnRef>
+                <a:fillRef idx="0">
+                  <a:schemeClr val="accent1"/>
+                </a:fillRef>
+                <a:effectRef idx="0">
+                  <a:schemeClr val="accent1"/>
+                </a:effectRef>
+                <a:fontRef idx="minor">
+                  <a:schemeClr val="dk1"/>
+                </a:fontRef>
+              </p:style>
+              <p:txBody>
+                <a:bodyPr rot="0" spcFirstLastPara="0" vert="horz" wrap="square" lIns="91440" tIns="45720" rIns="91440" bIns="45720" numCol="1" spcCol="0" rtlCol="0" fromWordArt="0" anchor="t" anchorCtr="0" forceAA="0" compatLnSpc="1">
+                  <a:prstTxWarp prst="textNoShape">
+                    <a:avLst/>
+                  </a:prstTxWarp>
+                  <a:noAutofit/>
+                </a:bodyPr>
+                <a:lstStyle/>
+                <a:p>
+                  <a:pPr marL="0" marR="0">
+                    <a:lnSpc>
+                      <a:spcPct val="115000"/>
+                    </a:lnSpc>
+                    <a:spcBef>
+                      <a:spcPts val="0"/>
+                    </a:spcBef>
+                    <a:spcAft>
+                      <a:spcPts val="0"/>
+                    </a:spcAft>
+                  </a:pPr>
+                  <a14:m>
+                    <m:oMath xmlns:m="http://schemas.openxmlformats.org/officeDocument/2006/math">
+                      <m:acc>
+                        <m:accPr>
+                          <m:chr m:val="́"/>
+                          <m:ctrlPr>
+                            <a:rPr lang="en-US" sz="800" b="0" i="1" dirty="0" smtClean="0">
+                              <a:solidFill>
+                                <a:schemeClr val="tx1">
+                                  <a:lumMod val="85000"/>
+                                  <a:lumOff val="15000"/>
+                                </a:schemeClr>
+                              </a:solidFill>
+                              <a:effectLst/>
+                              <a:latin typeface="Cambria Math" panose="02040503050406030204" pitchFamily="18" charset="0"/>
+                              <a:ea typeface="Calibri"/>
+                              <a:cs typeface="Times New Roman"/>
+                            </a:rPr>
+                          </m:ctrlPr>
+                        </m:accPr>
+                        <m:e>
+                          <m:r>
+                            <a:rPr lang="en-US" sz="800" i="1" dirty="0" smtClean="0">
+                              <a:solidFill>
+                                <a:schemeClr val="tx1">
+                                  <a:lumMod val="85000"/>
+                                  <a:lumOff val="15000"/>
+                                </a:schemeClr>
+                              </a:solidFill>
+                              <a:effectLst/>
+                              <a:latin typeface="Cambria Math" panose="02040503050406030204" pitchFamily="18" charset="0"/>
+                              <a:ea typeface="Calibri"/>
+                              <a:cs typeface="Times New Roman"/>
+                            </a:rPr>
+                            <m:t>𝐸</m:t>
+                          </m:r>
+                        </m:e>
+                      </m:acc>
+                    </m:oMath>
+                  </a14:m>
+                  <a:r>
+                    <a:rPr lang="en-US" sz="800" dirty="0">
+                      <a:solidFill>
+                        <a:schemeClr val="tx1">
+                          <a:lumMod val="85000"/>
+                          <a:lumOff val="15000"/>
+                        </a:schemeClr>
+                      </a:solidFill>
+                      <a:effectLst/>
+                      <a:ea typeface="Calibri"/>
+                      <a:cs typeface="Times New Roman"/>
+                    </a:rPr>
+                    <a:t>: </a:t>
+                  </a:r>
+                  <a:r>
+                    <a:rPr lang="en-US" sz="800" i="1" dirty="0">
+                      <a:solidFill>
+                        <a:schemeClr val="tx1">
+                          <a:lumMod val="85000"/>
+                          <a:lumOff val="15000"/>
+                        </a:schemeClr>
+                      </a:solidFill>
+                      <a:effectLst/>
+                      <a:ea typeface="Calibri"/>
+                      <a:cs typeface="Times New Roman"/>
+                    </a:rPr>
+                    <a:t>Center of exit pupil</a:t>
+                  </a:r>
+                </a:p>
+              </p:txBody>
+            </p:sp>
+          </mc:Choice>
+          <mc:Fallback xmlns="">
+            <p:sp>
+              <p:nvSpPr>
+                <p:cNvPr id="615" name="Text Box 15"/>
+                <p:cNvSpPr txBox="1">
+                  <a:spLocks noRot="1" noChangeAspect="1" noMove="1" noResize="1" noEditPoints="1" noAdjustHandles="1" noChangeArrowheads="1" noChangeShapeType="1" noTextEdit="1"/>
+                </p:cNvSpPr>
+                <p:nvPr/>
+              </p:nvSpPr>
+              <p:spPr>
+                <a:xfrm flipH="1">
+                  <a:off x="3604648" y="3593163"/>
+                  <a:ext cx="1391211" cy="326409"/>
+                </a:xfrm>
+                <a:prstGeom prst="rect">
+                  <a:avLst/>
+                </a:prstGeom>
+                <a:blipFill>
+                  <a:blip r:embed="rId6"/>
+                  <a:stretch>
+                    <a:fillRect/>
+                  </a:stretch>
+                </a:blipFill>
+                <a:ln w="6350">
+                  <a:noFill/>
+                </a:ln>
+                <a:effectLst/>
+              </p:spPr>
+              <p:txBody>
+                <a:bodyPr/>
+                <a:lstStyle/>
+                <a:p>
+                  <a:r>
+                    <a:rPr lang="en-US">
+                      <a:noFill/>
+                    </a:rPr>
+                    <a:t> </a:t>
+                  </a:r>
+                </a:p>
+              </p:txBody>
+            </p:sp>
+          </mc:Fallback>
+        </mc:AlternateContent>
+        <mc:AlternateContent xmlns:mc="http://schemas.openxmlformats.org/markup-compatibility/2006" xmlns:a14="http://schemas.microsoft.com/office/drawing/2010/main">
+          <mc:Choice Requires="a14">
+            <p:sp>
+              <p:nvSpPr>
+                <p:cNvPr id="18" name="Text Box 15"/>
+                <p:cNvSpPr txBox="1">
+                  <a:spLocks noChangeAspect="1"/>
+                </p:cNvSpPr>
+                <p:nvPr/>
+              </p:nvSpPr>
+              <p:spPr>
+                <a:xfrm flipH="1">
+                  <a:off x="3604648" y="4253925"/>
+                  <a:ext cx="1391211" cy="326409"/>
+                </a:xfrm>
+                <a:prstGeom prst="rect">
+                  <a:avLst/>
+                </a:prstGeom>
+                <a:noFill/>
+                <a:ln w="6350">
+                  <a:noFill/>
+                </a:ln>
+                <a:effectLst/>
+              </p:spPr>
+              <p:style>
+                <a:lnRef idx="0">
+                  <a:schemeClr val="accent1"/>
+                </a:lnRef>
+                <a:fillRef idx="0">
+                  <a:schemeClr val="accent1"/>
+                </a:fillRef>
+                <a:effectRef idx="0">
+                  <a:schemeClr val="accent1"/>
+                </a:effectRef>
+                <a:fontRef idx="minor">
+                  <a:schemeClr val="dk1"/>
+                </a:fontRef>
+              </p:style>
+              <p:txBody>
+                <a:bodyPr rot="0" spcFirstLastPara="0" vert="horz" wrap="square" lIns="91440" tIns="45720" rIns="91440" bIns="45720" numCol="1" spcCol="0" rtlCol="0" fromWordArt="0" anchor="t" anchorCtr="0" forceAA="0" compatLnSpc="1">
+                  <a:prstTxWarp prst="textNoShape">
+                    <a:avLst/>
+                  </a:prstTxWarp>
+                  <a:noAutofit/>
+                </a:bodyPr>
+                <a:lstStyle/>
+                <a:p>
+                  <a:pPr marL="0" marR="0">
+                    <a:lnSpc>
+                      <a:spcPct val="115000"/>
+                    </a:lnSpc>
+                    <a:spcBef>
+                      <a:spcPts val="0"/>
+                    </a:spcBef>
+                    <a:spcAft>
+                      <a:spcPts val="0"/>
+                    </a:spcAft>
+                  </a:pPr>
+                  <a14:m>
+                    <m:oMath xmlns:m="http://schemas.openxmlformats.org/officeDocument/2006/math">
+                      <m:sSub>
+                        <m:sSubPr>
+                          <m:ctrlPr>
+                            <a:rPr lang="en-US" sz="800" b="0" i="1" dirty="0" smtClean="0">
+                              <a:solidFill>
+                                <a:schemeClr val="tx1">
+                                  <a:lumMod val="85000"/>
+                                  <a:lumOff val="15000"/>
+                                </a:schemeClr>
+                              </a:solidFill>
+                              <a:effectLst/>
+                              <a:latin typeface="Cambria Math" panose="02040503050406030204" pitchFamily="18" charset="0"/>
+                              <a:ea typeface="Calibri"/>
+                              <a:cs typeface="Times New Roman"/>
+                            </a:rPr>
+                          </m:ctrlPr>
+                        </m:sSubPr>
+                        <m:e>
+                          <m:acc>
+                            <m:accPr>
+                              <m:chr m:val="̂"/>
+                              <m:ctrlPr>
+                                <a:rPr lang="en-US" sz="800" b="0" i="1" dirty="0" smtClean="0">
+                                  <a:solidFill>
+                                    <a:schemeClr val="tx1">
+                                      <a:lumMod val="85000"/>
+                                      <a:lumOff val="15000"/>
+                                    </a:schemeClr>
+                                  </a:solidFill>
+                                  <a:effectLst/>
+                                  <a:latin typeface="Cambria Math" panose="02040503050406030204" pitchFamily="18" charset="0"/>
+                                  <a:ea typeface="Calibri"/>
+                                  <a:cs typeface="Times New Roman"/>
+                                </a:rPr>
+                              </m:ctrlPr>
+                            </m:accPr>
+                            <m:e>
+                              <m:r>
+                                <a:rPr lang="en-US" sz="800" b="0" i="1" dirty="0" smtClean="0">
+                                  <a:solidFill>
+                                    <a:schemeClr val="tx1">
+                                      <a:lumMod val="85000"/>
+                                      <a:lumOff val="15000"/>
+                                    </a:schemeClr>
+                                  </a:solidFill>
+                                  <a:effectLst/>
+                                  <a:latin typeface="Cambria Math" panose="02040503050406030204" pitchFamily="18" charset="0"/>
+                                  <a:ea typeface="Calibri"/>
+                                  <a:cs typeface="Times New Roman"/>
+                                </a:rPr>
+                                <m:t>𝑛</m:t>
+                              </m:r>
+                            </m:e>
+                          </m:acc>
+                        </m:e>
+                        <m:sub>
+                          <m:r>
+                            <a:rPr lang="en-US" sz="800" b="0" i="1" dirty="0" smtClean="0">
+                              <a:solidFill>
+                                <a:schemeClr val="tx1">
+                                  <a:lumMod val="85000"/>
+                                  <a:lumOff val="15000"/>
+                                </a:schemeClr>
+                              </a:solidFill>
+                              <a:effectLst/>
+                              <a:latin typeface="Cambria Math" panose="02040503050406030204" pitchFamily="18" charset="0"/>
+                              <a:ea typeface="Calibri"/>
+                              <a:cs typeface="Times New Roman"/>
+                            </a:rPr>
+                            <m:t>𝑖</m:t>
+                          </m:r>
+                        </m:sub>
+                      </m:sSub>
+                    </m:oMath>
+                  </a14:m>
+                  <a:r>
+                    <a:rPr lang="en-US" sz="800" dirty="0">
+                      <a:solidFill>
+                        <a:schemeClr val="tx1">
+                          <a:lumMod val="85000"/>
+                          <a:lumOff val="15000"/>
+                        </a:schemeClr>
+                      </a:solidFill>
+                      <a:effectLst/>
+                      <a:ea typeface="Calibri"/>
+                      <a:cs typeface="Times New Roman"/>
+                    </a:rPr>
+                    <a:t>: </a:t>
+                  </a:r>
+                  <a:r>
+                    <a:rPr lang="en-US" sz="800" i="1" dirty="0">
+                      <a:solidFill>
+                        <a:schemeClr val="tx1">
+                          <a:lumMod val="85000"/>
+                          <a:lumOff val="15000"/>
+                        </a:schemeClr>
+                      </a:solidFill>
+                      <a:effectLst/>
+                      <a:ea typeface="Calibri"/>
+                      <a:cs typeface="Times New Roman"/>
+                    </a:rPr>
+                    <a:t>Normal to sensor plane</a:t>
+                  </a:r>
+                </a:p>
+              </p:txBody>
+            </p:sp>
+          </mc:Choice>
+          <mc:Fallback xmlns="">
+            <p:sp>
+              <p:nvSpPr>
+                <p:cNvPr id="616" name="Text Box 15"/>
+                <p:cNvSpPr txBox="1">
+                  <a:spLocks noRot="1" noChangeAspect="1" noMove="1" noResize="1" noEditPoints="1" noAdjustHandles="1" noChangeArrowheads="1" noChangeShapeType="1" noTextEdit="1"/>
+                </p:cNvSpPr>
+                <p:nvPr/>
+              </p:nvSpPr>
+              <p:spPr>
+                <a:xfrm flipH="1">
+                  <a:off x="3604648" y="4253925"/>
+                  <a:ext cx="1391211" cy="326409"/>
+                </a:xfrm>
+                <a:prstGeom prst="rect">
+                  <a:avLst/>
+                </a:prstGeom>
+                <a:blipFill>
+                  <a:blip r:embed="rId7"/>
+                  <a:stretch>
+                    <a:fillRect/>
+                  </a:stretch>
+                </a:blipFill>
+                <a:ln w="6350">
+                  <a:noFill/>
+                </a:ln>
+                <a:effectLst/>
+              </p:spPr>
+              <p:txBody>
+                <a:bodyPr/>
+                <a:lstStyle/>
+                <a:p>
+                  <a:r>
+                    <a:rPr lang="en-US">
+                      <a:noFill/>
+                    </a:rPr>
+                    <a:t> </a:t>
+                  </a:r>
+                </a:p>
+              </p:txBody>
+            </p:sp>
+          </mc:Fallback>
+        </mc:AlternateContent>
+        <mc:AlternateContent xmlns:mc="http://schemas.openxmlformats.org/markup-compatibility/2006" xmlns:a14="http://schemas.microsoft.com/office/drawing/2010/main">
+          <mc:Choice Requires="a14">
+            <p:sp>
+              <p:nvSpPr>
+                <p:cNvPr id="19" name="Text Box 15"/>
+                <p:cNvSpPr txBox="1">
+                  <a:spLocks noChangeAspect="1"/>
+                </p:cNvSpPr>
+                <p:nvPr/>
+              </p:nvSpPr>
+              <p:spPr>
+                <a:xfrm flipH="1">
+                  <a:off x="3604648" y="3766989"/>
+                  <a:ext cx="1643627" cy="551427"/>
+                </a:xfrm>
+                <a:prstGeom prst="rect">
+                  <a:avLst/>
+                </a:prstGeom>
+                <a:noFill/>
+                <a:ln w="6350">
+                  <a:noFill/>
+                </a:ln>
+                <a:effectLst/>
+              </p:spPr>
+              <p:style>
+                <a:lnRef idx="0">
+                  <a:schemeClr val="accent1"/>
+                </a:lnRef>
+                <a:fillRef idx="0">
+                  <a:schemeClr val="accent1"/>
+                </a:fillRef>
+                <a:effectRef idx="0">
+                  <a:schemeClr val="accent1"/>
+                </a:effectRef>
+                <a:fontRef idx="minor">
+                  <a:schemeClr val="dk1"/>
+                </a:fontRef>
+              </p:style>
+              <p:txBody>
+                <a:bodyPr rot="0" spcFirstLastPara="0" vert="horz" wrap="square" lIns="91440" tIns="45720" rIns="91440" bIns="45720" numCol="1" spcCol="0" rtlCol="0" fromWordArt="0" anchor="t" anchorCtr="0" forceAA="0" compatLnSpc="1">
+                  <a:prstTxWarp prst="textNoShape">
+                    <a:avLst/>
+                  </a:prstTxWarp>
+                  <a:noAutofit/>
+                </a:bodyPr>
+                <a:lstStyle/>
+                <a:p>
+                  <a:pPr marL="171450" marR="0" indent="-171450">
+                    <a:lnSpc>
+                      <a:spcPct val="115000"/>
+                    </a:lnSpc>
+                    <a:spcBef>
+                      <a:spcPts val="0"/>
+                    </a:spcBef>
+                    <a:spcAft>
+                      <a:spcPts val="0"/>
+                    </a:spcAft>
+                  </a:pPr>
+                  <a14:m>
+                    <m:oMath xmlns:m="http://schemas.openxmlformats.org/officeDocument/2006/math">
+                      <m:sSub>
+                        <m:sSubPr>
+                          <m:ctrlPr>
+                            <a:rPr lang="en-US" sz="800" b="0" i="1" dirty="0" smtClean="0">
+                              <a:solidFill>
+                                <a:schemeClr val="tx1">
+                                  <a:lumMod val="85000"/>
+                                  <a:lumOff val="15000"/>
+                                </a:schemeClr>
+                              </a:solidFill>
+                              <a:effectLst/>
+                              <a:latin typeface="Cambria Math" panose="02040503050406030204" pitchFamily="18" charset="0"/>
+                              <a:ea typeface="Calibri"/>
+                              <a:cs typeface="Times New Roman"/>
+                            </a:rPr>
+                          </m:ctrlPr>
+                        </m:sSubPr>
+                        <m:e>
+                          <m:r>
+                            <a:rPr lang="en-US" sz="800" b="0" i="1" dirty="0" smtClean="0">
+                              <a:solidFill>
+                                <a:schemeClr val="tx1">
+                                  <a:lumMod val="85000"/>
+                                  <a:lumOff val="15000"/>
+                                </a:schemeClr>
+                              </a:solidFill>
+                              <a:effectLst/>
+                              <a:latin typeface="Cambria Math" panose="02040503050406030204" pitchFamily="18" charset="0"/>
+                              <a:ea typeface="Calibri"/>
+                              <a:cs typeface="Times New Roman"/>
+                            </a:rPr>
+                            <m:t>𝑅</m:t>
+                          </m:r>
+                        </m:e>
+                        <m:sub>
+                          <m:r>
+                            <a:rPr lang="en-US" sz="800" b="0" i="1" dirty="0" smtClean="0">
+                              <a:solidFill>
+                                <a:schemeClr val="tx1">
+                                  <a:lumMod val="85000"/>
+                                  <a:lumOff val="15000"/>
+                                </a:schemeClr>
+                              </a:solidFill>
+                              <a:effectLst/>
+                              <a:latin typeface="Cambria Math" panose="02040503050406030204" pitchFamily="18" charset="0"/>
+                              <a:ea typeface="Calibri"/>
+                              <a:cs typeface="Times New Roman"/>
+                            </a:rPr>
+                            <m:t>ℓ</m:t>
+                          </m:r>
+                        </m:sub>
+                      </m:sSub>
+                    </m:oMath>
+                  </a14:m>
+                  <a:r>
+                    <a:rPr lang="en-US" sz="800" dirty="0">
+                      <a:solidFill>
+                        <a:schemeClr val="tx1">
+                          <a:lumMod val="85000"/>
+                          <a:lumOff val="15000"/>
+                        </a:schemeClr>
+                      </a:solidFill>
+                      <a:effectLst/>
+                      <a:ea typeface="Calibri"/>
+                      <a:cs typeface="Times New Roman"/>
+                    </a:rPr>
+                    <a:t>: </a:t>
+                  </a:r>
+                  <a:r>
+                    <a:rPr lang="en-US" sz="800" i="1" dirty="0">
+                      <a:solidFill>
+                        <a:schemeClr val="tx1">
+                          <a:lumMod val="85000"/>
+                          <a:lumOff val="15000"/>
+                        </a:schemeClr>
+                      </a:solidFill>
+                      <a:effectLst/>
+                      <a:ea typeface="Calibri"/>
+                      <a:cs typeface="Times New Roman"/>
+                    </a:rPr>
+                    <a:t>Rotation of lens plane (about the pivot at the origin of </a:t>
+                  </a:r>
+                  <a14:m>
+                    <m:oMath xmlns:m="http://schemas.openxmlformats.org/officeDocument/2006/math">
+                      <m:d>
+                        <m:dPr>
+                          <m:begChr m:val="{"/>
+                          <m:endChr m:val="}"/>
+                          <m:ctrlPr>
+                            <a:rPr lang="en-US" sz="800" b="0" i="1" smtClean="0">
+                              <a:solidFill>
+                                <a:schemeClr val="tx1">
+                                  <a:lumMod val="85000"/>
+                                  <a:lumOff val="15000"/>
+                                </a:schemeClr>
+                              </a:solidFill>
+                              <a:effectLst/>
+                              <a:latin typeface="Cambria Math" panose="02040503050406030204" pitchFamily="18" charset="0"/>
+                              <a:cs typeface="Times New Roman"/>
+                            </a:rPr>
+                          </m:ctrlPr>
+                        </m:dPr>
+                        <m:e>
+                          <m:r>
+                            <a:rPr lang="en-US" sz="800" b="0" i="1" smtClean="0">
+                              <a:solidFill>
+                                <a:schemeClr val="tx1">
+                                  <a:lumMod val="85000"/>
+                                  <a:lumOff val="15000"/>
+                                </a:schemeClr>
+                              </a:solidFill>
+                              <a:effectLst/>
+                              <a:latin typeface="Cambria Math" panose="02040503050406030204" pitchFamily="18" charset="0"/>
+                              <a:cs typeface="Times New Roman"/>
+                            </a:rPr>
+                            <m:t>𝐶</m:t>
+                          </m:r>
+                        </m:e>
+                      </m:d>
+                    </m:oMath>
+                  </a14:m>
+                  <a:endParaRPr lang="en-US" sz="800" i="1" dirty="0">
+                    <a:solidFill>
+                      <a:schemeClr val="tx1">
+                        <a:lumMod val="85000"/>
+                        <a:lumOff val="15000"/>
+                      </a:schemeClr>
+                    </a:solidFill>
+                    <a:effectLst/>
+                    <a:ea typeface="Calibri"/>
+                    <a:cs typeface="Times New Roman"/>
+                  </a:endParaRPr>
+                </a:p>
+              </p:txBody>
+            </p:sp>
+          </mc:Choice>
+          <mc:Fallback xmlns="">
+            <p:sp>
+              <p:nvSpPr>
+                <p:cNvPr id="617" name="Text Box 15"/>
+                <p:cNvSpPr txBox="1">
+                  <a:spLocks noRot="1" noChangeAspect="1" noMove="1" noResize="1" noEditPoints="1" noAdjustHandles="1" noChangeArrowheads="1" noChangeShapeType="1" noTextEdit="1"/>
+                </p:cNvSpPr>
+                <p:nvPr/>
+              </p:nvSpPr>
+              <p:spPr>
+                <a:xfrm flipH="1">
+                  <a:off x="3604648" y="3766989"/>
+                  <a:ext cx="1643627" cy="551427"/>
+                </a:xfrm>
+                <a:prstGeom prst="rect">
+                  <a:avLst/>
+                </a:prstGeom>
+                <a:blipFill>
+                  <a:blip r:embed="rId8"/>
+                  <a:stretch>
+                    <a:fillRect/>
+                  </a:stretch>
+                </a:blipFill>
+                <a:ln w="6350">
+                  <a:noFill/>
+                </a:ln>
+                <a:effectLst/>
+              </p:spPr>
+              <p:txBody>
+                <a:bodyPr/>
+                <a:lstStyle/>
+                <a:p>
+                  <a:r>
+                    <a:rPr lang="en-US">
+                      <a:noFill/>
+                    </a:rPr>
+                    <a:t> </a:t>
+                  </a:r>
+                </a:p>
+              </p:txBody>
+            </p:sp>
+          </mc:Fallback>
+        </mc:AlternateContent>
       </p:grpSp>
     </p:spTree>
     <p:extLst>

--- a/talks/imaging_applied_optics_2016/images/figures_ppt.pptx
+++ b/talks/imaging_applied_optics_2016/images/figures_ppt.pptx
@@ -202,14 +202,14 @@
       <inkml:timestamp xml:id="ts0" timeString="2016-03-03T08:13:22.145"/>
     </inkml:context>
     <inkml:brush xml:id="br0">
-      <inkml:brushProperty name="width" value="0.05292" units="cm"/>
-      <inkml:brushProperty name="height" value="0.05292" units="cm"/>
+      <inkml:brushProperty name="width" value="0.03528" units="cm"/>
+      <inkml:brushProperty name="height" value="0.03528" units="cm"/>
       <inkml:brushProperty name="color" value="#404040"/>
       <inkml:brushProperty name="transparency" value="76"/>
       <inkml:brushProperty name="fitToCurve" value="1"/>
     </inkml:brush>
   </inkml:definitions>
-  <inkml:trace contextRef="#ctx0" brushRef="#br0">0 263 7 0,'0'3'3'0,"0"-7"-1"0,0 4 4 15,0 1-5-15,0-1 0 16,0 0 0-16,0 0 0 16,0-3-1-16,0 3 1 15,0 0 1-15,0 0 1 16,0 0-2-16,0 0 1 16,0 2 0-16,0-2 0 15,0 0-1-15,2 1 0 16,2 1 0-16,1 1 1 15,5 1 0-15,-1-2 0 0,0 3-1 16,3 1 1-16,0 1-1 16,-1 2 1-16,1-1-1 15,1 1 0-15,0 0 0 16,0 2 0-16,-1-3-1 16,-3 1 1-16,0-1 0 15,1-1 0-15,-2-2 0 16,-3-1 0-16,1-1 1 15,-2-2 1-15,0 1 0 16,-2-2 0-16,-2 0-1 16,2-3 0-16,-2 3 0 15,0-8 1-15,0-1-3 16,0-1 0-16,0 0 0 16,0-4 0-16,0 2 0 15,0 0 0-15,0-1 0 16,-2 1 0-16,0 0 0 15,2 4 0-15,0 1 0 0,0-2 0 16,0 1 0-16,0-1 0 16,0 6 0-16,2 0 0 15,0-1-1-15,-2 4 1 16,1 0 0-16,3 2 1 16,0 0-2-16,2 1 1 15,-1-2 0-15,1 5 1 16,0 1-1-16,1 1 0 15,1 0 0-15,2 1 0 16,-1 3 0-16,1 1 0 0,-3 1 0 16,0 0 1-16,7-3-1 15,-1 0 1-15,-1-3-1 16,-1-1 0-16,-2 0 0 16,1-2 0-16,-2-2 0 15,-3 1 0-15,-1-3 0 16,2 1 1-16,-2 0-1 15,-4-2 1-15,0-4-1 16,2-1 1-16,-2-2-1 16,0-1 1-16,0-2-1 15,0 0 0-15,0-1 0 16,2 1 0-16,0-2 0 16,-2 0 0-16,0 1 0 15,1 0 0-15,-1 1 0 16,2 1 0-16,-2 5 0 15,2-3 0-15,0 2 0 16,0 1 0-16,-2 4 0 0,2-3 0 16,-1 0 0-16,3 1 0 15,0 2-1-15,0 0 1 16,-2 2 0-16,1 1 0 16,1 2 0-16,2 4 0 15,2-3 0-15,-1 4 0 16,-1 0 0-16,1 3 0 15,1 0 0-15,0-3 0 16,3-1 0-16,-1-1 0 0,-1-1-1 16,-1 0 1-16,0 0 0 15,-3 1 1-15,1-7-1 16,-1 2 0-16,1-2 0 16,-2-2 0-16,2-2 0 15,-3-1 1-15,1-5-1 16,0 0 0-16,0 0 0 15,-2-3 0-15,0 0 0 16,-2-5 0-16,0 2 0 16,0-1 0-16,0 3 0 15,2-1 0-15,-2 2 0 16,2 2 0-16,0 1 0 16,-1 1 0-16,1-1-1 15,0 2 1-15,2 2 0 16,-1 3 0-16,1 1 0 15,0 1 1-15,0 1-1 16,2 5 0-16,3-2 0 16,-1 5 0-16,3 1 0 0,1-2 0 15,1 2-1-15,0-1 1 16,1 2 0-16,-1-2 1 16,-2-1-2-16,-2-1 1 15,2 0 0-15,-3-2 1 16,-2-2-1-16,-1 0 0 15,1 1 0-15,-2 0 0 16,-2-4 0-16,0-2 1 16,-1-2-1-16,1-2 0 0,2 0-1 15,-2-1 1-15,0-4 0 16,-1-1 0-16,-1 0 0 16,0 0 0-16,0 1 0 15,0 0 0-15,0-2 0 16,0 3 0-16,0 2 0 15,0 0 0-15,0 1 0 16,3 0 0-16,-1 2 0 16,-1-2 0-16,1 4 0 15,0-1 0-15,2 2 0 16,0 2 0-16,1 2 0 16,1 0 0-16,2 3 0 15,2 4 0-15,1-3 0 16,0 3 0-16,0 1 0 15,-1 2 0-15,0 0 0 16,1 1 0-16,0 0 0 0,1-3 0 16,-1-3 0-16,-1 0 0 15,-3-1 0-15,0-2 0 16,-1-1 0-16,0-1 0 16,0-6 0-16,-1-1 0 15,1 0 0-15,-2-1 1 16,0-3-1-16,4-3 0 15,-5 1 0-15,1-1 0 16,-2 1 0-16,2-1 0 16,0 2 0-16,-1-3 0 0,1 2 0 15,0 2 0-15,3 1 0 16,-3 1 0-16,0 0-1 16,2 2 1-16,0 2 0 15,-3-1 0-15,3 4 0 16,0 2 1-16,1 0-1 15,2 1 0-15,1 2 0 16,2 2 0-16,1 0 0 16,0 3 0-16,0 2 0 15,1-4 0-15,-3 1 0 16,-1 1 0-16,-1-2 0 16,0-1 0-16,-1 0 0 15,-2-2 1-15,-2-3-1 16,0 1 1-16,-1-3 1 15,3-1 0-15,0-3-1 16,-2-3 1-16,-3 1-1 16,3-3 1-1,2-8-2-15,0 4 0 16,-3-3 0-16,1 4 0 16,0 2-1-16,-2 0 1 15,0 1 0-15,2 3 0 16,-1-1 0-16,1 0 0 15,2 4-1-15,-2 1 1 16,2 1 0-16,1 4 0 16,-1 4-1-16,1 0 1 15,3 1 0-15,-3 0 0 0,1 1 0 16,0 0 0-16,-1-1 0 16,1 0 1-16,-1 1-1 15,1-1 0-15,-2-1 0 16,-1-2 1-16,-1-1-1 15,-2-3 0-15,0 1 0 16,-2-2 0-16,2-3 0 16,0-3 0-16,0-1 0 15,-2-1 0-15,0-4 0 16,3 0 0-16,1-1 0 16,0-1 0-16,0 1 0 15,0 1 0-15,0 0 0 16,-1 3 0-16,1 3 0 15,-2 1 0-15,2 0 0 16,-3 1 0-16,1 1-1 0,-2 3 1 16,2 0-1-16,-2 0 1 15,4 0-1-15,0 0 0 16,-2 2 0-16,0-1 1 16,0-1-1-16,-1 0 0 15,1 2-1-15,-2-2 1 16,0 0-2-16,0 0 0 15,0 2-5-15,0-2 0 16,0 1-3-16,0 1 1 16</inkml:trace>
+  <inkml:trace contextRef="#ctx0" brushRef="#br0">0 263 7 0,'0'3'3'0,"0"-7"-1"0,0 4 4 15,0 1-5-15,0-1 0 16,0 0 0-16,0 0 0 16,0-3-1-16,0 3 1 15,0 0 1-15,0 0 1 16,0 0-2-16,0 0 1 16,0 2 0-16,0-2 0 15,0 0-1-15,2 1 0 16,2 1 0-16,1 1 1 15,5 1 0-15,-1-2 0 0,0 3-1 16,3 1 1-16,0 1-1 16,-1 2 1-16,1-1-1 15,1 1 0-15,0 0 0 16,0 2 0-16,-1-3-1 16,-3 1 1-16,0-1 0 15,1-1 0-15,-2-2 0 16,-3-1 0-16,1-1 1 15,-2-2 1-15,0 1 0 16,-2-2 0-16,-2 0-1 16,2-3 0-16,-2 3 0 15,0-8 1-15,0-1-3 16,0-1 0-16,0 0 0 16,0-4 0-16,0 2 0 15,0 0 0-15,0-1 0 16,-2 1 0-16,0 0 0 15,2 4 0-15,0 1 0 0,0-2 0 16,0 1 0-16,0-1 0 16,0 6 0-16,2 0 0 15,0-1-1-15,-2 4 1 16,1 0 0-16,3 2 1 16,0 0-2-16,2 1 1 15,-1-2 0-15,1 5 1 16,0 1-1-16,1 1 0 15,1 0 0-15,2 1 0 16,-1 3 0-16,1 1 0 0,-3 1 0 16,0 0 1-16,7-3-1 15,-1 0 1-15,-1-3-1 16,-1-1 0-16,-2 0 0 16,1-2 0-16,-2-2 0 15,-3 1 0-15,-1-3 0 16,2 1 1-16,-2 0-1 15,-4-2 1-15,0-4-1 16,2-1 1-16,-2-2-1 16,0-1 1-16,0-2-1 15,0 0 0-15,0-1 0 16,2 1 0-16,0-2 0 16,-2 0 0-16,0 1 0 15,1 0 0-15,-1 1 0 16,2 1 0-16,-2 5 0 15,2-3 0-15,0 2 0 16,0 1 0-16,-2 4 0 0,2-3 0 16,-1 0 0-16,3 1 0 15,0 2-1-15,0 0 1 16,-2 2 0-16,1 1 0 16,1 2 0-16,2 4 0 15,2-3 0-15,-1 4 0 16,-1 0 0-16,1 3 0 15,1 0 0-15,0-3 0 16,3-1 0-16,-1-1 0 0,-1-1-1 16,-1 0 1-16,0 0 0 15,-3 1 1-15,1-7-1 16,-1 2 0-16,1-2 0 16,-2-2 0-16,2-2 0 15,-3-1 1-15,1-5-1 16,0 0 0-16,0 0 0 15,-2-3 0-15,0 0 0 16,-2-5 0-16,0 2 0 16,0-1 0-16,0 3 0 15,2-1 0-15,-2 2 0 16,2 2 0-16,0 1 0 16,-1 1 0-16,1-1-1 15,0 2 1-15,2 2 0 16,-1 3 0-16,1 1 0 15,0 1 1-15,0 1-1 16,2 5 0-16,3-2 0 16,-1 5 0-16,3 1 0 0,1-2 0 15,1 2-1-15,0-1 1 16,1 2 0-16,-1-2 1 16,-2-1-2-16,-2-1 1 15,1 0 0-15,-2-2 1 16,-2-2-1-16,-1 0 0 15,1 1 0-15,-2 0 0 16,-2-4 0-16,0-2 1 16,-1-2-1-16,1-2 0 0,2 0-1 15,-2-1 1-15,0-4 0 16,-1-1 0-16,-1 0 0 16,0 0 0-16,0 1 0 15,0 0 0-15,0-2 0 16,0 3 0-16,0 2 0 15,0 0 0-15,0 1 0 16,3 0 0-16,-1 2 0 16,-1-2 0-16,1 4 0 15,0-1 0-15,2 2 0 16,0 2 0-16,1 2 0 16,1 0 0-16,2 3 0 15,2 4 0-15,1-3 0 16,0 3 0-16,0 1 0 15,-1 2 0-15,0 0 0 16,1 1 0-16,0 0 0 0,1-3 0 16,-1-3 0-16,-1 0 0 15,-3-1 0-15,0-2 0 16,-1-1 0-16,0-1 0 16,0-6 0-16,-1-1 0 15,1 0 0-15,-2-1 1 16,0-3-1-16,4-3 0 15,-5 1 0-15,1-1 0 16,-2 1 0-16,2-1 0 16,0 2 0-16,-1-3 0 0,1 2 0 15,0 2 0-15,3 1 0 16,-3 1 0-16,0 0-1 16,2 2 1-16,0 2 0 15,-3-1 0-15,3 4 0 16,0 2 1-16,1 0-1 15,2 1 0-15,1 2 0 16,2 2 0-16,1 0 0 16,0 3 0-16,0 2 0 15,1-4 0-15,-3 1 0 16,-1 1 0-16,-1-2 0 16,0-1 0-16,-1 0 0 15,-2-2 1-15,-2-3-1 16,0 1 1-16,-1-3 1 15,3-1 0-15,0-3-1 16,-2-3 1-16,-3 1-1 16,3-3 1-1,2-8-2-15,0 4 0 16,-3-3 0-16,1 4 0 16,0 2-1-16,-2 0 1 15,0 1 0-15,2 3 0 16,-1-1 0-16,1 0 0 15,2 4-1-15,-2 1 1 16,2 1 0-16,1 4 0 16,-1 4-1-16,1 0 1 15,3 1 0-15,-3 0 0 0,1 1 0 16,0 0 0-16,-1-1 0 16,1 0 1-16,-1 1-1 15,1-1 0-15,-2-1 0 16,-1-2 1-16,-1-1-1 15,-2-3 0-15,0 1 0 16,-2-2 0-16,2-3 0 16,0-3 0-16,0-1 0 15,-2-1 0-15,0-4 0 16,3 0 0-16,1-1 0 16,0-1 0-16,0 1 0 15,0 1 0-15,0 0 0 16,-1 3 0-16,1 3 0 15,-2 1 0-15,2 0 0 16,-3 1 0-16,1 1-1 0,-2 3 1 16,2 0-1-16,-2 0 1 15,4 0-1-15,0 0 0 16,-2 2 0-16,0-1 1 16,0-1-1-16,-1 0 0 15,1 2-1-15,-2-2 1 16,0 0-2-16,0 0 0 15,0 2-5-15,0-2 0 16,0 1-3-16,0 1 1 16</inkml:trace>
 </inkml:ink>
 </file>
 
@@ -234,8 +234,8 @@
       <inkml:timestamp xml:id="ts0" timeString="2016-03-03T08:13:22.146"/>
     </inkml:context>
     <inkml:brush xml:id="br0">
-      <inkml:brushProperty name="width" value="0.05292" units="cm"/>
-      <inkml:brushProperty name="height" value="0.05292" units="cm"/>
+      <inkml:brushProperty name="width" value="0.03528" units="cm"/>
+      <inkml:brushProperty name="height" value="0.03528" units="cm"/>
       <inkml:brushProperty name="color" value="#404040"/>
       <inkml:brushProperty name="transparency" value="76"/>
       <inkml:brushProperty name="fitToCurve" value="1"/>
@@ -374,7 +374,7 @@
           <a:p>
             <a:fld id="{9D9501FF-ABFD-4A20-9D6D-E502A59752B5}" type="datetimeFigureOut">
               <a:rPr lang="en-US" smtClean="0"/>
-              <a:t>7/21/2016</a:t>
+              <a:t>10/10/2016</a:t>
             </a:fld>
             <a:endParaRPr lang="en-US"/>
           </a:p>
@@ -542,7 +542,7 @@
           <a:p>
             <a:fld id="{9D9501FF-ABFD-4A20-9D6D-E502A59752B5}" type="datetimeFigureOut">
               <a:rPr lang="en-US" smtClean="0"/>
-              <a:t>7/21/2016</a:t>
+              <a:t>10/10/2016</a:t>
             </a:fld>
             <a:endParaRPr lang="en-US"/>
           </a:p>
@@ -720,7 +720,7 @@
           <a:p>
             <a:fld id="{9D9501FF-ABFD-4A20-9D6D-E502A59752B5}" type="datetimeFigureOut">
               <a:rPr lang="en-US" smtClean="0"/>
-              <a:t>7/21/2016</a:t>
+              <a:t>10/10/2016</a:t>
             </a:fld>
             <a:endParaRPr lang="en-US"/>
           </a:p>
@@ -888,7 +888,7 @@
           <a:p>
             <a:fld id="{9D9501FF-ABFD-4A20-9D6D-E502A59752B5}" type="datetimeFigureOut">
               <a:rPr lang="en-US" smtClean="0"/>
-              <a:t>7/21/2016</a:t>
+              <a:t>10/10/2016</a:t>
             </a:fld>
             <a:endParaRPr lang="en-US"/>
           </a:p>
@@ -1133,7 +1133,7 @@
           <a:p>
             <a:fld id="{9D9501FF-ABFD-4A20-9D6D-E502A59752B5}" type="datetimeFigureOut">
               <a:rPr lang="en-US" smtClean="0"/>
-              <a:t>7/21/2016</a:t>
+              <a:t>10/10/2016</a:t>
             </a:fld>
             <a:endParaRPr lang="en-US"/>
           </a:p>
@@ -1362,7 +1362,7 @@
           <a:p>
             <a:fld id="{9D9501FF-ABFD-4A20-9D6D-E502A59752B5}" type="datetimeFigureOut">
               <a:rPr lang="en-US" smtClean="0"/>
-              <a:t>7/21/2016</a:t>
+              <a:t>10/10/2016</a:t>
             </a:fld>
             <a:endParaRPr lang="en-US"/>
           </a:p>
@@ -1726,7 +1726,7 @@
           <a:p>
             <a:fld id="{9D9501FF-ABFD-4A20-9D6D-E502A59752B5}" type="datetimeFigureOut">
               <a:rPr lang="en-US" smtClean="0"/>
-              <a:t>7/21/2016</a:t>
+              <a:t>10/10/2016</a:t>
             </a:fld>
             <a:endParaRPr lang="en-US"/>
           </a:p>
@@ -1843,7 +1843,7 @@
           <a:p>
             <a:fld id="{9D9501FF-ABFD-4A20-9D6D-E502A59752B5}" type="datetimeFigureOut">
               <a:rPr lang="en-US" smtClean="0"/>
-              <a:t>7/21/2016</a:t>
+              <a:t>10/10/2016</a:t>
             </a:fld>
             <a:endParaRPr lang="en-US"/>
           </a:p>
@@ -1938,7 +1938,7 @@
           <a:p>
             <a:fld id="{9D9501FF-ABFD-4A20-9D6D-E502A59752B5}" type="datetimeFigureOut">
               <a:rPr lang="en-US" smtClean="0"/>
-              <a:t>7/21/2016</a:t>
+              <a:t>10/10/2016</a:t>
             </a:fld>
             <a:endParaRPr lang="en-US"/>
           </a:p>
@@ -2213,7 +2213,7 @@
           <a:p>
             <a:fld id="{9D9501FF-ABFD-4A20-9D6D-E502A59752B5}" type="datetimeFigureOut">
               <a:rPr lang="en-US" smtClean="0"/>
-              <a:t>7/21/2016</a:t>
+              <a:t>10/10/2016</a:t>
             </a:fld>
             <a:endParaRPr lang="en-US"/>
           </a:p>
@@ -2468,7 +2468,7 @@
           <a:p>
             <a:fld id="{9D9501FF-ABFD-4A20-9D6D-E502A59752B5}" type="datetimeFigureOut">
               <a:rPr lang="en-US" smtClean="0"/>
-              <a:t>7/21/2016</a:t>
+              <a:t>10/10/2016</a:t>
             </a:fld>
             <a:endParaRPr lang="en-US"/>
           </a:p>
@@ -2679,7 +2679,7 @@
           <a:p>
             <a:fld id="{9D9501FF-ABFD-4A20-9D6D-E502A59752B5}" type="datetimeFigureOut">
               <a:rPr lang="en-US" smtClean="0"/>
-              <a:t>7/21/2016</a:t>
+              <a:t>10/10/2016</a:t>
             </a:fld>
             <a:endParaRPr lang="en-US"/>
           </a:p>
@@ -13334,226 +13334,430 @@
       </p:pic>
       <p:grpSp>
         <p:nvGrpSpPr>
-          <p:cNvPr id="124" name="Group 123"/>
+          <p:cNvPr id="90" name="Group 89"/>
           <p:cNvGrpSpPr/>
           <p:nvPr/>
         </p:nvGrpSpPr>
         <p:grpSpPr>
           <a:xfrm>
-            <a:off x="-76204" y="321129"/>
+            <a:off x="-45724" y="321129"/>
             <a:ext cx="5534665" cy="4562068"/>
-            <a:chOff x="-76204" y="321129"/>
+            <a:chOff x="-45724" y="321129"/>
             <a:chExt cx="5534665" cy="4562068"/>
           </a:xfrm>
         </p:grpSpPr>
+        <p:sp>
+          <p:nvSpPr>
+            <p:cNvPr id="3" name="Rectangle 2"/>
+            <p:cNvSpPr/>
+            <p:nvPr/>
+          </p:nvSpPr>
+          <p:spPr>
+            <a:xfrm>
+              <a:off x="35242" y="364402"/>
+              <a:ext cx="5371329" cy="4512446"/>
+            </a:xfrm>
+            <a:prstGeom prst="rect">
+              <a:avLst/>
+            </a:prstGeom>
+            <a:solidFill>
+              <a:schemeClr val="bg1"/>
+            </a:solidFill>
+            <a:ln>
+              <a:noFill/>
+            </a:ln>
+          </p:spPr>
+          <p:style>
+            <a:lnRef idx="2">
+              <a:schemeClr val="accent1">
+                <a:shade val="50000"/>
+              </a:schemeClr>
+            </a:lnRef>
+            <a:fillRef idx="1">
+              <a:schemeClr val="accent1"/>
+            </a:fillRef>
+            <a:effectRef idx="0">
+              <a:schemeClr val="accent1"/>
+            </a:effectRef>
+            <a:fontRef idx="minor">
+              <a:schemeClr val="lt1"/>
+            </a:fontRef>
+          </p:style>
+          <p:txBody>
+            <a:bodyPr rtlCol="0" anchor="ctr"/>
+            <a:lstStyle/>
+            <a:p>
+              <a:pPr algn="ctr"/>
+              <a:endParaRPr lang="en-US" dirty="0"/>
+            </a:p>
+          </p:txBody>
+        </p:sp>
         <p:grpSp>
           <p:nvGrpSpPr>
-            <p:cNvPr id="122" name="Group 121"/>
+            <p:cNvPr id="79" name="Group 78"/>
             <p:cNvGrpSpPr/>
             <p:nvPr/>
           </p:nvGrpSpPr>
           <p:grpSpPr>
             <a:xfrm>
-              <a:off x="3957638" y="321129"/>
-              <a:ext cx="1425338" cy="1158468"/>
+              <a:off x="3988118" y="321129"/>
+              <a:ext cx="1500823" cy="2333218"/>
               <a:chOff x="3957638" y="321129"/>
-              <a:chExt cx="1425338" cy="1158468"/>
+              <a:chExt cx="1500823" cy="2333218"/>
             </a:xfrm>
           </p:grpSpPr>
-          <p:pic>
-            <p:nvPicPr>
-              <p:cNvPr id="82" name="Picture 81"/>
-              <p:cNvPicPr>
-                <a:picLocks noChangeAspect="1"/>
-              </p:cNvPicPr>
-              <p:nvPr/>
-            </p:nvPicPr>
-            <p:blipFill>
-              <a:blip r:embed="rId7"/>
-              <a:stretch>
-                <a:fillRect/>
-              </a:stretch>
-            </p:blipFill>
-            <p:spPr>
-              <a:xfrm>
-                <a:off x="4046147" y="357462"/>
-                <a:ext cx="1336829" cy="1106424"/>
-              </a:xfrm>
-              <a:prstGeom prst="rect">
-                <a:avLst/>
-              </a:prstGeom>
-            </p:spPr>
-          </p:pic>
-          <p:sp>
-            <p:nvSpPr>
-              <p:cNvPr id="68" name="Rectangle 67"/>
-              <p:cNvSpPr/>
-              <p:nvPr/>
-            </p:nvSpPr>
-            <p:spPr>
-              <a:xfrm>
-                <a:off x="3986936" y="321129"/>
-                <a:ext cx="1111202" cy="369332"/>
-              </a:xfrm>
-              <a:prstGeom prst="rect">
-                <a:avLst/>
-              </a:prstGeom>
-            </p:spPr>
-            <p:txBody>
-              <a:bodyPr wrap="none">
-                <a:spAutoFit/>
-              </a:bodyPr>
-              <a:lstStyle/>
-              <a:p>
-                <a:r>
-                  <a:rPr lang="en-US" sz="900" dirty="0">
-                    <a:solidFill>
-                      <a:schemeClr val="bg2">
-                        <a:lumMod val="75000"/>
-                      </a:schemeClr>
-                    </a:solidFill>
-                    <a:latin typeface="Times New Roman" panose="02020603050405020304" pitchFamily="18" charset="0"/>
-                    <a:cs typeface="Times New Roman" panose="02020603050405020304" pitchFamily="18" charset="0"/>
-                  </a:rPr>
-                  <a:t>Sensor image 1/13 </a:t>
-                </a:r>
-              </a:p>
-              <a:p>
-                <a:r>
-                  <a:rPr lang="en-US" sz="900" dirty="0">
-                    <a:solidFill>
-                      <a:schemeClr val="bg2">
-                        <a:lumMod val="75000"/>
-                      </a:schemeClr>
-                    </a:solidFill>
-                    <a:latin typeface="Times New Roman" panose="02020603050405020304" pitchFamily="18" charset="0"/>
-                    <a:cs typeface="Times New Roman" panose="02020603050405020304" pitchFamily="18" charset="0"/>
-                  </a:rPr>
-                  <a:t>lens tilt = -8°</a:t>
-                </a:r>
-              </a:p>
-            </p:txBody>
-          </p:sp>
-          <p:cxnSp>
-            <p:nvCxnSpPr>
-              <p:cNvPr id="89" name="Straight Connector 88"/>
-              <p:cNvCxnSpPr/>
-              <p:nvPr/>
-            </p:nvCxnSpPr>
-            <p:spPr>
-              <a:xfrm>
-                <a:off x="4037037" y="907795"/>
-                <a:ext cx="1344168" cy="0"/>
-              </a:xfrm>
-              <a:prstGeom prst="line">
-                <a:avLst/>
-              </a:prstGeom>
-              <a:ln>
-                <a:solidFill>
-                  <a:schemeClr val="accent2">
-                    <a:lumMod val="20000"/>
-                    <a:lumOff val="80000"/>
-                  </a:schemeClr>
-                </a:solidFill>
-                <a:prstDash val="dash"/>
-              </a:ln>
-            </p:spPr>
-            <p:style>
-              <a:lnRef idx="1">
-                <a:schemeClr val="accent1"/>
-              </a:lnRef>
-              <a:fillRef idx="0">
-                <a:schemeClr val="accent1"/>
-              </a:fillRef>
-              <a:effectRef idx="0">
-                <a:schemeClr val="accent1"/>
-              </a:effectRef>
-              <a:fontRef idx="minor">
-                <a:schemeClr val="tx1"/>
-              </a:fontRef>
-            </p:style>
-          </p:cxnSp>
           <p:grpSp>
             <p:nvGrpSpPr>
-              <p:cNvPr id="103" name="Group 102"/>
+              <p:cNvPr id="122" name="Group 121"/>
               <p:cNvGrpSpPr/>
               <p:nvPr/>
             </p:nvGrpSpPr>
             <p:grpSpPr>
               <a:xfrm>
-                <a:off x="3982438" y="1248765"/>
-                <a:ext cx="319318" cy="230832"/>
-                <a:chOff x="2001238" y="4855565"/>
-                <a:chExt cx="319318" cy="230832"/>
+                <a:off x="3957638" y="321129"/>
+                <a:ext cx="1425338" cy="1158468"/>
+                <a:chOff x="3957638" y="321129"/>
+                <a:chExt cx="1425338" cy="1158468"/>
               </a:xfrm>
             </p:grpSpPr>
-            <p:sp>
-              <p:nvSpPr>
-                <p:cNvPr id="104" name="Rounded Rectangle 103"/>
-                <p:cNvSpPr/>
+            <p:pic>
+              <p:nvPicPr>
+                <p:cNvPr id="82" name="Picture 81"/>
+                <p:cNvPicPr>
+                  <a:picLocks noChangeAspect="1"/>
+                </p:cNvPicPr>
                 <p:nvPr/>
-              </p:nvSpPr>
+              </p:nvPicPr>
+              <p:blipFill>
+                <a:blip r:embed="rId7"/>
+                <a:stretch>
+                  <a:fillRect/>
+                </a:stretch>
+              </p:blipFill>
               <p:spPr>
                 <a:xfrm>
-                  <a:off x="2082370" y="4908726"/>
-                  <a:ext cx="146304" cy="141883"/>
+                  <a:off x="4046147" y="357462"/>
+                  <a:ext cx="1336829" cy="1106424"/>
                 </a:xfrm>
-                <a:prstGeom prst="roundRect">
+                <a:prstGeom prst="rect">
                   <a:avLst/>
                 </a:prstGeom>
-                <a:solidFill>
-                  <a:schemeClr val="bg1"/>
-                </a:solidFill>
-                <a:ln w="6350">
+              </p:spPr>
+            </p:pic>
+            <mc:AlternateContent xmlns:mc="http://schemas.openxmlformats.org/markup-compatibility/2006">
+              <mc:Choice xmlns:a14="http://schemas.microsoft.com/office/drawing/2010/main" Requires="a14">
+                <p:sp>
+                  <p:nvSpPr>
+                    <p:cNvPr id="68" name="Rectangle 67"/>
+                    <p:cNvSpPr/>
+                    <p:nvPr/>
+                  </p:nvSpPr>
+                  <p:spPr>
+                    <a:xfrm>
+                      <a:off x="3986936" y="321129"/>
+                      <a:ext cx="1072730" cy="369332"/>
+                    </a:xfrm>
+                    <a:prstGeom prst="rect">
+                      <a:avLst/>
+                    </a:prstGeom>
+                  </p:spPr>
+                  <p:txBody>
+                    <a:bodyPr wrap="none">
+                      <a:spAutoFit/>
+                    </a:bodyPr>
+                    <a:lstStyle/>
+                    <a:p>
+                      <a:r>
+                        <a:rPr lang="en-US" sz="900" dirty="0">
+                          <a:solidFill>
+                            <a:schemeClr val="bg2">
+                              <a:lumMod val="75000"/>
+                            </a:schemeClr>
+                          </a:solidFill>
+                          <a:latin typeface="Times New Roman" panose="02020603050405020304" pitchFamily="18" charset="0"/>
+                          <a:cs typeface="Times New Roman" panose="02020603050405020304" pitchFamily="18" charset="0"/>
+                        </a:rPr>
+                        <a:t>Sensor image 1/13 </a:t>
+                      </a:r>
+                    </a:p>
+                    <a:p>
+                      <a:r>
+                        <a:rPr lang="en-US" sz="900">
+                          <a:solidFill>
+                            <a:srgbClr val="00E266"/>
+                          </a:solidFill>
+                          <a:latin typeface="Times New Roman" panose="02020603050405020304" pitchFamily="18" charset="0"/>
+                          <a:cs typeface="Times New Roman" panose="02020603050405020304" pitchFamily="18" charset="0"/>
+                        </a:rPr>
+                        <a:t>Lens tilt, </a:t>
+                      </a:r>
+                      <a14:m>
+                        <m:oMath xmlns:m="http://schemas.openxmlformats.org/officeDocument/2006/math">
+                          <m:r>
+                            <a:rPr lang="en-US" sz="900" b="0" i="1" smtClean="0">
+                              <a:solidFill>
+                                <a:srgbClr val="00E266"/>
+                              </a:solidFill>
+                              <a:latin typeface="Cambria Math" panose="02040503050406030204" pitchFamily="18" charset="0"/>
+                              <a:cs typeface="Times New Roman" panose="02020603050405020304" pitchFamily="18" charset="0"/>
+                            </a:rPr>
+                            <m:t>𝛼</m:t>
+                          </m:r>
+                          <m:r>
+                            <a:rPr lang="en-US" sz="900" b="0" i="1" smtClean="0">
+                              <a:solidFill>
+                                <a:srgbClr val="00E266"/>
+                              </a:solidFill>
+                              <a:latin typeface="Cambria Math" panose="02040503050406030204" pitchFamily="18" charset="0"/>
+                              <a:cs typeface="Times New Roman" panose="02020603050405020304" pitchFamily="18" charset="0"/>
+                            </a:rPr>
+                            <m:t>=−</m:t>
+                          </m:r>
+                          <m:sSup>
+                            <m:sSupPr>
+                              <m:ctrlPr>
+                                <a:rPr lang="en-US" sz="900" b="0" i="1" smtClean="0">
+                                  <a:solidFill>
+                                    <a:srgbClr val="00E266"/>
+                                  </a:solidFill>
+                                  <a:latin typeface="Cambria Math" panose="02040503050406030204" pitchFamily="18" charset="0"/>
+                                  <a:cs typeface="Times New Roman" panose="02020603050405020304" pitchFamily="18" charset="0"/>
+                                </a:rPr>
+                              </m:ctrlPr>
+                            </m:sSupPr>
+                            <m:e>
+                              <m:r>
+                                <a:rPr lang="en-US" sz="900" b="0" i="1" smtClean="0">
+                                  <a:solidFill>
+                                    <a:srgbClr val="00E266"/>
+                                  </a:solidFill>
+                                  <a:latin typeface="Cambria Math" panose="02040503050406030204" pitchFamily="18" charset="0"/>
+                                  <a:cs typeface="Times New Roman" panose="02020603050405020304" pitchFamily="18" charset="0"/>
+                                </a:rPr>
+                                <m:t>8</m:t>
+                              </m:r>
+                            </m:e>
+                            <m:sup>
+                              <m:r>
+                                <a:rPr lang="en-US" sz="900" b="0" i="1" smtClean="0">
+                                  <a:solidFill>
+                                    <a:srgbClr val="00E266"/>
+                                  </a:solidFill>
+                                  <a:latin typeface="Cambria Math" panose="02040503050406030204" pitchFamily="18" charset="0"/>
+                                  <a:cs typeface="Times New Roman" panose="02020603050405020304" pitchFamily="18" charset="0"/>
+                                </a:rPr>
+                                <m:t>𝑜</m:t>
+                              </m:r>
+                            </m:sup>
+                          </m:sSup>
+                        </m:oMath>
+                      </a14:m>
+                      <a:endParaRPr lang="en-US" sz="900" dirty="0">
+                        <a:solidFill>
+                          <a:schemeClr val="bg2">
+                            <a:lumMod val="75000"/>
+                          </a:schemeClr>
+                        </a:solidFill>
+                        <a:latin typeface="Times New Roman" panose="02020603050405020304" pitchFamily="18" charset="0"/>
+                        <a:cs typeface="Times New Roman" panose="02020603050405020304" pitchFamily="18" charset="0"/>
+                      </a:endParaRPr>
+                    </a:p>
+                  </p:txBody>
+                </p:sp>
+              </mc:Choice>
+              <mc:Fallback>
+                <p:sp>
+                  <p:nvSpPr>
+                    <p:cNvPr id="68" name="Rectangle 67"/>
+                    <p:cNvSpPr>
+                      <a:spLocks noRot="1" noChangeAspect="1" noMove="1" noResize="1" noEditPoints="1" noAdjustHandles="1" noChangeArrowheads="1" noChangeShapeType="1" noTextEdit="1"/>
+                    </p:cNvSpPr>
+                    <p:nvPr/>
+                  </p:nvSpPr>
+                  <p:spPr>
+                    <a:xfrm>
+                      <a:off x="3986936" y="321129"/>
+                      <a:ext cx="1072730" cy="369332"/>
+                    </a:xfrm>
+                    <a:prstGeom prst="rect">
+                      <a:avLst/>
+                    </a:prstGeom>
+                    <a:blipFill>
+                      <a:blip r:embed="rId8"/>
+                      <a:stretch>
+                        <a:fillRect b="-6667"/>
+                      </a:stretch>
+                    </a:blipFill>
+                  </p:spPr>
+                  <p:txBody>
+                    <a:bodyPr/>
+                    <a:lstStyle/>
+                    <a:p>
+                      <a:r>
+                        <a:rPr lang="en-US">
+                          <a:noFill/>
+                        </a:rPr>
+                        <a:t> </a:t>
+                      </a:r>
+                    </a:p>
+                  </p:txBody>
+                </p:sp>
+              </mc:Fallback>
+            </mc:AlternateContent>
+            <p:cxnSp>
+              <p:nvCxnSpPr>
+                <p:cNvPr id="89" name="Straight Connector 88"/>
+                <p:cNvCxnSpPr/>
+                <p:nvPr/>
+              </p:nvCxnSpPr>
+              <p:spPr>
+                <a:xfrm>
+                  <a:off x="4037037" y="907795"/>
+                  <a:ext cx="1344168" cy="0"/>
+                </a:xfrm>
+                <a:prstGeom prst="line">
+                  <a:avLst/>
+                </a:prstGeom>
+                <a:ln>
                   <a:solidFill>
-                    <a:schemeClr val="bg1">
-                      <a:lumMod val="75000"/>
-                    </a:schemeClr>
+                    <a:srgbClr val="FFFF00"/>
                   </a:solidFill>
+                  <a:prstDash val="dash"/>
                 </a:ln>
-                <a:effectLst>
-                  <a:outerShdw blurRad="25400" dist="25400" dir="2700000" algn="tl" rotWithShape="0">
-                    <a:prstClr val="black">
-                      <a:alpha val="40000"/>
-                    </a:prstClr>
-                  </a:outerShdw>
-                </a:effectLst>
               </p:spPr>
               <p:style>
-                <a:lnRef idx="2">
-                  <a:schemeClr val="accent1">
-                    <a:shade val="50000"/>
-                  </a:schemeClr>
+                <a:lnRef idx="1">
+                  <a:schemeClr val="accent1"/>
                 </a:lnRef>
-                <a:fillRef idx="1">
+                <a:fillRef idx="0">
                   <a:schemeClr val="accent1"/>
                 </a:fillRef>
                 <a:effectRef idx="0">
                   <a:schemeClr val="accent1"/>
                 </a:effectRef>
                 <a:fontRef idx="minor">
-                  <a:schemeClr val="lt1"/>
+                  <a:schemeClr val="tx1"/>
                 </a:fontRef>
               </p:style>
-              <p:txBody>
-                <a:bodyPr rtlCol="0" anchor="ctr"/>
-                <a:lstStyle/>
-                <a:p>
-                  <a:pPr algn="ctr"/>
-                  <a:endParaRPr lang="en-US"/>
-                </a:p>
-              </p:txBody>
-            </p:sp>
+            </p:cxnSp>
+            <p:grpSp>
+              <p:nvGrpSpPr>
+                <p:cNvPr id="103" name="Group 102"/>
+                <p:cNvGrpSpPr/>
+                <p:nvPr/>
+              </p:nvGrpSpPr>
+              <p:grpSpPr>
+                <a:xfrm>
+                  <a:off x="3982438" y="1248765"/>
+                  <a:ext cx="319318" cy="230832"/>
+                  <a:chOff x="2001238" y="4855565"/>
+                  <a:chExt cx="319318" cy="230832"/>
+                </a:xfrm>
+              </p:grpSpPr>
+              <p:sp>
+                <p:nvSpPr>
+                  <p:cNvPr id="104" name="Rounded Rectangle 103"/>
+                  <p:cNvSpPr/>
+                  <p:nvPr/>
+                </p:nvSpPr>
+                <p:spPr>
+                  <a:xfrm>
+                    <a:off x="2082370" y="4908726"/>
+                    <a:ext cx="146304" cy="141883"/>
+                  </a:xfrm>
+                  <a:prstGeom prst="roundRect">
+                    <a:avLst/>
+                  </a:prstGeom>
+                  <a:solidFill>
+                    <a:schemeClr val="bg1"/>
+                  </a:solidFill>
+                  <a:ln w="6350">
+                    <a:solidFill>
+                      <a:schemeClr val="bg1">
+                        <a:lumMod val="75000"/>
+                      </a:schemeClr>
+                    </a:solidFill>
+                  </a:ln>
+                  <a:effectLst>
+                    <a:outerShdw blurRad="25400" dist="25400" dir="2700000" algn="tl" rotWithShape="0">
+                      <a:prstClr val="black">
+                        <a:alpha val="40000"/>
+                      </a:prstClr>
+                    </a:outerShdw>
+                  </a:effectLst>
+                </p:spPr>
+                <p:style>
+                  <a:lnRef idx="2">
+                    <a:schemeClr val="accent1">
+                      <a:shade val="50000"/>
+                    </a:schemeClr>
+                  </a:lnRef>
+                  <a:fillRef idx="1">
+                    <a:schemeClr val="accent1"/>
+                  </a:fillRef>
+                  <a:effectRef idx="0">
+                    <a:schemeClr val="accent1"/>
+                  </a:effectRef>
+                  <a:fontRef idx="minor">
+                    <a:schemeClr val="lt1"/>
+                  </a:fontRef>
+                </p:style>
+                <p:txBody>
+                  <a:bodyPr rtlCol="0" anchor="ctr"/>
+                  <a:lstStyle/>
+                  <a:p>
+                    <a:pPr algn="ctr"/>
+                    <a:endParaRPr lang="en-US"/>
+                  </a:p>
+                </p:txBody>
+              </p:sp>
+              <p:sp>
+                <p:nvSpPr>
+                  <p:cNvPr id="105" name="TextBox 104"/>
+                  <p:cNvSpPr txBox="1"/>
+                  <p:nvPr/>
+                </p:nvSpPr>
+                <p:spPr>
+                  <a:xfrm>
+                    <a:off x="2001238" y="4855565"/>
+                    <a:ext cx="319318" cy="230832"/>
+                  </a:xfrm>
+                  <a:prstGeom prst="rect">
+                    <a:avLst/>
+                  </a:prstGeom>
+                  <a:noFill/>
+                </p:spPr>
+                <p:txBody>
+                  <a:bodyPr wrap="none" rtlCol="0">
+                    <a:spAutoFit/>
+                  </a:bodyPr>
+                  <a:lstStyle/>
+                  <a:p>
+                    <a:r>
+                      <a:rPr lang="en-US" sz="900" dirty="0">
+                        <a:latin typeface="Times New Roman" panose="02020603050405020304" pitchFamily="18" charset="0"/>
+                        <a:cs typeface="Times New Roman" panose="02020603050405020304" pitchFamily="18" charset="0"/>
+                      </a:rPr>
+                      <a:t>(b)</a:t>
+                    </a:r>
+                    <a:endParaRPr lang="en-US" sz="1100" dirty="0">
+                      <a:latin typeface="Times New Roman" panose="02020603050405020304" pitchFamily="18" charset="0"/>
+                      <a:cs typeface="Times New Roman" panose="02020603050405020304" pitchFamily="18" charset="0"/>
+                    </a:endParaRPr>
+                  </a:p>
+                </p:txBody>
+              </p:sp>
+            </p:grpSp>
             <p:sp>
               <p:nvSpPr>
-                <p:cNvPr id="105" name="TextBox 104"/>
+                <p:cNvPr id="66" name="TextBox 65"/>
                 <p:cNvSpPr txBox="1"/>
                 <p:nvPr/>
               </p:nvSpPr>
               <p:spPr>
                 <a:xfrm>
-                  <a:off x="2001238" y="4855565"/>
-                  <a:ext cx="319318" cy="230832"/>
+                  <a:off x="3957638" y="776289"/>
+                  <a:ext cx="292068" cy="184666"/>
                 </a:xfrm>
                 <a:prstGeom prst="rect">
                   <a:avLst/>
@@ -13567,251 +13771,245 @@
                 <a:lstStyle/>
                 <a:p>
                   <a:r>
-                    <a:rPr lang="en-US" sz="900" dirty="0">
-                      <a:latin typeface="Times New Roman" panose="02020603050405020304" pitchFamily="18" charset="0"/>
-                      <a:cs typeface="Times New Roman" panose="02020603050405020304" pitchFamily="18" charset="0"/>
+                    <a:rPr lang="en-US" sz="600" dirty="0">
+                      <a:solidFill>
+                        <a:srgbClr val="FFFF00"/>
+                      </a:solidFill>
                     </a:rPr>
-                    <a:t>(b)</a:t>
+                    <a:t>1/2</a:t>
                   </a:r>
-                  <a:endParaRPr lang="en-US" sz="1100" dirty="0">
-                    <a:latin typeface="Times New Roman" panose="02020603050405020304" pitchFamily="18" charset="0"/>
-                    <a:cs typeface="Times New Roman" panose="02020603050405020304" pitchFamily="18" charset="0"/>
-                  </a:endParaRPr>
                 </a:p>
               </p:txBody>
             </p:sp>
           </p:grpSp>
-          <p:sp>
-            <p:nvSpPr>
-              <p:cNvPr id="66" name="TextBox 65"/>
-              <p:cNvSpPr txBox="1"/>
-              <p:nvPr/>
-            </p:nvSpPr>
-            <p:spPr>
-              <a:xfrm>
-                <a:off x="3957638" y="776289"/>
-                <a:ext cx="292068" cy="184666"/>
-              </a:xfrm>
-              <a:prstGeom prst="rect">
-                <a:avLst/>
-              </a:prstGeom>
-              <a:noFill/>
-            </p:spPr>
-            <p:txBody>
-              <a:bodyPr wrap="none" rtlCol="0">
-                <a:spAutoFit/>
-              </a:bodyPr>
-              <a:lstStyle/>
-              <a:p>
-                <a:r>
-                  <a:rPr lang="en-US" sz="600" dirty="0">
-                    <a:solidFill>
-                      <a:schemeClr val="accent2">
-                        <a:lumMod val="20000"/>
-                        <a:lumOff val="80000"/>
-                      </a:schemeClr>
-                    </a:solidFill>
-                  </a:rPr>
-                  <a:t>1/2</a:t>
-                </a:r>
-              </a:p>
-            </p:txBody>
-          </p:sp>
-        </p:grpSp>
-        <p:grpSp>
-          <p:nvGrpSpPr>
-            <p:cNvPr id="121" name="Group 120"/>
-            <p:cNvGrpSpPr/>
-            <p:nvPr/>
-          </p:nvGrpSpPr>
-          <p:grpSpPr>
-            <a:xfrm>
-              <a:off x="3960806" y="1505564"/>
-              <a:ext cx="1497655" cy="1148783"/>
-              <a:chOff x="3960806" y="1505564"/>
-              <a:chExt cx="1497655" cy="1148783"/>
-            </a:xfrm>
-          </p:grpSpPr>
-          <p:pic>
-            <p:nvPicPr>
-              <p:cNvPr id="81" name="Picture 80"/>
-              <p:cNvPicPr>
-                <a:picLocks noChangeAspect="1"/>
-              </p:cNvPicPr>
-              <p:nvPr/>
-            </p:nvPicPr>
-            <p:blipFill>
-              <a:blip r:embed="rId8"/>
-              <a:stretch>
-                <a:fillRect/>
-              </a:stretch>
-            </p:blipFill>
-            <p:spPr>
-              <a:xfrm>
-                <a:off x="4046313" y="1535421"/>
-                <a:ext cx="1336663" cy="1106424"/>
-              </a:xfrm>
-              <a:prstGeom prst="rect">
-                <a:avLst/>
-              </a:prstGeom>
-            </p:spPr>
-          </p:pic>
-          <p:sp>
-            <p:nvSpPr>
-              <p:cNvPr id="69" name="Rectangle 68"/>
-              <p:cNvSpPr/>
-              <p:nvPr/>
-            </p:nvSpPr>
-            <p:spPr>
-              <a:xfrm>
-                <a:off x="3991611" y="1505564"/>
-                <a:ext cx="1466850" cy="230832"/>
-              </a:xfrm>
-              <a:prstGeom prst="rect">
-                <a:avLst/>
-              </a:prstGeom>
-            </p:spPr>
-            <p:txBody>
-              <a:bodyPr wrap="square">
-                <a:spAutoFit/>
-              </a:bodyPr>
-              <a:lstStyle/>
-              <a:p>
-                <a:r>
-                  <a:rPr lang="en-US" sz="900" dirty="0">
-                    <a:solidFill>
-                      <a:schemeClr val="bg2">
-                        <a:lumMod val="75000"/>
-                      </a:schemeClr>
-                    </a:solidFill>
-                    <a:latin typeface="Times New Roman" panose="02020603050405020304" pitchFamily="18" charset="0"/>
-                    <a:cs typeface="Times New Roman" panose="02020603050405020304" pitchFamily="18" charset="0"/>
-                  </a:rPr>
-                  <a:t>Focus measure (LoG)</a:t>
-                </a:r>
-              </a:p>
-            </p:txBody>
-          </p:sp>
-          <p:cxnSp>
-            <p:nvCxnSpPr>
-              <p:cNvPr id="91" name="Straight Connector 90"/>
-              <p:cNvCxnSpPr/>
-              <p:nvPr/>
-            </p:nvCxnSpPr>
-            <p:spPr>
-              <a:xfrm>
-                <a:off x="4043387" y="2085572"/>
-                <a:ext cx="1344168" cy="0"/>
-              </a:xfrm>
-              <a:prstGeom prst="line">
-                <a:avLst/>
-              </a:prstGeom>
-              <a:ln>
-                <a:solidFill>
-                  <a:schemeClr val="accent2">
-                    <a:lumMod val="20000"/>
-                    <a:lumOff val="80000"/>
-                  </a:schemeClr>
-                </a:solidFill>
-                <a:prstDash val="dash"/>
-              </a:ln>
-            </p:spPr>
-            <p:style>
-              <a:lnRef idx="1">
-                <a:schemeClr val="accent1"/>
-              </a:lnRef>
-              <a:fillRef idx="0">
-                <a:schemeClr val="accent1"/>
-              </a:fillRef>
-              <a:effectRef idx="0">
-                <a:schemeClr val="accent1"/>
-              </a:effectRef>
-              <a:fontRef idx="minor">
-                <a:schemeClr val="tx1"/>
-              </a:fontRef>
-            </p:style>
-          </p:cxnSp>
           <p:grpSp>
             <p:nvGrpSpPr>
-              <p:cNvPr id="106" name="Group 105"/>
+              <p:cNvPr id="121" name="Group 120"/>
               <p:cNvGrpSpPr/>
               <p:nvPr/>
             </p:nvGrpSpPr>
             <p:grpSpPr>
               <a:xfrm>
-                <a:off x="3982438" y="2423515"/>
-                <a:ext cx="312906" cy="230832"/>
-                <a:chOff x="2001238" y="4855565"/>
-                <a:chExt cx="312906" cy="230832"/>
+                <a:off x="3960806" y="1505564"/>
+                <a:ext cx="1497655" cy="1148783"/>
+                <a:chOff x="3960806" y="1505564"/>
+                <a:chExt cx="1497655" cy="1148783"/>
               </a:xfrm>
             </p:grpSpPr>
+            <p:pic>
+              <p:nvPicPr>
+                <p:cNvPr id="81" name="Picture 80"/>
+                <p:cNvPicPr>
+                  <a:picLocks noChangeAspect="1"/>
+                </p:cNvPicPr>
+                <p:nvPr/>
+              </p:nvPicPr>
+              <p:blipFill>
+                <a:blip r:embed="rId9"/>
+                <a:stretch>
+                  <a:fillRect/>
+                </a:stretch>
+              </p:blipFill>
+              <p:spPr>
+                <a:xfrm>
+                  <a:off x="4046313" y="1535421"/>
+                  <a:ext cx="1336663" cy="1106424"/>
+                </a:xfrm>
+                <a:prstGeom prst="rect">
+                  <a:avLst/>
+                </a:prstGeom>
+              </p:spPr>
+            </p:pic>
             <p:sp>
               <p:nvSpPr>
-                <p:cNvPr id="107" name="Rounded Rectangle 106"/>
+                <p:cNvPr id="69" name="Rectangle 68"/>
                 <p:cNvSpPr/>
                 <p:nvPr/>
               </p:nvSpPr>
               <p:spPr>
                 <a:xfrm>
-                  <a:off x="2082370" y="4908726"/>
-                  <a:ext cx="146304" cy="141883"/>
+                  <a:off x="3991611" y="1505564"/>
+                  <a:ext cx="1466850" cy="230832"/>
                 </a:xfrm>
-                <a:prstGeom prst="roundRect">
+                <a:prstGeom prst="rect">
                   <a:avLst/>
                 </a:prstGeom>
-                <a:solidFill>
-                  <a:schemeClr val="bg1"/>
-                </a:solidFill>
-                <a:ln w="6350">
+              </p:spPr>
+              <p:txBody>
+                <a:bodyPr wrap="square">
+                  <a:spAutoFit/>
+                </a:bodyPr>
+                <a:lstStyle/>
+                <a:p>
+                  <a:r>
+                    <a:rPr lang="en-US" sz="900" dirty="0">
+                      <a:solidFill>
+                        <a:schemeClr val="bg2">
+                          <a:lumMod val="75000"/>
+                        </a:schemeClr>
+                      </a:solidFill>
+                      <a:latin typeface="Times New Roman" panose="02020603050405020304" pitchFamily="18" charset="0"/>
+                      <a:cs typeface="Times New Roman" panose="02020603050405020304" pitchFamily="18" charset="0"/>
+                    </a:rPr>
+                    <a:t>Focus measure (LoG)</a:t>
+                  </a:r>
+                </a:p>
+              </p:txBody>
+            </p:sp>
+            <p:cxnSp>
+              <p:nvCxnSpPr>
+                <p:cNvPr id="91" name="Straight Connector 90"/>
+                <p:cNvCxnSpPr/>
+                <p:nvPr/>
+              </p:nvCxnSpPr>
+              <p:spPr>
+                <a:xfrm>
+                  <a:off x="4043387" y="2085572"/>
+                  <a:ext cx="1344168" cy="0"/>
+                </a:xfrm>
+                <a:prstGeom prst="line">
+                  <a:avLst/>
+                </a:prstGeom>
+                <a:ln>
                   <a:solidFill>
-                    <a:schemeClr val="bg1">
-                      <a:lumMod val="75000"/>
-                    </a:schemeClr>
+                    <a:srgbClr val="FFFF00"/>
                   </a:solidFill>
+                  <a:prstDash val="dash"/>
                 </a:ln>
-                <a:effectLst>
-                  <a:outerShdw blurRad="25400" dist="25400" dir="2700000" algn="tl" rotWithShape="0">
-                    <a:prstClr val="black">
-                      <a:alpha val="40000"/>
-                    </a:prstClr>
-                  </a:outerShdw>
-                </a:effectLst>
               </p:spPr>
               <p:style>
-                <a:lnRef idx="2">
-                  <a:schemeClr val="accent1">
-                    <a:shade val="50000"/>
-                  </a:schemeClr>
+                <a:lnRef idx="1">
+                  <a:schemeClr val="accent1"/>
                 </a:lnRef>
-                <a:fillRef idx="1">
+                <a:fillRef idx="0">
                   <a:schemeClr val="accent1"/>
                 </a:fillRef>
                 <a:effectRef idx="0">
                   <a:schemeClr val="accent1"/>
                 </a:effectRef>
                 <a:fontRef idx="minor">
-                  <a:schemeClr val="lt1"/>
+                  <a:schemeClr val="tx1"/>
                 </a:fontRef>
               </p:style>
-              <p:txBody>
-                <a:bodyPr rtlCol="0" anchor="ctr"/>
-                <a:lstStyle/>
-                <a:p>
-                  <a:pPr algn="ctr"/>
-                  <a:endParaRPr lang="en-US"/>
-                </a:p>
-              </p:txBody>
-            </p:sp>
+            </p:cxnSp>
+            <p:grpSp>
+              <p:nvGrpSpPr>
+                <p:cNvPr id="106" name="Group 105"/>
+                <p:cNvGrpSpPr/>
+                <p:nvPr/>
+              </p:nvGrpSpPr>
+              <p:grpSpPr>
+                <a:xfrm>
+                  <a:off x="3982438" y="2423515"/>
+                  <a:ext cx="312906" cy="230832"/>
+                  <a:chOff x="2001238" y="4855565"/>
+                  <a:chExt cx="312906" cy="230832"/>
+                </a:xfrm>
+              </p:grpSpPr>
+              <p:sp>
+                <p:nvSpPr>
+                  <p:cNvPr id="107" name="Rounded Rectangle 106"/>
+                  <p:cNvSpPr/>
+                  <p:nvPr/>
+                </p:nvSpPr>
+                <p:spPr>
+                  <a:xfrm>
+                    <a:off x="2082370" y="4908726"/>
+                    <a:ext cx="146304" cy="141883"/>
+                  </a:xfrm>
+                  <a:prstGeom prst="roundRect">
+                    <a:avLst/>
+                  </a:prstGeom>
+                  <a:solidFill>
+                    <a:schemeClr val="bg1"/>
+                  </a:solidFill>
+                  <a:ln w="6350">
+                    <a:solidFill>
+                      <a:schemeClr val="bg1">
+                        <a:lumMod val="75000"/>
+                      </a:schemeClr>
+                    </a:solidFill>
+                  </a:ln>
+                  <a:effectLst>
+                    <a:outerShdw blurRad="25400" dist="25400" dir="2700000" algn="tl" rotWithShape="0">
+                      <a:prstClr val="black">
+                        <a:alpha val="40000"/>
+                      </a:prstClr>
+                    </a:outerShdw>
+                  </a:effectLst>
+                </p:spPr>
+                <p:style>
+                  <a:lnRef idx="2">
+                    <a:schemeClr val="accent1">
+                      <a:shade val="50000"/>
+                    </a:schemeClr>
+                  </a:lnRef>
+                  <a:fillRef idx="1">
+                    <a:schemeClr val="accent1"/>
+                  </a:fillRef>
+                  <a:effectRef idx="0">
+                    <a:schemeClr val="accent1"/>
+                  </a:effectRef>
+                  <a:fontRef idx="minor">
+                    <a:schemeClr val="lt1"/>
+                  </a:fontRef>
+                </p:style>
+                <p:txBody>
+                  <a:bodyPr rtlCol="0" anchor="ctr"/>
+                  <a:lstStyle/>
+                  <a:p>
+                    <a:pPr algn="ctr"/>
+                    <a:endParaRPr lang="en-US"/>
+                  </a:p>
+                </p:txBody>
+              </p:sp>
+              <p:sp>
+                <p:nvSpPr>
+                  <p:cNvPr id="108" name="TextBox 107"/>
+                  <p:cNvSpPr txBox="1"/>
+                  <p:nvPr/>
+                </p:nvSpPr>
+                <p:spPr>
+                  <a:xfrm>
+                    <a:off x="2001238" y="4855565"/>
+                    <a:ext cx="312906" cy="230832"/>
+                  </a:xfrm>
+                  <a:prstGeom prst="rect">
+                    <a:avLst/>
+                  </a:prstGeom>
+                  <a:noFill/>
+                </p:spPr>
+                <p:txBody>
+                  <a:bodyPr wrap="none" rtlCol="0">
+                    <a:spAutoFit/>
+                  </a:bodyPr>
+                  <a:lstStyle/>
+                  <a:p>
+                    <a:r>
+                      <a:rPr lang="en-US" sz="900" dirty="0">
+                        <a:latin typeface="Times New Roman" panose="02020603050405020304" pitchFamily="18" charset="0"/>
+                        <a:cs typeface="Times New Roman" panose="02020603050405020304" pitchFamily="18" charset="0"/>
+                      </a:rPr>
+                      <a:t>(c)</a:t>
+                    </a:r>
+                    <a:endParaRPr lang="en-US" sz="1100" dirty="0">
+                      <a:latin typeface="Times New Roman" panose="02020603050405020304" pitchFamily="18" charset="0"/>
+                      <a:cs typeface="Times New Roman" panose="02020603050405020304" pitchFamily="18" charset="0"/>
+                    </a:endParaRPr>
+                  </a:p>
+                </p:txBody>
+              </p:sp>
+            </p:grpSp>
             <p:sp>
               <p:nvSpPr>
-                <p:cNvPr id="108" name="TextBox 107"/>
+                <p:cNvPr id="116" name="TextBox 115"/>
                 <p:cNvSpPr txBox="1"/>
                 <p:nvPr/>
               </p:nvSpPr>
               <p:spPr>
                 <a:xfrm>
-                  <a:off x="2001238" y="4855565"/>
-                  <a:ext cx="312906" cy="230832"/>
+                  <a:off x="3960806" y="1952639"/>
+                  <a:ext cx="292068" cy="184666"/>
                 </a:xfrm>
                 <a:prstGeom prst="rect">
                   <a:avLst/>
@@ -13825,56 +14023,17 @@
                 <a:lstStyle/>
                 <a:p>
                   <a:r>
-                    <a:rPr lang="en-US" sz="900" dirty="0">
-                      <a:latin typeface="Times New Roman" panose="02020603050405020304" pitchFamily="18" charset="0"/>
-                      <a:cs typeface="Times New Roman" panose="02020603050405020304" pitchFamily="18" charset="0"/>
+                    <a:rPr lang="en-US" sz="600" dirty="0">
+                      <a:solidFill>
+                        <a:srgbClr val="FFFF00"/>
+                      </a:solidFill>
                     </a:rPr>
-                    <a:t>(c)</a:t>
+                    <a:t>1/2</a:t>
                   </a:r>
-                  <a:endParaRPr lang="en-US" sz="1100" dirty="0">
-                    <a:latin typeface="Times New Roman" panose="02020603050405020304" pitchFamily="18" charset="0"/>
-                    <a:cs typeface="Times New Roman" panose="02020603050405020304" pitchFamily="18" charset="0"/>
-                  </a:endParaRPr>
                 </a:p>
               </p:txBody>
             </p:sp>
           </p:grpSp>
-          <p:sp>
-            <p:nvSpPr>
-              <p:cNvPr id="116" name="TextBox 115"/>
-              <p:cNvSpPr txBox="1"/>
-              <p:nvPr/>
-            </p:nvSpPr>
-            <p:spPr>
-              <a:xfrm>
-                <a:off x="3960806" y="1952639"/>
-                <a:ext cx="292068" cy="184666"/>
-              </a:xfrm>
-              <a:prstGeom prst="rect">
-                <a:avLst/>
-              </a:prstGeom>
-              <a:noFill/>
-            </p:spPr>
-            <p:txBody>
-              <a:bodyPr wrap="none" rtlCol="0">
-                <a:spAutoFit/>
-              </a:bodyPr>
-              <a:lstStyle/>
-              <a:p>
-                <a:r>
-                  <a:rPr lang="en-US" sz="600" dirty="0">
-                    <a:solidFill>
-                      <a:schemeClr val="accent2">
-                        <a:lumMod val="20000"/>
-                        <a:lumOff val="80000"/>
-                      </a:schemeClr>
-                    </a:solidFill>
-                  </a:rPr>
-                  <a:t>1/2</a:t>
-                </a:r>
-              </a:p>
-            </p:txBody>
-          </p:sp>
         </p:grpSp>
         <p:grpSp>
           <p:nvGrpSpPr>
@@ -13884,7 +14043,7 @@
           </p:nvGrpSpPr>
           <p:grpSpPr>
             <a:xfrm>
-              <a:off x="-76204" y="2684770"/>
+              <a:off x="-45724" y="2684770"/>
               <a:ext cx="2734314" cy="2194997"/>
               <a:chOff x="-76204" y="2684770"/>
               <a:chExt cx="2734314" cy="2194997"/>
@@ -13899,7 +14058,7 @@
               <p:nvPr/>
             </p:nvPicPr>
             <p:blipFill>
-              <a:blip r:embed="rId9"/>
+              <a:blip r:embed="rId10"/>
               <a:stretch>
                 <a:fillRect/>
               </a:stretch>
@@ -14091,10 +14250,7 @@
                 </a:prstGeom>
                 <a:ln>
                   <a:solidFill>
-                    <a:schemeClr val="accent2">
-                      <a:lumMod val="20000"/>
-                      <a:lumOff val="80000"/>
-                    </a:schemeClr>
+                    <a:srgbClr val="FFFF00"/>
                   </a:solidFill>
                   <a:prstDash val="dash"/>
                 </a:ln>
@@ -14139,10 +14295,7 @@
                   <a:r>
                     <a:rPr lang="en-US" sz="600" dirty="0">
                       <a:solidFill>
-                        <a:schemeClr val="accent2">
-                          <a:lumMod val="20000"/>
-                          <a:lumOff val="80000"/>
-                        </a:schemeClr>
+                        <a:srgbClr val="FFFF00"/>
                       </a:solidFill>
                     </a:rPr>
                     <a:t>1/2</a:t>
@@ -14160,7 +14313,7 @@
           </p:nvGrpSpPr>
           <p:grpSpPr>
             <a:xfrm>
-              <a:off x="2647945" y="2684770"/>
+              <a:off x="2678425" y="2684770"/>
               <a:ext cx="2733100" cy="2198427"/>
               <a:chOff x="2647945" y="2684770"/>
               <a:chExt cx="2733100" cy="2198427"/>
@@ -14175,7 +14328,7 @@
               <p:nvPr/>
             </p:nvPicPr>
             <p:blipFill>
-              <a:blip r:embed="rId10"/>
+              <a:blip r:embed="rId11"/>
               <a:stretch>
                 <a:fillRect/>
               </a:stretch>
@@ -14364,10 +14517,7 @@
                 </a:prstGeom>
                 <a:ln>
                   <a:solidFill>
-                    <a:schemeClr val="accent2">
-                      <a:lumMod val="20000"/>
-                      <a:lumOff val="80000"/>
-                    </a:schemeClr>
+                    <a:srgbClr val="FFFF00"/>
                   </a:solidFill>
                   <a:prstDash val="dash"/>
                 </a:ln>
@@ -14412,10 +14562,7 @@
                   <a:r>
                     <a:rPr lang="en-US" sz="600" dirty="0">
                       <a:solidFill>
-                        <a:schemeClr val="accent2">
-                          <a:lumMod val="20000"/>
-                          <a:lumOff val="80000"/>
-                        </a:schemeClr>
+                        <a:srgbClr val="FFFF00"/>
                       </a:solidFill>
                     </a:rPr>
                     <a:t>1/2</a:t>
@@ -14427,64 +14574,18 @@
         </p:grpSp>
         <p:grpSp>
           <p:nvGrpSpPr>
-            <p:cNvPr id="123" name="Group 122"/>
+            <p:cNvPr id="88" name="Group 87"/>
             <p:cNvGrpSpPr/>
             <p:nvPr/>
           </p:nvGrpSpPr>
           <p:grpSpPr>
             <a:xfrm>
-              <a:off x="-49812" y="357188"/>
-              <a:ext cx="4162274" cy="2281342"/>
-              <a:chOff x="-49812" y="357188"/>
-              <a:chExt cx="4162274" cy="2281342"/>
+              <a:off x="-33022" y="357188"/>
+              <a:ext cx="4175964" cy="2281342"/>
+              <a:chOff x="-33022" y="357188"/>
+              <a:chExt cx="4175964" cy="2281342"/>
             </a:xfrm>
           </p:grpSpPr>
-          <p:sp>
-            <p:nvSpPr>
-              <p:cNvPr id="3" name="Rectangle 2"/>
-              <p:cNvSpPr/>
-              <p:nvPr/>
-            </p:nvSpPr>
-            <p:spPr>
-              <a:xfrm>
-                <a:off x="4762" y="478702"/>
-                <a:ext cx="3521875" cy="1890804"/>
-              </a:xfrm>
-              <a:prstGeom prst="rect">
-                <a:avLst/>
-              </a:prstGeom>
-              <a:solidFill>
-                <a:schemeClr val="bg1"/>
-              </a:solidFill>
-              <a:ln>
-                <a:noFill/>
-              </a:ln>
-            </p:spPr>
-            <p:style>
-              <a:lnRef idx="2">
-                <a:schemeClr val="accent1">
-                  <a:shade val="50000"/>
-                </a:schemeClr>
-              </a:lnRef>
-              <a:fillRef idx="1">
-                <a:schemeClr val="accent1"/>
-              </a:fillRef>
-              <a:effectRef idx="0">
-                <a:schemeClr val="accent1"/>
-              </a:effectRef>
-              <a:fontRef idx="minor">
-                <a:schemeClr val="lt1"/>
-              </a:fontRef>
-            </p:style>
-            <p:txBody>
-              <a:bodyPr rtlCol="0" anchor="ctr"/>
-              <a:lstStyle/>
-              <a:p>
-                <a:pPr algn="ctr"/>
-                <a:endParaRPr lang="en-US" dirty="0"/>
-              </a:p>
-            </p:txBody>
-          </p:sp>
           <p:grpSp>
             <p:nvGrpSpPr>
               <p:cNvPr id="4" name="Group 3"/>
@@ -14493,7 +14594,7 @@
             </p:nvGrpSpPr>
             <p:grpSpPr>
               <a:xfrm>
-                <a:off x="1296914" y="495688"/>
+                <a:off x="1327394" y="495688"/>
                 <a:ext cx="724636" cy="1310201"/>
                 <a:chOff x="3502493" y="391984"/>
                 <a:chExt cx="1775105" cy="3209544"/>
@@ -14582,7 +14683,7 @@
                 <p:nvPr/>
               </p:nvPicPr>
               <p:blipFill>
-                <a:blip r:embed="rId11" cstate="print">
+                <a:blip r:embed="rId12" cstate="print">
                   <a:extLst>
                     <a:ext uri="{28A0092B-C50C-407E-A947-70E740481C1C}">
                       <a14:useLocalDpi xmlns:a14="http://schemas.microsoft.com/office/drawing/2010/main" val="0"/>
@@ -14622,7 +14723,7 @@
             </p:nvGrpSpPr>
             <p:grpSpPr>
               <a:xfrm>
-                <a:off x="637456" y="769975"/>
+                <a:off x="667936" y="769975"/>
                 <a:ext cx="724636" cy="1310201"/>
                 <a:chOff x="1887053" y="1192084"/>
                 <a:chExt cx="1775105" cy="3209544"/>
@@ -14711,7 +14812,7 @@
                 <p:nvPr/>
               </p:nvPicPr>
               <p:blipFill>
-                <a:blip r:embed="rId12" cstate="print">
+                <a:blip r:embed="rId13" cstate="print">
                   <a:extLst>
                     <a:ext uri="{28A0092B-C50C-407E-A947-70E740481C1C}">
                       <a14:useLocalDpi xmlns:a14="http://schemas.microsoft.com/office/drawing/2010/main" val="0"/>
@@ -14751,7 +14852,7 @@
             </p:nvGrpSpPr>
             <p:grpSpPr>
               <a:xfrm>
-                <a:off x="-30783" y="1044263"/>
+                <a:off x="-303" y="1044263"/>
                 <a:ext cx="729758" cy="1310201"/>
                 <a:chOff x="250100" y="1992184"/>
                 <a:chExt cx="1787652" cy="3209544"/>
@@ -14841,7 +14942,7 @@
                 <p:nvPr/>
               </p:nvPicPr>
               <p:blipFill>
-                <a:blip r:embed="rId13" cstate="print">
+                <a:blip r:embed="rId14" cstate="print">
                   <a:extLst>
                     <a:ext uri="{28A0092B-C50C-407E-A947-70E740481C1C}">
                       <a14:useLocalDpi xmlns:a14="http://schemas.microsoft.com/office/drawing/2010/main" val="0"/>
@@ -14881,8 +14982,8 @@
             </p:nvCxnSpPr>
             <p:spPr>
               <a:xfrm>
-                <a:off x="1000433" y="1419876"/>
-                <a:ext cx="2542032" cy="0"/>
+                <a:off x="1030913" y="1419876"/>
+                <a:ext cx="2651760" cy="0"/>
               </a:xfrm>
               <a:prstGeom prst="line">
                 <a:avLst/>
@@ -14921,48 +15022,8 @@
             </p:nvCxnSpPr>
             <p:spPr>
               <a:xfrm>
-                <a:off x="498408" y="1419876"/>
+                <a:off x="528888" y="1419876"/>
                 <a:ext cx="317286" cy="0"/>
-              </a:xfrm>
-              <a:prstGeom prst="line">
-                <a:avLst/>
-              </a:prstGeom>
-              <a:ln w="6350">
-                <a:solidFill>
-                  <a:schemeClr val="bg1">
-                    <a:lumMod val="50000"/>
-                  </a:schemeClr>
-                </a:solidFill>
-                <a:prstDash val="dash"/>
-                <a:headEnd type="none" w="med" len="med"/>
-                <a:tailEnd type="none" w="med" len="med"/>
-              </a:ln>
-            </p:spPr>
-            <p:style>
-              <a:lnRef idx="1">
-                <a:schemeClr val="accent1"/>
-              </a:lnRef>
-              <a:fillRef idx="0">
-                <a:schemeClr val="accent1"/>
-              </a:fillRef>
-              <a:effectRef idx="0">
-                <a:schemeClr val="accent1"/>
-              </a:effectRef>
-              <a:fontRef idx="minor">
-                <a:schemeClr val="tx1"/>
-              </a:fontRef>
-            </p:style>
-          </p:cxnSp>
-          <p:cxnSp>
-            <p:nvCxnSpPr>
-              <p:cNvPr id="10" name="Straight Connector 9"/>
-              <p:cNvCxnSpPr/>
-              <p:nvPr/>
-            </p:nvCxnSpPr>
-            <p:spPr>
-              <a:xfrm>
-                <a:off x="63787" y="1419876"/>
-                <a:ext cx="91440" cy="0"/>
               </a:xfrm>
               <a:prstGeom prst="line">
                 <a:avLst/>
@@ -15001,7 +15062,7 @@
             </p:nvCxnSpPr>
             <p:spPr>
               <a:xfrm rot="1980000">
-                <a:off x="2457856" y="1392363"/>
+                <a:off x="2488336" y="1392363"/>
                 <a:ext cx="0" cy="52259"/>
               </a:xfrm>
               <a:prstGeom prst="line">
@@ -15039,7 +15100,7 @@
             </p:nvCxnSpPr>
             <p:spPr>
               <a:xfrm rot="1980000">
-                <a:off x="2492622" y="1394669"/>
+                <a:off x="2523102" y="1394669"/>
                 <a:ext cx="0" cy="52259"/>
               </a:xfrm>
               <a:prstGeom prst="line">
@@ -15076,7 +15137,7 @@
             </p:nvSpPr>
             <p:spPr>
               <a:xfrm>
-                <a:off x="1062950" y="1814006"/>
+                <a:off x="1107719" y="2093406"/>
                 <a:ext cx="553357" cy="230832"/>
               </a:xfrm>
               <a:prstGeom prst="rect">
@@ -15142,7 +15203,7 @@
             </p:nvGrpSpPr>
             <p:grpSpPr>
               <a:xfrm>
-                <a:off x="996075" y="1947799"/>
+                <a:off x="1038463" y="2231961"/>
                 <a:ext cx="664434" cy="73152"/>
                 <a:chOff x="991312" y="1947799"/>
                 <a:chExt cx="664434" cy="73152"/>
@@ -15238,7 +15299,7 @@
                 <a:prstGeom prst="line">
                   <a:avLst/>
                 </a:prstGeom>
-                <a:ln w="6350">
+                <a:ln w="3175">
                   <a:solidFill>
                     <a:schemeClr val="tx1">
                       <a:lumMod val="65000"/>
@@ -15273,7 +15334,7 @@
             </p:nvSpPr>
             <p:spPr>
               <a:xfrm rot="16200000">
-                <a:off x="3250935" y="1233486"/>
+                <a:off x="3281415" y="1176336"/>
                 <a:ext cx="1021345" cy="230832"/>
               </a:xfrm>
               <a:prstGeom prst="rect">
@@ -15288,21 +15349,23 @@
               <a:lstStyle/>
               <a:p>
                 <a:r>
-                  <a:rPr lang="en-US" sz="900" i="1" dirty="0">
+                  <a:rPr lang="en-US" sz="900">
                     <a:solidFill>
-                      <a:schemeClr val="tx1">
-                        <a:lumMod val="65000"/>
-                        <a:lumOff val="35000"/>
-                      </a:schemeClr>
+                      <a:srgbClr val="00C486"/>
                     </a:solidFill>
                   </a:rPr>
-                  <a:t>SENSOR PLANE</a:t>
+                  <a:t>Sensor plane</a:t>
                 </a:r>
+                <a:endParaRPr lang="en-US" sz="900" dirty="0">
+                  <a:solidFill>
+                    <a:srgbClr val="00C486"/>
+                  </a:solidFill>
+                </a:endParaRPr>
               </a:p>
             </p:txBody>
           </p:sp>
-          <mc:AlternateContent xmlns:mc="http://schemas.openxmlformats.org/markup-compatibility/2006" xmlns:a14="http://schemas.microsoft.com/office/drawing/2010/main">
-            <mc:Choice Requires="a14">
+          <mc:AlternateContent xmlns:mc="http://schemas.openxmlformats.org/markup-compatibility/2006">
+            <mc:Choice xmlns:a14="http://schemas.microsoft.com/office/drawing/2010/main" Requires="a14">
               <p:sp>
                 <p:nvSpPr>
                   <p:cNvPr id="18" name="TextBox 17"/>
@@ -15311,8 +15374,8 @@
                 </p:nvSpPr>
                 <p:spPr>
                   <a:xfrm>
-                    <a:off x="2301849" y="388125"/>
-                    <a:ext cx="1644650" cy="800219"/>
+                    <a:off x="2345029" y="445275"/>
+                    <a:ext cx="1644650" cy="661720"/>
                   </a:xfrm>
                   <a:prstGeom prst="rect">
                     <a:avLst/>
@@ -15327,7 +15390,7 @@
                   <a:p>
                     <a:pPr algn="ctr"/>
                     <a:r>
-                      <a:rPr lang="en-US" sz="900" i="1" dirty="0">
+                      <a:rPr lang="en-US" sz="900">
                         <a:solidFill>
                           <a:schemeClr val="tx1">
                             <a:lumMod val="65000"/>
@@ -15335,13 +15398,10 @@
                           </a:schemeClr>
                         </a:solidFill>
                       </a:rPr>
-                      <a:t>LENS </a:t>
+                      <a:t>Paraxial </a:t>
                     </a:r>
-                  </a:p>
-                  <a:p>
-                    <a:pPr algn="ctr"/>
                     <a:r>
-                      <a:rPr lang="en-US" sz="900" i="1" dirty="0">
+                      <a:rPr lang="en-US" sz="900" dirty="0">
                         <a:solidFill>
                           <a:schemeClr val="tx1">
                             <a:lumMod val="65000"/>
@@ -15349,7 +15409,7 @@
                           </a:schemeClr>
                         </a:solidFill>
                       </a:rPr>
-                      <a:t>Paraxial thick-lens model with spherical aberration;</a:t>
+                      <a:t>thick-lens model with spherical aberration;</a:t>
                     </a:r>
                   </a:p>
                   <a:p>
@@ -15357,7 +15417,10 @@
                     <a14:m>
                       <m:oMath xmlns:m="http://schemas.openxmlformats.org/officeDocument/2006/math">
                         <m:r>
-                          <a:rPr lang="en-US" sz="900" i="1" dirty="0" smtClean="0">
+                          <m:rPr>
+                            <m:sty m:val="p"/>
+                          </m:rPr>
+                          <a:rPr lang="en-US" sz="900" i="0" dirty="0" smtClean="0">
                             <a:solidFill>
                               <a:schemeClr val="tx1">
                                 <a:lumMod val="75000"/>
@@ -15366,7 +15429,7 @@
                             </a:solidFill>
                             <a:latin typeface="Cambria Math" panose="02040503050406030204" pitchFamily="18" charset="0"/>
                           </a:rPr>
-                          <m:t>𝑓</m:t>
+                          <m:t>f</m:t>
                         </m:r>
                       </m:oMath>
                     </a14:m>
@@ -15382,7 +15445,7 @@
                       <a:t> = 24 </a:t>
                     </a:r>
                     <a:r>
-                      <a:rPr lang="en-US" sz="900" i="1" dirty="0">
+                      <a:rPr lang="en-US" sz="900" dirty="0">
                         <a:solidFill>
                           <a:schemeClr val="tx1">
                             <a:lumMod val="75000"/>
@@ -15408,7 +15471,10 @@
                     <a14:m>
                       <m:oMath xmlns:m="http://schemas.openxmlformats.org/officeDocument/2006/math">
                         <m:r>
-                          <a:rPr lang="en-US" sz="900" i="1" dirty="0" smtClean="0">
+                          <m:rPr>
+                            <m:sty m:val="p"/>
+                          </m:rPr>
+                          <a:rPr lang="en-US" sz="900" i="0" dirty="0" smtClean="0">
                             <a:solidFill>
                               <a:schemeClr val="tx1">
                                 <a:lumMod val="75000"/>
@@ -15417,7 +15483,7 @@
                             </a:solidFill>
                             <a:latin typeface="Cambria Math" panose="02040503050406030204" pitchFamily="18" charset="0"/>
                           </a:rPr>
-                          <m:t>𝑑</m:t>
+                          <m:t>d</m:t>
                         </m:r>
                       </m:oMath>
                     </a14:m>
@@ -15444,7 +15510,7 @@
                       <a:t>= 8 </a:t>
                     </a:r>
                     <a:r>
-                      <a:rPr lang="en-US" sz="900" i="1" dirty="0">
+                      <a:rPr lang="en-US" sz="900" dirty="0">
                         <a:solidFill>
                           <a:schemeClr val="tx1">
                             <a:lumMod val="75000"/>
@@ -15459,19 +15525,79 @@
                   </a:p>
                   <a:p>
                     <a:pPr algn="ctr"/>
-                    <a:endParaRPr lang="en-US" sz="1000" i="1" dirty="0">
+                    <a:r>
+                      <a:rPr lang="en-US" sz="900">
+                        <a:solidFill>
+                          <a:srgbClr val="00C486"/>
+                        </a:solidFill>
+                      </a:rPr>
+                      <a:t>Lens (</a:t>
+                    </a:r>
+                    <a14:m>
+                      <m:oMath xmlns:m="http://schemas.openxmlformats.org/officeDocument/2006/math">
+                        <m:sSub>
+                          <m:sSubPr>
+                            <m:ctrlPr>
+                              <a:rPr lang="en-US" sz="900" b="0" i="1" smtClean="0">
+                                <a:solidFill>
+                                  <a:srgbClr val="00C486"/>
+                                </a:solidFill>
+                                <a:latin typeface="Cambria Math" panose="02040503050406030204" pitchFamily="18" charset="0"/>
+                              </a:rPr>
+                            </m:ctrlPr>
+                          </m:sSubPr>
+                          <m:e>
+                            <m:r>
+                              <a:rPr lang="en-US" sz="900" b="0" i="1" smtClean="0">
+                                <a:solidFill>
+                                  <a:srgbClr val="00C486"/>
+                                </a:solidFill>
+                                <a:latin typeface="Cambria Math" panose="02040503050406030204" pitchFamily="18" charset="0"/>
+                              </a:rPr>
+                              <m:t>𝑚</m:t>
+                            </m:r>
+                          </m:e>
+                          <m:sub>
+                            <m:r>
+                              <a:rPr lang="en-US" sz="900" b="0" i="1" smtClean="0">
+                                <a:solidFill>
+                                  <a:srgbClr val="00C486"/>
+                                </a:solidFill>
+                                <a:latin typeface="Cambria Math" panose="02040503050406030204" pitchFamily="18" charset="0"/>
+                              </a:rPr>
+                              <m:t>𝑝</m:t>
+                            </m:r>
+                          </m:sub>
+                        </m:sSub>
+                        <m:r>
+                          <a:rPr lang="en-US" sz="900" b="0" i="1" smtClean="0">
+                            <a:solidFill>
+                              <a:srgbClr val="00C486"/>
+                            </a:solidFill>
+                            <a:latin typeface="Cambria Math" panose="02040503050406030204" pitchFamily="18" charset="0"/>
+                          </a:rPr>
+                          <m:t>=1</m:t>
+                        </m:r>
+                      </m:oMath>
+                    </a14:m>
+                    <a:r>
+                      <a:rPr lang="en-US" sz="900">
+                        <a:solidFill>
+                          <a:srgbClr val="00C486"/>
+                        </a:solidFill>
+                      </a:rPr>
+                      <a:t>)</a:t>
+                    </a:r>
+                    <a:endParaRPr lang="en-US" sz="900" dirty="0">
                       <a:solidFill>
-                        <a:schemeClr val="tx1">
-                          <a:lumMod val="65000"/>
-                          <a:lumOff val="35000"/>
-                        </a:schemeClr>
+                        <a:srgbClr val="00C486"/>
                       </a:solidFill>
                     </a:endParaRPr>
                   </a:p>
                 </p:txBody>
               </p:sp>
             </mc:Choice>
-            <mc:Fallback xmlns="">
+            <mc:Fallback>
               <p:sp>
                 <p:nvSpPr>
                   <p:cNvPr id="18" name="TextBox 17"/>
@@ -15482,16 +15608,16 @@
                 </p:nvSpPr>
                 <p:spPr>
                   <a:xfrm>
-                    <a:off x="2301849" y="388125"/>
-                    <a:ext cx="1644650" cy="800219"/>
+                    <a:off x="2345029" y="445275"/>
+                    <a:ext cx="1644650" cy="661720"/>
                   </a:xfrm>
                   <a:prstGeom prst="rect">
                     <a:avLst/>
                   </a:prstGeom>
                   <a:blipFill>
-                    <a:blip r:embed="rId14"/>
+                    <a:blip r:embed="rId15"/>
                     <a:stretch>
-                      <a:fillRect/>
+                      <a:fillRect b="-917"/>
                     </a:stretch>
                   </a:blipFill>
                 </p:spPr>
@@ -15518,13 +15644,13 @@
             </p:nvCxnSpPr>
             <p:spPr>
               <a:xfrm>
-                <a:off x="3664621" y="1110166"/>
+                <a:off x="3695101" y="1110166"/>
                 <a:ext cx="0" cy="603785"/>
               </a:xfrm>
               <a:prstGeom prst="line">
                 <a:avLst/>
               </a:prstGeom>
-              <a:ln w="57150" cap="rnd">
+              <a:ln w="34925" cap="rnd">
                 <a:solidFill>
                   <a:schemeClr val="tx1">
                     <a:lumMod val="75000"/>
@@ -15564,16 +15690,16 @@
             </p:nvGrpSpPr>
             <p:grpSpPr>
               <a:xfrm>
-                <a:off x="3129971" y="1105891"/>
+                <a:off x="3160451" y="1105891"/>
                 <a:ext cx="538017" cy="600811"/>
                 <a:chOff x="6933032" y="2226270"/>
                 <a:chExt cx="1124118" cy="1255320"/>
               </a:xfrm>
               <a:noFill/>
             </p:grpSpPr>
-            <mc:AlternateContent xmlns:mc="http://schemas.openxmlformats.org/markup-compatibility/2006" xmlns:p14="http://schemas.microsoft.com/office/powerpoint/2010/main">
-              <mc:Choice Requires="p14">
-                <p:contentPart p14:bwMode="auto" r:id="rId15">
+            <mc:AlternateContent xmlns:mc="http://schemas.openxmlformats.org/markup-compatibility/2006">
+              <mc:Choice xmlns:p14="http://schemas.microsoft.com/office/powerpoint/2010/main" Requires="p14">
+                <p:contentPart p14:bwMode="auto" r:id="rId16">
                   <p14:nvContentPartPr>
                     <p14:cNvPr id="50" name="Ink 49"/>
                     <p14:cNvContentPartPr/>
@@ -15585,7 +15711,7 @@
                   </p14:xfrm>
                 </p:contentPart>
               </mc:Choice>
-              <mc:Fallback xmlns="">
+              <mc:Fallback>
                 <p:pic>
                   <p:nvPicPr>
                     <p:cNvPr id="50" name="Ink 49"/>
@@ -15593,15 +15719,15 @@
                     <p:nvPr/>
                   </p:nvPicPr>
                   <p:blipFill>
-                    <a:blip r:embed="rId16"/>
+                    <a:blip r:embed="rId17"/>
                     <a:stretch>
                       <a:fillRect/>
                     </a:stretch>
                   </p:blipFill>
                   <p:spPr>
                     <a:xfrm>
-                      <a:off x="6924005" y="2209731"/>
-                      <a:ext cx="1114873" cy="319512"/>
+                      <a:off x="6927014" y="2215745"/>
+                      <a:ext cx="1107350" cy="308987"/>
                     </a:xfrm>
                     <a:prstGeom prst="rect">
                       <a:avLst/>
@@ -15610,9 +15736,9 @@
                 </p:pic>
               </mc:Fallback>
             </mc:AlternateContent>
-            <mc:AlternateContent xmlns:mc="http://schemas.openxmlformats.org/markup-compatibility/2006" xmlns:p14="http://schemas.microsoft.com/office/powerpoint/2010/main">
-              <mc:Choice Requires="p14">
-                <p:contentPart p14:bwMode="auto" r:id="rId17">
+            <mc:AlternateContent xmlns:mc="http://schemas.openxmlformats.org/markup-compatibility/2006">
+              <mc:Choice xmlns:p14="http://schemas.microsoft.com/office/powerpoint/2010/main" Requires="p14">
+                <p:contentPart p14:bwMode="auto" r:id="rId18">
                   <p14:nvContentPartPr>
                     <p14:cNvPr id="51" name="Ink 50"/>
                     <p14:cNvContentPartPr/>
@@ -15624,7 +15750,7 @@
                   </p14:xfrm>
                 </p:contentPart>
               </mc:Choice>
-              <mc:Fallback xmlns="">
+              <mc:Fallback>
                 <p:pic>
                   <p:nvPicPr>
                     <p:cNvPr id="51" name="Ink 50"/>
@@ -15632,15 +15758,15 @@
                     <p:nvPr/>
                   </p:nvPicPr>
                   <p:blipFill>
-                    <a:blip r:embed="rId18"/>
+                    <a:blip r:embed="rId19"/>
                     <a:stretch>
                       <a:fillRect/>
                     </a:stretch>
                   </p:blipFill>
                   <p:spPr>
                     <a:xfrm>
-                      <a:off x="6944692" y="3230485"/>
-                      <a:ext cx="1122236" cy="266186"/>
+                      <a:off x="6947700" y="3234281"/>
+                      <a:ext cx="1115467" cy="257081"/>
                     </a:xfrm>
                     <a:prstGeom prst="rect">
                       <a:avLst/>
@@ -15658,12 +15784,54 @@
             </p:nvGrpSpPr>
             <p:grpSpPr>
               <a:xfrm>
-                <a:off x="3092652" y="1064155"/>
+                <a:off x="3123132" y="1064155"/>
                 <a:ext cx="70586" cy="700228"/>
                 <a:chOff x="1740319" y="4576647"/>
                 <a:chExt cx="147481" cy="1463040"/>
               </a:xfrm>
             </p:grpSpPr>
+            <p:cxnSp>
+              <p:nvCxnSpPr>
+                <p:cNvPr id="49" name="Straight Connector 48"/>
+                <p:cNvCxnSpPr/>
+                <p:nvPr/>
+              </p:nvCxnSpPr>
+              <p:spPr>
+                <a:xfrm rot="5400000">
+                  <a:off x="1082539" y="5308167"/>
+                  <a:ext cx="1463040" cy="0"/>
+                </a:xfrm>
+                <a:prstGeom prst="line">
+                  <a:avLst/>
+                </a:prstGeom>
+                <a:ln w="6350">
+                  <a:solidFill>
+                    <a:schemeClr val="tx1">
+                      <a:lumMod val="65000"/>
+                      <a:lumOff val="35000"/>
+                      <a:alpha val="86000"/>
+                    </a:schemeClr>
+                  </a:solidFill>
+                  <a:prstDash val="dash"/>
+                  <a:headEnd type="none" w="med" len="med"/>
+                  <a:tailEnd type="none" w="med" len="med"/>
+                </a:ln>
+              </p:spPr>
+              <p:style>
+                <a:lnRef idx="1">
+                  <a:schemeClr val="accent1"/>
+                </a:lnRef>
+                <a:fillRef idx="0">
+                  <a:schemeClr val="accent1"/>
+                </a:fillRef>
+                <a:effectRef idx="0">
+                  <a:schemeClr val="accent1"/>
+                </a:effectRef>
+                <a:fontRef idx="minor">
+                  <a:schemeClr val="tx1"/>
+                </a:fontRef>
+              </p:style>
+            </p:cxnSp>
             <p:sp>
               <p:nvSpPr>
                 <p:cNvPr id="48" name="Oval 47"/>
@@ -15750,9 +15918,26 @@
                 </a:p>
               </p:txBody>
             </p:sp>
+          </p:grpSp>
+          <p:grpSp>
+            <p:nvGrpSpPr>
+              <p:cNvPr id="22" name="Group 21"/>
+              <p:cNvGrpSpPr>
+                <a:grpSpLocks noChangeAspect="1"/>
+              </p:cNvGrpSpPr>
+              <p:nvPr/>
+            </p:nvGrpSpPr>
+            <p:grpSpPr>
+              <a:xfrm rot="20400000">
+                <a:off x="3125343" y="1066366"/>
+                <a:ext cx="70586" cy="700228"/>
+                <a:chOff x="1740319" y="4576647"/>
+                <a:chExt cx="147481" cy="1463040"/>
+              </a:xfrm>
+            </p:grpSpPr>
             <p:cxnSp>
               <p:nvCxnSpPr>
-                <p:cNvPr id="49" name="Straight Connector 48"/>
+                <p:cNvPr id="47" name="Straight Connector 46"/>
                 <p:cNvCxnSpPr/>
                 <p:nvPr/>
               </p:nvCxnSpPr>
@@ -15792,23 +15977,6 @@
                 </a:fontRef>
               </p:style>
             </p:cxnSp>
-          </p:grpSp>
-          <p:grpSp>
-            <p:nvGrpSpPr>
-              <p:cNvPr id="22" name="Group 21"/>
-              <p:cNvGrpSpPr>
-                <a:grpSpLocks noChangeAspect="1"/>
-              </p:cNvGrpSpPr>
-              <p:nvPr/>
-            </p:nvGrpSpPr>
-            <p:grpSpPr>
-              <a:xfrm rot="20400000">
-                <a:off x="3094863" y="1066366"/>
-                <a:ext cx="70586" cy="700228"/>
-                <a:chOff x="1740319" y="4576647"/>
-                <a:chExt cx="147481" cy="1463040"/>
-              </a:xfrm>
-            </p:grpSpPr>
             <p:sp>
               <p:nvSpPr>
                 <p:cNvPr id="46" name="Oval 45"/>
@@ -15895,9 +16063,26 @@
                 </a:p>
               </p:txBody>
             </p:sp>
+          </p:grpSp>
+          <p:grpSp>
+            <p:nvGrpSpPr>
+              <p:cNvPr id="23" name="Group 22"/>
+              <p:cNvGrpSpPr>
+                <a:grpSpLocks noChangeAspect="1"/>
+              </p:cNvGrpSpPr>
+              <p:nvPr/>
+            </p:nvGrpSpPr>
+            <p:grpSpPr>
+              <a:xfrm rot="1200000">
+                <a:off x="3127554" y="1073000"/>
+                <a:ext cx="70586" cy="700228"/>
+                <a:chOff x="1740319" y="4576647"/>
+                <a:chExt cx="147481" cy="1463040"/>
+              </a:xfrm>
+            </p:grpSpPr>
             <p:cxnSp>
               <p:nvCxnSpPr>
-                <p:cNvPr id="47" name="Straight Connector 46"/>
+                <p:cNvPr id="45" name="Straight Connector 44"/>
                 <p:cNvCxnSpPr/>
                 <p:nvPr/>
               </p:nvCxnSpPr>
@@ -15914,7 +16099,7 @@
                     <a:schemeClr val="tx1">
                       <a:lumMod val="65000"/>
                       <a:lumOff val="35000"/>
-                      <a:alpha val="86000"/>
+                      <a:alpha val="85000"/>
                     </a:schemeClr>
                   </a:solidFill>
                   <a:prstDash val="dash"/>
@@ -15937,23 +16122,6 @@
                 </a:fontRef>
               </p:style>
             </p:cxnSp>
-          </p:grpSp>
-          <p:grpSp>
-            <p:nvGrpSpPr>
-              <p:cNvPr id="23" name="Group 22"/>
-              <p:cNvGrpSpPr>
-                <a:grpSpLocks noChangeAspect="1"/>
-              </p:cNvGrpSpPr>
-              <p:nvPr/>
-            </p:nvGrpSpPr>
-            <p:grpSpPr>
-              <a:xfrm rot="1200000">
-                <a:off x="3097074" y="1073000"/>
-                <a:ext cx="70586" cy="700228"/>
-                <a:chOff x="1740319" y="4576647"/>
-                <a:chExt cx="147481" cy="1463040"/>
-              </a:xfrm>
-            </p:grpSpPr>
             <p:sp>
               <p:nvSpPr>
                 <p:cNvPr id="44" name="Oval 43"/>
@@ -16040,48 +16208,6 @@
                 </a:p>
               </p:txBody>
             </p:sp>
-            <p:cxnSp>
-              <p:nvCxnSpPr>
-                <p:cNvPr id="45" name="Straight Connector 44"/>
-                <p:cNvCxnSpPr/>
-                <p:nvPr/>
-              </p:nvCxnSpPr>
-              <p:spPr>
-                <a:xfrm rot="5400000">
-                  <a:off x="1082539" y="5308167"/>
-                  <a:ext cx="1463040" cy="0"/>
-                </a:xfrm>
-                <a:prstGeom prst="line">
-                  <a:avLst/>
-                </a:prstGeom>
-                <a:ln w="6350">
-                  <a:solidFill>
-                    <a:schemeClr val="tx1">
-                      <a:lumMod val="65000"/>
-                      <a:lumOff val="35000"/>
-                      <a:alpha val="85000"/>
-                    </a:schemeClr>
-                  </a:solidFill>
-                  <a:prstDash val="dash"/>
-                  <a:headEnd type="none" w="med" len="med"/>
-                  <a:tailEnd type="none" w="med" len="med"/>
-                </a:ln>
-              </p:spPr>
-              <p:style>
-                <a:lnRef idx="1">
-                  <a:schemeClr val="accent1"/>
-                </a:lnRef>
-                <a:fillRef idx="0">
-                  <a:schemeClr val="accent1"/>
-                </a:fillRef>
-                <a:effectRef idx="0">
-                  <a:schemeClr val="accent1"/>
-                </a:effectRef>
-                <a:fontRef idx="minor">
-                  <a:schemeClr val="tx1"/>
-                </a:fontRef>
-              </p:style>
-            </p:cxnSp>
           </p:grpSp>
           <p:sp>
             <p:nvSpPr>
@@ -16091,7 +16217,7 @@
             </p:nvSpPr>
             <p:spPr>
               <a:xfrm>
-                <a:off x="2853955" y="1077729"/>
+                <a:off x="2884435" y="1077729"/>
                 <a:ext cx="549200" cy="549199"/>
               </a:xfrm>
               <a:prstGeom prst="arc">
@@ -16149,7 +16275,7 @@
             </p:nvSpPr>
             <p:spPr>
               <a:xfrm flipV="1">
-                <a:off x="2853955" y="1192272"/>
+                <a:off x="2884435" y="1192272"/>
                 <a:ext cx="549200" cy="549199"/>
               </a:xfrm>
               <a:prstGeom prst="arc">
@@ -16199,333 +16325,318 @@
               </a:p>
             </p:txBody>
           </p:sp>
-          <p:grpSp>
-            <p:nvGrpSpPr>
-              <p:cNvPr id="92" name="Group 91"/>
-              <p:cNvGrpSpPr/>
+          <p:sp>
+            <p:nvSpPr>
+              <p:cNvPr id="40" name="TextBox 39"/>
+              <p:cNvSpPr txBox="1"/>
               <p:nvPr/>
-            </p:nvGrpSpPr>
-            <p:grpSpPr>
+            </p:nvSpPr>
+            <p:spPr>
               <a:xfrm>
-                <a:off x="330212" y="2096580"/>
-                <a:ext cx="2804970" cy="230832"/>
-                <a:chOff x="330212" y="2096580"/>
-                <a:chExt cx="2804970" cy="230832"/>
+                <a:off x="2102126" y="2093406"/>
+                <a:ext cx="553357" cy="230832"/>
               </a:xfrm>
-            </p:grpSpPr>
-            <p:sp>
-              <p:nvSpPr>
-                <p:cNvPr id="40" name="TextBox 39"/>
-                <p:cNvSpPr txBox="1"/>
-                <p:nvPr/>
-              </p:nvSpPr>
-              <p:spPr>
-                <a:xfrm>
-                  <a:off x="1873207" y="2096580"/>
-                  <a:ext cx="611065" cy="230832"/>
-                </a:xfrm>
-                <a:prstGeom prst="rect">
-                  <a:avLst/>
-                </a:prstGeom>
-                <a:noFill/>
-              </p:spPr>
-              <p:txBody>
-                <a:bodyPr wrap="none" rtlCol="0">
-                  <a:spAutoFit/>
-                </a:bodyPr>
-                <a:lstStyle/>
-                <a:p>
-                  <a:r>
-                    <a:rPr lang="en-US" sz="900" dirty="0">
-                      <a:solidFill>
-                        <a:schemeClr val="tx1">
-                          <a:lumMod val="75000"/>
-                          <a:lumOff val="25000"/>
-                        </a:schemeClr>
-                      </a:solidFill>
-                      <a:ea typeface="Verdana" panose="020B0604030504040204" pitchFamily="34" charset="0"/>
-                      <a:cs typeface="Times New Roman" panose="02020603050405020304" pitchFamily="18" charset="0"/>
-                    </a:rPr>
-                    <a:t>1000</a:t>
-                  </a:r>
-                  <a:r>
-                    <a:rPr lang="en-US" sz="900" dirty="0">
-                      <a:solidFill>
-                        <a:schemeClr val="tx1">
-                          <a:lumMod val="75000"/>
-                          <a:lumOff val="25000"/>
-                        </a:schemeClr>
-                      </a:solidFill>
-                      <a:latin typeface="Times New Roman" panose="02020603050405020304" pitchFamily="18" charset="0"/>
-                      <a:ea typeface="Verdana" panose="020B0604030504040204" pitchFamily="34" charset="0"/>
-                      <a:cs typeface="Times New Roman" panose="02020603050405020304" pitchFamily="18" charset="0"/>
-                    </a:rPr>
-                    <a:t> </a:t>
-                  </a:r>
-                  <a:r>
-                    <a:rPr lang="en-US" sz="900" i="1" dirty="0">
-                      <a:solidFill>
-                        <a:schemeClr val="tx1">
-                          <a:lumMod val="75000"/>
-                          <a:lumOff val="25000"/>
-                        </a:schemeClr>
-                      </a:solidFill>
-                      <a:latin typeface="Times New Roman" panose="02020603050405020304" pitchFamily="18" charset="0"/>
-                      <a:ea typeface="Verdana" panose="020B0604030504040204" pitchFamily="34" charset="0"/>
-                      <a:cs typeface="Times New Roman" panose="02020603050405020304" pitchFamily="18" charset="0"/>
-                    </a:rPr>
-                    <a:t>mm</a:t>
-                  </a:r>
-                </a:p>
-              </p:txBody>
-            </p:sp>
-            <p:sp>
-              <p:nvSpPr>
-                <p:cNvPr id="41" name="TextBox 40"/>
-                <p:cNvSpPr txBox="1"/>
-                <p:nvPr/>
-              </p:nvSpPr>
-              <p:spPr>
-                <a:xfrm>
-                  <a:off x="401879" y="2096580"/>
-                  <a:ext cx="550151" cy="230832"/>
-                </a:xfrm>
-                <a:prstGeom prst="rect">
-                  <a:avLst/>
-                </a:prstGeom>
-                <a:noFill/>
-              </p:spPr>
-              <p:txBody>
-                <a:bodyPr wrap="none" rtlCol="0">
-                  <a:spAutoFit/>
-                </a:bodyPr>
-                <a:lstStyle/>
-                <a:p>
-                  <a:r>
-                    <a:rPr lang="en-US" sz="900" dirty="0">
-                      <a:solidFill>
-                        <a:schemeClr val="tx1">
-                          <a:lumMod val="75000"/>
-                          <a:lumOff val="25000"/>
-                        </a:schemeClr>
-                      </a:solidFill>
-                      <a:ea typeface="Verdana" panose="020B0604030504040204" pitchFamily="34" charset="0"/>
-                      <a:cs typeface="Times New Roman" panose="02020603050405020304" pitchFamily="18" charset="0"/>
-                    </a:rPr>
-                    <a:t>200 </a:t>
-                  </a:r>
-                  <a:r>
-                    <a:rPr lang="en-US" sz="900" i="1" dirty="0">
-                      <a:solidFill>
-                        <a:schemeClr val="tx1">
-                          <a:lumMod val="75000"/>
-                          <a:lumOff val="25000"/>
-                        </a:schemeClr>
-                      </a:solidFill>
-                      <a:latin typeface="Times New Roman" panose="02020603050405020304" pitchFamily="18" charset="0"/>
-                      <a:ea typeface="Verdana" panose="020B0604030504040204" pitchFamily="34" charset="0"/>
-                      <a:cs typeface="Times New Roman" panose="02020603050405020304" pitchFamily="18" charset="0"/>
-                    </a:rPr>
-                    <a:t>mm</a:t>
-                  </a:r>
-                </a:p>
-              </p:txBody>
-            </p:sp>
-            <p:cxnSp>
-              <p:nvCxnSpPr>
-                <p:cNvPr id="37" name="Straight Connector 36"/>
-                <p:cNvCxnSpPr/>
-                <p:nvPr/>
-              </p:nvCxnSpPr>
-              <p:spPr>
-                <a:xfrm>
-                  <a:off x="330212" y="2269722"/>
-                  <a:ext cx="668167" cy="0"/>
-                </a:xfrm>
-                <a:prstGeom prst="line">
-                  <a:avLst/>
-                </a:prstGeom>
-                <a:ln w="6350">
-                  <a:solidFill>
-                    <a:schemeClr val="tx1">
-                      <a:lumMod val="65000"/>
-                      <a:lumOff val="35000"/>
-                    </a:schemeClr>
-                  </a:solidFill>
-                  <a:headEnd type="arrow" w="sm" len="sm"/>
-                  <a:tailEnd type="arrow" w="sm" len="sm"/>
-                </a:ln>
-              </p:spPr>
-              <p:style>
-                <a:lnRef idx="1">
-                  <a:schemeClr val="accent1"/>
-                </a:lnRef>
-                <a:fillRef idx="0">
-                  <a:schemeClr val="accent1"/>
-                </a:fillRef>
-                <a:effectRef idx="0">
-                  <a:schemeClr val="accent1"/>
-                </a:effectRef>
-                <a:fontRef idx="minor">
-                  <a:schemeClr val="tx1"/>
-                </a:fontRef>
-              </p:style>
-            </p:cxnSp>
-            <p:cxnSp>
-              <p:nvCxnSpPr>
-                <p:cNvPr id="38" name="Straight Connector 37"/>
-                <p:cNvCxnSpPr/>
-                <p:nvPr/>
-              </p:nvCxnSpPr>
-              <p:spPr>
-                <a:xfrm>
-                  <a:off x="330212" y="2233146"/>
-                  <a:ext cx="0" cy="73152"/>
-                </a:xfrm>
-                <a:prstGeom prst="line">
-                  <a:avLst/>
-                </a:prstGeom>
-                <a:ln w="6350">
-                  <a:solidFill>
-                    <a:schemeClr val="tx1">
-                      <a:lumMod val="65000"/>
-                      <a:lumOff val="35000"/>
-                    </a:schemeClr>
-                  </a:solidFill>
-                </a:ln>
-              </p:spPr>
-              <p:style>
-                <a:lnRef idx="1">
-                  <a:schemeClr val="accent1"/>
-                </a:lnRef>
-                <a:fillRef idx="0">
-                  <a:schemeClr val="accent1"/>
-                </a:fillRef>
-                <a:effectRef idx="0">
-                  <a:schemeClr val="accent1"/>
-                </a:effectRef>
-                <a:fontRef idx="minor">
-                  <a:schemeClr val="tx1"/>
-                </a:fontRef>
-              </p:style>
-            </p:cxnSp>
-            <p:cxnSp>
-              <p:nvCxnSpPr>
-                <p:cNvPr id="39" name="Straight Connector 38"/>
-                <p:cNvCxnSpPr/>
-                <p:nvPr/>
-              </p:nvCxnSpPr>
-              <p:spPr>
-                <a:xfrm>
-                  <a:off x="995486" y="2269722"/>
-                  <a:ext cx="2139696" cy="0"/>
-                </a:xfrm>
-                <a:prstGeom prst="line">
-                  <a:avLst/>
-                </a:prstGeom>
-                <a:ln w="6350">
-                  <a:solidFill>
-                    <a:schemeClr val="tx1">
-                      <a:lumMod val="65000"/>
-                      <a:lumOff val="35000"/>
-                    </a:schemeClr>
-                  </a:solidFill>
-                  <a:headEnd type="arrow" w="sm" len="sm"/>
-                  <a:tailEnd type="arrow" w="sm" len="sm"/>
-                </a:ln>
-              </p:spPr>
-              <p:style>
-                <a:lnRef idx="1">
-                  <a:schemeClr val="accent1"/>
-                </a:lnRef>
-                <a:fillRef idx="0">
-                  <a:schemeClr val="accent1"/>
-                </a:fillRef>
-                <a:effectRef idx="0">
-                  <a:schemeClr val="accent1"/>
-                </a:effectRef>
-                <a:fontRef idx="minor">
-                  <a:schemeClr val="tx1"/>
-                </a:fontRef>
-              </p:style>
-            </p:cxnSp>
-            <p:cxnSp>
-              <p:nvCxnSpPr>
-                <p:cNvPr id="42" name="Straight Connector 41"/>
-                <p:cNvCxnSpPr/>
-                <p:nvPr/>
-              </p:nvCxnSpPr>
-              <p:spPr>
-                <a:xfrm>
-                  <a:off x="3127935" y="2233146"/>
-                  <a:ext cx="0" cy="73152"/>
-                </a:xfrm>
-                <a:prstGeom prst="line">
-                  <a:avLst/>
-                </a:prstGeom>
-                <a:ln w="6350">
-                  <a:solidFill>
-                    <a:schemeClr val="tx1">
-                      <a:lumMod val="65000"/>
-                      <a:lumOff val="35000"/>
-                    </a:schemeClr>
-                  </a:solidFill>
-                </a:ln>
-              </p:spPr>
-              <p:style>
-                <a:lnRef idx="1">
-                  <a:schemeClr val="accent1"/>
-                </a:lnRef>
-                <a:fillRef idx="0">
-                  <a:schemeClr val="accent1"/>
-                </a:fillRef>
-                <a:effectRef idx="0">
-                  <a:schemeClr val="accent1"/>
-                </a:effectRef>
-                <a:fontRef idx="minor">
-                  <a:schemeClr val="tx1"/>
-                </a:fontRef>
-              </p:style>
-            </p:cxnSp>
-            <p:cxnSp>
-              <p:nvCxnSpPr>
-                <p:cNvPr id="43" name="Straight Connector 42"/>
-                <p:cNvCxnSpPr/>
-                <p:nvPr/>
-              </p:nvCxnSpPr>
-              <p:spPr>
-                <a:xfrm>
-                  <a:off x="994891" y="2233146"/>
-                  <a:ext cx="0" cy="73152"/>
-                </a:xfrm>
-                <a:prstGeom prst="line">
-                  <a:avLst/>
-                </a:prstGeom>
-                <a:ln w="6350">
-                  <a:solidFill>
-                    <a:schemeClr val="tx1">
-                      <a:lumMod val="65000"/>
-                      <a:lumOff val="35000"/>
-                    </a:schemeClr>
-                  </a:solidFill>
-                </a:ln>
-              </p:spPr>
-              <p:style>
-                <a:lnRef idx="1">
-                  <a:schemeClr val="accent1"/>
-                </a:lnRef>
-                <a:fillRef idx="0">
-                  <a:schemeClr val="accent1"/>
-                </a:fillRef>
-                <a:effectRef idx="0">
-                  <a:schemeClr val="accent1"/>
-                </a:effectRef>
-                <a:fontRef idx="minor">
-                  <a:schemeClr val="tx1"/>
-                </a:fontRef>
-              </p:style>
-            </p:cxnSp>
-          </p:grpSp>
+              <a:prstGeom prst="rect">
+                <a:avLst/>
+              </a:prstGeom>
+              <a:noFill/>
+            </p:spPr>
+            <p:txBody>
+              <a:bodyPr wrap="none" rtlCol="0">
+                <a:spAutoFit/>
+              </a:bodyPr>
+              <a:lstStyle/>
+              <a:p>
+                <a:r>
+                  <a:rPr lang="en-US" sz="900">
+                    <a:solidFill>
+                      <a:schemeClr val="tx1">
+                        <a:lumMod val="75000"/>
+                        <a:lumOff val="25000"/>
+                      </a:schemeClr>
+                    </a:solidFill>
+                    <a:ea typeface="Verdana" panose="020B0604030504040204" pitchFamily="34" charset="0"/>
+                    <a:cs typeface="Times New Roman" panose="02020603050405020304" pitchFamily="18" charset="0"/>
+                  </a:rPr>
+                  <a:t>800</a:t>
+                </a:r>
+                <a:r>
+                  <a:rPr lang="en-US" sz="900">
+                    <a:solidFill>
+                      <a:schemeClr val="tx1">
+                        <a:lumMod val="75000"/>
+                        <a:lumOff val="25000"/>
+                      </a:schemeClr>
+                    </a:solidFill>
+                    <a:latin typeface="Times New Roman" panose="02020603050405020304" pitchFamily="18" charset="0"/>
+                    <a:ea typeface="Verdana" panose="020B0604030504040204" pitchFamily="34" charset="0"/>
+                    <a:cs typeface="Times New Roman" panose="02020603050405020304" pitchFamily="18" charset="0"/>
+                  </a:rPr>
+                  <a:t> </a:t>
+                </a:r>
+                <a:r>
+                  <a:rPr lang="en-US" sz="900" i="1" dirty="0">
+                    <a:solidFill>
+                      <a:schemeClr val="tx1">
+                        <a:lumMod val="75000"/>
+                        <a:lumOff val="25000"/>
+                      </a:schemeClr>
+                    </a:solidFill>
+                    <a:latin typeface="Times New Roman" panose="02020603050405020304" pitchFamily="18" charset="0"/>
+                    <a:ea typeface="Verdana" panose="020B0604030504040204" pitchFamily="34" charset="0"/>
+                    <a:cs typeface="Times New Roman" panose="02020603050405020304" pitchFamily="18" charset="0"/>
+                  </a:rPr>
+                  <a:t>mm</a:t>
+                </a:r>
+              </a:p>
+            </p:txBody>
+          </p:sp>
+          <p:sp>
+            <p:nvSpPr>
+              <p:cNvPr id="41" name="TextBox 40"/>
+              <p:cNvSpPr txBox="1"/>
+              <p:nvPr/>
+            </p:nvSpPr>
+            <p:spPr>
+              <a:xfrm>
+                <a:off x="446648" y="2093406"/>
+                <a:ext cx="550151" cy="230832"/>
+              </a:xfrm>
+              <a:prstGeom prst="rect">
+                <a:avLst/>
+              </a:prstGeom>
+              <a:noFill/>
+            </p:spPr>
+            <p:txBody>
+              <a:bodyPr wrap="none" rtlCol="0">
+                <a:spAutoFit/>
+              </a:bodyPr>
+              <a:lstStyle/>
+              <a:p>
+                <a:r>
+                  <a:rPr lang="en-US" sz="900" dirty="0">
+                    <a:solidFill>
+                      <a:schemeClr val="tx1">
+                        <a:lumMod val="75000"/>
+                        <a:lumOff val="25000"/>
+                      </a:schemeClr>
+                    </a:solidFill>
+                    <a:ea typeface="Verdana" panose="020B0604030504040204" pitchFamily="34" charset="0"/>
+                    <a:cs typeface="Times New Roman" panose="02020603050405020304" pitchFamily="18" charset="0"/>
+                  </a:rPr>
+                  <a:t>200 </a:t>
+                </a:r>
+                <a:r>
+                  <a:rPr lang="en-US" sz="900" i="1" dirty="0">
+                    <a:solidFill>
+                      <a:schemeClr val="tx1">
+                        <a:lumMod val="75000"/>
+                        <a:lumOff val="25000"/>
+                      </a:schemeClr>
+                    </a:solidFill>
+                    <a:latin typeface="Times New Roman" panose="02020603050405020304" pitchFamily="18" charset="0"/>
+                    <a:ea typeface="Verdana" panose="020B0604030504040204" pitchFamily="34" charset="0"/>
+                    <a:cs typeface="Times New Roman" panose="02020603050405020304" pitchFamily="18" charset="0"/>
+                  </a:rPr>
+                  <a:t>mm</a:t>
+                </a:r>
+              </a:p>
+            </p:txBody>
+          </p:sp>
+          <p:cxnSp>
+            <p:nvCxnSpPr>
+              <p:cNvPr id="37" name="Straight Connector 36"/>
+              <p:cNvCxnSpPr/>
+              <p:nvPr/>
+            </p:nvCxnSpPr>
+            <p:spPr>
+              <a:xfrm>
+                <a:off x="374981" y="2269722"/>
+                <a:ext cx="668167" cy="0"/>
+              </a:xfrm>
+              <a:prstGeom prst="line">
+                <a:avLst/>
+              </a:prstGeom>
+              <a:ln w="3175">
+                <a:solidFill>
+                  <a:schemeClr val="tx1">
+                    <a:lumMod val="65000"/>
+                    <a:lumOff val="35000"/>
+                  </a:schemeClr>
+                </a:solidFill>
+                <a:headEnd type="arrow" w="sm" len="sm"/>
+                <a:tailEnd type="arrow" w="sm" len="sm"/>
+              </a:ln>
+            </p:spPr>
+            <p:style>
+              <a:lnRef idx="1">
+                <a:schemeClr val="accent1"/>
+              </a:lnRef>
+              <a:fillRef idx="0">
+                <a:schemeClr val="accent1"/>
+              </a:fillRef>
+              <a:effectRef idx="0">
+                <a:schemeClr val="accent1"/>
+              </a:effectRef>
+              <a:fontRef idx="minor">
+                <a:schemeClr val="tx1"/>
+              </a:fontRef>
+            </p:style>
+          </p:cxnSp>
+          <p:cxnSp>
+            <p:nvCxnSpPr>
+              <p:cNvPr id="38" name="Straight Connector 37"/>
+              <p:cNvCxnSpPr/>
+              <p:nvPr/>
+            </p:nvCxnSpPr>
+            <p:spPr>
+              <a:xfrm>
+                <a:off x="374981" y="2233146"/>
+                <a:ext cx="0" cy="73152"/>
+              </a:xfrm>
+              <a:prstGeom prst="line">
+                <a:avLst/>
+              </a:prstGeom>
+              <a:ln w="6350">
+                <a:solidFill>
+                  <a:schemeClr val="tx1">
+                    <a:lumMod val="65000"/>
+                    <a:lumOff val="35000"/>
+                  </a:schemeClr>
+                </a:solidFill>
+              </a:ln>
+            </p:spPr>
+            <p:style>
+              <a:lnRef idx="1">
+                <a:schemeClr val="accent1"/>
+              </a:lnRef>
+              <a:fillRef idx="0">
+                <a:schemeClr val="accent1"/>
+              </a:fillRef>
+              <a:effectRef idx="0">
+                <a:schemeClr val="accent1"/>
+              </a:effectRef>
+              <a:fontRef idx="minor">
+                <a:schemeClr val="tx1"/>
+              </a:fontRef>
+            </p:style>
+          </p:cxnSp>
+          <p:cxnSp>
+            <p:nvCxnSpPr>
+              <p:cNvPr id="39" name="Straight Connector 38"/>
+              <p:cNvCxnSpPr/>
+              <p:nvPr/>
+            </p:nvCxnSpPr>
+            <p:spPr>
+              <a:xfrm>
+                <a:off x="1699067" y="2269722"/>
+                <a:ext cx="1463040" cy="0"/>
+              </a:xfrm>
+              <a:prstGeom prst="line">
+                <a:avLst/>
+              </a:prstGeom>
+              <a:ln w="3175">
+                <a:solidFill>
+                  <a:schemeClr val="tx1">
+                    <a:lumMod val="65000"/>
+                    <a:lumOff val="35000"/>
+                  </a:schemeClr>
+                </a:solidFill>
+                <a:headEnd type="arrow" w="sm" len="sm"/>
+                <a:tailEnd type="arrow" w="sm" len="sm"/>
+              </a:ln>
+            </p:spPr>
+            <p:style>
+              <a:lnRef idx="1">
+                <a:schemeClr val="accent1"/>
+              </a:lnRef>
+              <a:fillRef idx="0">
+                <a:schemeClr val="accent1"/>
+              </a:fillRef>
+              <a:effectRef idx="0">
+                <a:schemeClr val="accent1"/>
+              </a:effectRef>
+              <a:fontRef idx="minor">
+                <a:schemeClr val="tx1"/>
+              </a:fontRef>
+            </p:style>
+          </p:cxnSp>
+          <p:cxnSp>
+            <p:nvCxnSpPr>
+              <p:cNvPr id="42" name="Straight Connector 41"/>
+              <p:cNvCxnSpPr/>
+              <p:nvPr/>
+            </p:nvCxnSpPr>
+            <p:spPr>
+              <a:xfrm>
+                <a:off x="3160795" y="2233146"/>
+                <a:ext cx="0" cy="73152"/>
+              </a:xfrm>
+              <a:prstGeom prst="line">
+                <a:avLst/>
+              </a:prstGeom>
+              <a:ln w="6350">
+                <a:solidFill>
+                  <a:schemeClr val="tx1">
+                    <a:lumMod val="65000"/>
+                    <a:lumOff val="35000"/>
+                  </a:schemeClr>
+                </a:solidFill>
+              </a:ln>
+            </p:spPr>
+            <p:style>
+              <a:lnRef idx="1">
+                <a:schemeClr val="accent1"/>
+              </a:lnRef>
+              <a:fillRef idx="0">
+                <a:schemeClr val="accent1"/>
+              </a:fillRef>
+              <a:effectRef idx="0">
+                <a:schemeClr val="accent1"/>
+              </a:effectRef>
+              <a:fontRef idx="minor">
+                <a:schemeClr val="tx1"/>
+              </a:fontRef>
+            </p:style>
+          </p:cxnSp>
+          <p:cxnSp>
+            <p:nvCxnSpPr>
+              <p:cNvPr id="43" name="Straight Connector 42"/>
+              <p:cNvCxnSpPr/>
+              <p:nvPr/>
+            </p:nvCxnSpPr>
+            <p:spPr>
+              <a:xfrm>
+                <a:off x="1039660" y="2233146"/>
+                <a:ext cx="0" cy="73152"/>
+              </a:xfrm>
+              <a:prstGeom prst="line">
+                <a:avLst/>
+              </a:prstGeom>
+              <a:ln w="6350">
+                <a:solidFill>
+                  <a:schemeClr val="tx1">
+                    <a:lumMod val="65000"/>
+                    <a:lumOff val="35000"/>
+                  </a:schemeClr>
+                </a:solidFill>
+              </a:ln>
+            </p:spPr>
+            <p:style>
+              <a:lnRef idx="1">
+                <a:schemeClr val="accent1"/>
+              </a:lnRef>
+              <a:fillRef idx="0">
+                <a:schemeClr val="accent1"/>
+              </a:fillRef>
+              <a:effectRef idx="0">
+                <a:schemeClr val="accent1"/>
+              </a:effectRef>
+              <a:fontRef idx="minor">
+                <a:schemeClr val="tx1"/>
+              </a:fontRef>
+            </p:style>
+          </p:cxnSp>
           <p:grpSp>
             <p:nvGrpSpPr>
               <p:cNvPr id="27" name="Group 26"/>
@@ -16534,7 +16645,7 @@
             </p:nvGrpSpPr>
             <p:grpSpPr>
               <a:xfrm>
-                <a:off x="740366" y="1106287"/>
+                <a:off x="116796" y="1372987"/>
                 <a:ext cx="37414" cy="970520"/>
                 <a:chOff x="2139145" y="2015931"/>
                 <a:chExt cx="91652" cy="2377440"/>
@@ -16665,10 +16776,10 @@
             </p:nvGrpSpPr>
             <p:grpSpPr>
               <a:xfrm>
-                <a:off x="707602" y="722917"/>
-                <a:ext cx="474063" cy="369549"/>
-                <a:chOff x="2075978" y="1059714"/>
-                <a:chExt cx="1161288" cy="905269"/>
+                <a:off x="79218" y="1018028"/>
+                <a:ext cx="474063" cy="332221"/>
+                <a:chOff x="2075978" y="1105460"/>
+                <a:chExt cx="1161288" cy="813828"/>
               </a:xfrm>
             </p:grpSpPr>
             <p:cxnSp>
@@ -16678,9 +16789,9 @@
                 <p:nvPr/>
               </p:nvCxnSpPr>
               <p:spPr>
-                <a:xfrm rot="8113105">
-                  <a:off x="3064905" y="1059714"/>
-                  <a:ext cx="0" cy="91440"/>
+                <a:xfrm rot="6540000">
+                  <a:off x="3064904" y="1059741"/>
+                  <a:ext cx="0" cy="91438"/>
                 </a:xfrm>
                 <a:prstGeom prst="line">
                   <a:avLst/>
@@ -16716,9 +16827,9 @@
                 <p:nvPr/>
               </p:nvCxnSpPr>
               <p:spPr>
-                <a:xfrm rot="8113105">
-                  <a:off x="2233511" y="1873543"/>
-                  <a:ext cx="0" cy="91440"/>
+                <a:xfrm rot="6540000">
+                  <a:off x="2233510" y="1873567"/>
+                  <a:ext cx="0" cy="91441"/>
                 </a:xfrm>
                 <a:prstGeom prst="line">
                   <a:avLst/>
@@ -16796,7 +16907,7 @@
             </p:nvSpPr>
             <p:spPr>
               <a:xfrm rot="16200000">
-                <a:off x="439089" y="1498747"/>
+                <a:off x="-165431" y="1765447"/>
                 <a:ext cx="495649" cy="230832"/>
               </a:xfrm>
               <a:prstGeom prst="rect">
@@ -16862,7 +16973,7 @@
             </p:nvSpPr>
             <p:spPr>
               <a:xfrm rot="18964025">
-                <a:off x="641642" y="731292"/>
+                <a:off x="34041" y="1030956"/>
                 <a:ext cx="495649" cy="230832"/>
               </a:xfrm>
               <a:prstGeom prst="rect">
@@ -16880,8 +16991,8 @@
                   <a:rPr lang="en-US" sz="900" dirty="0">
                     <a:solidFill>
                       <a:schemeClr val="tx1">
-                        <a:lumMod val="75000"/>
-                        <a:lumOff val="25000"/>
+                        <a:lumMod val="65000"/>
+                        <a:lumOff val="35000"/>
                       </a:schemeClr>
                     </a:solidFill>
                     <a:ea typeface="Verdana" panose="020B0604030504040204" pitchFamily="34" charset="0"/>
@@ -16893,8 +17004,8 @@
                   <a:rPr lang="en-US" sz="900" dirty="0">
                     <a:solidFill>
                       <a:schemeClr val="tx1">
-                        <a:lumMod val="75000"/>
-                        <a:lumOff val="25000"/>
+                        <a:lumMod val="65000"/>
+                        <a:lumOff val="35000"/>
                       </a:schemeClr>
                     </a:solidFill>
                     <a:latin typeface="Times New Roman" panose="02020603050405020304" pitchFamily="18" charset="0"/>
@@ -16907,8 +17018,8 @@
                   <a:rPr lang="en-US" sz="900" i="1" dirty="0">
                     <a:solidFill>
                       <a:schemeClr val="tx1">
-                        <a:lumMod val="75000"/>
-                        <a:lumOff val="25000"/>
+                        <a:lumMod val="65000"/>
+                        <a:lumOff val="35000"/>
                       </a:schemeClr>
                     </a:solidFill>
                     <a:latin typeface="Times New Roman" panose="02020603050405020304" pitchFamily="18" charset="0"/>
@@ -16928,7 +17039,7 @@
             </p:nvSpPr>
             <p:spPr>
               <a:xfrm>
-                <a:off x="4762" y="357188"/>
+                <a:off x="35242" y="357188"/>
                 <a:ext cx="3983038" cy="2271712"/>
               </a:xfrm>
               <a:prstGeom prst="rect">
@@ -16976,7 +17087,7 @@
             </p:nvSpPr>
             <p:spPr>
               <a:xfrm>
-                <a:off x="12700" y="361294"/>
+                <a:off x="43180" y="361294"/>
                 <a:ext cx="1572259" cy="230832"/>
               </a:xfrm>
               <a:prstGeom prst="rect">
@@ -17013,7 +17124,7 @@
             </p:nvGrpSpPr>
             <p:grpSpPr>
               <a:xfrm>
-                <a:off x="-49812" y="2404465"/>
+                <a:off x="-19332" y="2404465"/>
                 <a:ext cx="283415" cy="209076"/>
                 <a:chOff x="2001238" y="4855565"/>
                 <a:chExt cx="283415" cy="209076"/>
@@ -17113,8 +17224,8 @@
               </p:txBody>
             </p:sp>
           </p:grpSp>
-          <mc:AlternateContent xmlns:mc="http://schemas.openxmlformats.org/markup-compatibility/2006" xmlns:a14="http://schemas.microsoft.com/office/drawing/2010/main">
-            <mc:Choice Requires="a14">
+          <mc:AlternateContent xmlns:mc="http://schemas.openxmlformats.org/markup-compatibility/2006">
+            <mc:Choice xmlns:a14="http://schemas.microsoft.com/office/drawing/2010/main" Requires="a14">
               <p:sp>
                 <p:nvSpPr>
                   <p:cNvPr id="99" name="TextBox 98"/>
@@ -17123,7 +17234,7 @@
                 </p:nvSpPr>
                 <p:spPr>
                   <a:xfrm>
-                    <a:off x="1974812" y="1244092"/>
+                    <a:off x="2005292" y="1244092"/>
                     <a:ext cx="454355" cy="230832"/>
                   </a:xfrm>
                   <a:prstGeom prst="rect">
@@ -17183,7 +17294,7 @@
                 </p:txBody>
               </p:sp>
             </mc:Choice>
-            <mc:Fallback xmlns="">
+            <mc:Fallback>
               <p:sp>
                 <p:nvSpPr>
                   <p:cNvPr id="99" name="TextBox 98"/>
@@ -17194,14 +17305,14 @@
                 </p:nvSpPr>
                 <p:spPr>
                   <a:xfrm>
-                    <a:off x="1974812" y="1244092"/>
+                    <a:off x="2005292" y="1244092"/>
                     <a:ext cx="454355" cy="230832"/>
                   </a:xfrm>
                   <a:prstGeom prst="rect">
                     <a:avLst/>
                   </a:prstGeom>
                   <a:blipFill>
-                    <a:blip r:embed="rId19"/>
+                    <a:blip r:embed="rId20"/>
                     <a:stretch>
                       <a:fillRect b="-13158"/>
                     </a:stretch>
@@ -17230,7 +17341,7 @@
             </p:nvSpPr>
             <p:spPr>
               <a:xfrm>
-                <a:off x="2390749" y="1734325"/>
+                <a:off x="2421229" y="1734325"/>
                 <a:ext cx="1443726" cy="523220"/>
               </a:xfrm>
               <a:prstGeom prst="rect">
@@ -17246,7 +17357,7 @@
               <a:p>
                 <a:pPr algn="ctr"/>
                 <a:r>
-                  <a:rPr lang="en-US" sz="900" i="1" dirty="0">
+                  <a:rPr lang="en-US" sz="900" dirty="0">
                     <a:solidFill>
                       <a:schemeClr val="tx1">
                         <a:lumMod val="65000"/>
@@ -17260,7 +17371,7 @@
               <a:p>
                 <a:pPr algn="ctr"/>
                 <a:r>
-                  <a:rPr lang="en-US" sz="900" i="1" dirty="0">
+                  <a:rPr lang="en-US" sz="900" dirty="0">
                     <a:solidFill>
                       <a:schemeClr val="tx1">
                         <a:lumMod val="65000"/>
@@ -17281,7 +17392,7 @@
               </a:p>
               <a:p>
                 <a:pPr algn="ctr"/>
-                <a:endParaRPr lang="en-US" sz="1000" i="1" dirty="0">
+                <a:endParaRPr lang="en-US" sz="1000" dirty="0">
                   <a:solidFill>
                     <a:schemeClr val="tx1">
                       <a:lumMod val="65000"/>
@@ -17292,8 +17403,8 @@
               </a:p>
             </p:txBody>
           </p:sp>
-          <mc:AlternateContent xmlns:mc="http://schemas.openxmlformats.org/markup-compatibility/2006" xmlns:a14="http://schemas.microsoft.com/office/drawing/2010/main">
-            <mc:Choice Requires="a14">
+          <mc:AlternateContent xmlns:mc="http://schemas.openxmlformats.org/markup-compatibility/2006">
+            <mc:Choice xmlns:a14="http://schemas.microsoft.com/office/drawing/2010/main" Requires="a14">
               <p:sp>
                 <p:nvSpPr>
                   <p:cNvPr id="120" name="TextBox 119"/>
@@ -17302,7 +17413,7 @@
                 </p:nvSpPr>
                 <p:spPr>
                   <a:xfrm rot="16200000">
-                    <a:off x="3188554" y="1312692"/>
+                    <a:off x="3219034" y="1312692"/>
                     <a:ext cx="1395716" cy="230832"/>
                   </a:xfrm>
                   <a:prstGeom prst="rect">
@@ -17318,7 +17429,7 @@
                   <a:p>
                     <a:pPr algn="ctr"/>
                     <a:r>
-                      <a:rPr lang="en-US" sz="900" i="1" dirty="0">
+                      <a:rPr lang="en-US" sz="900" dirty="0">
                         <a:solidFill>
                           <a:schemeClr val="tx1">
                             <a:lumMod val="65000"/>
@@ -17331,7 +17442,10 @@
                     <a14:m>
                       <m:oMath xmlns:m="http://schemas.openxmlformats.org/officeDocument/2006/math">
                         <m:r>
-                          <a:rPr lang="en-US" sz="900" b="0" i="1" smtClean="0">
+                          <m:rPr>
+                            <m:sty m:val="p"/>
+                          </m:rPr>
+                          <a:rPr lang="en-US" sz="900" b="0" i="0" smtClean="0">
                             <a:solidFill>
                               <a:schemeClr val="tx1">
                                 <a:lumMod val="65000"/>
@@ -17340,19 +17454,7 @@
                             </a:solidFill>
                             <a:latin typeface="Cambria Math" panose="02040503050406030204" pitchFamily="18" charset="0"/>
                           </a:rPr>
-                          <m:t>𝜇</m:t>
-                        </m:r>
-                        <m:r>
-                          <a:rPr lang="en-US" sz="900" b="0" i="1" smtClean="0">
-                            <a:solidFill>
-                              <a:schemeClr val="tx1">
-                                <a:lumMod val="65000"/>
-                                <a:lumOff val="35000"/>
-                              </a:schemeClr>
-                            </a:solidFill>
-                            <a:latin typeface="Cambria Math" panose="02040503050406030204" pitchFamily="18" charset="0"/>
-                          </a:rPr>
-                          <m:t>𝑚</m:t>
+                          <m:t>μm</m:t>
                         </m:r>
                       </m:oMath>
                     </a14:m>
@@ -17368,7 +17470,7 @@
                 </p:txBody>
               </p:sp>
             </mc:Choice>
-            <mc:Fallback xmlns="">
+            <mc:Fallback>
               <p:sp>
                 <p:nvSpPr>
                   <p:cNvPr id="120" name="TextBox 119"/>
@@ -17379,14 +17481,14 @@
                 </p:nvSpPr>
                 <p:spPr>
                   <a:xfrm rot="16200000">
-                    <a:off x="3188554" y="1312692"/>
+                    <a:off x="3219034" y="1312692"/>
                     <a:ext cx="1395716" cy="230832"/>
                   </a:xfrm>
                   <a:prstGeom prst="rect">
                     <a:avLst/>
                   </a:prstGeom>
                   <a:blipFill>
-                    <a:blip r:embed="rId20"/>
+                    <a:blip r:embed="rId21"/>
                     <a:stretch>
                       <a:fillRect r="-13514"/>
                     </a:stretch>
@@ -17407,8 +17509,8 @@
               </p:sp>
             </mc:Fallback>
           </mc:AlternateContent>
-          <mc:AlternateContent xmlns:mc="http://schemas.openxmlformats.org/markup-compatibility/2006" xmlns:a14="http://schemas.microsoft.com/office/drawing/2010/main">
-            <mc:Choice Requires="a14">
+          <mc:AlternateContent xmlns:mc="http://schemas.openxmlformats.org/markup-compatibility/2006">
+            <mc:Choice xmlns:a14="http://schemas.microsoft.com/office/drawing/2010/main" Requires="a14">
               <p:sp>
                 <p:nvSpPr>
                   <p:cNvPr id="26" name="TextBox 25"/>
@@ -17417,7 +17519,7 @@
                 </p:nvSpPr>
                 <p:spPr>
                   <a:xfrm>
-                    <a:off x="2201361" y="2407698"/>
+                    <a:off x="2231841" y="2407698"/>
                     <a:ext cx="1911101" cy="230832"/>
                   </a:xfrm>
                   <a:prstGeom prst="rect">
@@ -17507,7 +17609,7 @@
                 </p:txBody>
               </p:sp>
             </mc:Choice>
-            <mc:Fallback xmlns="">
+            <mc:Fallback>
               <p:sp>
                 <p:nvSpPr>
                   <p:cNvPr id="26" name="TextBox 25"/>
@@ -17518,14 +17620,14 @@
                 </p:nvSpPr>
                 <p:spPr>
                   <a:xfrm>
-                    <a:off x="2201361" y="2407698"/>
+                    <a:off x="2231841" y="2407698"/>
                     <a:ext cx="1911101" cy="230832"/>
                   </a:xfrm>
                   <a:prstGeom prst="rect">
                     <a:avLst/>
                   </a:prstGeom>
                   <a:blipFill>
-                    <a:blip r:embed="rId21"/>
+                    <a:blip r:embed="rId22"/>
                     <a:stretch>
                       <a:fillRect b="-5263"/>
                     </a:stretch>
